--- a/1161.cs330-social_graphs_and_semantic_analytics.pptx
+++ b/1161.cs330-social_graphs_and_semantic_analytics.pptx
@@ -8,6 +8,19 @@
     <p:sldId id="256" r:id="rId2"/>
     <p:sldId id="257" r:id="rId3"/>
     <p:sldId id="258" r:id="rId4"/>
+    <p:sldId id="260" r:id="rId5"/>
+    <p:sldId id="259" r:id="rId6"/>
+    <p:sldId id="261" r:id="rId7"/>
+    <p:sldId id="264" r:id="rId8"/>
+    <p:sldId id="262" r:id="rId9"/>
+    <p:sldId id="263" r:id="rId10"/>
+    <p:sldId id="266" r:id="rId11"/>
+    <p:sldId id="265" r:id="rId12"/>
+    <p:sldId id="267" r:id="rId13"/>
+    <p:sldId id="268" r:id="rId14"/>
+    <p:sldId id="269" r:id="rId15"/>
+    <p:sldId id="270" r:id="rId16"/>
+    <p:sldId id="271" r:id="rId17"/>
   </p:sldIdLst>
   <p:sldSz cx="9144000" cy="6858000" type="letter"/>
   <p:notesSz cx="6858000" cy="9144000"/>
@@ -3455,7 +3468,7 @@
           <a:p>
             <a:fld id="{0B42B3BC-4525-0549-9E37-8A994CE92E19}" type="datetimeFigureOut">
               <a:rPr lang="en-US" smtClean="0"/>
-              <a:t>3/18/16</a:t>
+              <a:t>3/20/16</a:t>
             </a:fld>
             <a:endParaRPr lang="en-US"/>
           </a:p>
@@ -3625,7 +3638,7 @@
           <a:p>
             <a:fld id="{0B42B3BC-4525-0549-9E37-8A994CE92E19}" type="datetimeFigureOut">
               <a:rPr lang="en-US" smtClean="0"/>
-              <a:t>3/18/16</a:t>
+              <a:t>3/20/16</a:t>
             </a:fld>
             <a:endParaRPr lang="en-US"/>
           </a:p>
@@ -3805,7 +3818,7 @@
           <a:p>
             <a:fld id="{0B42B3BC-4525-0549-9E37-8A994CE92E19}" type="datetimeFigureOut">
               <a:rPr lang="en-US" smtClean="0"/>
-              <a:t>3/18/16</a:t>
+              <a:t>3/20/16</a:t>
             </a:fld>
             <a:endParaRPr lang="en-US"/>
           </a:p>
@@ -3975,7 +3988,7 @@
           <a:p>
             <a:fld id="{0B42B3BC-4525-0549-9E37-8A994CE92E19}" type="datetimeFigureOut">
               <a:rPr lang="en-US" smtClean="0"/>
-              <a:t>3/18/16</a:t>
+              <a:t>3/20/16</a:t>
             </a:fld>
             <a:endParaRPr lang="en-US"/>
           </a:p>
@@ -4219,7 +4232,7 @@
           <a:p>
             <a:fld id="{0B42B3BC-4525-0549-9E37-8A994CE92E19}" type="datetimeFigureOut">
               <a:rPr lang="en-US" smtClean="0"/>
-              <a:t>3/18/16</a:t>
+              <a:t>3/20/16</a:t>
             </a:fld>
             <a:endParaRPr lang="en-US"/>
           </a:p>
@@ -4451,7 +4464,7 @@
           <a:p>
             <a:fld id="{0B42B3BC-4525-0549-9E37-8A994CE92E19}" type="datetimeFigureOut">
               <a:rPr lang="en-US" smtClean="0"/>
-              <a:t>3/18/16</a:t>
+              <a:t>3/20/16</a:t>
             </a:fld>
             <a:endParaRPr lang="en-US"/>
           </a:p>
@@ -4818,7 +4831,7 @@
           <a:p>
             <a:fld id="{0B42B3BC-4525-0549-9E37-8A994CE92E19}" type="datetimeFigureOut">
               <a:rPr lang="en-US" smtClean="0"/>
-              <a:t>3/18/16</a:t>
+              <a:t>3/20/16</a:t>
             </a:fld>
             <a:endParaRPr lang="en-US"/>
           </a:p>
@@ -4936,7 +4949,7 @@
           <a:p>
             <a:fld id="{0B42B3BC-4525-0549-9E37-8A994CE92E19}" type="datetimeFigureOut">
               <a:rPr lang="en-US" smtClean="0"/>
-              <a:t>3/18/16</a:t>
+              <a:t>3/20/16</a:t>
             </a:fld>
             <a:endParaRPr lang="en-US"/>
           </a:p>
@@ -5031,7 +5044,7 @@
           <a:p>
             <a:fld id="{0B42B3BC-4525-0549-9E37-8A994CE92E19}" type="datetimeFigureOut">
               <a:rPr lang="en-US" smtClean="0"/>
-              <a:t>3/18/16</a:t>
+              <a:t>3/20/16</a:t>
             </a:fld>
             <a:endParaRPr lang="en-US"/>
           </a:p>
@@ -5308,7 +5321,7 @@
           <a:p>
             <a:fld id="{0B42B3BC-4525-0549-9E37-8A994CE92E19}" type="datetimeFigureOut">
               <a:rPr lang="en-US" smtClean="0"/>
-              <a:t>3/18/16</a:t>
+              <a:t>3/20/16</a:t>
             </a:fld>
             <a:endParaRPr lang="en-US"/>
           </a:p>
@@ -5565,7 +5578,7 @@
           <a:p>
             <a:fld id="{0B42B3BC-4525-0549-9E37-8A994CE92E19}" type="datetimeFigureOut">
               <a:rPr lang="en-US" smtClean="0"/>
-              <a:t>3/18/16</a:t>
+              <a:t>3/20/16</a:t>
             </a:fld>
             <a:endParaRPr lang="en-US"/>
           </a:p>
@@ -5778,7 +5791,7 @@
           <a:p>
             <a:fld id="{0B42B3BC-4525-0549-9E37-8A994CE92E19}" type="datetimeFigureOut">
               <a:rPr lang="en-US" smtClean="0"/>
-              <a:t>3/18/16</a:t>
+              <a:t>3/20/16</a:t>
             </a:fld>
             <a:endParaRPr lang="en-US"/>
           </a:p>
@@ -6302,7 +6315,18 @@
                 </a:solidFill>
                 <a:effectLst/>
               </a:rPr>
-              <a:t>Prepared guest lecture for Class 11 of W16 cs330 offering.</a:t>
+              <a:t>Prepared guest lecture for Class 11 of W16 </a:t>
+            </a:r>
+            <a:r>
+              <a:rPr lang="en-US" dirty="0" smtClean="0">
+                <a:solidFill>
+                  <a:schemeClr val="accent6">
+                    <a:lumMod val="50000"/>
+                  </a:schemeClr>
+                </a:solidFill>
+                <a:effectLst/>
+              </a:rPr>
+              <a:t>cs330.</a:t>
             </a:r>
             <a:endParaRPr lang="en-US" dirty="0">
               <a:solidFill>
@@ -6332,6 +6356,518 @@
       </p:par>
     </p:tnLst>
   </p:timing>
+</p:sld>
+</file>
+
+<file path=ppt/slides/slide10.xml><?xml version="1.0" encoding="utf-8"?>
+<p:sld xmlns:a="http://schemas.openxmlformats.org/drawingml/2006/main" xmlns:r="http://schemas.openxmlformats.org/officeDocument/2006/relationships" xmlns:p="http://schemas.openxmlformats.org/presentationml/2006/main">
+  <p:cSld>
+    <p:spTree>
+      <p:nvGrpSpPr>
+        <p:cNvPr id="1" name=""/>
+        <p:cNvGrpSpPr/>
+        <p:nvPr/>
+      </p:nvGrpSpPr>
+      <p:grpSpPr>
+        <a:xfrm>
+          <a:off x="0" y="0"/>
+          <a:ext cx="0" cy="0"/>
+          <a:chOff x="0" y="0"/>
+          <a:chExt cx="0" cy="0"/>
+        </a:xfrm>
+      </p:grpSpPr>
+      <p:sp>
+        <p:nvSpPr>
+          <p:cNvPr id="2" name="Title 1"/>
+          <p:cNvSpPr>
+            <a:spLocks noGrp="1"/>
+          </p:cNvSpPr>
+          <p:nvPr>
+            <p:ph type="title"/>
+          </p:nvPr>
+        </p:nvSpPr>
+        <p:spPr/>
+        <p:txBody>
+          <a:bodyPr/>
+          <a:lstStyle/>
+          <a:p>
+            <a:r>
+              <a:rPr lang="en-US" dirty="0" smtClean="0"/>
+              <a:t>Web 2.0: URLs</a:t>
+            </a:r>
+            <a:endParaRPr lang="en-US" dirty="0"/>
+          </a:p>
+        </p:txBody>
+      </p:sp>
+      <p:sp>
+        <p:nvSpPr>
+          <p:cNvPr id="3" name="Content Placeholder 2"/>
+          <p:cNvSpPr>
+            <a:spLocks noGrp="1"/>
+          </p:cNvSpPr>
+          <p:nvPr>
+            <p:ph idx="1"/>
+          </p:nvPr>
+        </p:nvSpPr>
+        <p:spPr/>
+        <p:txBody>
+          <a:bodyPr/>
+          <a:lstStyle/>
+          <a:p>
+            <a:endParaRPr lang="en-US"/>
+          </a:p>
+        </p:txBody>
+      </p:sp>
+    </p:spTree>
+    <p:extLst>
+      <p:ext uri="{BB962C8B-B14F-4D97-AF65-F5344CB8AC3E}">
+        <p14:creationId xmlns:p14="http://schemas.microsoft.com/office/powerpoint/2010/main" val="389905828"/>
+      </p:ext>
+    </p:extLst>
+  </p:cSld>
+  <p:clrMapOvr>
+    <a:masterClrMapping/>
+  </p:clrMapOvr>
+</p:sld>
+</file>
+
+<file path=ppt/slides/slide11.xml><?xml version="1.0" encoding="utf-8"?>
+<p:sld xmlns:a="http://schemas.openxmlformats.org/drawingml/2006/main" xmlns:r="http://schemas.openxmlformats.org/officeDocument/2006/relationships" xmlns:p="http://schemas.openxmlformats.org/presentationml/2006/main">
+  <p:cSld>
+    <p:spTree>
+      <p:nvGrpSpPr>
+        <p:cNvPr id="1" name=""/>
+        <p:cNvGrpSpPr/>
+        <p:nvPr/>
+      </p:nvGrpSpPr>
+      <p:grpSpPr>
+        <a:xfrm>
+          <a:off x="0" y="0"/>
+          <a:ext cx="0" cy="0"/>
+          <a:chOff x="0" y="0"/>
+          <a:chExt cx="0" cy="0"/>
+        </a:xfrm>
+      </p:grpSpPr>
+      <p:sp>
+        <p:nvSpPr>
+          <p:cNvPr id="2" name="Title 1"/>
+          <p:cNvSpPr>
+            <a:spLocks noGrp="1"/>
+          </p:cNvSpPr>
+          <p:nvPr>
+            <p:ph type="title"/>
+          </p:nvPr>
+        </p:nvSpPr>
+        <p:spPr/>
+        <p:txBody>
+          <a:bodyPr/>
+          <a:lstStyle/>
+          <a:p>
+            <a:r>
+              <a:rPr lang="en-US" dirty="0" smtClean="0"/>
+              <a:t>Web 2.0: HTML w/ (JS + CSS)</a:t>
+            </a:r>
+            <a:endParaRPr lang="en-US" dirty="0"/>
+          </a:p>
+        </p:txBody>
+      </p:sp>
+      <p:sp>
+        <p:nvSpPr>
+          <p:cNvPr id="3" name="Content Placeholder 2"/>
+          <p:cNvSpPr>
+            <a:spLocks noGrp="1"/>
+          </p:cNvSpPr>
+          <p:nvPr>
+            <p:ph idx="1"/>
+          </p:nvPr>
+        </p:nvSpPr>
+        <p:spPr/>
+        <p:txBody>
+          <a:bodyPr/>
+          <a:lstStyle/>
+          <a:p>
+            <a:endParaRPr lang="en-US"/>
+          </a:p>
+        </p:txBody>
+      </p:sp>
+    </p:spTree>
+    <p:extLst>
+      <p:ext uri="{BB962C8B-B14F-4D97-AF65-F5344CB8AC3E}">
+        <p14:creationId xmlns:p14="http://schemas.microsoft.com/office/powerpoint/2010/main" val="400762058"/>
+      </p:ext>
+    </p:extLst>
+  </p:cSld>
+  <p:clrMapOvr>
+    <a:masterClrMapping/>
+  </p:clrMapOvr>
+</p:sld>
+</file>
+
+<file path=ppt/slides/slide12.xml><?xml version="1.0" encoding="utf-8"?>
+<p:sld xmlns:a="http://schemas.openxmlformats.org/drawingml/2006/main" xmlns:r="http://schemas.openxmlformats.org/officeDocument/2006/relationships" xmlns:p="http://schemas.openxmlformats.org/presentationml/2006/main">
+  <p:cSld>
+    <p:spTree>
+      <p:nvGrpSpPr>
+        <p:cNvPr id="1" name=""/>
+        <p:cNvGrpSpPr/>
+        <p:nvPr/>
+      </p:nvGrpSpPr>
+      <p:grpSpPr>
+        <a:xfrm>
+          <a:off x="0" y="0"/>
+          <a:ext cx="0" cy="0"/>
+          <a:chOff x="0" y="0"/>
+          <a:chExt cx="0" cy="0"/>
+        </a:xfrm>
+      </p:grpSpPr>
+      <p:sp>
+        <p:nvSpPr>
+          <p:cNvPr id="2" name="Title 1"/>
+          <p:cNvSpPr>
+            <a:spLocks noGrp="1"/>
+          </p:cNvSpPr>
+          <p:nvPr>
+            <p:ph type="title"/>
+          </p:nvPr>
+        </p:nvSpPr>
+        <p:spPr/>
+        <p:txBody>
+          <a:bodyPr/>
+          <a:lstStyle/>
+          <a:p>
+            <a:r>
+              <a:rPr lang="en-US" dirty="0" smtClean="0"/>
+              <a:t>Web 2.0: XML</a:t>
+            </a:r>
+            <a:endParaRPr lang="en-US" dirty="0"/>
+          </a:p>
+        </p:txBody>
+      </p:sp>
+      <p:sp>
+        <p:nvSpPr>
+          <p:cNvPr id="3" name="Content Placeholder 2"/>
+          <p:cNvSpPr>
+            <a:spLocks noGrp="1"/>
+          </p:cNvSpPr>
+          <p:nvPr>
+            <p:ph idx="1"/>
+          </p:nvPr>
+        </p:nvSpPr>
+        <p:spPr/>
+        <p:txBody>
+          <a:bodyPr/>
+          <a:lstStyle/>
+          <a:p>
+            <a:endParaRPr lang="en-US"/>
+          </a:p>
+        </p:txBody>
+      </p:sp>
+    </p:spTree>
+    <p:extLst>
+      <p:ext uri="{BB962C8B-B14F-4D97-AF65-F5344CB8AC3E}">
+        <p14:creationId xmlns:p14="http://schemas.microsoft.com/office/powerpoint/2010/main" val="1461253917"/>
+      </p:ext>
+    </p:extLst>
+  </p:cSld>
+  <p:clrMapOvr>
+    <a:masterClrMapping/>
+  </p:clrMapOvr>
+</p:sld>
+</file>
+
+<file path=ppt/slides/slide13.xml><?xml version="1.0" encoding="utf-8"?>
+<p:sld xmlns:a="http://schemas.openxmlformats.org/drawingml/2006/main" xmlns:r="http://schemas.openxmlformats.org/officeDocument/2006/relationships" xmlns:p="http://schemas.openxmlformats.org/presentationml/2006/main">
+  <p:cSld>
+    <p:spTree>
+      <p:nvGrpSpPr>
+        <p:cNvPr id="1" name=""/>
+        <p:cNvGrpSpPr/>
+        <p:nvPr/>
+      </p:nvGrpSpPr>
+      <p:grpSpPr>
+        <a:xfrm>
+          <a:off x="0" y="0"/>
+          <a:ext cx="0" cy="0"/>
+          <a:chOff x="0" y="0"/>
+          <a:chExt cx="0" cy="0"/>
+        </a:xfrm>
+      </p:grpSpPr>
+      <p:sp>
+        <p:nvSpPr>
+          <p:cNvPr id="2" name="Title 1"/>
+          <p:cNvSpPr>
+            <a:spLocks noGrp="1"/>
+          </p:cNvSpPr>
+          <p:nvPr>
+            <p:ph type="title"/>
+          </p:nvPr>
+        </p:nvSpPr>
+        <p:spPr/>
+        <p:txBody>
+          <a:bodyPr/>
+          <a:lstStyle/>
+          <a:p>
+            <a:r>
+              <a:rPr lang="en-US" dirty="0" smtClean="0"/>
+              <a:t>Web 2.0: Web Services</a:t>
+            </a:r>
+            <a:endParaRPr lang="en-US" dirty="0"/>
+          </a:p>
+        </p:txBody>
+      </p:sp>
+      <p:sp>
+        <p:nvSpPr>
+          <p:cNvPr id="3" name="Content Placeholder 2"/>
+          <p:cNvSpPr>
+            <a:spLocks noGrp="1"/>
+          </p:cNvSpPr>
+          <p:nvPr>
+            <p:ph idx="1"/>
+          </p:nvPr>
+        </p:nvSpPr>
+        <p:spPr/>
+        <p:txBody>
+          <a:bodyPr/>
+          <a:lstStyle/>
+          <a:p>
+            <a:endParaRPr lang="en-US"/>
+          </a:p>
+        </p:txBody>
+      </p:sp>
+    </p:spTree>
+    <p:extLst>
+      <p:ext uri="{BB962C8B-B14F-4D97-AF65-F5344CB8AC3E}">
+        <p14:creationId xmlns:p14="http://schemas.microsoft.com/office/powerpoint/2010/main" val="1620994905"/>
+      </p:ext>
+    </p:extLst>
+  </p:cSld>
+  <p:clrMapOvr>
+    <a:masterClrMapping/>
+  </p:clrMapOvr>
+</p:sld>
+</file>
+
+<file path=ppt/slides/slide14.xml><?xml version="1.0" encoding="utf-8"?>
+<p:sld xmlns:a="http://schemas.openxmlformats.org/drawingml/2006/main" xmlns:r="http://schemas.openxmlformats.org/officeDocument/2006/relationships" xmlns:p="http://schemas.openxmlformats.org/presentationml/2006/main">
+  <p:cSld>
+    <p:spTree>
+      <p:nvGrpSpPr>
+        <p:cNvPr id="1" name=""/>
+        <p:cNvGrpSpPr/>
+        <p:nvPr/>
+      </p:nvGrpSpPr>
+      <p:grpSpPr>
+        <a:xfrm>
+          <a:off x="0" y="0"/>
+          <a:ext cx="0" cy="0"/>
+          <a:chOff x="0" y="0"/>
+          <a:chExt cx="0" cy="0"/>
+        </a:xfrm>
+      </p:grpSpPr>
+      <p:sp>
+        <p:nvSpPr>
+          <p:cNvPr id="2" name="Title 1"/>
+          <p:cNvSpPr>
+            <a:spLocks noGrp="1"/>
+          </p:cNvSpPr>
+          <p:nvPr>
+            <p:ph type="title"/>
+          </p:nvPr>
+        </p:nvSpPr>
+        <p:spPr/>
+        <p:txBody>
+          <a:bodyPr/>
+          <a:lstStyle/>
+          <a:p>
+            <a:r>
+              <a:rPr lang="en-US" dirty="0" smtClean="0"/>
+              <a:t>Web 2.0: SOAP</a:t>
+            </a:r>
+            <a:endParaRPr lang="en-US" dirty="0"/>
+          </a:p>
+        </p:txBody>
+      </p:sp>
+      <p:sp>
+        <p:nvSpPr>
+          <p:cNvPr id="3" name="Content Placeholder 2"/>
+          <p:cNvSpPr>
+            <a:spLocks noGrp="1"/>
+          </p:cNvSpPr>
+          <p:nvPr>
+            <p:ph idx="1"/>
+          </p:nvPr>
+        </p:nvSpPr>
+        <p:spPr/>
+        <p:txBody>
+          <a:bodyPr/>
+          <a:lstStyle/>
+          <a:p>
+            <a:endParaRPr lang="en-US"/>
+          </a:p>
+        </p:txBody>
+      </p:sp>
+    </p:spTree>
+    <p:extLst>
+      <p:ext uri="{BB962C8B-B14F-4D97-AF65-F5344CB8AC3E}">
+        <p14:creationId xmlns:p14="http://schemas.microsoft.com/office/powerpoint/2010/main" val="815741486"/>
+      </p:ext>
+    </p:extLst>
+  </p:cSld>
+  <p:clrMapOvr>
+    <a:masterClrMapping/>
+  </p:clrMapOvr>
+</p:sld>
+</file>
+
+<file path=ppt/slides/slide15.xml><?xml version="1.0" encoding="utf-8"?>
+<p:sld xmlns:a="http://schemas.openxmlformats.org/drawingml/2006/main" xmlns:r="http://schemas.openxmlformats.org/officeDocument/2006/relationships" xmlns:p="http://schemas.openxmlformats.org/presentationml/2006/main">
+  <p:cSld>
+    <p:spTree>
+      <p:nvGrpSpPr>
+        <p:cNvPr id="1" name=""/>
+        <p:cNvGrpSpPr/>
+        <p:nvPr/>
+      </p:nvGrpSpPr>
+      <p:grpSpPr>
+        <a:xfrm>
+          <a:off x="0" y="0"/>
+          <a:ext cx="0" cy="0"/>
+          <a:chOff x="0" y="0"/>
+          <a:chExt cx="0" cy="0"/>
+        </a:xfrm>
+      </p:grpSpPr>
+      <p:sp>
+        <p:nvSpPr>
+          <p:cNvPr id="2" name="Title 1"/>
+          <p:cNvSpPr>
+            <a:spLocks noGrp="1"/>
+          </p:cNvSpPr>
+          <p:nvPr>
+            <p:ph type="title"/>
+          </p:nvPr>
+        </p:nvSpPr>
+        <p:spPr/>
+        <p:txBody>
+          <a:bodyPr/>
+          <a:lstStyle/>
+          <a:p>
+            <a:r>
+              <a:rPr lang="en-US" dirty="0" smtClean="0"/>
+              <a:t>Web 2.0: </a:t>
+            </a:r>
+            <a:r>
+              <a:rPr lang="en-US" dirty="0" err="1" smtClean="0"/>
+              <a:t>RESTful</a:t>
+            </a:r>
+            <a:r>
+              <a:rPr lang="en-US" dirty="0" smtClean="0"/>
+              <a:t> JSON</a:t>
+            </a:r>
+            <a:endParaRPr lang="en-US" dirty="0"/>
+          </a:p>
+        </p:txBody>
+      </p:sp>
+      <p:sp>
+        <p:nvSpPr>
+          <p:cNvPr id="3" name="Content Placeholder 2"/>
+          <p:cNvSpPr>
+            <a:spLocks noGrp="1"/>
+          </p:cNvSpPr>
+          <p:nvPr>
+            <p:ph idx="1"/>
+          </p:nvPr>
+        </p:nvSpPr>
+        <p:spPr/>
+        <p:txBody>
+          <a:bodyPr/>
+          <a:lstStyle/>
+          <a:p>
+            <a:endParaRPr lang="en-US"/>
+          </a:p>
+        </p:txBody>
+      </p:sp>
+    </p:spTree>
+    <p:extLst>
+      <p:ext uri="{BB962C8B-B14F-4D97-AF65-F5344CB8AC3E}">
+        <p14:creationId xmlns:p14="http://schemas.microsoft.com/office/powerpoint/2010/main" val="1586755597"/>
+      </p:ext>
+    </p:extLst>
+  </p:cSld>
+  <p:clrMapOvr>
+    <a:masterClrMapping/>
+  </p:clrMapOvr>
+</p:sld>
+</file>
+
+<file path=ppt/slides/slide16.xml><?xml version="1.0" encoding="utf-8"?>
+<p:sld xmlns:a="http://schemas.openxmlformats.org/drawingml/2006/main" xmlns:r="http://schemas.openxmlformats.org/officeDocument/2006/relationships" xmlns:p="http://schemas.openxmlformats.org/presentationml/2006/main">
+  <p:cSld>
+    <p:spTree>
+      <p:nvGrpSpPr>
+        <p:cNvPr id="1" name=""/>
+        <p:cNvGrpSpPr/>
+        <p:nvPr/>
+      </p:nvGrpSpPr>
+      <p:grpSpPr>
+        <a:xfrm>
+          <a:off x="0" y="0"/>
+          <a:ext cx="0" cy="0"/>
+          <a:chOff x="0" y="0"/>
+          <a:chExt cx="0" cy="0"/>
+        </a:xfrm>
+      </p:grpSpPr>
+      <p:sp>
+        <p:nvSpPr>
+          <p:cNvPr id="2" name="Title 1"/>
+          <p:cNvSpPr>
+            <a:spLocks noGrp="1"/>
+          </p:cNvSpPr>
+          <p:nvPr>
+            <p:ph type="title"/>
+          </p:nvPr>
+        </p:nvSpPr>
+        <p:spPr/>
+        <p:txBody>
+          <a:bodyPr/>
+          <a:lstStyle/>
+          <a:p>
+            <a:r>
+              <a:rPr lang="en-US" dirty="0" smtClean="0"/>
+              <a:t>Infrastructure: Web 3.0- Semantic</a:t>
+            </a:r>
+            <a:endParaRPr lang="en-US" dirty="0"/>
+          </a:p>
+        </p:txBody>
+      </p:sp>
+      <p:sp>
+        <p:nvSpPr>
+          <p:cNvPr id="3" name="Content Placeholder 2"/>
+          <p:cNvSpPr>
+            <a:spLocks noGrp="1"/>
+          </p:cNvSpPr>
+          <p:nvPr>
+            <p:ph idx="1"/>
+          </p:nvPr>
+        </p:nvSpPr>
+        <p:spPr/>
+        <p:txBody>
+          <a:bodyPr/>
+          <a:lstStyle/>
+          <a:p>
+            <a:endParaRPr lang="en-US"/>
+          </a:p>
+        </p:txBody>
+      </p:sp>
+    </p:spTree>
+    <p:extLst>
+      <p:ext uri="{BB962C8B-B14F-4D97-AF65-F5344CB8AC3E}">
+        <p14:creationId xmlns:p14="http://schemas.microsoft.com/office/powerpoint/2010/main" val="558990600"/>
+      </p:ext>
+    </p:extLst>
+  </p:cSld>
+  <p:clrMapOvr>
+    <a:masterClrMapping/>
+  </p:clrMapOvr>
 </p:sld>
 </file>
 
@@ -6444,12 +6980,8 @@
               <a:rPr lang="en-US" b="1" dirty="0"/>
             </a:br>
             <a:r>
-              <a:rPr lang="en-US" sz="4000" b="1" dirty="0" smtClean="0"/>
-              <a:t>“</a:t>
-            </a:r>
-            <a:r>
               <a:rPr lang="en-US" sz="4000" dirty="0" smtClean="0"/>
-              <a:t>Social Graphs and Semantic Analytics” </a:t>
+              <a:t>“Social Graphs and Semantic Analytics” </a:t>
             </a:r>
             <a:endParaRPr lang="en-US" sz="4000" dirty="0"/>
           </a:p>
@@ -6481,15 +7013,24 @@
             <a:pPr lvl="1"/>
             <a:r>
               <a:rPr lang="en-US" dirty="0" smtClean="0"/>
-              <a:t>Graph Theory</a:t>
+              <a:t>Graph </a:t>
+            </a:r>
+            <a:r>
+              <a:rPr lang="en-US" sz="1400" dirty="0" smtClean="0"/>
+              <a:t>(mathematics)</a:t>
             </a:r>
           </a:p>
           <a:p>
             <a:pPr lvl="1"/>
             <a:r>
               <a:rPr lang="en-US" dirty="0" smtClean="0"/>
-              <a:t>Semantics</a:t>
-            </a:r>
+              <a:t>Semantics </a:t>
+            </a:r>
+            <a:r>
+              <a:rPr lang="en-US" sz="1400" dirty="0" smtClean="0"/>
+              <a:t>(linguistics)</a:t>
+            </a:r>
+            <a:endParaRPr lang="en-US" sz="1400" dirty="0" smtClean="0"/>
           </a:p>
           <a:p>
             <a:r>
@@ -6577,12 +7118,8 @@
           <a:p>
             <a:pPr lvl="1"/>
             <a:r>
-              <a:rPr lang="en-US"/>
-              <a:t>H</a:t>
-            </a:r>
-            <a:r>
-              <a:rPr lang="en-US" smtClean="0"/>
-              <a:t>ow </a:t>
+              <a:rPr lang="en-US" dirty="0" smtClean="0"/>
+              <a:t>Where </a:t>
             </a:r>
             <a:r>
               <a:rPr lang="en-US" dirty="0" smtClean="0"/>
@@ -6897,15 +7434,33 @@
                                   </p:childTnLst>
                                 </p:cTn>
                               </p:par>
+                            </p:childTnLst>
+                          </p:cTn>
+                        </p:par>
+                      </p:childTnLst>
+                    </p:cTn>
+                  </p:par>
+                  <p:par>
+                    <p:cTn id="27" fill="hold">
+                      <p:stCondLst>
+                        <p:cond delay="indefinite"/>
+                      </p:stCondLst>
+                      <p:childTnLst>
+                        <p:par>
+                          <p:cTn id="28" fill="hold">
+                            <p:stCondLst>
+                              <p:cond delay="0"/>
+                            </p:stCondLst>
+                            <p:childTnLst>
                               <p:par>
-                                <p:cTn id="27" presetID="1" presetClass="entr" presetSubtype="0" fill="hold" nodeType="withEffect">
+                                <p:cTn id="29" presetID="1" presetClass="entr" presetSubtype="0" fill="hold" nodeType="clickEffect">
                                   <p:stCondLst>
                                     <p:cond delay="0"/>
                                   </p:stCondLst>
                                   <p:childTnLst>
                                     <p:set>
                                       <p:cBhvr>
-                                        <p:cTn id="28" dur="1" fill="hold">
+                                        <p:cTn id="30" dur="1" fill="hold">
                                           <p:stCondLst>
                                             <p:cond delay="0"/>
                                           </p:stCondLst>
@@ -6935,26 +7490,26 @@
                     </p:cTn>
                   </p:par>
                   <p:par>
-                    <p:cTn id="29" fill="hold">
+                    <p:cTn id="31" fill="hold">
                       <p:stCondLst>
                         <p:cond delay="indefinite"/>
                       </p:stCondLst>
                       <p:childTnLst>
                         <p:par>
-                          <p:cTn id="30" fill="hold">
+                          <p:cTn id="32" fill="hold">
                             <p:stCondLst>
                               <p:cond delay="0"/>
                             </p:stCondLst>
                             <p:childTnLst>
                               <p:par>
-                                <p:cTn id="31" presetID="1" presetClass="entr" presetSubtype="0" fill="hold" nodeType="clickEffect">
+                                <p:cTn id="33" presetID="1" presetClass="entr" presetSubtype="0" fill="hold" nodeType="clickEffect">
                                   <p:stCondLst>
                                     <p:cond delay="0"/>
                                   </p:stCondLst>
                                   <p:childTnLst>
                                     <p:set>
                                       <p:cBhvr>
-                                        <p:cTn id="32" dur="1" fill="hold">
+                                        <p:cTn id="34" dur="1" fill="hold">
                                           <p:stCondLst>
                                             <p:cond delay="0"/>
                                           </p:stCondLst>
@@ -6978,14 +7533,14 @@
                                 </p:cTn>
                               </p:par>
                               <p:par>
-                                <p:cTn id="33" presetID="1" presetClass="entr" presetSubtype="0" fill="hold" nodeType="withEffect">
+                                <p:cTn id="35" presetID="1" presetClass="entr" presetSubtype="0" fill="hold" nodeType="withEffect">
                                   <p:stCondLst>
                                     <p:cond delay="0"/>
                                   </p:stCondLst>
                                   <p:childTnLst>
                                     <p:set>
                                       <p:cBhvr>
-                                        <p:cTn id="34" dur="1" fill="hold">
+                                        <p:cTn id="36" dur="1" fill="hold">
                                           <p:stCondLst>
                                             <p:cond delay="0"/>
                                           </p:stCondLst>
@@ -7015,50 +7570,19 @@
                     </p:cTn>
                   </p:par>
                   <p:par>
-                    <p:cTn id="35" fill="hold">
+                    <p:cTn id="37" fill="hold">
                       <p:stCondLst>
                         <p:cond delay="indefinite"/>
                       </p:stCondLst>
                       <p:childTnLst>
                         <p:par>
-                          <p:cTn id="36" fill="hold">
+                          <p:cTn id="38" fill="hold">
                             <p:stCondLst>
                               <p:cond delay="0"/>
                             </p:stCondLst>
                             <p:childTnLst>
                               <p:par>
-                                <p:cTn id="37" presetID="1" presetClass="entr" presetSubtype="0" fill="hold" nodeType="clickEffect">
-                                  <p:stCondLst>
-                                    <p:cond delay="0"/>
-                                  </p:stCondLst>
-                                  <p:childTnLst>
-                                    <p:set>
-                                      <p:cBhvr>
-                                        <p:cTn id="38" dur="1" fill="hold">
-                                          <p:stCondLst>
-                                            <p:cond delay="0"/>
-                                          </p:stCondLst>
-                                        </p:cTn>
-                                        <p:tgtEl>
-                                          <p:spTgt spid="3">
-                                            <p:txEl>
-                                              <p:pRg st="7" end="7"/>
-                                            </p:txEl>
-                                          </p:spTgt>
-                                        </p:tgtEl>
-                                        <p:attrNameLst>
-                                          <p:attrName>style.visibility</p:attrName>
-                                        </p:attrNameLst>
-                                      </p:cBhvr>
-                                      <p:to>
-                                        <p:strVal val="visible"/>
-                                      </p:to>
-                                    </p:set>
-                                  </p:childTnLst>
-                                </p:cTn>
-                              </p:par>
-                              <p:par>
-                                <p:cTn id="39" presetID="1" presetClass="entr" presetSubtype="0" fill="hold" nodeType="withEffect">
+                                <p:cTn id="39" presetID="1" presetClass="entr" presetSubtype="0" fill="hold" nodeType="clickEffect">
                                   <p:stCondLst>
                                     <p:cond delay="0"/>
                                   </p:stCondLst>
@@ -7073,7 +7597,7 @@
                                         <p:tgtEl>
                                           <p:spTgt spid="3">
                                             <p:txEl>
-                                              <p:pRg st="8" end="8"/>
+                                              <p:pRg st="7" end="7"/>
                                             </p:txEl>
                                           </p:spTgt>
                                         </p:tgtEl>
@@ -7104,6 +7628,37 @@
                                         <p:tgtEl>
                                           <p:spTgt spid="3">
                                             <p:txEl>
+                                              <p:pRg st="8" end="8"/>
+                                            </p:txEl>
+                                          </p:spTgt>
+                                        </p:tgtEl>
+                                        <p:attrNameLst>
+                                          <p:attrName>style.visibility</p:attrName>
+                                        </p:attrNameLst>
+                                      </p:cBhvr>
+                                      <p:to>
+                                        <p:strVal val="visible"/>
+                                      </p:to>
+                                    </p:set>
+                                  </p:childTnLst>
+                                </p:cTn>
+                              </p:par>
+                              <p:par>
+                                <p:cTn id="43" presetID="1" presetClass="entr" presetSubtype="0" fill="hold" nodeType="withEffect">
+                                  <p:stCondLst>
+                                    <p:cond delay="0"/>
+                                  </p:stCondLst>
+                                  <p:childTnLst>
+                                    <p:set>
+                                      <p:cBhvr>
+                                        <p:cTn id="44" dur="1" fill="hold">
+                                          <p:stCondLst>
+                                            <p:cond delay="0"/>
+                                          </p:stCondLst>
+                                        </p:cTn>
+                                        <p:tgtEl>
+                                          <p:spTgt spid="3">
+                                            <p:txEl>
                                               <p:pRg st="9" end="9"/>
                                             </p:txEl>
                                           </p:spTgt>
@@ -7126,50 +7681,19 @@
                     </p:cTn>
                   </p:par>
                   <p:par>
-                    <p:cTn id="43" fill="hold">
+                    <p:cTn id="45" fill="hold">
                       <p:stCondLst>
                         <p:cond delay="indefinite"/>
                       </p:stCondLst>
                       <p:childTnLst>
                         <p:par>
-                          <p:cTn id="44" fill="hold">
+                          <p:cTn id="46" fill="hold">
                             <p:stCondLst>
                               <p:cond delay="0"/>
                             </p:stCondLst>
                             <p:childTnLst>
                               <p:par>
-                                <p:cTn id="45" presetID="1" presetClass="entr" presetSubtype="0" fill="hold" nodeType="clickEffect">
-                                  <p:stCondLst>
-                                    <p:cond delay="0"/>
-                                  </p:stCondLst>
-                                  <p:childTnLst>
-                                    <p:set>
-                                      <p:cBhvr>
-                                        <p:cTn id="46" dur="1" fill="hold">
-                                          <p:stCondLst>
-                                            <p:cond delay="0"/>
-                                          </p:stCondLst>
-                                        </p:cTn>
-                                        <p:tgtEl>
-                                          <p:spTgt spid="3">
-                                            <p:txEl>
-                                              <p:pRg st="11" end="11"/>
-                                            </p:txEl>
-                                          </p:spTgt>
-                                        </p:tgtEl>
-                                        <p:attrNameLst>
-                                          <p:attrName>style.visibility</p:attrName>
-                                        </p:attrNameLst>
-                                      </p:cBhvr>
-                                      <p:to>
-                                        <p:strVal val="visible"/>
-                                      </p:to>
-                                    </p:set>
-                                  </p:childTnLst>
-                                </p:cTn>
-                              </p:par>
-                              <p:par>
-                                <p:cTn id="47" presetID="1" presetClass="entr" presetSubtype="0" fill="hold" nodeType="withEffect">
+                                <p:cTn id="47" presetID="1" presetClass="entr" presetSubtype="0" fill="hold" nodeType="clickEffect">
                                   <p:stCondLst>
                                     <p:cond delay="0"/>
                                   </p:stCondLst>
@@ -7184,7 +7708,7 @@
                                         <p:tgtEl>
                                           <p:spTgt spid="3">
                                             <p:txEl>
-                                              <p:pRg st="12" end="12"/>
+                                              <p:pRg st="11" end="11"/>
                                             </p:txEl>
                                           </p:spTgt>
                                         </p:tgtEl>
@@ -7215,6 +7739,37 @@
                                         <p:tgtEl>
                                           <p:spTgt spid="3">
                                             <p:txEl>
+                                              <p:pRg st="12" end="12"/>
+                                            </p:txEl>
+                                          </p:spTgt>
+                                        </p:tgtEl>
+                                        <p:attrNameLst>
+                                          <p:attrName>style.visibility</p:attrName>
+                                        </p:attrNameLst>
+                                      </p:cBhvr>
+                                      <p:to>
+                                        <p:strVal val="visible"/>
+                                      </p:to>
+                                    </p:set>
+                                  </p:childTnLst>
+                                </p:cTn>
+                              </p:par>
+                              <p:par>
+                                <p:cTn id="51" presetID="1" presetClass="entr" presetSubtype="0" fill="hold" nodeType="withEffect">
+                                  <p:stCondLst>
+                                    <p:cond delay="0"/>
+                                  </p:stCondLst>
+                                  <p:childTnLst>
+                                    <p:set>
+                                      <p:cBhvr>
+                                        <p:cTn id="52" dur="1" fill="hold">
+                                          <p:stCondLst>
+                                            <p:cond delay="0"/>
+                                          </p:stCondLst>
+                                        </p:cTn>
+                                        <p:tgtEl>
+                                          <p:spTgt spid="3">
+                                            <p:txEl>
                                               <p:pRg st="13" end="13"/>
                                             </p:txEl>
                                           </p:spTgt>
@@ -7237,26 +7792,26 @@
                     </p:cTn>
                   </p:par>
                   <p:par>
-                    <p:cTn id="51" fill="hold">
+                    <p:cTn id="53" fill="hold">
                       <p:stCondLst>
                         <p:cond delay="indefinite"/>
                       </p:stCondLst>
                       <p:childTnLst>
                         <p:par>
-                          <p:cTn id="52" fill="hold">
+                          <p:cTn id="54" fill="hold">
                             <p:stCondLst>
                               <p:cond delay="0"/>
                             </p:stCondLst>
                             <p:childTnLst>
                               <p:par>
-                                <p:cTn id="53" presetID="1" presetClass="entr" presetSubtype="0" fill="hold" nodeType="clickEffect">
+                                <p:cTn id="55" presetID="1" presetClass="entr" presetSubtype="0" fill="hold" nodeType="clickEffect">
                                   <p:stCondLst>
                                     <p:cond delay="0"/>
                                   </p:stCondLst>
                                   <p:childTnLst>
                                     <p:set>
                                       <p:cBhvr>
-                                        <p:cTn id="54" dur="1" fill="hold">
+                                        <p:cTn id="56" dur="1" fill="hold">
                                           <p:stCondLst>
                                             <p:cond delay="0"/>
                                           </p:stCondLst>
@@ -7307,6 +7862,874 @@
       </p:par>
     </p:tnLst>
   </p:timing>
+</p:sld>
+</file>
+
+<file path=ppt/slides/slide4.xml><?xml version="1.0" encoding="utf-8"?>
+<p:sld xmlns:a="http://schemas.openxmlformats.org/drawingml/2006/main" xmlns:r="http://schemas.openxmlformats.org/officeDocument/2006/relationships" xmlns:p="http://schemas.openxmlformats.org/presentationml/2006/main">
+  <p:cSld>
+    <p:spTree>
+      <p:nvGrpSpPr>
+        <p:cNvPr id="1" name=""/>
+        <p:cNvGrpSpPr/>
+        <p:nvPr/>
+      </p:nvGrpSpPr>
+      <p:grpSpPr>
+        <a:xfrm>
+          <a:off x="0" y="0"/>
+          <a:ext cx="0" cy="0"/>
+          <a:chOff x="0" y="0"/>
+          <a:chExt cx="0" cy="0"/>
+        </a:xfrm>
+      </p:grpSpPr>
+      <p:sp>
+        <p:nvSpPr>
+          <p:cNvPr id="2" name="Title 1"/>
+          <p:cNvSpPr>
+            <a:spLocks noGrp="1"/>
+          </p:cNvSpPr>
+          <p:nvPr>
+            <p:ph type="title"/>
+          </p:nvPr>
+        </p:nvSpPr>
+        <p:spPr/>
+        <p:txBody>
+          <a:bodyPr/>
+          <a:lstStyle/>
+          <a:p>
+            <a:r>
+              <a:rPr lang="en-US" dirty="0" smtClean="0"/>
+              <a:t>Foundations</a:t>
+            </a:r>
+            <a:endParaRPr lang="en-US" dirty="0"/>
+          </a:p>
+        </p:txBody>
+      </p:sp>
+      <p:sp>
+        <p:nvSpPr>
+          <p:cNvPr id="3" name="Content Placeholder 2"/>
+          <p:cNvSpPr>
+            <a:spLocks noGrp="1"/>
+          </p:cNvSpPr>
+          <p:nvPr>
+            <p:ph idx="1"/>
+          </p:nvPr>
+        </p:nvSpPr>
+        <p:spPr/>
+        <p:txBody>
+          <a:bodyPr/>
+          <a:lstStyle/>
+          <a:p>
+            <a:r>
+              <a:rPr lang="en-US" dirty="0" smtClean="0"/>
+              <a:t>Abstraction</a:t>
+            </a:r>
+          </a:p>
+          <a:p>
+            <a:r>
+              <a:rPr lang="en-US" dirty="0" smtClean="0"/>
+              <a:t>Business Intelligence / Data Warehousing</a:t>
+            </a:r>
+          </a:p>
+          <a:p>
+            <a:r>
+              <a:rPr lang="en-US" dirty="0" smtClean="0"/>
+              <a:t>Big Data</a:t>
+            </a:r>
+          </a:p>
+        </p:txBody>
+      </p:sp>
+    </p:spTree>
+    <p:extLst>
+      <p:ext uri="{BB962C8B-B14F-4D97-AF65-F5344CB8AC3E}">
+        <p14:creationId xmlns:p14="http://schemas.microsoft.com/office/powerpoint/2010/main" val="1030957834"/>
+      </p:ext>
+    </p:extLst>
+  </p:cSld>
+  <p:clrMapOvr>
+    <a:masterClrMapping/>
+  </p:clrMapOvr>
+</p:sld>
+</file>
+
+<file path=ppt/slides/slide5.xml><?xml version="1.0" encoding="utf-8"?>
+<p:sld xmlns:a="http://schemas.openxmlformats.org/drawingml/2006/main" xmlns:r="http://schemas.openxmlformats.org/officeDocument/2006/relationships" xmlns:p="http://schemas.openxmlformats.org/presentationml/2006/main">
+  <p:cSld>
+    <p:spTree>
+      <p:nvGrpSpPr>
+        <p:cNvPr id="1" name=""/>
+        <p:cNvGrpSpPr/>
+        <p:nvPr/>
+      </p:nvGrpSpPr>
+      <p:grpSpPr>
+        <a:xfrm>
+          <a:off x="0" y="0"/>
+          <a:ext cx="0" cy="0"/>
+          <a:chOff x="0" y="0"/>
+          <a:chExt cx="0" cy="0"/>
+        </a:xfrm>
+      </p:grpSpPr>
+      <p:sp>
+        <p:nvSpPr>
+          <p:cNvPr id="2" name="Title 1"/>
+          <p:cNvSpPr>
+            <a:spLocks noGrp="1"/>
+          </p:cNvSpPr>
+          <p:nvPr>
+            <p:ph type="title"/>
+          </p:nvPr>
+        </p:nvSpPr>
+        <p:spPr/>
+        <p:txBody>
+          <a:bodyPr/>
+          <a:lstStyle/>
+          <a:p>
+            <a:r>
+              <a:rPr lang="en-US" dirty="0" smtClean="0"/>
+              <a:t>Foundations: Graph</a:t>
+            </a:r>
+            <a:endParaRPr lang="en-US" dirty="0"/>
+          </a:p>
+        </p:txBody>
+      </p:sp>
+      <p:sp>
+        <p:nvSpPr>
+          <p:cNvPr id="3" name="Content Placeholder 2"/>
+          <p:cNvSpPr>
+            <a:spLocks noGrp="1"/>
+          </p:cNvSpPr>
+          <p:nvPr>
+            <p:ph idx="1"/>
+          </p:nvPr>
+        </p:nvSpPr>
+        <p:spPr/>
+        <p:txBody>
+          <a:bodyPr numCol="2"/>
+          <a:lstStyle/>
+          <a:p>
+            <a:pPr>
+              <a:lnSpc>
+                <a:spcPct val="100000"/>
+              </a:lnSpc>
+              <a:spcBef>
+                <a:spcPts val="0"/>
+              </a:spcBef>
+            </a:pPr>
+            <a:r>
+              <a:rPr lang="en-US" dirty="0" smtClean="0"/>
+              <a:t>Definition:</a:t>
+            </a:r>
+          </a:p>
+          <a:p>
+            <a:pPr lvl="1">
+              <a:lnSpc>
+                <a:spcPct val="100000"/>
+              </a:lnSpc>
+              <a:spcBef>
+                <a:spcPts val="0"/>
+              </a:spcBef>
+            </a:pPr>
+            <a:r>
+              <a:rPr lang="en-US" dirty="0" smtClean="0"/>
+              <a:t>Set </a:t>
+            </a:r>
+            <a:r>
+              <a:rPr lang="en-US" b="1" dirty="0" smtClean="0"/>
+              <a:t>V</a:t>
+            </a:r>
+            <a:r>
+              <a:rPr lang="en-US" dirty="0" smtClean="0"/>
+              <a:t> of vertices.</a:t>
+            </a:r>
+          </a:p>
+          <a:p>
+            <a:pPr lvl="1">
+              <a:lnSpc>
+                <a:spcPct val="100000"/>
+              </a:lnSpc>
+              <a:spcBef>
+                <a:spcPts val="0"/>
+              </a:spcBef>
+            </a:pPr>
+            <a:r>
+              <a:rPr lang="en-US" dirty="0" smtClean="0"/>
+              <a:t>Set</a:t>
+            </a:r>
+            <a:r>
+              <a:rPr lang="en-US" b="1" dirty="0" smtClean="0"/>
+              <a:t> E </a:t>
+            </a:r>
+            <a:r>
+              <a:rPr lang="en-US" dirty="0" smtClean="0"/>
+              <a:t>of unordered (edge) and ordered (arc) pairs of vertices.</a:t>
+            </a:r>
+          </a:p>
+          <a:p>
+            <a:pPr lvl="1">
+              <a:lnSpc>
+                <a:spcPct val="100000"/>
+              </a:lnSpc>
+              <a:spcBef>
+                <a:spcPts val="0"/>
+              </a:spcBef>
+            </a:pPr>
+            <a:r>
+              <a:rPr lang="en-US" dirty="0" smtClean="0"/>
+              <a:t>Denoted as G(V,E).</a:t>
+            </a:r>
+          </a:p>
+          <a:p>
+            <a:pPr>
+              <a:lnSpc>
+                <a:spcPct val="100000"/>
+              </a:lnSpc>
+              <a:spcBef>
+                <a:spcPts val="0"/>
+              </a:spcBef>
+            </a:pPr>
+            <a:r>
+              <a:rPr lang="en-US" dirty="0" smtClean="0"/>
+              <a:t>Types:</a:t>
+            </a:r>
+          </a:p>
+          <a:p>
+            <a:pPr lvl="1">
+              <a:lnSpc>
+                <a:spcPct val="100000"/>
+              </a:lnSpc>
+              <a:spcBef>
+                <a:spcPts val="0"/>
+              </a:spcBef>
+            </a:pPr>
+            <a:r>
+              <a:rPr lang="en-US" dirty="0" smtClean="0"/>
+              <a:t>Undirected Graph (</a:t>
+            </a:r>
+            <a:r>
+              <a:rPr lang="en-US" dirty="0" err="1" smtClean="0"/>
+              <a:t>G</a:t>
+            </a:r>
+            <a:r>
+              <a:rPr lang="en-US" baseline="-25000" dirty="0" err="1" smtClean="0"/>
+              <a:t>u</a:t>
+            </a:r>
+            <a:r>
+              <a:rPr lang="en-US" dirty="0" smtClean="0"/>
+              <a:t>)</a:t>
+            </a:r>
+          </a:p>
+          <a:p>
+            <a:pPr lvl="1">
+              <a:lnSpc>
+                <a:spcPct val="100000"/>
+              </a:lnSpc>
+              <a:spcBef>
+                <a:spcPts val="0"/>
+              </a:spcBef>
+            </a:pPr>
+            <a:r>
+              <a:rPr lang="en-US" dirty="0" smtClean="0"/>
+              <a:t>Directed Graph (</a:t>
+            </a:r>
+            <a:r>
+              <a:rPr lang="en-US" dirty="0" err="1" smtClean="0"/>
+              <a:t>G</a:t>
+            </a:r>
+            <a:r>
+              <a:rPr lang="en-US" baseline="-25000" dirty="0" err="1" smtClean="0"/>
+              <a:t>d</a:t>
+            </a:r>
+            <a:r>
+              <a:rPr lang="en-US" dirty="0" smtClean="0"/>
+              <a:t>)</a:t>
+            </a:r>
+          </a:p>
+          <a:p>
+            <a:pPr lvl="1">
+              <a:lnSpc>
+                <a:spcPct val="100000"/>
+              </a:lnSpc>
+              <a:spcBef>
+                <a:spcPts val="0"/>
+              </a:spcBef>
+            </a:pPr>
+            <a:r>
+              <a:rPr lang="en-US" dirty="0" smtClean="0"/>
+              <a:t>Multi-Graph (G</a:t>
+            </a:r>
+            <a:r>
+              <a:rPr lang="en-US" baseline="-25000" dirty="0" smtClean="0"/>
+              <a:t>m</a:t>
+            </a:r>
+            <a:r>
+              <a:rPr lang="en-US" dirty="0" smtClean="0"/>
+              <a:t>)</a:t>
+            </a:r>
+          </a:p>
+          <a:p>
+            <a:pPr lvl="1">
+              <a:lnSpc>
+                <a:spcPct val="100000"/>
+              </a:lnSpc>
+              <a:spcBef>
+                <a:spcPts val="0"/>
+              </a:spcBef>
+            </a:pPr>
+            <a:endParaRPr lang="en-US" dirty="0"/>
+          </a:p>
+        </p:txBody>
+      </p:sp>
+      <p:sp>
+        <p:nvSpPr>
+          <p:cNvPr id="4" name="TextBox 3"/>
+          <p:cNvSpPr txBox="1"/>
+          <p:nvPr/>
+        </p:nvSpPr>
+        <p:spPr>
+          <a:xfrm>
+            <a:off x="5699342" y="6313118"/>
+            <a:ext cx="2816008" cy="369332"/>
+          </a:xfrm>
+          <a:prstGeom prst="rect">
+            <a:avLst/>
+          </a:prstGeom>
+          <a:noFill/>
+        </p:spPr>
+        <p:txBody>
+          <a:bodyPr wrap="square" rtlCol="0">
+            <a:spAutoFit/>
+          </a:bodyPr>
+          <a:lstStyle/>
+          <a:p>
+            <a:pPr algn="r"/>
+            <a:r>
+              <a:rPr lang="en-US" dirty="0">
+                <a:hlinkClick r:id="rId2"/>
+              </a:rPr>
+              <a:t>http://</a:t>
+            </a:r>
+            <a:r>
+              <a:rPr lang="en-US" dirty="0" smtClean="0">
+                <a:hlinkClick r:id="rId2"/>
+              </a:rPr>
+              <a:t>bit.ly/1Ue3Jby</a:t>
+            </a:r>
+            <a:endParaRPr lang="en-US" dirty="0" smtClean="0"/>
+          </a:p>
+        </p:txBody>
+      </p:sp>
+      <p:sp>
+        <p:nvSpPr>
+          <p:cNvPr id="5" name="TextBox 4"/>
+          <p:cNvSpPr txBox="1"/>
+          <p:nvPr/>
+        </p:nvSpPr>
+        <p:spPr>
+          <a:xfrm>
+            <a:off x="628650" y="6313118"/>
+            <a:ext cx="4983010" cy="369332"/>
+          </a:xfrm>
+          <a:prstGeom prst="rect">
+            <a:avLst/>
+          </a:prstGeom>
+          <a:noFill/>
+        </p:spPr>
+        <p:txBody>
+          <a:bodyPr wrap="square" rtlCol="0">
+            <a:spAutoFit/>
+          </a:bodyPr>
+          <a:lstStyle/>
+          <a:p>
+            <a:r>
+              <a:rPr lang="en-US" sz="900" dirty="0"/>
+              <a:t>Graph.</a:t>
+            </a:r>
+            <a:r>
+              <a:rPr lang="en-US" sz="900" dirty="0"/>
+              <a:t> </a:t>
+            </a:r>
+            <a:r>
+              <a:rPr lang="en-US" sz="900" i="1" dirty="0"/>
+              <a:t>Encyclopedia of Mathematics.</a:t>
+            </a:r>
+            <a:r>
+              <a:rPr lang="en-US" sz="900" dirty="0"/>
+              <a:t> </a:t>
+            </a:r>
+            <a:r>
+              <a:rPr lang="en-US" sz="900" dirty="0"/>
+              <a:t>URL: </a:t>
+            </a:r>
+            <a:r>
+              <a:rPr lang="en-US" sz="900" dirty="0">
+                <a:hlinkClick r:id="rId3"/>
+              </a:rPr>
+              <a:t>http://</a:t>
+            </a:r>
+            <a:r>
+              <a:rPr lang="en-US" sz="900" dirty="0" smtClean="0">
+                <a:hlinkClick r:id="rId3"/>
+              </a:rPr>
+              <a:t>www.encyclopediaofmath.org/index.php?title=Graph&amp;oldid=37438</a:t>
+            </a:r>
+            <a:endParaRPr lang="en-US" sz="900" dirty="0" smtClean="0"/>
+          </a:p>
+        </p:txBody>
+      </p:sp>
+    </p:spTree>
+    <p:extLst>
+      <p:ext uri="{BB962C8B-B14F-4D97-AF65-F5344CB8AC3E}">
+        <p14:creationId xmlns:p14="http://schemas.microsoft.com/office/powerpoint/2010/main" val="586350820"/>
+      </p:ext>
+    </p:extLst>
+  </p:cSld>
+  <p:clrMapOvr>
+    <a:masterClrMapping/>
+  </p:clrMapOvr>
+</p:sld>
+</file>
+
+<file path=ppt/slides/slide6.xml><?xml version="1.0" encoding="utf-8"?>
+<p:sld xmlns:a="http://schemas.openxmlformats.org/drawingml/2006/main" xmlns:r="http://schemas.openxmlformats.org/officeDocument/2006/relationships" xmlns:p="http://schemas.openxmlformats.org/presentationml/2006/main">
+  <p:cSld>
+    <p:spTree>
+      <p:nvGrpSpPr>
+        <p:cNvPr id="1" name=""/>
+        <p:cNvGrpSpPr/>
+        <p:nvPr/>
+      </p:nvGrpSpPr>
+      <p:grpSpPr>
+        <a:xfrm>
+          <a:off x="0" y="0"/>
+          <a:ext cx="0" cy="0"/>
+          <a:chOff x="0" y="0"/>
+          <a:chExt cx="0" cy="0"/>
+        </a:xfrm>
+      </p:grpSpPr>
+      <p:sp>
+        <p:nvSpPr>
+          <p:cNvPr id="2" name="Title 1"/>
+          <p:cNvSpPr>
+            <a:spLocks noGrp="1"/>
+          </p:cNvSpPr>
+          <p:nvPr>
+            <p:ph type="title"/>
+          </p:nvPr>
+        </p:nvSpPr>
+        <p:spPr/>
+        <p:txBody>
+          <a:bodyPr/>
+          <a:lstStyle/>
+          <a:p>
+            <a:r>
+              <a:rPr lang="en-US" dirty="0" smtClean="0"/>
+              <a:t>Foundations: Semantics</a:t>
+            </a:r>
+            <a:endParaRPr lang="en-US" dirty="0"/>
+          </a:p>
+        </p:txBody>
+      </p:sp>
+      <p:sp>
+        <p:nvSpPr>
+          <p:cNvPr id="3" name="Content Placeholder 2"/>
+          <p:cNvSpPr>
+            <a:spLocks noGrp="1"/>
+          </p:cNvSpPr>
+          <p:nvPr>
+            <p:ph idx="1"/>
+          </p:nvPr>
+        </p:nvSpPr>
+        <p:spPr/>
+        <p:txBody>
+          <a:bodyPr/>
+          <a:lstStyle/>
+          <a:p>
+            <a:endParaRPr lang="en-US"/>
+          </a:p>
+        </p:txBody>
+      </p:sp>
+    </p:spTree>
+    <p:extLst>
+      <p:ext uri="{BB962C8B-B14F-4D97-AF65-F5344CB8AC3E}">
+        <p14:creationId xmlns:p14="http://schemas.microsoft.com/office/powerpoint/2010/main" val="362925952"/>
+      </p:ext>
+    </p:extLst>
+  </p:cSld>
+  <p:clrMapOvr>
+    <a:masterClrMapping/>
+  </p:clrMapOvr>
+</p:sld>
+</file>
+
+<file path=ppt/slides/slide7.xml><?xml version="1.0" encoding="utf-8"?>
+<p:sld xmlns:a="http://schemas.openxmlformats.org/drawingml/2006/main" xmlns:r="http://schemas.openxmlformats.org/officeDocument/2006/relationships" xmlns:p="http://schemas.openxmlformats.org/presentationml/2006/main">
+  <p:cSld>
+    <p:spTree>
+      <p:nvGrpSpPr>
+        <p:cNvPr id="1" name=""/>
+        <p:cNvGrpSpPr/>
+        <p:nvPr/>
+      </p:nvGrpSpPr>
+      <p:grpSpPr>
+        <a:xfrm>
+          <a:off x="0" y="0"/>
+          <a:ext cx="0" cy="0"/>
+          <a:chOff x="0" y="0"/>
+          <a:chExt cx="0" cy="0"/>
+        </a:xfrm>
+      </p:grpSpPr>
+      <p:sp>
+        <p:nvSpPr>
+          <p:cNvPr id="2" name="Title 1"/>
+          <p:cNvSpPr>
+            <a:spLocks noGrp="1"/>
+          </p:cNvSpPr>
+          <p:nvPr>
+            <p:ph type="title"/>
+          </p:nvPr>
+        </p:nvSpPr>
+        <p:spPr/>
+        <p:txBody>
+          <a:bodyPr/>
+          <a:lstStyle/>
+          <a:p>
+            <a:r>
+              <a:rPr lang="en-US" dirty="0" smtClean="0"/>
+              <a:t>Infrastructure: Web 2.0- Social</a:t>
+            </a:r>
+            <a:endParaRPr lang="en-US" dirty="0"/>
+          </a:p>
+        </p:txBody>
+      </p:sp>
+      <p:sp>
+        <p:nvSpPr>
+          <p:cNvPr id="3" name="Content Placeholder 2"/>
+          <p:cNvSpPr>
+            <a:spLocks noGrp="1"/>
+          </p:cNvSpPr>
+          <p:nvPr>
+            <p:ph idx="1"/>
+          </p:nvPr>
+        </p:nvSpPr>
+        <p:spPr/>
+        <p:txBody>
+          <a:bodyPr>
+            <a:normAutofit lnSpcReduction="10000"/>
+          </a:bodyPr>
+          <a:lstStyle/>
+          <a:p>
+            <a:r>
+              <a:rPr lang="en-US" dirty="0" smtClean="0"/>
+              <a:t>A number of concepts and technologies make up what we think of as Web 2.0:</a:t>
+            </a:r>
+          </a:p>
+          <a:p>
+            <a:pPr lvl="1"/>
+            <a:r>
+              <a:rPr lang="en-US" b="1" dirty="0" smtClean="0"/>
+              <a:t>HTTP: </a:t>
+            </a:r>
+            <a:r>
+              <a:rPr lang="en-US" dirty="0" smtClean="0"/>
+              <a:t>Hypertext Transfer Protocol</a:t>
+            </a:r>
+          </a:p>
+          <a:p>
+            <a:pPr lvl="1"/>
+            <a:r>
+              <a:rPr lang="en-US" b="1" dirty="0"/>
+              <a:t>URLs: </a:t>
+            </a:r>
+            <a:r>
+              <a:rPr lang="en-US" dirty="0"/>
+              <a:t>Uniform Resource Locators</a:t>
+            </a:r>
+          </a:p>
+          <a:p>
+            <a:pPr lvl="2"/>
+            <a:r>
+              <a:rPr lang="en-US" dirty="0"/>
+              <a:t>A specific type of Uniform Resource Identifier (URI</a:t>
+            </a:r>
+            <a:r>
+              <a:rPr lang="en-US" dirty="0" smtClean="0"/>
+              <a:t>)</a:t>
+            </a:r>
+          </a:p>
+          <a:p>
+            <a:pPr lvl="1"/>
+            <a:r>
+              <a:rPr lang="en-US" b="1" dirty="0" smtClean="0"/>
+              <a:t>HTML: </a:t>
+            </a:r>
+            <a:r>
+              <a:rPr lang="en-US" dirty="0" smtClean="0"/>
+              <a:t>Hypertext Markup Language</a:t>
+            </a:r>
+          </a:p>
+          <a:p>
+            <a:pPr lvl="2"/>
+            <a:r>
+              <a:rPr lang="en-US" dirty="0" smtClean="0"/>
+              <a:t>With JavaScript and Cascading Style Sheets (CSS)</a:t>
+            </a:r>
+          </a:p>
+          <a:p>
+            <a:pPr lvl="1"/>
+            <a:r>
+              <a:rPr lang="en-US" b="1" dirty="0" smtClean="0"/>
+              <a:t>XML:</a:t>
+            </a:r>
+            <a:r>
+              <a:rPr lang="en-US" dirty="0" smtClean="0"/>
+              <a:t> E</a:t>
+            </a:r>
+            <a:r>
+              <a:rPr lang="en-US" dirty="0"/>
+              <a:t>x</a:t>
+            </a:r>
+            <a:r>
+              <a:rPr lang="en-US" dirty="0" smtClean="0"/>
+              <a:t>tensible Markup Language</a:t>
+            </a:r>
+          </a:p>
+          <a:p>
+            <a:pPr lvl="1"/>
+            <a:r>
+              <a:rPr lang="en-US" b="1" dirty="0" smtClean="0"/>
+              <a:t>Web Services:</a:t>
+            </a:r>
+          </a:p>
+          <a:p>
+            <a:pPr lvl="2"/>
+            <a:r>
+              <a:rPr lang="en-US" b="1" dirty="0" smtClean="0"/>
+              <a:t>SOAP: </a:t>
+            </a:r>
+            <a:r>
+              <a:rPr lang="en-US" dirty="0"/>
+              <a:t>Simple Object Access Protocol</a:t>
+            </a:r>
+            <a:endParaRPr lang="en-US" dirty="0" smtClean="0"/>
+          </a:p>
+          <a:p>
+            <a:pPr lvl="2"/>
+            <a:r>
+              <a:rPr lang="en-US" b="1" dirty="0" err="1" smtClean="0"/>
+              <a:t>RESTful</a:t>
+            </a:r>
+            <a:r>
+              <a:rPr lang="en-US" b="1" dirty="0" smtClean="0"/>
+              <a:t> JSON: </a:t>
+            </a:r>
+            <a:r>
+              <a:rPr lang="en-US" dirty="0" smtClean="0"/>
+              <a:t>Representational State Transfer JavaScript Object Notation</a:t>
+            </a:r>
+          </a:p>
+          <a:p>
+            <a:pPr lvl="1"/>
+            <a:endParaRPr lang="en-US" dirty="0" smtClean="0"/>
+          </a:p>
+          <a:p>
+            <a:pPr lvl="1"/>
+            <a:endParaRPr lang="en-US" dirty="0" smtClean="0"/>
+          </a:p>
+          <a:p>
+            <a:pPr lvl="1"/>
+            <a:endParaRPr lang="en-US" dirty="0"/>
+          </a:p>
+        </p:txBody>
+      </p:sp>
+    </p:spTree>
+    <p:extLst>
+      <p:ext uri="{BB962C8B-B14F-4D97-AF65-F5344CB8AC3E}">
+        <p14:creationId xmlns:p14="http://schemas.microsoft.com/office/powerpoint/2010/main" val="1033790560"/>
+      </p:ext>
+    </p:extLst>
+  </p:cSld>
+  <p:clrMapOvr>
+    <a:masterClrMapping/>
+  </p:clrMapOvr>
+</p:sld>
+</file>
+
+<file path=ppt/slides/slide8.xml><?xml version="1.0" encoding="utf-8"?>
+<p:sld xmlns:a="http://schemas.openxmlformats.org/drawingml/2006/main" xmlns:r="http://schemas.openxmlformats.org/officeDocument/2006/relationships" xmlns:p="http://schemas.openxmlformats.org/presentationml/2006/main">
+  <p:cSld>
+    <p:spTree>
+      <p:nvGrpSpPr>
+        <p:cNvPr id="1" name=""/>
+        <p:cNvGrpSpPr/>
+        <p:nvPr/>
+      </p:nvGrpSpPr>
+      <p:grpSpPr>
+        <a:xfrm>
+          <a:off x="0" y="0"/>
+          <a:ext cx="0" cy="0"/>
+          <a:chOff x="0" y="0"/>
+          <a:chExt cx="0" cy="0"/>
+        </a:xfrm>
+      </p:grpSpPr>
+      <p:sp>
+        <p:nvSpPr>
+          <p:cNvPr id="2" name="Title 1"/>
+          <p:cNvSpPr>
+            <a:spLocks noGrp="1"/>
+          </p:cNvSpPr>
+          <p:nvPr>
+            <p:ph type="title"/>
+          </p:nvPr>
+        </p:nvSpPr>
+        <p:spPr/>
+        <p:txBody>
+          <a:bodyPr/>
+          <a:lstStyle/>
+          <a:p>
+            <a:r>
+              <a:rPr lang="en-US" dirty="0" smtClean="0"/>
+              <a:t>Web 2.0: HTTP</a:t>
+            </a:r>
+            <a:endParaRPr lang="en-US" dirty="0"/>
+          </a:p>
+        </p:txBody>
+      </p:sp>
+      <p:sp>
+        <p:nvSpPr>
+          <p:cNvPr id="3" name="Content Placeholder 2"/>
+          <p:cNvSpPr>
+            <a:spLocks noGrp="1"/>
+          </p:cNvSpPr>
+          <p:nvPr>
+            <p:ph idx="1"/>
+          </p:nvPr>
+        </p:nvSpPr>
+        <p:spPr/>
+        <p:txBody>
+          <a:bodyPr/>
+          <a:lstStyle/>
+          <a:p>
+            <a:r>
+              <a:rPr lang="en-US" dirty="0" smtClean="0"/>
+              <a:t>Hypertext Transfer Protocol (HTTP)</a:t>
+            </a:r>
+          </a:p>
+          <a:p>
+            <a:pPr lvl="1"/>
+            <a:r>
+              <a:rPr lang="en-US" dirty="0" smtClean="0"/>
+              <a:t>Usually carried over Transmission Control Protocol (TCP) Internet Protocol (IP) networks.</a:t>
+            </a:r>
+          </a:p>
+          <a:p>
+            <a:pPr lvl="1"/>
+            <a:r>
+              <a:rPr lang="en-US" dirty="0" smtClean="0"/>
+              <a:t>Provides a simple dialect (application protocol) to ask for, give, and receive text-based information.</a:t>
+            </a:r>
+          </a:p>
+          <a:p>
+            <a:pPr lvl="1"/>
+            <a:r>
+              <a:rPr lang="en-US" dirty="0" smtClean="0"/>
+              <a:t>Connects nodes (vertices) of ‘hypertext’ across ‘hyperlinks’ (arcs).</a:t>
+            </a:r>
+          </a:p>
+          <a:p>
+            <a:pPr lvl="1"/>
+            <a:r>
+              <a:rPr lang="en-US" dirty="0" smtClean="0"/>
+              <a:t>The basis of much of the World Wide Web we know today. </a:t>
+            </a:r>
+          </a:p>
+          <a:p>
+            <a:pPr lvl="1"/>
+            <a:endParaRPr lang="en-US" dirty="0"/>
+          </a:p>
+        </p:txBody>
+      </p:sp>
+    </p:spTree>
+    <p:extLst>
+      <p:ext uri="{BB962C8B-B14F-4D97-AF65-F5344CB8AC3E}">
+        <p14:creationId xmlns:p14="http://schemas.microsoft.com/office/powerpoint/2010/main" val="1749294492"/>
+      </p:ext>
+    </p:extLst>
+  </p:cSld>
+  <p:clrMapOvr>
+    <a:masterClrMapping/>
+  </p:clrMapOvr>
+</p:sld>
+</file>
+
+<file path=ppt/slides/slide9.xml><?xml version="1.0" encoding="utf-8"?>
+<p:sld xmlns:a="http://schemas.openxmlformats.org/drawingml/2006/main" xmlns:r="http://schemas.openxmlformats.org/officeDocument/2006/relationships" xmlns:p="http://schemas.openxmlformats.org/presentationml/2006/main">
+  <p:cSld>
+    <p:spTree>
+      <p:nvGrpSpPr>
+        <p:cNvPr id="1" name=""/>
+        <p:cNvGrpSpPr/>
+        <p:nvPr/>
+      </p:nvGrpSpPr>
+      <p:grpSpPr>
+        <a:xfrm>
+          <a:off x="0" y="0"/>
+          <a:ext cx="0" cy="0"/>
+          <a:chOff x="0" y="0"/>
+          <a:chExt cx="0" cy="0"/>
+        </a:xfrm>
+      </p:grpSpPr>
+      <p:sp>
+        <p:nvSpPr>
+          <p:cNvPr id="2" name="Title 1"/>
+          <p:cNvSpPr>
+            <a:spLocks noGrp="1"/>
+          </p:cNvSpPr>
+          <p:nvPr>
+            <p:ph type="title"/>
+          </p:nvPr>
+        </p:nvSpPr>
+        <p:spPr/>
+        <p:txBody>
+          <a:bodyPr/>
+          <a:lstStyle/>
+          <a:p>
+            <a:r>
+              <a:rPr lang="en-US" dirty="0" smtClean="0"/>
+              <a:t>Web 2.0: HTTP</a:t>
+            </a:r>
+            <a:endParaRPr lang="en-US" dirty="0"/>
+          </a:p>
+        </p:txBody>
+      </p:sp>
+      <p:sp>
+        <p:nvSpPr>
+          <p:cNvPr id="3" name="Content Placeholder 2"/>
+          <p:cNvSpPr>
+            <a:spLocks noGrp="1"/>
+          </p:cNvSpPr>
+          <p:nvPr>
+            <p:ph idx="1"/>
+          </p:nvPr>
+        </p:nvSpPr>
+        <p:spPr/>
+        <p:txBody>
+          <a:bodyPr/>
+          <a:lstStyle/>
+          <a:p>
+            <a:endParaRPr lang="en-US"/>
+          </a:p>
+        </p:txBody>
+      </p:sp>
+    </p:spTree>
+    <p:extLst>
+      <p:ext uri="{BB962C8B-B14F-4D97-AF65-F5344CB8AC3E}">
+        <p14:creationId xmlns:p14="http://schemas.microsoft.com/office/powerpoint/2010/main" val="1437677408"/>
+      </p:ext>
+    </p:extLst>
+  </p:cSld>
+  <p:clrMapOvr>
+    <a:masterClrMapping/>
+  </p:clrMapOvr>
 </p:sld>
 </file>
 

--- a/1161.cs330-social_graphs_and_semantic_analytics.pptx
+++ b/1161.cs330-social_graphs_and_semantic_analytics.pptx
@@ -7,20 +7,23 @@
   <p:sldIdLst>
     <p:sldId id="256" r:id="rId2"/>
     <p:sldId id="257" r:id="rId3"/>
-    <p:sldId id="258" r:id="rId4"/>
-    <p:sldId id="260" r:id="rId5"/>
+    <p:sldId id="260" r:id="rId4"/>
+    <p:sldId id="258" r:id="rId5"/>
     <p:sldId id="259" r:id="rId6"/>
     <p:sldId id="261" r:id="rId7"/>
-    <p:sldId id="264" r:id="rId8"/>
-    <p:sldId id="262" r:id="rId9"/>
-    <p:sldId id="263" r:id="rId10"/>
-    <p:sldId id="266" r:id="rId11"/>
-    <p:sldId id="265" r:id="rId12"/>
-    <p:sldId id="267" r:id="rId13"/>
-    <p:sldId id="268" r:id="rId14"/>
-    <p:sldId id="269" r:id="rId15"/>
-    <p:sldId id="270" r:id="rId16"/>
-    <p:sldId id="271" r:id="rId17"/>
+    <p:sldId id="273" r:id="rId8"/>
+    <p:sldId id="264" r:id="rId9"/>
+    <p:sldId id="262" r:id="rId10"/>
+    <p:sldId id="263" r:id="rId11"/>
+    <p:sldId id="274" r:id="rId12"/>
+    <p:sldId id="266" r:id="rId13"/>
+    <p:sldId id="265" r:id="rId14"/>
+    <p:sldId id="272" r:id="rId15"/>
+    <p:sldId id="267" r:id="rId16"/>
+    <p:sldId id="268" r:id="rId17"/>
+    <p:sldId id="269" r:id="rId18"/>
+    <p:sldId id="270" r:id="rId19"/>
+    <p:sldId id="271" r:id="rId20"/>
   </p:sldIdLst>
   <p:sldSz cx="9144000" cy="6858000" type="letter"/>
   <p:notesSz cx="6858000" cy="9144000"/>
@@ -3468,7 +3471,7 @@
           <a:p>
             <a:fld id="{0B42B3BC-4525-0549-9E37-8A994CE92E19}" type="datetimeFigureOut">
               <a:rPr lang="en-US" smtClean="0"/>
-              <a:t>3/20/16</a:t>
+              <a:t>3/21/16</a:t>
             </a:fld>
             <a:endParaRPr lang="en-US"/>
           </a:p>
@@ -3638,7 +3641,7 @@
           <a:p>
             <a:fld id="{0B42B3BC-4525-0549-9E37-8A994CE92E19}" type="datetimeFigureOut">
               <a:rPr lang="en-US" smtClean="0"/>
-              <a:t>3/20/16</a:t>
+              <a:t>3/21/16</a:t>
             </a:fld>
             <a:endParaRPr lang="en-US"/>
           </a:p>
@@ -3818,7 +3821,7 @@
           <a:p>
             <a:fld id="{0B42B3BC-4525-0549-9E37-8A994CE92E19}" type="datetimeFigureOut">
               <a:rPr lang="en-US" smtClean="0"/>
-              <a:t>3/20/16</a:t>
+              <a:t>3/21/16</a:t>
             </a:fld>
             <a:endParaRPr lang="en-US"/>
           </a:p>
@@ -3988,7 +3991,7 @@
           <a:p>
             <a:fld id="{0B42B3BC-4525-0549-9E37-8A994CE92E19}" type="datetimeFigureOut">
               <a:rPr lang="en-US" smtClean="0"/>
-              <a:t>3/20/16</a:t>
+              <a:t>3/21/16</a:t>
             </a:fld>
             <a:endParaRPr lang="en-US"/>
           </a:p>
@@ -4232,7 +4235,7 @@
           <a:p>
             <a:fld id="{0B42B3BC-4525-0549-9E37-8A994CE92E19}" type="datetimeFigureOut">
               <a:rPr lang="en-US" smtClean="0"/>
-              <a:t>3/20/16</a:t>
+              <a:t>3/21/16</a:t>
             </a:fld>
             <a:endParaRPr lang="en-US"/>
           </a:p>
@@ -4464,7 +4467,7 @@
           <a:p>
             <a:fld id="{0B42B3BC-4525-0549-9E37-8A994CE92E19}" type="datetimeFigureOut">
               <a:rPr lang="en-US" smtClean="0"/>
-              <a:t>3/20/16</a:t>
+              <a:t>3/21/16</a:t>
             </a:fld>
             <a:endParaRPr lang="en-US"/>
           </a:p>
@@ -4831,7 +4834,7 @@
           <a:p>
             <a:fld id="{0B42B3BC-4525-0549-9E37-8A994CE92E19}" type="datetimeFigureOut">
               <a:rPr lang="en-US" smtClean="0"/>
-              <a:t>3/20/16</a:t>
+              <a:t>3/21/16</a:t>
             </a:fld>
             <a:endParaRPr lang="en-US"/>
           </a:p>
@@ -4949,7 +4952,7 @@
           <a:p>
             <a:fld id="{0B42B3BC-4525-0549-9E37-8A994CE92E19}" type="datetimeFigureOut">
               <a:rPr lang="en-US" smtClean="0"/>
-              <a:t>3/20/16</a:t>
+              <a:t>3/21/16</a:t>
             </a:fld>
             <a:endParaRPr lang="en-US"/>
           </a:p>
@@ -5044,7 +5047,7 @@
           <a:p>
             <a:fld id="{0B42B3BC-4525-0549-9E37-8A994CE92E19}" type="datetimeFigureOut">
               <a:rPr lang="en-US" smtClean="0"/>
-              <a:t>3/20/16</a:t>
+              <a:t>3/21/16</a:t>
             </a:fld>
             <a:endParaRPr lang="en-US"/>
           </a:p>
@@ -5321,7 +5324,7 @@
           <a:p>
             <a:fld id="{0B42B3BC-4525-0549-9E37-8A994CE92E19}" type="datetimeFigureOut">
               <a:rPr lang="en-US" smtClean="0"/>
-              <a:t>3/20/16</a:t>
+              <a:t>3/21/16</a:t>
             </a:fld>
             <a:endParaRPr lang="en-US"/>
           </a:p>
@@ -5578,7 +5581,7 @@
           <a:p>
             <a:fld id="{0B42B3BC-4525-0549-9E37-8A994CE92E19}" type="datetimeFigureOut">
               <a:rPr lang="en-US" smtClean="0"/>
-              <a:t>3/20/16</a:t>
+              <a:t>3/21/16</a:t>
             </a:fld>
             <a:endParaRPr lang="en-US"/>
           </a:p>
@@ -5791,7 +5794,7 @@
           <a:p>
             <a:fld id="{0B42B3BC-4525-0549-9E37-8A994CE92E19}" type="datetimeFigureOut">
               <a:rPr lang="en-US" smtClean="0"/>
-              <a:t>3/20/16</a:t>
+              <a:t>3/21/16</a:t>
             </a:fld>
             <a:endParaRPr lang="en-US"/>
           </a:p>
@@ -6315,18 +6318,7 @@
                 </a:solidFill>
                 <a:effectLst/>
               </a:rPr>
-              <a:t>Prepared guest lecture for Class 11 of W16 </a:t>
-            </a:r>
-            <a:r>
-              <a:rPr lang="en-US" dirty="0" smtClean="0">
-                <a:solidFill>
-                  <a:schemeClr val="accent6">
-                    <a:lumMod val="50000"/>
-                  </a:schemeClr>
-                </a:solidFill>
-                <a:effectLst/>
-              </a:rPr>
-              <a:t>cs330.</a:t>
+              <a:t>Prepared guest lecture for Class 11 of W16 cs330.</a:t>
             </a:r>
             <a:endParaRPr lang="en-US" dirty="0">
               <a:solidFill>
@@ -6393,41 +6385,103 @@
           <a:p>
             <a:r>
               <a:rPr lang="en-US" dirty="0" smtClean="0"/>
-              <a:t>Web 2.0: URLs</a:t>
+              <a:t>Web 2.0: </a:t>
+            </a:r>
+            <a:r>
+              <a:rPr lang="en-US" dirty="0" smtClean="0"/>
+              <a:t>HTTP</a:t>
             </a:r>
             <a:endParaRPr lang="en-US" dirty="0"/>
           </a:p>
         </p:txBody>
       </p:sp>
-      <p:sp>
-        <p:nvSpPr>
-          <p:cNvPr id="3" name="Content Placeholder 2"/>
-          <p:cNvSpPr>
-            <a:spLocks noGrp="1"/>
-          </p:cNvSpPr>
-          <p:nvPr>
-            <p:ph idx="1"/>
-          </p:nvPr>
-        </p:nvSpPr>
-        <p:spPr/>
-        <p:txBody>
-          <a:bodyPr/>
+      <p:pic>
+        <p:nvPicPr>
+          <p:cNvPr id="9" name="Picture 8"/>
+          <p:cNvPicPr>
+            <a:picLocks noChangeAspect="1"/>
+          </p:cNvPicPr>
+          <p:nvPr/>
+        </p:nvPicPr>
+        <p:blipFill>
+          <a:blip r:embed="rId2"/>
+          <a:stretch>
+            <a:fillRect/>
+          </a:stretch>
+        </p:blipFill>
+        <p:spPr>
+          <a:xfrm>
+            <a:off x="1300775" y="1690689"/>
+            <a:ext cx="6542449" cy="4680000"/>
+          </a:xfrm>
+          <a:prstGeom prst="rect">
+            <a:avLst/>
+          </a:prstGeom>
+        </p:spPr>
+      </p:pic>
+      <p:sp>
+        <p:nvSpPr>
+          <p:cNvPr id="10" name="TextBox 9"/>
+          <p:cNvSpPr txBox="1"/>
+          <p:nvPr/>
+        </p:nvSpPr>
+        <p:spPr>
+          <a:xfrm>
+            <a:off x="4757981" y="704742"/>
+            <a:ext cx="3998562" cy="646331"/>
+          </a:xfrm>
+          <a:prstGeom prst="rect">
+            <a:avLst/>
+          </a:prstGeom>
+          <a:noFill/>
+        </p:spPr>
+        <p:txBody>
+          <a:bodyPr wrap="square" rtlCol="0">
+            <a:spAutoFit/>
+          </a:bodyPr>
           <a:lstStyle/>
           <a:p>
-            <a:endParaRPr lang="en-US"/>
+            <a:r>
+              <a:rPr lang="en-US" dirty="0"/>
+              <a:t>See: </a:t>
+            </a:r>
+            <a:r>
+              <a:rPr lang="en-US" dirty="0">
+                <a:hlinkClick r:id="rId3"/>
+              </a:rPr>
+              <a:t>https://</a:t>
+            </a:r>
+            <a:r>
+              <a:rPr lang="en-US" dirty="0" smtClean="0">
+                <a:hlinkClick r:id="rId3"/>
+              </a:rPr>
+              <a:t>tools.ietf.org/pdf/rfc7231.pdf</a:t>
+            </a:r>
+            <a:r>
+              <a:rPr lang="en-US" dirty="0" smtClean="0"/>
+              <a:t> </a:t>
+            </a:r>
+            <a:endParaRPr lang="en-US" dirty="0"/>
           </a:p>
         </p:txBody>
       </p:sp>
     </p:spTree>
     <p:extLst>
       <p:ext uri="{BB962C8B-B14F-4D97-AF65-F5344CB8AC3E}">
-        <p14:creationId xmlns:p14="http://schemas.microsoft.com/office/powerpoint/2010/main" val="389905828"/>
+        <p14:creationId xmlns:p14="http://schemas.microsoft.com/office/powerpoint/2010/main" val="1437677408"/>
       </p:ext>
     </p:extLst>
   </p:cSld>
   <p:clrMapOvr>
     <a:masterClrMapping/>
   </p:clrMapOvr>
+  <p:timing>
+    <p:tnLst>
+      <p:par>
+        <p:cTn id="1" dur="indefinite" restart="never" nodeType="tmRoot"/>
+      </p:par>
+    </p:tnLst>
+  </p:timing>
 </p:sld>
 </file>
 
@@ -6448,6 +6502,30 @@
           <a:chExt cx="0" cy="0"/>
         </a:xfrm>
       </p:grpSpPr>
+      <p:pic>
+        <p:nvPicPr>
+          <p:cNvPr id="3" name="Picture 2"/>
+          <p:cNvPicPr>
+            <a:picLocks noChangeAspect="1"/>
+          </p:cNvPicPr>
+          <p:nvPr/>
+        </p:nvPicPr>
+        <p:blipFill>
+          <a:blip r:embed="rId2"/>
+          <a:stretch>
+            <a:fillRect/>
+          </a:stretch>
+        </p:blipFill>
+        <p:spPr>
+          <a:xfrm>
+            <a:off x="1300775" y="1690689"/>
+            <a:ext cx="6542449" cy="4680000"/>
+          </a:xfrm>
+          <a:prstGeom prst="rect">
+            <a:avLst/>
+          </a:prstGeom>
+        </p:spPr>
+      </p:pic>
       <p:sp>
         <p:nvSpPr>
           <p:cNvPr id="2" name="Title 1"/>
@@ -6465,7 +6543,11 @@
           <a:p>
             <a:r>
               <a:rPr lang="en-US" dirty="0" smtClean="0"/>
-              <a:t>Web 2.0: HTML w/ (JS + CSS)</a:t>
+              <a:t>Web 2.0: </a:t>
+            </a:r>
+            <a:r>
+              <a:rPr lang="en-US" dirty="0" smtClean="0"/>
+              <a:t>HTTP</a:t>
             </a:r>
             <a:endParaRPr lang="en-US" dirty="0"/>
           </a:p>
@@ -6473,33 +6555,67 @@
       </p:sp>
       <p:sp>
         <p:nvSpPr>
-          <p:cNvPr id="3" name="Content Placeholder 2"/>
-          <p:cNvSpPr>
-            <a:spLocks noGrp="1"/>
-          </p:cNvSpPr>
-          <p:nvPr>
-            <p:ph idx="1"/>
-          </p:nvPr>
-        </p:nvSpPr>
-        <p:spPr/>
-        <p:txBody>
-          <a:bodyPr/>
+          <p:cNvPr id="5" name="TextBox 4"/>
+          <p:cNvSpPr txBox="1"/>
+          <p:nvPr/>
+        </p:nvSpPr>
+        <p:spPr>
+          <a:xfrm>
+            <a:off x="4757981" y="704742"/>
+            <a:ext cx="3998562" cy="646331"/>
+          </a:xfrm>
+          <a:prstGeom prst="rect">
+            <a:avLst/>
+          </a:prstGeom>
+          <a:noFill/>
+        </p:spPr>
+        <p:txBody>
+          <a:bodyPr wrap="square" rtlCol="0">
+            <a:spAutoFit/>
+          </a:bodyPr>
           <a:lstStyle/>
           <a:p>
-            <a:endParaRPr lang="en-US"/>
+            <a:r>
+              <a:rPr lang="en-US" dirty="0"/>
+              <a:t>See: </a:t>
+            </a:r>
+            <a:r>
+              <a:rPr lang="en-US" dirty="0">
+                <a:hlinkClick r:id="rId3"/>
+              </a:rPr>
+              <a:t>https://</a:t>
+            </a:r>
+            <a:r>
+              <a:rPr lang="en-US" dirty="0" smtClean="0">
+                <a:hlinkClick r:id="rId3"/>
+              </a:rPr>
+              <a:t>tools.ietf.org/pdf/rfc7231.pdf</a:t>
+            </a:r>
+            <a:r>
+              <a:rPr lang="en-US" dirty="0" smtClean="0"/>
+              <a:t> </a:t>
+            </a:r>
+            <a:endParaRPr lang="en-US" dirty="0"/>
           </a:p>
         </p:txBody>
       </p:sp>
     </p:spTree>
     <p:extLst>
       <p:ext uri="{BB962C8B-B14F-4D97-AF65-F5344CB8AC3E}">
-        <p14:creationId xmlns:p14="http://schemas.microsoft.com/office/powerpoint/2010/main" val="400762058"/>
+        <p14:creationId xmlns:p14="http://schemas.microsoft.com/office/powerpoint/2010/main" val="489737991"/>
       </p:ext>
     </p:extLst>
   </p:cSld>
   <p:clrMapOvr>
     <a:masterClrMapping/>
   </p:clrMapOvr>
+  <p:timing>
+    <p:tnLst>
+      <p:par>
+        <p:cTn id="1" dur="indefinite" restart="never" nodeType="tmRoot"/>
+      </p:par>
+    </p:tnLst>
+  </p:timing>
 </p:sld>
 </file>
 
@@ -6537,7 +6653,11 @@
           <a:p>
             <a:r>
               <a:rPr lang="en-US" dirty="0" smtClean="0"/>
-              <a:t>Web 2.0: XML</a:t>
+              <a:t>Web 2.0: </a:t>
+            </a:r>
+            <a:r>
+              <a:rPr lang="en-US" dirty="0" smtClean="0"/>
+              <a:t>URLs / URIs</a:t>
             </a:r>
             <a:endParaRPr lang="en-US" dirty="0"/>
           </a:p>
@@ -6555,23 +6675,231 @@
         </p:nvSpPr>
         <p:spPr/>
         <p:txBody>
-          <a:bodyPr/>
+          <a:bodyPr>
+            <a:normAutofit/>
+          </a:bodyPr>
           <a:lstStyle/>
           <a:p>
-            <a:endParaRPr lang="en-US"/>
+            <a:r>
+              <a:rPr lang="en-US" dirty="0" smtClean="0"/>
+              <a:t>A Uniform Resource Locator (URL) </a:t>
+            </a:r>
+            <a:r>
+              <a:rPr lang="en-US" dirty="0" smtClean="0"/>
+              <a:t>is </a:t>
+            </a:r>
+            <a:r>
+              <a:rPr lang="en-US" dirty="0" smtClean="0"/>
+              <a:t>a specific class of Uniform Resource Identifier (URIs)</a:t>
+            </a:r>
+          </a:p>
+          <a:p>
+            <a:pPr lvl="1"/>
+            <a:r>
+              <a:rPr lang="en-US" smtClean="0"/>
+              <a:t>See: </a:t>
+            </a:r>
+            <a:r>
+              <a:rPr lang="en-US" smtClean="0">
+                <a:hlinkClick r:id="rId2"/>
+              </a:rPr>
+              <a:t>https</a:t>
+            </a:r>
+            <a:r>
+              <a:rPr lang="en-US" dirty="0">
+                <a:hlinkClick r:id="rId2"/>
+              </a:rPr>
+              <a:t>://</a:t>
+            </a:r>
+            <a:r>
+              <a:rPr lang="en-US" dirty="0" smtClean="0">
+                <a:hlinkClick r:id="rId2"/>
+              </a:rPr>
+              <a:t>www.ietf.org/rfc/rfc3986.txt</a:t>
+            </a:r>
+            <a:endParaRPr lang="en-US" dirty="0" smtClean="0"/>
+          </a:p>
+          <a:p>
+            <a:r>
+              <a:rPr lang="en-US" dirty="0" smtClean="0"/>
+              <a:t>The standardized structure of a string to allow items to be uniquely identified (URI).  Sometimes items are best identified by its location (URL).</a:t>
+            </a:r>
+            <a:endParaRPr lang="en-US" dirty="0"/>
+          </a:p>
+          <a:p>
+            <a:r>
+              <a:rPr lang="en-US" dirty="0" smtClean="0"/>
+              <a:t>Pattern:</a:t>
+            </a:r>
+          </a:p>
+          <a:p>
+            <a:pPr lvl="1"/>
+            <a:endParaRPr lang="en-US" dirty="0">
+              <a:latin typeface="Andale Mono" charset="0"/>
+              <a:ea typeface="Andale Mono" charset="0"/>
+              <a:cs typeface="Andale Mono" charset="0"/>
+            </a:endParaRPr>
+          </a:p>
+          <a:p>
+            <a:pPr lvl="1"/>
+            <a:endParaRPr lang="en-US" dirty="0" smtClean="0"/>
+          </a:p>
+        </p:txBody>
+      </p:sp>
+      <p:sp>
+        <p:nvSpPr>
+          <p:cNvPr id="4" name="TextBox 3"/>
+          <p:cNvSpPr txBox="1"/>
+          <p:nvPr/>
+        </p:nvSpPr>
+        <p:spPr>
+          <a:xfrm>
+            <a:off x="1039660" y="4872625"/>
+            <a:ext cx="7202466" cy="1200329"/>
+          </a:xfrm>
+          <a:prstGeom prst="rect">
+            <a:avLst/>
+          </a:prstGeom>
+          <a:noFill/>
+        </p:spPr>
+        <p:txBody>
+          <a:bodyPr wrap="square" rtlCol="0">
+            <a:spAutoFit/>
+          </a:bodyPr>
+          <a:lstStyle/>
+          <a:p>
+            <a:r>
+              <a:rPr lang="en-US" dirty="0">
+                <a:latin typeface="Courier" charset="0"/>
+                <a:ea typeface="Courier" charset="0"/>
+                <a:cs typeface="Courier" charset="0"/>
+              </a:rPr>
+              <a:t>foo://example.com:8042/over/</a:t>
+            </a:r>
+            <a:r>
+              <a:rPr lang="en-US" dirty="0" err="1">
+                <a:latin typeface="Courier" charset="0"/>
+                <a:ea typeface="Courier" charset="0"/>
+                <a:cs typeface="Courier" charset="0"/>
+              </a:rPr>
+              <a:t>there?name</a:t>
+            </a:r>
+            <a:r>
+              <a:rPr lang="en-US" dirty="0">
+                <a:latin typeface="Courier" charset="0"/>
+                <a:ea typeface="Courier" charset="0"/>
+                <a:cs typeface="Courier" charset="0"/>
+              </a:rPr>
+              <a:t>=</a:t>
+            </a:r>
+            <a:r>
+              <a:rPr lang="en-US" dirty="0" err="1">
+                <a:latin typeface="Courier" charset="0"/>
+                <a:ea typeface="Courier" charset="0"/>
+                <a:cs typeface="Courier" charset="0"/>
+              </a:rPr>
+              <a:t>ferret#nose</a:t>
+            </a:r>
+            <a:r>
+              <a:rPr lang="en-US" dirty="0">
+                <a:latin typeface="Courier" charset="0"/>
+                <a:ea typeface="Courier" charset="0"/>
+                <a:cs typeface="Courier" charset="0"/>
+              </a:rPr>
+              <a:t> \_/ </a:t>
+            </a:r>
+            <a:r>
+              <a:rPr lang="en-US" dirty="0" smtClean="0">
+                <a:latin typeface="Courier" charset="0"/>
+                <a:ea typeface="Courier" charset="0"/>
+                <a:cs typeface="Courier" charset="0"/>
+              </a:rPr>
+              <a:t>  \______________/\_________/ \_________/ \__/</a:t>
+            </a:r>
+          </a:p>
+          <a:p>
+            <a:r>
+              <a:rPr lang="en-US" dirty="0">
+                <a:latin typeface="Courier" charset="0"/>
+                <a:ea typeface="Courier" charset="0"/>
+                <a:cs typeface="Courier" charset="0"/>
+              </a:rPr>
+              <a:t> </a:t>
+            </a:r>
+            <a:r>
+              <a:rPr lang="en-US" dirty="0" smtClean="0">
+                <a:latin typeface="Courier" charset="0"/>
+                <a:ea typeface="Courier" charset="0"/>
+                <a:cs typeface="Courier" charset="0"/>
+              </a:rPr>
+              <a:t>|         |            |            |         |</a:t>
+            </a:r>
+          </a:p>
+          <a:p>
+            <a:r>
+              <a:rPr lang="en-US" dirty="0" smtClean="0">
+                <a:latin typeface="Courier" charset="0"/>
+                <a:ea typeface="Courier" charset="0"/>
+                <a:cs typeface="Courier" charset="0"/>
+              </a:rPr>
+              <a:t>scheme  authority      path        query   fragment</a:t>
+            </a:r>
+            <a:endParaRPr lang="en-US" dirty="0">
+              <a:latin typeface="Courier" charset="0"/>
+              <a:ea typeface="Courier" charset="0"/>
+              <a:cs typeface="Courier" charset="0"/>
+            </a:endParaRPr>
+          </a:p>
+        </p:txBody>
+      </p:sp>
+      <p:sp>
+        <p:nvSpPr>
+          <p:cNvPr id="6" name="TextBox 5"/>
+          <p:cNvSpPr txBox="1"/>
+          <p:nvPr/>
+        </p:nvSpPr>
+        <p:spPr>
+          <a:xfrm>
+            <a:off x="5298510" y="6301004"/>
+            <a:ext cx="2943616" cy="369332"/>
+          </a:xfrm>
+          <a:prstGeom prst="rect">
+            <a:avLst/>
+          </a:prstGeom>
+          <a:noFill/>
+        </p:spPr>
+        <p:txBody>
+          <a:bodyPr wrap="square" rtlCol="0">
+            <a:spAutoFit/>
+          </a:bodyPr>
+          <a:lstStyle/>
+          <a:p>
+            <a:pPr algn="r"/>
+            <a:r>
+              <a:rPr lang="en-US" dirty="0" smtClean="0"/>
+              <a:t>Example from IETF RFC3986</a:t>
+            </a:r>
+            <a:endParaRPr lang="en-US" dirty="0"/>
           </a:p>
         </p:txBody>
       </p:sp>
     </p:spTree>
     <p:extLst>
       <p:ext uri="{BB962C8B-B14F-4D97-AF65-F5344CB8AC3E}">
-        <p14:creationId xmlns:p14="http://schemas.microsoft.com/office/powerpoint/2010/main" val="1461253917"/>
+        <p14:creationId xmlns:p14="http://schemas.microsoft.com/office/powerpoint/2010/main" val="389905828"/>
       </p:ext>
     </p:extLst>
   </p:cSld>
   <p:clrMapOvr>
     <a:masterClrMapping/>
   </p:clrMapOvr>
+  <p:timing>
+    <p:tnLst>
+      <p:par>
+        <p:cTn id="1" dur="indefinite" restart="never" nodeType="tmRoot"/>
+      </p:par>
+    </p:tnLst>
+  </p:timing>
 </p:sld>
 </file>
 
@@ -6609,7 +6937,7 @@
           <a:p>
             <a:r>
               <a:rPr lang="en-US" dirty="0" smtClean="0"/>
-              <a:t>Web 2.0: Web Services</a:t>
+              <a:t>Web 2.0: HTML w/ (JS + CSS)</a:t>
             </a:r>
             <a:endParaRPr lang="en-US" dirty="0"/>
           </a:p>
@@ -6630,20 +6958,118 @@
           <a:bodyPr/>
           <a:lstStyle/>
           <a:p>
-            <a:endParaRPr lang="en-US"/>
+            <a:r>
+              <a:rPr lang="en-US" dirty="0" smtClean="0"/>
+              <a:t>Hypertext Markup Language (HTML)</a:t>
+            </a:r>
+          </a:p>
+          <a:p>
+            <a:pPr lvl="1"/>
+            <a:r>
+              <a:rPr lang="en-US" dirty="0" smtClean="0"/>
+              <a:t>See: </a:t>
+            </a:r>
+            <a:r>
+              <a:rPr lang="en-US" dirty="0" smtClean="0">
+                <a:hlinkClick r:id="rId2"/>
+              </a:rPr>
+              <a:t>https</a:t>
+            </a:r>
+            <a:r>
+              <a:rPr lang="en-US" dirty="0">
+                <a:hlinkClick r:id="rId2"/>
+              </a:rPr>
+              <a:t>://</a:t>
+            </a:r>
+            <a:r>
+              <a:rPr lang="en-US" dirty="0" smtClean="0">
+                <a:hlinkClick r:id="rId2"/>
+              </a:rPr>
+              <a:t>www.w3.org/TR/html5/</a:t>
+            </a:r>
+            <a:endParaRPr lang="en-US" dirty="0"/>
+          </a:p>
+          <a:p>
+            <a:r>
+              <a:rPr lang="en-US" dirty="0" smtClean="0"/>
+              <a:t>Most modern websites include JavaScript (JS) to allow for ‘dynamic’ interactions.</a:t>
+            </a:r>
+          </a:p>
+          <a:p>
+            <a:pPr lvl="1"/>
+            <a:r>
+              <a:rPr lang="en-US" dirty="0" smtClean="0"/>
+              <a:t>See: </a:t>
+            </a:r>
+            <a:r>
+              <a:rPr lang="en-US" dirty="0" smtClean="0">
+                <a:hlinkClick r:id="rId3"/>
+              </a:rPr>
+              <a:t>http</a:t>
+            </a:r>
+            <a:r>
+              <a:rPr lang="en-US" dirty="0">
+                <a:hlinkClick r:id="rId3"/>
+              </a:rPr>
+              <a:t>://www.ecma-international.org/ecma-262/5.1</a:t>
+            </a:r>
+            <a:r>
+              <a:rPr lang="en-US" dirty="0" smtClean="0">
+                <a:hlinkClick r:id="rId3"/>
+              </a:rPr>
+              <a:t>/</a:t>
+            </a:r>
+            <a:endParaRPr lang="en-US" dirty="0" smtClean="0"/>
+          </a:p>
+          <a:p>
+            <a:r>
+              <a:rPr lang="en-US" dirty="0" smtClean="0"/>
+              <a:t>Data (HTML) and dynamic logic (JavaScript) is separated from visual presentation using Cascading Style Sheets (CSS). </a:t>
+            </a:r>
+          </a:p>
+          <a:p>
+            <a:pPr lvl="1"/>
+            <a:r>
+              <a:rPr lang="en-US" dirty="0" smtClean="0"/>
+              <a:t>See</a:t>
+            </a:r>
+            <a:r>
+              <a:rPr lang="en-US" dirty="0"/>
+              <a:t>: </a:t>
+            </a:r>
+            <a:r>
+              <a:rPr lang="en-US" dirty="0">
+                <a:hlinkClick r:id="rId4"/>
+              </a:rPr>
+              <a:t>https://www.w3.org/TR/CSS</a:t>
+            </a:r>
+            <a:r>
+              <a:rPr lang="en-US" dirty="0" smtClean="0">
+                <a:hlinkClick r:id="rId4"/>
+              </a:rPr>
+              <a:t>/</a:t>
+            </a:r>
+            <a:endParaRPr lang="en-US" dirty="0" smtClean="0"/>
           </a:p>
         </p:txBody>
       </p:sp>
     </p:spTree>
     <p:extLst>
       <p:ext uri="{BB962C8B-B14F-4D97-AF65-F5344CB8AC3E}">
-        <p14:creationId xmlns:p14="http://schemas.microsoft.com/office/powerpoint/2010/main" val="1620994905"/>
+        <p14:creationId xmlns:p14="http://schemas.microsoft.com/office/powerpoint/2010/main" val="400762058"/>
       </p:ext>
     </p:extLst>
   </p:cSld>
   <p:clrMapOvr>
     <a:masterClrMapping/>
   </p:clrMapOvr>
+  <p:timing>
+    <p:tnLst>
+      <p:par>
+        <p:cTn id="1" dur="indefinite" restart="never" nodeType="tmRoot"/>
+      </p:par>
+    </p:tnLst>
+  </p:timing>
 </p:sld>
 </file>
 
@@ -6681,7 +7107,7 @@
           <a:p>
             <a:r>
               <a:rPr lang="en-US" dirty="0" smtClean="0"/>
-              <a:t>Web 2.0: SOAP</a:t>
+              <a:t>Web 2.0: WWW</a:t>
             </a:r>
             <a:endParaRPr lang="en-US" dirty="0"/>
           </a:p>
@@ -6689,7 +7115,7 @@
       </p:sp>
       <p:sp>
         <p:nvSpPr>
-          <p:cNvPr id="3" name="Content Placeholder 2"/>
+          <p:cNvPr id="9" name="Content Placeholder 8"/>
           <p:cNvSpPr>
             <a:spLocks noGrp="1"/>
           </p:cNvSpPr>
@@ -6697,25 +7123,176 @@
             <p:ph idx="1"/>
           </p:nvPr>
         </p:nvSpPr>
-        <p:spPr/>
+        <p:spPr>
+          <a:xfrm>
+            <a:off x="628650" y="1363851"/>
+            <a:ext cx="4076700" cy="4813112"/>
+          </a:xfrm>
+        </p:spPr>
         <p:txBody>
           <a:bodyPr/>
           <a:lstStyle/>
           <a:p>
-            <a:endParaRPr lang="en-US"/>
+            <a:endParaRPr lang="en-US" dirty="0"/>
+          </a:p>
+        </p:txBody>
+      </p:sp>
+      <p:pic>
+        <p:nvPicPr>
+          <p:cNvPr id="5" name="Picture 4"/>
+          <p:cNvPicPr>
+            <a:picLocks noChangeAspect="1"/>
+          </p:cNvPicPr>
+          <p:nvPr/>
+        </p:nvPicPr>
+        <p:blipFill>
+          <a:blip r:embed="rId2">
+            <a:extLst>
+              <a:ext uri="{28A0092B-C50C-407E-A947-70E740481C1C}">
+                <a14:useLocalDpi xmlns:a14="http://schemas.microsoft.com/office/drawing/2010/main" val="0"/>
+              </a:ext>
+            </a:extLst>
+          </a:blip>
+          <a:stretch>
+            <a:fillRect/>
+          </a:stretch>
+        </p:blipFill>
+        <p:spPr>
+          <a:xfrm>
+            <a:off x="4821265" y="365126"/>
+            <a:ext cx="3810000" cy="4629150"/>
+          </a:xfrm>
+          <a:prstGeom prst="rect">
+            <a:avLst/>
+          </a:prstGeom>
+        </p:spPr>
+      </p:pic>
+      <p:sp>
+        <p:nvSpPr>
+          <p:cNvPr id="6" name="TextBox 5"/>
+          <p:cNvSpPr txBox="1"/>
+          <p:nvPr/>
+        </p:nvSpPr>
+        <p:spPr>
+          <a:xfrm>
+            <a:off x="4705350" y="4671110"/>
+            <a:ext cx="3810000" cy="646331"/>
+          </a:xfrm>
+          <a:prstGeom prst="rect">
+            <a:avLst/>
+          </a:prstGeom>
+          <a:noFill/>
+        </p:spPr>
+        <p:txBody>
+          <a:bodyPr wrap="square" rtlCol="0">
+            <a:spAutoFit/>
+          </a:bodyPr>
+          <a:lstStyle/>
+          <a:p>
+            <a:pPr algn="r"/>
+            <a:r>
+              <a:rPr lang="en-US" dirty="0" smtClean="0">
+                <a:solidFill>
+                  <a:schemeClr val="bg1"/>
+                </a:solidFill>
+              </a:rPr>
+              <a:t>”Graph of World Wide Web” source</a:t>
+            </a:r>
+            <a:r>
+              <a:rPr lang="en-US" dirty="0">
+                <a:solidFill>
+                  <a:schemeClr val="bg1"/>
+                </a:solidFill>
+              </a:rPr>
+              <a:t>: </a:t>
+            </a:r>
+            <a:r>
+              <a:rPr lang="en-US" dirty="0">
+                <a:hlinkClick r:id="rId3"/>
+              </a:rPr>
+              <a:t>http://www.bordalierinstitute.com</a:t>
+            </a:r>
+            <a:r>
+              <a:rPr lang="en-US" dirty="0" smtClean="0">
+                <a:hlinkClick r:id="rId3"/>
+              </a:rPr>
+              <a:t>/</a:t>
+            </a:r>
+            <a:endParaRPr lang="en-US" dirty="0" smtClean="0"/>
+          </a:p>
+        </p:txBody>
+      </p:sp>
+      <p:sp>
+        <p:nvSpPr>
+          <p:cNvPr id="10" name="TextBox 9"/>
+          <p:cNvSpPr txBox="1"/>
+          <p:nvPr/>
+        </p:nvSpPr>
+        <p:spPr>
+          <a:xfrm>
+            <a:off x="4821265" y="5501898"/>
+            <a:ext cx="3810000" cy="646331"/>
+          </a:xfrm>
+          <a:prstGeom prst="rect">
+            <a:avLst/>
+          </a:prstGeom>
+          <a:noFill/>
+        </p:spPr>
+        <p:txBody>
+          <a:bodyPr wrap="square" rtlCol="0">
+            <a:spAutoFit/>
+          </a:bodyPr>
+          <a:lstStyle/>
+          <a:p>
+            <a:r>
+              <a:rPr lang="en-US" dirty="0" smtClean="0"/>
+              <a:t>See more large network datasets at:</a:t>
+            </a:r>
+          </a:p>
+          <a:p>
+            <a:r>
+              <a:rPr lang="en-US" dirty="0"/>
+              <a:t>  </a:t>
+            </a:r>
+            <a:r>
+              <a:rPr lang="en-US" dirty="0" smtClean="0">
+                <a:hlinkClick r:id="rId4"/>
+              </a:rPr>
+              <a:t>https</a:t>
+            </a:r>
+            <a:r>
+              <a:rPr lang="en-US" dirty="0">
+                <a:hlinkClick r:id="rId4"/>
+              </a:rPr>
+              <a:t>://snap.stanford.edu/data/#</a:t>
+            </a:r>
+            <a:r>
+              <a:rPr lang="en-US" dirty="0" smtClean="0">
+                <a:hlinkClick r:id="rId4"/>
+              </a:rPr>
+              <a:t>web</a:t>
+            </a:r>
+            <a:endParaRPr lang="en-US" dirty="0" smtClean="0"/>
           </a:p>
         </p:txBody>
       </p:sp>
     </p:spTree>
     <p:extLst>
       <p:ext uri="{BB962C8B-B14F-4D97-AF65-F5344CB8AC3E}">
-        <p14:creationId xmlns:p14="http://schemas.microsoft.com/office/powerpoint/2010/main" val="815741486"/>
+        <p14:creationId xmlns:p14="http://schemas.microsoft.com/office/powerpoint/2010/main" val="527425978"/>
       </p:ext>
     </p:extLst>
   </p:cSld>
   <p:clrMapOvr>
     <a:masterClrMapping/>
   </p:clrMapOvr>
+  <p:timing>
+    <p:tnLst>
+      <p:par>
+        <p:cTn id="1" dur="indefinite" restart="never" nodeType="tmRoot"/>
+      </p:par>
+    </p:tnLst>
+  </p:timing>
 </p:sld>
 </file>
 
@@ -6753,15 +7330,7 @@
           <a:p>
             <a:r>
               <a:rPr lang="en-US" dirty="0" smtClean="0"/>
-              <a:t>Web 2.0: </a:t>
-            </a:r>
-            <a:r>
-              <a:rPr lang="en-US" dirty="0" err="1" smtClean="0"/>
-              <a:t>RESTful</a:t>
-            </a:r>
-            <a:r>
-              <a:rPr lang="en-US" dirty="0" smtClean="0"/>
-              <a:t> JSON</a:t>
+              <a:t>Web 2.0: XML</a:t>
             </a:r>
             <a:endParaRPr lang="en-US" dirty="0"/>
           </a:p>
@@ -6789,13 +7358,20 @@
     </p:spTree>
     <p:extLst>
       <p:ext uri="{BB962C8B-B14F-4D97-AF65-F5344CB8AC3E}">
-        <p14:creationId xmlns:p14="http://schemas.microsoft.com/office/powerpoint/2010/main" val="1586755597"/>
+        <p14:creationId xmlns:p14="http://schemas.microsoft.com/office/powerpoint/2010/main" val="1461253917"/>
       </p:ext>
     </p:extLst>
   </p:cSld>
   <p:clrMapOvr>
     <a:masterClrMapping/>
   </p:clrMapOvr>
+  <p:timing>
+    <p:tnLst>
+      <p:par>
+        <p:cTn id="1" dur="indefinite" restart="never" nodeType="tmRoot"/>
+      </p:par>
+    </p:tnLst>
+  </p:timing>
 </p:sld>
 </file>
 
@@ -6833,6 +7409,251 @@
           <a:p>
             <a:r>
               <a:rPr lang="en-US" dirty="0" smtClean="0"/>
+              <a:t>Web 2.0: Web Services</a:t>
+            </a:r>
+            <a:endParaRPr lang="en-US" dirty="0"/>
+          </a:p>
+        </p:txBody>
+      </p:sp>
+      <p:sp>
+        <p:nvSpPr>
+          <p:cNvPr id="3" name="Content Placeholder 2"/>
+          <p:cNvSpPr>
+            <a:spLocks noGrp="1"/>
+          </p:cNvSpPr>
+          <p:nvPr>
+            <p:ph idx="1"/>
+          </p:nvPr>
+        </p:nvSpPr>
+        <p:spPr/>
+        <p:txBody>
+          <a:bodyPr/>
+          <a:lstStyle/>
+          <a:p>
+            <a:endParaRPr lang="en-US" dirty="0"/>
+          </a:p>
+        </p:txBody>
+      </p:sp>
+    </p:spTree>
+    <p:extLst>
+      <p:ext uri="{BB962C8B-B14F-4D97-AF65-F5344CB8AC3E}">
+        <p14:creationId xmlns:p14="http://schemas.microsoft.com/office/powerpoint/2010/main" val="1620994905"/>
+      </p:ext>
+    </p:extLst>
+  </p:cSld>
+  <p:clrMapOvr>
+    <a:masterClrMapping/>
+  </p:clrMapOvr>
+  <p:timing>
+    <p:tnLst>
+      <p:par>
+        <p:cTn id="1" dur="indefinite" restart="never" nodeType="tmRoot"/>
+      </p:par>
+    </p:tnLst>
+  </p:timing>
+</p:sld>
+</file>
+
+<file path=ppt/slides/slide17.xml><?xml version="1.0" encoding="utf-8"?>
+<p:sld xmlns:a="http://schemas.openxmlformats.org/drawingml/2006/main" xmlns:r="http://schemas.openxmlformats.org/officeDocument/2006/relationships" xmlns:p="http://schemas.openxmlformats.org/presentationml/2006/main">
+  <p:cSld>
+    <p:spTree>
+      <p:nvGrpSpPr>
+        <p:cNvPr id="1" name=""/>
+        <p:cNvGrpSpPr/>
+        <p:nvPr/>
+      </p:nvGrpSpPr>
+      <p:grpSpPr>
+        <a:xfrm>
+          <a:off x="0" y="0"/>
+          <a:ext cx="0" cy="0"/>
+          <a:chOff x="0" y="0"/>
+          <a:chExt cx="0" cy="0"/>
+        </a:xfrm>
+      </p:grpSpPr>
+      <p:sp>
+        <p:nvSpPr>
+          <p:cNvPr id="2" name="Title 1"/>
+          <p:cNvSpPr>
+            <a:spLocks noGrp="1"/>
+          </p:cNvSpPr>
+          <p:nvPr>
+            <p:ph type="title"/>
+          </p:nvPr>
+        </p:nvSpPr>
+        <p:spPr/>
+        <p:txBody>
+          <a:bodyPr/>
+          <a:lstStyle/>
+          <a:p>
+            <a:r>
+              <a:rPr lang="en-US" dirty="0" smtClean="0"/>
+              <a:t>Web 2.0: SOAP</a:t>
+            </a:r>
+            <a:endParaRPr lang="en-US" dirty="0"/>
+          </a:p>
+        </p:txBody>
+      </p:sp>
+      <p:sp>
+        <p:nvSpPr>
+          <p:cNvPr id="3" name="Content Placeholder 2"/>
+          <p:cNvSpPr>
+            <a:spLocks noGrp="1"/>
+          </p:cNvSpPr>
+          <p:nvPr>
+            <p:ph idx="1"/>
+          </p:nvPr>
+        </p:nvSpPr>
+        <p:spPr/>
+        <p:txBody>
+          <a:bodyPr/>
+          <a:lstStyle/>
+          <a:p>
+            <a:endParaRPr lang="en-US"/>
+          </a:p>
+        </p:txBody>
+      </p:sp>
+    </p:spTree>
+    <p:extLst>
+      <p:ext uri="{BB962C8B-B14F-4D97-AF65-F5344CB8AC3E}">
+        <p14:creationId xmlns:p14="http://schemas.microsoft.com/office/powerpoint/2010/main" val="815741486"/>
+      </p:ext>
+    </p:extLst>
+  </p:cSld>
+  <p:clrMapOvr>
+    <a:masterClrMapping/>
+  </p:clrMapOvr>
+  <p:timing>
+    <p:tnLst>
+      <p:par>
+        <p:cTn id="1" dur="indefinite" restart="never" nodeType="tmRoot"/>
+      </p:par>
+    </p:tnLst>
+  </p:timing>
+</p:sld>
+</file>
+
+<file path=ppt/slides/slide18.xml><?xml version="1.0" encoding="utf-8"?>
+<p:sld xmlns:a="http://schemas.openxmlformats.org/drawingml/2006/main" xmlns:r="http://schemas.openxmlformats.org/officeDocument/2006/relationships" xmlns:p="http://schemas.openxmlformats.org/presentationml/2006/main">
+  <p:cSld>
+    <p:spTree>
+      <p:nvGrpSpPr>
+        <p:cNvPr id="1" name=""/>
+        <p:cNvGrpSpPr/>
+        <p:nvPr/>
+      </p:nvGrpSpPr>
+      <p:grpSpPr>
+        <a:xfrm>
+          <a:off x="0" y="0"/>
+          <a:ext cx="0" cy="0"/>
+          <a:chOff x="0" y="0"/>
+          <a:chExt cx="0" cy="0"/>
+        </a:xfrm>
+      </p:grpSpPr>
+      <p:sp>
+        <p:nvSpPr>
+          <p:cNvPr id="2" name="Title 1"/>
+          <p:cNvSpPr>
+            <a:spLocks noGrp="1"/>
+          </p:cNvSpPr>
+          <p:nvPr>
+            <p:ph type="title"/>
+          </p:nvPr>
+        </p:nvSpPr>
+        <p:spPr/>
+        <p:txBody>
+          <a:bodyPr/>
+          <a:lstStyle/>
+          <a:p>
+            <a:r>
+              <a:rPr lang="en-US" dirty="0" smtClean="0"/>
+              <a:t>Web 2.0: </a:t>
+            </a:r>
+            <a:r>
+              <a:rPr lang="en-US" dirty="0" err="1" smtClean="0"/>
+              <a:t>RESTful</a:t>
+            </a:r>
+            <a:r>
+              <a:rPr lang="en-US" dirty="0" smtClean="0"/>
+              <a:t> JSON</a:t>
+            </a:r>
+            <a:endParaRPr lang="en-US" dirty="0"/>
+          </a:p>
+        </p:txBody>
+      </p:sp>
+      <p:sp>
+        <p:nvSpPr>
+          <p:cNvPr id="3" name="Content Placeholder 2"/>
+          <p:cNvSpPr>
+            <a:spLocks noGrp="1"/>
+          </p:cNvSpPr>
+          <p:nvPr>
+            <p:ph idx="1"/>
+          </p:nvPr>
+        </p:nvSpPr>
+        <p:spPr/>
+        <p:txBody>
+          <a:bodyPr/>
+          <a:lstStyle/>
+          <a:p>
+            <a:endParaRPr lang="en-US"/>
+          </a:p>
+        </p:txBody>
+      </p:sp>
+    </p:spTree>
+    <p:extLst>
+      <p:ext uri="{BB962C8B-B14F-4D97-AF65-F5344CB8AC3E}">
+        <p14:creationId xmlns:p14="http://schemas.microsoft.com/office/powerpoint/2010/main" val="1586755597"/>
+      </p:ext>
+    </p:extLst>
+  </p:cSld>
+  <p:clrMapOvr>
+    <a:masterClrMapping/>
+  </p:clrMapOvr>
+  <p:timing>
+    <p:tnLst>
+      <p:par>
+        <p:cTn id="1" dur="indefinite" restart="never" nodeType="tmRoot"/>
+      </p:par>
+    </p:tnLst>
+  </p:timing>
+</p:sld>
+</file>
+
+<file path=ppt/slides/slide19.xml><?xml version="1.0" encoding="utf-8"?>
+<p:sld xmlns:a="http://schemas.openxmlformats.org/drawingml/2006/main" xmlns:r="http://schemas.openxmlformats.org/officeDocument/2006/relationships" xmlns:p="http://schemas.openxmlformats.org/presentationml/2006/main">
+  <p:cSld>
+    <p:spTree>
+      <p:nvGrpSpPr>
+        <p:cNvPr id="1" name=""/>
+        <p:cNvGrpSpPr/>
+        <p:nvPr/>
+      </p:nvGrpSpPr>
+      <p:grpSpPr>
+        <a:xfrm>
+          <a:off x="0" y="0"/>
+          <a:ext cx="0" cy="0"/>
+          <a:chOff x="0" y="0"/>
+          <a:chExt cx="0" cy="0"/>
+        </a:xfrm>
+      </p:grpSpPr>
+      <p:sp>
+        <p:nvSpPr>
+          <p:cNvPr id="2" name="Title 1"/>
+          <p:cNvSpPr>
+            <a:spLocks noGrp="1"/>
+          </p:cNvSpPr>
+          <p:nvPr>
+            <p:ph type="title"/>
+          </p:nvPr>
+        </p:nvSpPr>
+        <p:spPr/>
+        <p:txBody>
+          <a:bodyPr/>
+          <a:lstStyle/>
+          <a:p>
+            <a:r>
+              <a:rPr lang="en-US" dirty="0" smtClean="0"/>
               <a:t>Infrastructure: Web 3.0- Semantic</a:t>
             </a:r>
             <a:endParaRPr lang="en-US" dirty="0"/>
@@ -6868,6 +7689,13 @@
   <p:clrMapOvr>
     <a:masterClrMapping/>
   </p:clrMapOvr>
+  <p:timing>
+    <p:tnLst>
+      <p:par>
+        <p:cTn id="1" dur="indefinite" restart="never" nodeType="tmRoot"/>
+      </p:par>
+    </p:tnLst>
+  </p:timing>
 </p:sld>
 </file>
 
@@ -6959,31 +7787,14 @@
         </p:nvSpPr>
         <p:spPr/>
         <p:txBody>
-          <a:bodyPr>
-            <a:normAutofit fontScale="90000"/>
-          </a:bodyPr>
+          <a:bodyPr/>
           <a:lstStyle/>
           <a:p>
             <a:r>
-              <a:rPr lang="en-US" b="1" dirty="0" smtClean="0"/>
-              <a:t>Outline: </a:t>
-            </a:r>
-            <a:r>
-              <a:rPr lang="en-US" dirty="0" smtClean="0"/>
-              <a:t>Class 11 – Guest Lecture</a:t>
-            </a:r>
-            <a:r>
-              <a:rPr lang="en-US" b="1" dirty="0"/>
-              <a:t/>
-            </a:r>
-            <a:br>
-              <a:rPr lang="en-US" b="1" dirty="0"/>
-            </a:br>
-            <a:r>
-              <a:rPr lang="en-US" sz="4000" dirty="0" smtClean="0"/>
-              <a:t>“Social Graphs and Semantic Analytics” </a:t>
-            </a:r>
-            <a:endParaRPr lang="en-US" sz="4000" dirty="0"/>
+              <a:rPr lang="en-US" dirty="0" smtClean="0"/>
+              <a:t>Foundations: Starting from…</a:t>
+            </a:r>
+            <a:endParaRPr lang="en-US" dirty="0"/>
           </a:p>
         </p:txBody>
       </p:sp>
@@ -6999,6 +7810,169 @@
         </p:nvSpPr>
         <p:spPr/>
         <p:txBody>
+          <a:bodyPr>
+            <a:normAutofit fontScale="92500" lnSpcReduction="20000"/>
+          </a:bodyPr>
+          <a:lstStyle/>
+          <a:p>
+            <a:r>
+              <a:rPr lang="en-US" dirty="0" smtClean="0"/>
+              <a:t>Business Intelligence (BI)</a:t>
+            </a:r>
+          </a:p>
+          <a:p>
+            <a:r>
+              <a:rPr lang="en-US" dirty="0" smtClean="0"/>
+              <a:t>Data Warehousing</a:t>
+            </a:r>
+            <a:r>
+              <a:rPr lang="en-US" dirty="0"/>
+              <a:t> </a:t>
+            </a:r>
+            <a:r>
+              <a:rPr lang="en-US" dirty="0" smtClean="0"/>
+              <a:t>/ </a:t>
+            </a:r>
+            <a:r>
+              <a:rPr lang="en-US" dirty="0" smtClean="0"/>
+              <a:t>Big Data</a:t>
+            </a:r>
+          </a:p>
+          <a:p>
+            <a:endParaRPr lang="en-US" dirty="0"/>
+          </a:p>
+          <a:p>
+            <a:r>
+              <a:rPr lang="en-US" dirty="0" smtClean="0"/>
+              <a:t>Today we are going to talk about next gen BI and the tools / technologies being used at the bleeding edge to make sense of big data.</a:t>
+            </a:r>
+          </a:p>
+          <a:p>
+            <a:pPr lvl="1"/>
+            <a:endParaRPr lang="en-US" dirty="0" smtClean="0"/>
+          </a:p>
+          <a:p>
+            <a:pPr lvl="1"/>
+            <a:r>
+              <a:rPr lang="en-US" dirty="0" smtClean="0"/>
+              <a:t>“Business Intelligence 2.0”</a:t>
+            </a:r>
+          </a:p>
+          <a:p>
+            <a:pPr lvl="1"/>
+            <a:endParaRPr lang="en-US" dirty="0" smtClean="0"/>
+          </a:p>
+          <a:p>
+            <a:pPr lvl="1"/>
+            <a:r>
+              <a:rPr lang="en-US" dirty="0" smtClean="0"/>
+              <a:t>Graph databases</a:t>
+            </a:r>
+            <a:endParaRPr lang="en-US" dirty="0"/>
+          </a:p>
+          <a:p>
+            <a:pPr lvl="1"/>
+            <a:endParaRPr lang="en-US" dirty="0" smtClean="0"/>
+          </a:p>
+          <a:p>
+            <a:pPr lvl="1"/>
+            <a:r>
+              <a:rPr lang="en-US" dirty="0" smtClean="0"/>
+              <a:t>Semantic-aware analytics</a:t>
+            </a:r>
+            <a:endParaRPr lang="en-US" dirty="0"/>
+          </a:p>
+        </p:txBody>
+      </p:sp>
+    </p:spTree>
+    <p:extLst>
+      <p:ext uri="{BB962C8B-B14F-4D97-AF65-F5344CB8AC3E}">
+        <p14:creationId xmlns:p14="http://schemas.microsoft.com/office/powerpoint/2010/main" val="1030957834"/>
+      </p:ext>
+    </p:extLst>
+  </p:cSld>
+  <p:clrMapOvr>
+    <a:masterClrMapping/>
+  </p:clrMapOvr>
+  <p:timing>
+    <p:tnLst>
+      <p:par>
+        <p:cTn id="1" dur="indefinite" restart="never" nodeType="tmRoot"/>
+      </p:par>
+    </p:tnLst>
+  </p:timing>
+</p:sld>
+</file>
+
+<file path=ppt/slides/slide4.xml><?xml version="1.0" encoding="utf-8"?>
+<p:sld xmlns:a="http://schemas.openxmlformats.org/drawingml/2006/main" xmlns:r="http://schemas.openxmlformats.org/officeDocument/2006/relationships" xmlns:p="http://schemas.openxmlformats.org/presentationml/2006/main">
+  <p:cSld>
+    <p:spTree>
+      <p:nvGrpSpPr>
+        <p:cNvPr id="1" name=""/>
+        <p:cNvGrpSpPr/>
+        <p:nvPr/>
+      </p:nvGrpSpPr>
+      <p:grpSpPr>
+        <a:xfrm>
+          <a:off x="0" y="0"/>
+          <a:ext cx="0" cy="0"/>
+          <a:chOff x="0" y="0"/>
+          <a:chExt cx="0" cy="0"/>
+        </a:xfrm>
+      </p:grpSpPr>
+      <p:sp>
+        <p:nvSpPr>
+          <p:cNvPr id="2" name="Title 1"/>
+          <p:cNvSpPr>
+            <a:spLocks noGrp="1"/>
+          </p:cNvSpPr>
+          <p:nvPr>
+            <p:ph type="title"/>
+          </p:nvPr>
+        </p:nvSpPr>
+        <p:spPr/>
+        <p:txBody>
+          <a:bodyPr>
+            <a:normAutofit fontScale="90000"/>
+          </a:bodyPr>
+          <a:lstStyle/>
+          <a:p>
+            <a:r>
+              <a:rPr lang="en-US" b="1" dirty="0" smtClean="0"/>
+              <a:t>Outline: </a:t>
+            </a:r>
+            <a:r>
+              <a:rPr lang="en-US" dirty="0" smtClean="0"/>
+              <a:t>Class 11 – Guest Lecture</a:t>
+            </a:r>
+            <a:r>
+              <a:rPr lang="en-US" b="1" dirty="0"/>
+              <a:t/>
+            </a:r>
+            <a:br>
+              <a:rPr lang="en-US" b="1" dirty="0"/>
+            </a:br>
+            <a:r>
+              <a:rPr lang="en-US" sz="4000" dirty="0" smtClean="0"/>
+              <a:t>“Social Graphs and Semantic Analytics” </a:t>
+            </a:r>
+            <a:endParaRPr lang="en-US" sz="4000" dirty="0"/>
+          </a:p>
+        </p:txBody>
+      </p:sp>
+      <p:sp>
+        <p:nvSpPr>
+          <p:cNvPr id="3" name="Content Placeholder 2"/>
+          <p:cNvSpPr>
+            <a:spLocks noGrp="1"/>
+          </p:cNvSpPr>
+          <p:nvPr>
+            <p:ph idx="1"/>
+          </p:nvPr>
+        </p:nvSpPr>
+        <p:spPr/>
+        <p:txBody>
           <a:bodyPr numCol="2">
             <a:normAutofit/>
           </a:bodyPr>
@@ -7030,7 +8004,6 @@
               <a:rPr lang="en-US" sz="1400" dirty="0" smtClean="0"/>
               <a:t>(linguistics)</a:t>
             </a:r>
-            <a:endParaRPr lang="en-US" sz="1400" dirty="0" smtClean="0"/>
           </a:p>
           <a:p>
             <a:r>
@@ -7119,11 +8092,7 @@
             <a:pPr lvl="1"/>
             <a:r>
               <a:rPr lang="en-US" dirty="0" smtClean="0"/>
-              <a:t>Where </a:t>
-            </a:r>
-            <a:r>
-              <a:rPr lang="en-US" dirty="0" smtClean="0"/>
-              <a:t>would you start?</a:t>
+              <a:t>Where would you start?</a:t>
             </a:r>
           </a:p>
         </p:txBody>
@@ -7865,93 +8834,6 @@
 </p:sld>
 </file>
 
-<file path=ppt/slides/slide4.xml><?xml version="1.0" encoding="utf-8"?>
-<p:sld xmlns:a="http://schemas.openxmlformats.org/drawingml/2006/main" xmlns:r="http://schemas.openxmlformats.org/officeDocument/2006/relationships" xmlns:p="http://schemas.openxmlformats.org/presentationml/2006/main">
-  <p:cSld>
-    <p:spTree>
-      <p:nvGrpSpPr>
-        <p:cNvPr id="1" name=""/>
-        <p:cNvGrpSpPr/>
-        <p:nvPr/>
-      </p:nvGrpSpPr>
-      <p:grpSpPr>
-        <a:xfrm>
-          <a:off x="0" y="0"/>
-          <a:ext cx="0" cy="0"/>
-          <a:chOff x="0" y="0"/>
-          <a:chExt cx="0" cy="0"/>
-        </a:xfrm>
-      </p:grpSpPr>
-      <p:sp>
-        <p:nvSpPr>
-          <p:cNvPr id="2" name="Title 1"/>
-          <p:cNvSpPr>
-            <a:spLocks noGrp="1"/>
-          </p:cNvSpPr>
-          <p:nvPr>
-            <p:ph type="title"/>
-          </p:nvPr>
-        </p:nvSpPr>
-        <p:spPr/>
-        <p:txBody>
-          <a:bodyPr/>
-          <a:lstStyle/>
-          <a:p>
-            <a:r>
-              <a:rPr lang="en-US" dirty="0" smtClean="0"/>
-              <a:t>Foundations</a:t>
-            </a:r>
-            <a:endParaRPr lang="en-US" dirty="0"/>
-          </a:p>
-        </p:txBody>
-      </p:sp>
-      <p:sp>
-        <p:nvSpPr>
-          <p:cNvPr id="3" name="Content Placeholder 2"/>
-          <p:cNvSpPr>
-            <a:spLocks noGrp="1"/>
-          </p:cNvSpPr>
-          <p:nvPr>
-            <p:ph idx="1"/>
-          </p:nvPr>
-        </p:nvSpPr>
-        <p:spPr/>
-        <p:txBody>
-          <a:bodyPr/>
-          <a:lstStyle/>
-          <a:p>
-            <a:r>
-              <a:rPr lang="en-US" dirty="0" smtClean="0"/>
-              <a:t>Abstraction</a:t>
-            </a:r>
-          </a:p>
-          <a:p>
-            <a:r>
-              <a:rPr lang="en-US" dirty="0" smtClean="0"/>
-              <a:t>Business Intelligence / Data Warehousing</a:t>
-            </a:r>
-          </a:p>
-          <a:p>
-            <a:r>
-              <a:rPr lang="en-US" dirty="0" smtClean="0"/>
-              <a:t>Big Data</a:t>
-            </a:r>
-          </a:p>
-        </p:txBody>
-      </p:sp>
-    </p:spTree>
-    <p:extLst>
-      <p:ext uri="{BB962C8B-B14F-4D97-AF65-F5344CB8AC3E}">
-        <p14:creationId xmlns:p14="http://schemas.microsoft.com/office/powerpoint/2010/main" val="1030957834"/>
-      </p:ext>
-    </p:extLst>
-  </p:cSld>
-  <p:clrMapOvr>
-    <a:masterClrMapping/>
-  </p:clrMapOvr>
-</p:sld>
-</file>
-
 <file path=ppt/slides/slide5.xml><?xml version="1.0" encoding="utf-8"?>
 <p:sld xmlns:a="http://schemas.openxmlformats.org/drawingml/2006/main" xmlns:r="http://schemas.openxmlformats.org/officeDocument/2006/relationships" xmlns:p="http://schemas.openxmlformats.org/presentationml/2006/main">
   <p:cSld>
@@ -8061,8 +8943,13 @@
             </a:r>
             <a:r>
               <a:rPr lang="en-US" dirty="0" smtClean="0"/>
-              <a:t>of unordered (edge) and ordered (arc) pairs of vertices.</a:t>
-            </a:r>
+              <a:t>of unordered (edge) and ordered (arc) pairs of vertices</a:t>
+            </a:r>
+            <a:r>
+              <a:rPr lang="en-US" dirty="0" smtClean="0"/>
+              <a:t>.</a:t>
+            </a:r>
+            <a:endParaRPr lang="en-US" dirty="0" smtClean="0"/>
           </a:p>
           <a:p>
             <a:pPr lvl="1">
@@ -8155,16 +9042,21 @@
             </a:pPr>
             <a:r>
               <a:rPr lang="en-US" dirty="0" smtClean="0"/>
-              <a:t>Multi-Graph (G</a:t>
-            </a:r>
-            <a:r>
-              <a:rPr lang="en-US" baseline="-25000" dirty="0" smtClean="0"/>
-              <a:t>m</a:t>
+              <a:t>Mixed Graph (</a:t>
+            </a:r>
+            <a:r>
+              <a:rPr lang="en-US" dirty="0" err="1" smtClean="0"/>
+              <a:t>G</a:t>
+            </a:r>
+            <a:r>
+              <a:rPr lang="en-US" baseline="-25000" dirty="0" err="1" smtClean="0"/>
+              <a:t>x</a:t>
             </a:r>
             <a:r>
               <a:rPr lang="en-US" dirty="0" smtClean="0"/>
               <a:t>)</a:t>
             </a:r>
+            <a:endParaRPr lang="en-US" dirty="0" smtClean="0"/>
           </a:p>
           <a:p>
             <a:pPr lvl="1">
@@ -8175,7 +9067,26 @@
                 <a:spcPts val="0"/>
               </a:spcBef>
             </a:pPr>
-            <a:endParaRPr lang="en-US" dirty="0"/>
+            <a:r>
+              <a:rPr lang="en-US" dirty="0" err="1" smtClean="0"/>
+              <a:t>Multigraph</a:t>
+            </a:r>
+            <a:r>
+              <a:rPr lang="en-US" dirty="0" smtClean="0"/>
+              <a:t> </a:t>
+            </a:r>
+            <a:r>
+              <a:rPr lang="en-US" dirty="0" smtClean="0"/>
+              <a:t>(G</a:t>
+            </a:r>
+            <a:r>
+              <a:rPr lang="en-US" baseline="-25000" dirty="0" smtClean="0"/>
+              <a:t>m</a:t>
+            </a:r>
+            <a:r>
+              <a:rPr lang="en-US" dirty="0" smtClean="0"/>
+              <a:t>)</a:t>
+            </a:r>
           </a:p>
         </p:txBody>
       </p:sp>
@@ -8242,11 +9153,7 @@
           <a:p>
             <a:r>
               <a:rPr lang="en-US" sz="900" dirty="0"/>
-              <a:t>Graph.</a:t>
-            </a:r>
-            <a:r>
-              <a:rPr lang="en-US" sz="900" dirty="0"/>
-              <a:t> </a:t>
+              <a:t>Graph. </a:t>
             </a:r>
             <a:r>
               <a:rPr lang="en-US" sz="900" i="1" dirty="0"/>
@@ -8254,11 +9161,7 @@
             </a:r>
             <a:r>
               <a:rPr lang="en-US" sz="900" dirty="0"/>
-              <a:t> </a:t>
-            </a:r>
-            <a:r>
-              <a:rPr lang="en-US" sz="900" dirty="0"/>
-              <a:t>URL: </a:t>
+              <a:t> URL: </a:t>
             </a:r>
             <a:r>
               <a:rPr lang="en-US" sz="900" dirty="0">
@@ -8276,6 +9179,126 @@
           </a:p>
         </p:txBody>
       </p:sp>
+      <p:pic>
+        <p:nvPicPr>
+          <p:cNvPr id="11" name="Picture 10"/>
+          <p:cNvPicPr>
+            <a:picLocks noChangeAspect="1"/>
+          </p:cNvPicPr>
+          <p:nvPr/>
+        </p:nvPicPr>
+        <p:blipFill>
+          <a:blip r:embed="rId4">
+            <a:extLst>
+              <a:ext uri="{28A0092B-C50C-407E-A947-70E740481C1C}">
+                <a14:useLocalDpi xmlns:a14="http://schemas.microsoft.com/office/drawing/2010/main" val="0"/>
+              </a:ext>
+            </a:extLst>
+          </a:blip>
+          <a:stretch>
+            <a:fillRect/>
+          </a:stretch>
+        </p:blipFill>
+        <p:spPr>
+          <a:xfrm>
+            <a:off x="4559785" y="4454899"/>
+            <a:ext cx="2103750" cy="1800000"/>
+          </a:xfrm>
+          <a:prstGeom prst="rect">
+            <a:avLst/>
+          </a:prstGeom>
+        </p:spPr>
+      </p:pic>
+      <p:pic>
+        <p:nvPicPr>
+          <p:cNvPr id="12" name="Picture 11"/>
+          <p:cNvPicPr>
+            <a:picLocks noChangeAspect="1"/>
+          </p:cNvPicPr>
+          <p:nvPr/>
+        </p:nvPicPr>
+        <p:blipFill>
+          <a:blip r:embed="rId5">
+            <a:extLst>
+              <a:ext uri="{28A0092B-C50C-407E-A947-70E740481C1C}">
+                <a14:useLocalDpi xmlns:a14="http://schemas.microsoft.com/office/drawing/2010/main" val="0"/>
+              </a:ext>
+            </a:extLst>
+          </a:blip>
+          <a:stretch>
+            <a:fillRect/>
+          </a:stretch>
+        </p:blipFill>
+        <p:spPr>
+          <a:xfrm>
+            <a:off x="6532440" y="4452081"/>
+            <a:ext cx="2103750" cy="1800000"/>
+          </a:xfrm>
+          <a:prstGeom prst="rect">
+            <a:avLst/>
+          </a:prstGeom>
+        </p:spPr>
+      </p:pic>
+      <p:pic>
+        <p:nvPicPr>
+          <p:cNvPr id="13" name="Picture 12"/>
+          <p:cNvPicPr>
+            <a:picLocks noChangeAspect="1"/>
+          </p:cNvPicPr>
+          <p:nvPr/>
+        </p:nvPicPr>
+        <p:blipFill>
+          <a:blip r:embed="rId6">
+            <a:extLst>
+              <a:ext uri="{28A0092B-C50C-407E-A947-70E740481C1C}">
+                <a14:useLocalDpi xmlns:a14="http://schemas.microsoft.com/office/drawing/2010/main" val="0"/>
+              </a:ext>
+            </a:extLst>
+          </a:blip>
+          <a:stretch>
+            <a:fillRect/>
+          </a:stretch>
+        </p:blipFill>
+        <p:spPr>
+          <a:xfrm>
+            <a:off x="4559785" y="2800808"/>
+            <a:ext cx="2103750" cy="1800000"/>
+          </a:xfrm>
+          <a:prstGeom prst="rect">
+            <a:avLst/>
+          </a:prstGeom>
+        </p:spPr>
+      </p:pic>
+      <p:pic>
+        <p:nvPicPr>
+          <p:cNvPr id="14" name="Picture 13"/>
+          <p:cNvPicPr>
+            <a:picLocks noChangeAspect="1"/>
+          </p:cNvPicPr>
+          <p:nvPr/>
+        </p:nvPicPr>
+        <p:blipFill>
+          <a:blip r:embed="rId7">
+            <a:extLst>
+              <a:ext uri="{28A0092B-C50C-407E-A947-70E740481C1C}">
+                <a14:useLocalDpi xmlns:a14="http://schemas.microsoft.com/office/drawing/2010/main" val="0"/>
+              </a:ext>
+            </a:extLst>
+          </a:blip>
+          <a:stretch>
+            <a:fillRect/>
+          </a:stretch>
+        </p:blipFill>
+        <p:spPr>
+          <a:xfrm>
+            <a:off x="6532440" y="2800808"/>
+            <a:ext cx="2103750" cy="1800000"/>
+          </a:xfrm>
+          <a:prstGeom prst="rect">
+            <a:avLst/>
+          </a:prstGeom>
+        </p:spPr>
+      </p:pic>
     </p:spTree>
     <p:extLst>
       <p:ext uri="{BB962C8B-B14F-4D97-AF65-F5344CB8AC3E}">
@@ -8286,6 +9309,13 @@
   <p:clrMapOvr>
     <a:masterClrMapping/>
   </p:clrMapOvr>
+  <p:timing>
+    <p:tnLst>
+      <p:par>
+        <p:cTn id="1" dur="indefinite" restart="never" nodeType="tmRoot"/>
+      </p:par>
+    </p:tnLst>
+  </p:timing>
 </p:sld>
 </file>
 
@@ -8341,10 +9371,241 @@
         </p:nvSpPr>
         <p:spPr/>
         <p:txBody>
-          <a:bodyPr/>
+          <a:bodyPr>
+            <a:normAutofit fontScale="92500" lnSpcReduction="10000"/>
+          </a:bodyPr>
           <a:lstStyle/>
           <a:p>
-            <a:endParaRPr lang="en-US"/>
+            <a:r>
+              <a:rPr lang="en-US" dirty="0" smtClean="0"/>
+              <a:t>Definition: Semantics</a:t>
+            </a:r>
+          </a:p>
+          <a:p>
+            <a:pPr lvl="1"/>
+            <a:r>
+              <a:rPr lang="en-US" dirty="0"/>
+              <a:t>The branch of linguistics and logic concerned with meaning</a:t>
+            </a:r>
+            <a:r>
+              <a:rPr lang="en-US" dirty="0" smtClean="0"/>
+              <a:t>. </a:t>
+            </a:r>
+            <a:r>
+              <a:rPr lang="en-US" dirty="0"/>
+              <a:t>There are a number of branches and </a:t>
+            </a:r>
+            <a:r>
+              <a:rPr lang="en-US" dirty="0" smtClean="0"/>
+              <a:t>sub branches </a:t>
+            </a:r>
+            <a:r>
+              <a:rPr lang="en-US" dirty="0"/>
+              <a:t>of semantics, </a:t>
+            </a:r>
+            <a:r>
+              <a:rPr lang="en-US" dirty="0" smtClean="0"/>
+              <a:t>including:</a:t>
+            </a:r>
+          </a:p>
+          <a:p>
+            <a:pPr lvl="2"/>
+            <a:r>
+              <a:rPr lang="en-US" b="1" dirty="0" smtClean="0"/>
+              <a:t>formal </a:t>
+            </a:r>
+            <a:r>
+              <a:rPr lang="en-US" b="1" dirty="0"/>
+              <a:t>semantics</a:t>
+            </a:r>
+            <a:r>
+              <a:rPr lang="en-US" dirty="0"/>
+              <a:t>, which studies the logical aspects of meaning, such as sense, reference, implication, and logical </a:t>
+            </a:r>
+            <a:r>
+              <a:rPr lang="en-US" dirty="0" smtClean="0"/>
+              <a:t>form,</a:t>
+            </a:r>
+          </a:p>
+          <a:p>
+            <a:pPr lvl="2"/>
+            <a:r>
+              <a:rPr lang="en-US" b="1" dirty="0" smtClean="0"/>
+              <a:t>lexical </a:t>
+            </a:r>
+            <a:r>
+              <a:rPr lang="en-US" b="1" dirty="0"/>
+              <a:t>semantics</a:t>
+            </a:r>
+            <a:r>
+              <a:rPr lang="en-US" dirty="0"/>
+              <a:t>, which studies word meanings and word relations, </a:t>
+            </a:r>
+            <a:r>
+              <a:rPr lang="en-US" dirty="0" smtClean="0"/>
+              <a:t>and;</a:t>
+            </a:r>
+          </a:p>
+          <a:p>
+            <a:pPr lvl="2"/>
+            <a:r>
+              <a:rPr lang="en-US" b="1" dirty="0" smtClean="0"/>
+              <a:t>conceptual </a:t>
+            </a:r>
+            <a:r>
+              <a:rPr lang="en-US" b="1" dirty="0"/>
+              <a:t>semantics</a:t>
+            </a:r>
+            <a:r>
+              <a:rPr lang="en-US" dirty="0"/>
+              <a:t>, which studies the cognitive structure of meaning</a:t>
+            </a:r>
+            <a:r>
+              <a:rPr lang="en-US" dirty="0" smtClean="0"/>
+              <a:t>.</a:t>
+            </a:r>
+          </a:p>
+          <a:p>
+            <a:r>
+              <a:rPr lang="en-US" dirty="0" smtClean="0"/>
+              <a:t>We are interested in </a:t>
+            </a:r>
+            <a:r>
+              <a:rPr lang="en-US" b="1" dirty="0" smtClean="0"/>
+              <a:t>Computational Semantics</a:t>
+            </a:r>
+            <a:r>
+              <a:rPr lang="en-US" dirty="0" smtClean="0"/>
+              <a:t>, the study of how to automate the process of constructing and reasoning with </a:t>
+            </a:r>
+            <a:r>
+              <a:rPr lang="en-US" dirty="0"/>
+              <a:t>meaning </a:t>
+            </a:r>
+            <a:r>
+              <a:rPr lang="en-US" dirty="0" smtClean="0"/>
+              <a:t>representations </a:t>
+            </a:r>
+            <a:r>
+              <a:rPr lang="en-US" sz="1100" dirty="0" smtClean="0"/>
+              <a:t>[source</a:t>
+            </a:r>
+            <a:r>
+              <a:rPr lang="en-US" sz="1100" dirty="0"/>
+              <a:t>: </a:t>
+            </a:r>
+            <a:r>
+              <a:rPr lang="en-US" sz="1100" dirty="0">
+                <a:hlinkClick r:id="rId2"/>
+              </a:rPr>
+              <a:t>https://</a:t>
+            </a:r>
+            <a:r>
+              <a:rPr lang="en-US" sz="1100" dirty="0" smtClean="0">
+                <a:hlinkClick r:id="rId2"/>
+              </a:rPr>
+              <a:t>en.wikipedia.org/wiki/Computational_semantics</a:t>
+            </a:r>
+            <a:r>
+              <a:rPr lang="en-US" sz="1100" dirty="0" smtClean="0"/>
+              <a:t>]</a:t>
+            </a:r>
+            <a:endParaRPr lang="en-US" sz="1100" b="1" dirty="0"/>
+          </a:p>
+        </p:txBody>
+      </p:sp>
+      <p:sp>
+        <p:nvSpPr>
+          <p:cNvPr id="7" name="TextBox 6"/>
+          <p:cNvSpPr txBox="1"/>
+          <p:nvPr/>
+        </p:nvSpPr>
+        <p:spPr>
+          <a:xfrm>
+            <a:off x="5699342" y="6313118"/>
+            <a:ext cx="2816008" cy="369332"/>
+          </a:xfrm>
+          <a:prstGeom prst="rect">
+            <a:avLst/>
+          </a:prstGeom>
+          <a:noFill/>
+        </p:spPr>
+        <p:txBody>
+          <a:bodyPr wrap="square" rtlCol="0">
+            <a:spAutoFit/>
+          </a:bodyPr>
+          <a:lstStyle/>
+          <a:p>
+            <a:pPr algn="r"/>
+            <a:r>
+              <a:rPr lang="en-US" dirty="0">
+                <a:hlinkClick r:id="rId3"/>
+              </a:rPr>
+              <a:t>http://</a:t>
+            </a:r>
+            <a:r>
+              <a:rPr lang="en-US" dirty="0" smtClean="0">
+                <a:hlinkClick r:id="rId3"/>
+              </a:rPr>
+              <a:t>bit.ly/1pYQ8bg</a:t>
+            </a:r>
+            <a:endParaRPr lang="en-US" dirty="0" smtClean="0"/>
+          </a:p>
+        </p:txBody>
+      </p:sp>
+      <p:sp>
+        <p:nvSpPr>
+          <p:cNvPr id="8" name="TextBox 7"/>
+          <p:cNvSpPr txBox="1"/>
+          <p:nvPr/>
+        </p:nvSpPr>
+        <p:spPr>
+          <a:xfrm>
+            <a:off x="628650" y="6313118"/>
+            <a:ext cx="4983010" cy="369332"/>
+          </a:xfrm>
+          <a:prstGeom prst="rect">
+            <a:avLst/>
+          </a:prstGeom>
+          <a:noFill/>
+        </p:spPr>
+        <p:txBody>
+          <a:bodyPr wrap="square" rtlCol="0">
+            <a:spAutoFit/>
+          </a:bodyPr>
+          <a:lstStyle/>
+          <a:p>
+            <a:r>
+              <a:rPr lang="en-US" sz="900" dirty="0" smtClean="0"/>
+              <a:t>Semantics</a:t>
+            </a:r>
+            <a:r>
+              <a:rPr lang="en-US" sz="900" dirty="0" smtClean="0"/>
+              <a:t>. </a:t>
+            </a:r>
+            <a:r>
+              <a:rPr lang="en-US" sz="900" i="1" dirty="0" smtClean="0"/>
+              <a:t>Oxford Dictionary Online.</a:t>
+            </a:r>
+            <a:r>
+              <a:rPr lang="en-US" sz="900" dirty="0" smtClean="0"/>
+              <a:t> URL:</a:t>
+            </a:r>
+          </a:p>
+          <a:p>
+            <a:r>
+              <a:rPr lang="en-US" sz="900" dirty="0">
+                <a:hlinkClick r:id="rId4"/>
+              </a:rPr>
+              <a:t>http://</a:t>
+            </a:r>
+            <a:r>
+              <a:rPr lang="en-US" sz="900" dirty="0" smtClean="0">
+                <a:hlinkClick r:id="rId4"/>
+              </a:rPr>
+              <a:t>www.oxforddictionaries.com/us/definition/american_english/semantics</a:t>
+            </a:r>
+            <a:endParaRPr lang="en-US" sz="900" dirty="0" smtClean="0"/>
           </a:p>
         </p:txBody>
       </p:sp>
@@ -8358,6 +9619,13 @@
   <p:clrMapOvr>
     <a:masterClrMapping/>
   </p:clrMapOvr>
+  <p:timing>
+    <p:tnLst>
+      <p:par>
+        <p:cTn id="1" dur="indefinite" restart="never" nodeType="tmRoot"/>
+      </p:par>
+    </p:tnLst>
+  </p:timing>
 </p:sld>
 </file>
 
@@ -8395,7 +9663,7 @@
           <a:p>
             <a:r>
               <a:rPr lang="en-US" dirty="0" smtClean="0"/>
-              <a:t>Infrastructure: Web 2.0- Social</a:t>
+              <a:t>Foundations: Semantic Models</a:t>
             </a:r>
             <a:endParaRPr lang="en-US" dirty="0"/>
           </a:p>
@@ -8413,144 +9681,102 @@
         </p:nvSpPr>
         <p:spPr/>
         <p:txBody>
-          <a:bodyPr>
-            <a:normAutofit lnSpcReduction="10000"/>
+          <a:bodyPr/>
+          <a:lstStyle/>
+          <a:p>
+            <a:r>
+              <a:rPr lang="en-US" dirty="0" smtClean="0"/>
+              <a:t>We can combine the concepts of graphs and semantics to build what are called </a:t>
+            </a:r>
+            <a:r>
+              <a:rPr lang="en-US" b="1" dirty="0" smtClean="0"/>
+              <a:t>semantic models</a:t>
+            </a:r>
+            <a:r>
+              <a:rPr lang="en-US" dirty="0" smtClean="0"/>
+              <a:t>.</a:t>
+            </a:r>
+          </a:p>
+          <a:p>
+            <a:r>
+              <a:rPr lang="en-US" dirty="0" smtClean="0"/>
+              <a:t>Example:</a:t>
+            </a:r>
+            <a:endParaRPr lang="en-US" sz="1600" dirty="0" smtClean="0"/>
+          </a:p>
+        </p:txBody>
+      </p:sp>
+      <p:sp>
+        <p:nvSpPr>
+          <p:cNvPr id="4" name="TextBox 3"/>
+          <p:cNvSpPr txBox="1"/>
+          <p:nvPr/>
+        </p:nvSpPr>
+        <p:spPr>
+          <a:xfrm>
+            <a:off x="5010411" y="1290181"/>
+            <a:ext cx="3732756" cy="369332"/>
+          </a:xfrm>
+          <a:prstGeom prst="rect">
+            <a:avLst/>
+          </a:prstGeom>
+          <a:noFill/>
+        </p:spPr>
+        <p:txBody>
+          <a:bodyPr wrap="square" rtlCol="0">
+            <a:spAutoFit/>
           </a:bodyPr>
           <a:lstStyle/>
           <a:p>
             <a:r>
               <a:rPr lang="en-US" dirty="0" smtClean="0"/>
-              <a:t>A number of concepts and technologies make up what we think of as Web 2.0:</a:t>
-            </a:r>
-          </a:p>
-          <a:p>
-            <a:pPr lvl="1"/>
-            <a:r>
-              <a:rPr lang="en-US" b="1" dirty="0" smtClean="0"/>
-              <a:t>HTTP: </a:t>
-            </a:r>
-            <a:r>
-              <a:rPr lang="en-US" dirty="0" smtClean="0"/>
-              <a:t>Hypertext Transfer Protocol</a:t>
-            </a:r>
-          </a:p>
-          <a:p>
-            <a:pPr lvl="1"/>
-            <a:r>
-              <a:rPr lang="en-US" b="1" dirty="0"/>
-              <a:t>URLs: </a:t>
-            </a:r>
-            <a:r>
-              <a:rPr lang="en-US" dirty="0"/>
-              <a:t>Uniform Resource Locators</a:t>
-            </a:r>
-          </a:p>
-          <a:p>
-            <a:pPr lvl="2"/>
-            <a:r>
-              <a:rPr lang="en-US" dirty="0"/>
-              <a:t>A specific type of Uniform Resource Identifier (URI</a:t>
-            </a:r>
-            <a:r>
-              <a:rPr lang="en-US" dirty="0" smtClean="0"/>
-              <a:t>)</a:t>
-            </a:r>
-          </a:p>
-          <a:p>
-            <a:pPr lvl="1"/>
-            <a:r>
-              <a:rPr lang="en-US" b="1" dirty="0" smtClean="0"/>
-              <a:t>HTML: </a:t>
-            </a:r>
-            <a:r>
-              <a:rPr lang="en-US" dirty="0" smtClean="0"/>
-              <a:t>Hypertext Markup Language</a:t>
-            </a:r>
-          </a:p>
-          <a:p>
-            <a:pPr lvl="2"/>
-            <a:r>
-              <a:rPr lang="en-US" dirty="0" smtClean="0"/>
-              <a:t>With JavaScript and Cascading Style Sheets (CSS)</a:t>
-            </a:r>
-          </a:p>
-          <a:p>
-            <a:pPr lvl="1"/>
-            <a:r>
-              <a:rPr lang="en-US" b="1" dirty="0" smtClean="0"/>
-              <a:t>XML:</a:t>
-            </a:r>
-            <a:r>
-              <a:rPr lang="en-US" dirty="0" smtClean="0"/>
-              <a:t> E</a:t>
-            </a:r>
-            <a:r>
-              <a:rPr lang="en-US" dirty="0"/>
-              <a:t>x</a:t>
-            </a:r>
-            <a:r>
-              <a:rPr lang="en-US" dirty="0" smtClean="0"/>
-              <a:t>tensible Markup Language</a:t>
-            </a:r>
-          </a:p>
-          <a:p>
-            <a:pPr lvl="1"/>
-            <a:r>
-              <a:rPr lang="en-US" b="1" dirty="0" smtClean="0"/>
-              <a:t>Web Services:</a:t>
-            </a:r>
-          </a:p>
-          <a:p>
-            <a:pPr lvl="2"/>
-            <a:r>
-              <a:rPr lang="en-US" b="1" dirty="0" smtClean="0"/>
-              <a:t>SOAP: </a:t>
-            </a:r>
-            <a:r>
-              <a:rPr lang="en-US" dirty="0"/>
-              <a:t>Simple Object Access Protocol</a:t>
-            </a:r>
-            <a:endParaRPr lang="en-US" dirty="0" smtClean="0"/>
-          </a:p>
-          <a:p>
-            <a:pPr lvl="2"/>
-            <a:r>
-              <a:rPr lang="en-US" b="1" dirty="0" err="1" smtClean="0"/>
-              <a:t>RESTful</a:t>
-            </a:r>
-            <a:r>
-              <a:rPr lang="en-US" b="1" dirty="0" smtClean="0"/>
-              <a:t> JSON: </a:t>
-            </a:r>
-            <a:r>
-              <a:rPr lang="en-US" dirty="0" smtClean="0"/>
-              <a:t>Representational State Transfer JavaScript Object Notation</a:t>
-            </a:r>
-          </a:p>
-          <a:p>
-            <a:pPr lvl="1"/>
-            <a:endParaRPr lang="en-US" dirty="0" smtClean="0"/>
-          </a:p>
-          <a:p>
-            <a:pPr lvl="1"/>
-            <a:endParaRPr lang="en-US" dirty="0" smtClean="0"/>
-          </a:p>
-          <a:p>
-            <a:pPr lvl="1"/>
+              <a:t>a.k.a. Semantic Networks</a:t>
+            </a:r>
             <a:endParaRPr lang="en-US" dirty="0"/>
           </a:p>
         </p:txBody>
       </p:sp>
+      <p:pic>
+        <p:nvPicPr>
+          <p:cNvPr id="6" name="Picture 5"/>
+          <p:cNvPicPr>
+            <a:picLocks noChangeAspect="1"/>
+          </p:cNvPicPr>
+          <p:nvPr/>
+        </p:nvPicPr>
+        <p:blipFill>
+          <a:blip r:embed="rId2"/>
+          <a:stretch>
+            <a:fillRect/>
+          </a:stretch>
+        </p:blipFill>
+        <p:spPr>
+          <a:xfrm>
+            <a:off x="2238418" y="2985543"/>
+            <a:ext cx="4269677" cy="3665777"/>
+          </a:xfrm>
+          <a:prstGeom prst="rect">
+            <a:avLst/>
+          </a:prstGeom>
+        </p:spPr>
+      </p:pic>
     </p:spTree>
     <p:extLst>
       <p:ext uri="{BB962C8B-B14F-4D97-AF65-F5344CB8AC3E}">
-        <p14:creationId xmlns:p14="http://schemas.microsoft.com/office/powerpoint/2010/main" val="1033790560"/>
+        <p14:creationId xmlns:p14="http://schemas.microsoft.com/office/powerpoint/2010/main" val="1627128059"/>
       </p:ext>
     </p:extLst>
   </p:cSld>
   <p:clrMapOvr>
     <a:masterClrMapping/>
   </p:clrMapOvr>
+  <p:timing>
+    <p:tnLst>
+      <p:par>
+        <p:cTn id="1" dur="indefinite" restart="never" nodeType="tmRoot"/>
+      </p:par>
+    </p:tnLst>
+  </p:timing>
 </p:sld>
 </file>
 
@@ -8588,7 +9814,7 @@
           <a:p>
             <a:r>
               <a:rPr lang="en-US" dirty="0" smtClean="0"/>
-              <a:t>Web 2.0: HTTP</a:t>
+              <a:t>Infrastructure: Web 2.0- Social</a:t>
             </a:r>
             <a:endParaRPr lang="en-US" dirty="0"/>
           </a:p>
@@ -8606,41 +9832,127 @@
         </p:nvSpPr>
         <p:spPr/>
         <p:txBody>
-          <a:bodyPr/>
+          <a:bodyPr>
+            <a:normAutofit lnSpcReduction="10000"/>
+          </a:bodyPr>
           <a:lstStyle/>
           <a:p>
             <a:r>
               <a:rPr lang="en-US" dirty="0" smtClean="0"/>
-              <a:t>Hypertext Transfer Protocol (HTTP)</a:t>
+              <a:t>A number of concepts and technologies make up what we think of as Web 2.0:</a:t>
             </a:r>
           </a:p>
           <a:p>
             <a:pPr lvl="1"/>
             <a:r>
-              <a:rPr lang="en-US" dirty="0" smtClean="0"/>
-              <a:t>Usually carried over Transmission Control Protocol (TCP) Internet Protocol (IP) networks.</a:t>
+              <a:rPr lang="en-US" b="1" dirty="0" smtClean="0"/>
+              <a:t>HTTP: </a:t>
+            </a:r>
+            <a:r>
+              <a:rPr lang="en-US" dirty="0" smtClean="0"/>
+              <a:t>Hypertext Transfer Protocol</a:t>
             </a:r>
           </a:p>
           <a:p>
             <a:pPr lvl="1"/>
             <a:r>
-              <a:rPr lang="en-US" dirty="0" smtClean="0"/>
-              <a:t>Provides a simple dialect (application protocol) to ask for, give, and receive text-based information.</a:t>
+              <a:rPr lang="en-US" b="1" dirty="0"/>
+              <a:t>URLs: </a:t>
+            </a:r>
+            <a:r>
+              <a:rPr lang="en-US" dirty="0"/>
+              <a:t>Uniform Resource Locators</a:t>
+            </a:r>
+          </a:p>
+          <a:p>
+            <a:pPr lvl="2"/>
+            <a:r>
+              <a:rPr lang="en-US" dirty="0"/>
+              <a:t>A specific type of Uniform Resource Identifier (URI</a:t>
+            </a:r>
+            <a:r>
+              <a:rPr lang="en-US" dirty="0" smtClean="0"/>
+              <a:t>)</a:t>
             </a:r>
           </a:p>
           <a:p>
             <a:pPr lvl="1"/>
             <a:r>
-              <a:rPr lang="en-US" dirty="0" smtClean="0"/>
-              <a:t>Connects nodes (vertices) of ‘hypertext’ across ‘hyperlinks’ (arcs).</a:t>
+              <a:rPr lang="en-US" b="1" dirty="0" smtClean="0"/>
+              <a:t>HTML: </a:t>
+            </a:r>
+            <a:r>
+              <a:rPr lang="en-US" dirty="0" smtClean="0"/>
+              <a:t>Hypertext Markup Language</a:t>
+            </a:r>
+          </a:p>
+          <a:p>
+            <a:pPr lvl="2"/>
+            <a:r>
+              <a:rPr lang="en-US" dirty="0" smtClean="0"/>
+              <a:t>With JavaScript and Cascading Style Sheets (CSS)</a:t>
             </a:r>
           </a:p>
           <a:p>
             <a:pPr lvl="1"/>
             <a:r>
-              <a:rPr lang="en-US" dirty="0" smtClean="0"/>
-              <a:t>The basis of much of the World Wide Web we know today. </a:t>
-            </a:r>
+              <a:rPr lang="en-US" b="1" dirty="0" smtClean="0"/>
+              <a:t>XML:</a:t>
+            </a:r>
+            <a:r>
+              <a:rPr lang="en-US" dirty="0" smtClean="0"/>
+              <a:t> E</a:t>
+            </a:r>
+            <a:r>
+              <a:rPr lang="en-US" dirty="0"/>
+              <a:t>x</a:t>
+            </a:r>
+            <a:r>
+              <a:rPr lang="en-US" dirty="0" smtClean="0"/>
+              <a:t>tensible Markup Language</a:t>
+            </a:r>
+          </a:p>
+          <a:p>
+            <a:pPr lvl="1"/>
+            <a:r>
+              <a:rPr lang="en-US" b="1" dirty="0" smtClean="0"/>
+              <a:t>Web Services:</a:t>
+            </a:r>
+          </a:p>
+          <a:p>
+            <a:pPr lvl="2"/>
+            <a:r>
+              <a:rPr lang="en-US" b="1" dirty="0" smtClean="0"/>
+              <a:t>SOAP: </a:t>
+            </a:r>
+            <a:r>
+              <a:rPr lang="en-US" dirty="0"/>
+              <a:t>Simple Object Access Protocol</a:t>
+            </a:r>
+            <a:endParaRPr lang="en-US" dirty="0" smtClean="0"/>
+          </a:p>
+          <a:p>
+            <a:pPr lvl="2"/>
+            <a:r>
+              <a:rPr lang="en-US" b="1" dirty="0" err="1" smtClean="0"/>
+              <a:t>RESTful</a:t>
+            </a:r>
+            <a:r>
+              <a:rPr lang="en-US" b="1" dirty="0" smtClean="0"/>
+              <a:t> JSON: </a:t>
+            </a:r>
+            <a:r>
+              <a:rPr lang="en-US" dirty="0" smtClean="0"/>
+              <a:t>Representational State Transfer JavaScript Object Notation</a:t>
+            </a:r>
+          </a:p>
+          <a:p>
+            <a:pPr lvl="1"/>
+            <a:endParaRPr lang="en-US" dirty="0" smtClean="0"/>
+          </a:p>
+          <a:p>
+            <a:pPr lvl="1"/>
+            <a:endParaRPr lang="en-US" dirty="0" smtClean="0"/>
           </a:p>
           <a:p>
             <a:pPr lvl="1"/>
@@ -8651,13 +9963,20 @@
     </p:spTree>
     <p:extLst>
       <p:ext uri="{BB962C8B-B14F-4D97-AF65-F5344CB8AC3E}">
-        <p14:creationId xmlns:p14="http://schemas.microsoft.com/office/powerpoint/2010/main" val="1749294492"/>
+        <p14:creationId xmlns:p14="http://schemas.microsoft.com/office/powerpoint/2010/main" val="1033790560"/>
       </p:ext>
     </p:extLst>
   </p:cSld>
   <p:clrMapOvr>
     <a:masterClrMapping/>
   </p:clrMapOvr>
+  <p:timing>
+    <p:tnLst>
+      <p:par>
+        <p:cTn id="1" dur="indefinite" restart="never" nodeType="tmRoot"/>
+      </p:par>
+    </p:tnLst>
+  </p:timing>
 </p:sld>
 </file>
 
@@ -8716,20 +10035,112 @@
           <a:bodyPr/>
           <a:lstStyle/>
           <a:p>
-            <a:endParaRPr lang="en-US"/>
+            <a:r>
+              <a:rPr lang="en-US" dirty="0" smtClean="0"/>
+              <a:t>Hypertext Transfer Protocol (HTTP)</a:t>
+            </a:r>
+          </a:p>
+          <a:p>
+            <a:pPr lvl="1"/>
+            <a:r>
+              <a:rPr lang="en-US" dirty="0"/>
+              <a:t>Provides a simple dialect (verbs + structure) to ask for, give, and receive hypertext-based information</a:t>
+            </a:r>
+            <a:r>
+              <a:rPr lang="en-US" dirty="0" smtClean="0"/>
+              <a:t>.</a:t>
+            </a:r>
+            <a:endParaRPr lang="en-US" dirty="0" smtClean="0"/>
+          </a:p>
+          <a:p>
+            <a:pPr lvl="1"/>
+            <a:r>
+              <a:rPr lang="en-US" dirty="0" smtClean="0"/>
+              <a:t>Usually transferred using Transmission </a:t>
+            </a:r>
+            <a:r>
+              <a:rPr lang="en-US" dirty="0" smtClean="0"/>
+              <a:t>Control Protocol (TCP) </a:t>
+            </a:r>
+            <a:r>
+              <a:rPr lang="en-US" dirty="0" smtClean="0"/>
+              <a:t>over Internet </a:t>
+            </a:r>
+            <a:r>
+              <a:rPr lang="en-US" dirty="0" smtClean="0"/>
+              <a:t>Protocol (IP) </a:t>
+            </a:r>
+            <a:r>
+              <a:rPr lang="en-US" dirty="0" smtClean="0"/>
+              <a:t>switched networks</a:t>
+            </a:r>
+            <a:r>
+              <a:rPr lang="en-US" dirty="0" smtClean="0"/>
+              <a:t>.</a:t>
+            </a:r>
+          </a:p>
+          <a:p>
+            <a:pPr lvl="1"/>
+            <a:r>
+              <a:rPr lang="en-US" dirty="0" smtClean="0"/>
+              <a:t>Allows creation of a graph containing ‘hypertext’ vertices</a:t>
+            </a:r>
+            <a:r>
+              <a:rPr lang="en-US" dirty="0" smtClean="0"/>
+              <a:t> (nodes)</a:t>
+            </a:r>
+            <a:r>
+              <a:rPr lang="en-US" dirty="0" smtClean="0"/>
+              <a:t> linked across </a:t>
+            </a:r>
+            <a:r>
+              <a:rPr lang="en-US" dirty="0" smtClean="0"/>
+              <a:t>‘</a:t>
+            </a:r>
+            <a:r>
+              <a:rPr lang="en-US" dirty="0" smtClean="0"/>
+              <a:t>hyperlink’ arcs.</a:t>
+            </a:r>
+            <a:endParaRPr lang="en-US" dirty="0" smtClean="0"/>
+          </a:p>
+          <a:p>
+            <a:pPr lvl="1"/>
+            <a:r>
+              <a:rPr lang="en-US" dirty="0" smtClean="0"/>
+              <a:t>The basis of </a:t>
+            </a:r>
+            <a:r>
+              <a:rPr lang="en-US" dirty="0" smtClean="0"/>
+              <a:t>the World </a:t>
+            </a:r>
+            <a:r>
+              <a:rPr lang="en-US" dirty="0" smtClean="0"/>
+              <a:t>Wide Web we know </a:t>
+            </a:r>
+            <a:r>
+              <a:rPr lang="en-US" dirty="0" smtClean="0"/>
+              <a:t>today.</a:t>
+            </a:r>
           </a:p>
         </p:txBody>
       </p:sp>
     </p:spTree>
     <p:extLst>
       <p:ext uri="{BB962C8B-B14F-4D97-AF65-F5344CB8AC3E}">
-        <p14:creationId xmlns:p14="http://schemas.microsoft.com/office/powerpoint/2010/main" val="1437677408"/>
+        <p14:creationId xmlns:p14="http://schemas.microsoft.com/office/powerpoint/2010/main" val="1749294492"/>
       </p:ext>
     </p:extLst>
   </p:cSld>
   <p:clrMapOvr>
     <a:masterClrMapping/>
   </p:clrMapOvr>
+  <p:timing>
+    <p:tnLst>
+      <p:par>
+        <p:cTn id="1" dur="indefinite" restart="never" nodeType="tmRoot"/>
+      </p:par>
+    </p:tnLst>
+  </p:timing>
 </p:sld>
 </file>
 

--- a/1161.cs330-social_graphs_and_semantic_analytics.pptx
+++ b/1161.cs330-social_graphs_and_semantic_analytics.pptx
@@ -4,6 +4,9 @@
   <p:sldMasterIdLst>
     <p:sldMasterId id="2147483660" r:id="rId1"/>
   </p:sldMasterIdLst>
+  <p:notesMasterIdLst>
+    <p:notesMasterId r:id="rId30"/>
+  </p:notesMasterIdLst>
   <p:sldIdLst>
     <p:sldId id="256" r:id="rId2"/>
     <p:sldId id="257" r:id="rId3"/>
@@ -12,18 +15,27 @@
     <p:sldId id="259" r:id="rId6"/>
     <p:sldId id="261" r:id="rId7"/>
     <p:sldId id="273" r:id="rId8"/>
-    <p:sldId id="264" r:id="rId9"/>
-    <p:sldId id="262" r:id="rId10"/>
-    <p:sldId id="263" r:id="rId11"/>
-    <p:sldId id="274" r:id="rId12"/>
-    <p:sldId id="266" r:id="rId13"/>
-    <p:sldId id="265" r:id="rId14"/>
-    <p:sldId id="272" r:id="rId15"/>
-    <p:sldId id="267" r:id="rId16"/>
-    <p:sldId id="268" r:id="rId17"/>
-    <p:sldId id="269" r:id="rId18"/>
-    <p:sldId id="270" r:id="rId19"/>
-    <p:sldId id="271" r:id="rId20"/>
+    <p:sldId id="280" r:id="rId9"/>
+    <p:sldId id="264" r:id="rId10"/>
+    <p:sldId id="262" r:id="rId11"/>
+    <p:sldId id="263" r:id="rId12"/>
+    <p:sldId id="274" r:id="rId13"/>
+    <p:sldId id="266" r:id="rId14"/>
+    <p:sldId id="265" r:id="rId15"/>
+    <p:sldId id="275" r:id="rId16"/>
+    <p:sldId id="276" r:id="rId17"/>
+    <p:sldId id="277" r:id="rId18"/>
+    <p:sldId id="278" r:id="rId19"/>
+    <p:sldId id="267" r:id="rId20"/>
+    <p:sldId id="279" r:id="rId21"/>
+    <p:sldId id="268" r:id="rId22"/>
+    <p:sldId id="269" r:id="rId23"/>
+    <p:sldId id="270" r:id="rId24"/>
+    <p:sldId id="272" r:id="rId25"/>
+    <p:sldId id="281" r:id="rId26"/>
+    <p:sldId id="282" r:id="rId27"/>
+    <p:sldId id="283" r:id="rId28"/>
+    <p:sldId id="271" r:id="rId29"/>
   </p:sldIdLst>
   <p:sldSz cx="9144000" cy="6858000" type="letter"/>
   <p:notesSz cx="6858000" cy="9144000"/>
@@ -3340,6 +3352,608 @@
 </dgm:styleDef>
 </file>
 
+<file path=ppt/notesMasters/notesMaster1.xml><?xml version="1.0" encoding="utf-8"?>
+<p:notesMaster xmlns:a="http://schemas.openxmlformats.org/drawingml/2006/main" xmlns:r="http://schemas.openxmlformats.org/officeDocument/2006/relationships" xmlns:p="http://schemas.openxmlformats.org/presentationml/2006/main">
+  <p:cSld>
+    <p:bg>
+      <p:bgRef idx="1001">
+        <a:schemeClr val="bg1"/>
+      </p:bgRef>
+    </p:bg>
+    <p:spTree>
+      <p:nvGrpSpPr>
+        <p:cNvPr id="1" name=""/>
+        <p:cNvGrpSpPr/>
+        <p:nvPr/>
+      </p:nvGrpSpPr>
+      <p:grpSpPr>
+        <a:xfrm>
+          <a:off x="0" y="0"/>
+          <a:ext cx="0" cy="0"/>
+          <a:chOff x="0" y="0"/>
+          <a:chExt cx="0" cy="0"/>
+        </a:xfrm>
+      </p:grpSpPr>
+      <p:sp>
+        <p:nvSpPr>
+          <p:cNvPr id="2" name="Header Placeholder 1"/>
+          <p:cNvSpPr>
+            <a:spLocks noGrp="1"/>
+          </p:cNvSpPr>
+          <p:nvPr>
+            <p:ph type="hdr" sz="quarter"/>
+          </p:nvPr>
+        </p:nvSpPr>
+        <p:spPr>
+          <a:xfrm>
+            <a:off x="0" y="0"/>
+            <a:ext cx="2971800" cy="458788"/>
+          </a:xfrm>
+          <a:prstGeom prst="rect">
+            <a:avLst/>
+          </a:prstGeom>
+        </p:spPr>
+        <p:txBody>
+          <a:bodyPr vert="horz" lIns="91440" tIns="45720" rIns="91440" bIns="45720" rtlCol="0"/>
+          <a:lstStyle>
+            <a:lvl1pPr algn="l">
+              <a:defRPr sz="1200"/>
+            </a:lvl1pPr>
+          </a:lstStyle>
+          <a:p>
+            <a:endParaRPr lang="en-US"/>
+          </a:p>
+        </p:txBody>
+      </p:sp>
+      <p:sp>
+        <p:nvSpPr>
+          <p:cNvPr id="3" name="Date Placeholder 2"/>
+          <p:cNvSpPr>
+            <a:spLocks noGrp="1"/>
+          </p:cNvSpPr>
+          <p:nvPr>
+            <p:ph type="dt" idx="1"/>
+          </p:nvPr>
+        </p:nvSpPr>
+        <p:spPr>
+          <a:xfrm>
+            <a:off x="3884613" y="0"/>
+            <a:ext cx="2971800" cy="458788"/>
+          </a:xfrm>
+          <a:prstGeom prst="rect">
+            <a:avLst/>
+          </a:prstGeom>
+        </p:spPr>
+        <p:txBody>
+          <a:bodyPr vert="horz" lIns="91440" tIns="45720" rIns="91440" bIns="45720" rtlCol="0"/>
+          <a:lstStyle>
+            <a:lvl1pPr algn="r">
+              <a:defRPr sz="1200"/>
+            </a:lvl1pPr>
+          </a:lstStyle>
+          <a:p>
+            <a:fld id="{5E348014-7A14-184E-8B6A-28FD28067A8B}" type="datetimeFigureOut">
+              <a:rPr lang="en-US" smtClean="0"/>
+              <a:t>3/23/16</a:t>
+            </a:fld>
+            <a:endParaRPr lang="en-US"/>
+          </a:p>
+        </p:txBody>
+      </p:sp>
+      <p:sp>
+        <p:nvSpPr>
+          <p:cNvPr id="4" name="Slide Image Placeholder 3"/>
+          <p:cNvSpPr>
+            <a:spLocks noGrp="1" noRot="1" noChangeAspect="1"/>
+          </p:cNvSpPr>
+          <p:nvPr>
+            <p:ph type="sldImg" idx="2"/>
+          </p:nvPr>
+        </p:nvSpPr>
+        <p:spPr>
+          <a:xfrm>
+            <a:off x="1371600" y="1143000"/>
+            <a:ext cx="4114800" cy="3086100"/>
+          </a:xfrm>
+          <a:prstGeom prst="rect">
+            <a:avLst/>
+          </a:prstGeom>
+          <a:noFill/>
+          <a:ln w="12700">
+            <a:solidFill>
+              <a:prstClr val="black"/>
+            </a:solidFill>
+          </a:ln>
+        </p:spPr>
+        <p:txBody>
+          <a:bodyPr vert="horz" lIns="91440" tIns="45720" rIns="91440" bIns="45720" rtlCol="0" anchor="ctr"/>
+          <a:lstStyle/>
+          <a:p>
+            <a:endParaRPr lang="en-US"/>
+          </a:p>
+        </p:txBody>
+      </p:sp>
+      <p:sp>
+        <p:nvSpPr>
+          <p:cNvPr id="5" name="Notes Placeholder 4"/>
+          <p:cNvSpPr>
+            <a:spLocks noGrp="1"/>
+          </p:cNvSpPr>
+          <p:nvPr>
+            <p:ph type="body" sz="quarter" idx="3"/>
+          </p:nvPr>
+        </p:nvSpPr>
+        <p:spPr>
+          <a:xfrm>
+            <a:off x="685800" y="4400550"/>
+            <a:ext cx="5486400" cy="3600450"/>
+          </a:xfrm>
+          <a:prstGeom prst="rect">
+            <a:avLst/>
+          </a:prstGeom>
+        </p:spPr>
+        <p:txBody>
+          <a:bodyPr vert="horz" lIns="91440" tIns="45720" rIns="91440" bIns="45720" rtlCol="0"/>
+          <a:lstStyle/>
+          <a:p>
+            <a:pPr lvl="0"/>
+            <a:r>
+              <a:rPr lang="en-US" smtClean="0"/>
+              <a:t>Click to edit Master text styles</a:t>
+            </a:r>
+          </a:p>
+          <a:p>
+            <a:pPr lvl="1"/>
+            <a:r>
+              <a:rPr lang="en-US" smtClean="0"/>
+              <a:t>Second level</a:t>
+            </a:r>
+          </a:p>
+          <a:p>
+            <a:pPr lvl="2"/>
+            <a:r>
+              <a:rPr lang="en-US" smtClean="0"/>
+              <a:t>Third level</a:t>
+            </a:r>
+          </a:p>
+          <a:p>
+            <a:pPr lvl="3"/>
+            <a:r>
+              <a:rPr lang="en-US" smtClean="0"/>
+              <a:t>Fourth level</a:t>
+            </a:r>
+          </a:p>
+          <a:p>
+            <a:pPr lvl="4"/>
+            <a:r>
+              <a:rPr lang="en-US" smtClean="0"/>
+              <a:t>Fifth level</a:t>
+            </a:r>
+            <a:endParaRPr lang="en-US"/>
+          </a:p>
+        </p:txBody>
+      </p:sp>
+      <p:sp>
+        <p:nvSpPr>
+          <p:cNvPr id="6" name="Footer Placeholder 5"/>
+          <p:cNvSpPr>
+            <a:spLocks noGrp="1"/>
+          </p:cNvSpPr>
+          <p:nvPr>
+            <p:ph type="ftr" sz="quarter" idx="4"/>
+          </p:nvPr>
+        </p:nvSpPr>
+        <p:spPr>
+          <a:xfrm>
+            <a:off x="0" y="8685213"/>
+            <a:ext cx="2971800" cy="458787"/>
+          </a:xfrm>
+          <a:prstGeom prst="rect">
+            <a:avLst/>
+          </a:prstGeom>
+        </p:spPr>
+        <p:txBody>
+          <a:bodyPr vert="horz" lIns="91440" tIns="45720" rIns="91440" bIns="45720" rtlCol="0" anchor="b"/>
+          <a:lstStyle>
+            <a:lvl1pPr algn="l">
+              <a:defRPr sz="1200"/>
+            </a:lvl1pPr>
+          </a:lstStyle>
+          <a:p>
+            <a:endParaRPr lang="en-US"/>
+          </a:p>
+        </p:txBody>
+      </p:sp>
+      <p:sp>
+        <p:nvSpPr>
+          <p:cNvPr id="7" name="Slide Number Placeholder 6"/>
+          <p:cNvSpPr>
+            <a:spLocks noGrp="1"/>
+          </p:cNvSpPr>
+          <p:nvPr>
+            <p:ph type="sldNum" sz="quarter" idx="5"/>
+          </p:nvPr>
+        </p:nvSpPr>
+        <p:spPr>
+          <a:xfrm>
+            <a:off x="3884613" y="8685213"/>
+            <a:ext cx="2971800" cy="458787"/>
+          </a:xfrm>
+          <a:prstGeom prst="rect">
+            <a:avLst/>
+          </a:prstGeom>
+        </p:spPr>
+        <p:txBody>
+          <a:bodyPr vert="horz" lIns="91440" tIns="45720" rIns="91440" bIns="45720" rtlCol="0" anchor="b"/>
+          <a:lstStyle>
+            <a:lvl1pPr algn="r">
+              <a:defRPr sz="1200"/>
+            </a:lvl1pPr>
+          </a:lstStyle>
+          <a:p>
+            <a:fld id="{C73E8855-0A1A-BA4E-96F2-2DF6658D5B24}" type="slidenum">
+              <a:rPr lang="en-US" smtClean="0"/>
+              <a:t>‹#›</a:t>
+            </a:fld>
+            <a:endParaRPr lang="en-US"/>
+          </a:p>
+        </p:txBody>
+      </p:sp>
+    </p:spTree>
+    <p:extLst>
+      <p:ext uri="{BB962C8B-B14F-4D97-AF65-F5344CB8AC3E}">
+        <p14:creationId xmlns:p14="http://schemas.microsoft.com/office/powerpoint/2010/main" val="877027782"/>
+      </p:ext>
+    </p:extLst>
+  </p:cSld>
+  <p:clrMap bg1="lt1" tx1="dk1" bg2="lt2" tx2="dk2" accent1="accent1" accent2="accent2" accent3="accent3" accent4="accent4" accent5="accent5" accent6="accent6" hlink="hlink" folHlink="folHlink"/>
+  <p:notesStyle>
+    <a:lvl1pPr marL="0" algn="l" defTabSz="914400" rtl="0" eaLnBrk="1" latinLnBrk="0" hangingPunct="1">
+      <a:defRPr sz="1200" kern="1200">
+        <a:solidFill>
+          <a:schemeClr val="tx1"/>
+        </a:solidFill>
+        <a:latin typeface="+mn-lt"/>
+        <a:ea typeface="+mn-ea"/>
+        <a:cs typeface="+mn-cs"/>
+      </a:defRPr>
+    </a:lvl1pPr>
+    <a:lvl2pPr marL="457200" algn="l" defTabSz="914400" rtl="0" eaLnBrk="1" latinLnBrk="0" hangingPunct="1">
+      <a:defRPr sz="1200" kern="1200">
+        <a:solidFill>
+          <a:schemeClr val="tx1"/>
+        </a:solidFill>
+        <a:latin typeface="+mn-lt"/>
+        <a:ea typeface="+mn-ea"/>
+        <a:cs typeface="+mn-cs"/>
+      </a:defRPr>
+    </a:lvl2pPr>
+    <a:lvl3pPr marL="914400" algn="l" defTabSz="914400" rtl="0" eaLnBrk="1" latinLnBrk="0" hangingPunct="1">
+      <a:defRPr sz="1200" kern="1200">
+        <a:solidFill>
+          <a:schemeClr val="tx1"/>
+        </a:solidFill>
+        <a:latin typeface="+mn-lt"/>
+        <a:ea typeface="+mn-ea"/>
+        <a:cs typeface="+mn-cs"/>
+      </a:defRPr>
+    </a:lvl3pPr>
+    <a:lvl4pPr marL="1371600" algn="l" defTabSz="914400" rtl="0" eaLnBrk="1" latinLnBrk="0" hangingPunct="1">
+      <a:defRPr sz="1200" kern="1200">
+        <a:solidFill>
+          <a:schemeClr val="tx1"/>
+        </a:solidFill>
+        <a:latin typeface="+mn-lt"/>
+        <a:ea typeface="+mn-ea"/>
+        <a:cs typeface="+mn-cs"/>
+      </a:defRPr>
+    </a:lvl4pPr>
+    <a:lvl5pPr marL="1828800" algn="l" defTabSz="914400" rtl="0" eaLnBrk="1" latinLnBrk="0" hangingPunct="1">
+      <a:defRPr sz="1200" kern="1200">
+        <a:solidFill>
+          <a:schemeClr val="tx1"/>
+        </a:solidFill>
+        <a:latin typeface="+mn-lt"/>
+        <a:ea typeface="+mn-ea"/>
+        <a:cs typeface="+mn-cs"/>
+      </a:defRPr>
+    </a:lvl5pPr>
+    <a:lvl6pPr marL="2286000" algn="l" defTabSz="914400" rtl="0" eaLnBrk="1" latinLnBrk="0" hangingPunct="1">
+      <a:defRPr sz="1200" kern="1200">
+        <a:solidFill>
+          <a:schemeClr val="tx1"/>
+        </a:solidFill>
+        <a:latin typeface="+mn-lt"/>
+        <a:ea typeface="+mn-ea"/>
+        <a:cs typeface="+mn-cs"/>
+      </a:defRPr>
+    </a:lvl6pPr>
+    <a:lvl7pPr marL="2743200" algn="l" defTabSz="914400" rtl="0" eaLnBrk="1" latinLnBrk="0" hangingPunct="1">
+      <a:defRPr sz="1200" kern="1200">
+        <a:solidFill>
+          <a:schemeClr val="tx1"/>
+        </a:solidFill>
+        <a:latin typeface="+mn-lt"/>
+        <a:ea typeface="+mn-ea"/>
+        <a:cs typeface="+mn-cs"/>
+      </a:defRPr>
+    </a:lvl7pPr>
+    <a:lvl8pPr marL="3200400" algn="l" defTabSz="914400" rtl="0" eaLnBrk="1" latinLnBrk="0" hangingPunct="1">
+      <a:defRPr sz="1200" kern="1200">
+        <a:solidFill>
+          <a:schemeClr val="tx1"/>
+        </a:solidFill>
+        <a:latin typeface="+mn-lt"/>
+        <a:ea typeface="+mn-ea"/>
+        <a:cs typeface="+mn-cs"/>
+      </a:defRPr>
+    </a:lvl8pPr>
+    <a:lvl9pPr marL="3657600" algn="l" defTabSz="914400" rtl="0" eaLnBrk="1" latinLnBrk="0" hangingPunct="1">
+      <a:defRPr sz="1200" kern="1200">
+        <a:solidFill>
+          <a:schemeClr val="tx1"/>
+        </a:solidFill>
+        <a:latin typeface="+mn-lt"/>
+        <a:ea typeface="+mn-ea"/>
+        <a:cs typeface="+mn-cs"/>
+      </a:defRPr>
+    </a:lvl9pPr>
+  </p:notesStyle>
+</p:notesMaster>
+</file>
+
+<file path=ppt/notesSlides/notesSlide1.xml><?xml version="1.0" encoding="utf-8"?>
+<p:notes xmlns:a="http://schemas.openxmlformats.org/drawingml/2006/main" xmlns:r="http://schemas.openxmlformats.org/officeDocument/2006/relationships" xmlns:p="http://schemas.openxmlformats.org/presentationml/2006/main">
+  <p:cSld>
+    <p:spTree>
+      <p:nvGrpSpPr>
+        <p:cNvPr id="1" name=""/>
+        <p:cNvGrpSpPr/>
+        <p:nvPr/>
+      </p:nvGrpSpPr>
+      <p:grpSpPr>
+        <a:xfrm>
+          <a:off x="0" y="0"/>
+          <a:ext cx="0" cy="0"/>
+          <a:chOff x="0" y="0"/>
+          <a:chExt cx="0" cy="0"/>
+        </a:xfrm>
+      </p:grpSpPr>
+      <p:sp>
+        <p:nvSpPr>
+          <p:cNvPr id="2" name="Slide Image Placeholder 1"/>
+          <p:cNvSpPr>
+            <a:spLocks noGrp="1" noRot="1" noChangeAspect="1"/>
+          </p:cNvSpPr>
+          <p:nvPr>
+            <p:ph type="sldImg"/>
+          </p:nvPr>
+        </p:nvSpPr>
+        <p:spPr/>
+      </p:sp>
+      <p:sp>
+        <p:nvSpPr>
+          <p:cNvPr id="3" name="Notes Placeholder 2"/>
+          <p:cNvSpPr>
+            <a:spLocks noGrp="1"/>
+          </p:cNvSpPr>
+          <p:nvPr>
+            <p:ph type="body" idx="1"/>
+          </p:nvPr>
+        </p:nvSpPr>
+        <p:spPr/>
+        <p:txBody>
+          <a:bodyPr/>
+          <a:lstStyle/>
+          <a:p>
+            <a:endParaRPr lang="en-US" dirty="0"/>
+          </a:p>
+        </p:txBody>
+      </p:sp>
+      <p:sp>
+        <p:nvSpPr>
+          <p:cNvPr id="4" name="Slide Number Placeholder 3"/>
+          <p:cNvSpPr>
+            <a:spLocks noGrp="1"/>
+          </p:cNvSpPr>
+          <p:nvPr>
+            <p:ph type="sldNum" sz="quarter" idx="10"/>
+          </p:nvPr>
+        </p:nvSpPr>
+        <p:spPr/>
+        <p:txBody>
+          <a:bodyPr/>
+          <a:lstStyle/>
+          <a:p>
+            <a:fld id="{C73E8855-0A1A-BA4E-96F2-2DF6658D5B24}" type="slidenum">
+              <a:rPr lang="en-US" smtClean="0"/>
+              <a:t>20</a:t>
+            </a:fld>
+            <a:endParaRPr lang="en-US"/>
+          </a:p>
+        </p:txBody>
+      </p:sp>
+    </p:spTree>
+    <p:extLst>
+      <p:ext uri="{BB962C8B-B14F-4D97-AF65-F5344CB8AC3E}">
+        <p14:creationId xmlns:p14="http://schemas.microsoft.com/office/powerpoint/2010/main" val="2025662713"/>
+      </p:ext>
+    </p:extLst>
+  </p:cSld>
+  <p:clrMapOvr>
+    <a:masterClrMapping/>
+  </p:clrMapOvr>
+</p:notes>
+</file>
+
+<file path=ppt/notesSlides/notesSlide2.xml><?xml version="1.0" encoding="utf-8"?>
+<p:notes xmlns:a="http://schemas.openxmlformats.org/drawingml/2006/main" xmlns:r="http://schemas.openxmlformats.org/officeDocument/2006/relationships" xmlns:p="http://schemas.openxmlformats.org/presentationml/2006/main">
+  <p:cSld>
+    <p:spTree>
+      <p:nvGrpSpPr>
+        <p:cNvPr id="1" name=""/>
+        <p:cNvGrpSpPr/>
+        <p:nvPr/>
+      </p:nvGrpSpPr>
+      <p:grpSpPr>
+        <a:xfrm>
+          <a:off x="0" y="0"/>
+          <a:ext cx="0" cy="0"/>
+          <a:chOff x="0" y="0"/>
+          <a:chExt cx="0" cy="0"/>
+        </a:xfrm>
+      </p:grpSpPr>
+      <p:sp>
+        <p:nvSpPr>
+          <p:cNvPr id="2" name="Slide Image Placeholder 1"/>
+          <p:cNvSpPr>
+            <a:spLocks noGrp="1" noRot="1" noChangeAspect="1"/>
+          </p:cNvSpPr>
+          <p:nvPr>
+            <p:ph type="sldImg"/>
+          </p:nvPr>
+        </p:nvSpPr>
+        <p:spPr/>
+      </p:sp>
+      <p:sp>
+        <p:nvSpPr>
+          <p:cNvPr id="3" name="Notes Placeholder 2"/>
+          <p:cNvSpPr>
+            <a:spLocks noGrp="1"/>
+          </p:cNvSpPr>
+          <p:nvPr>
+            <p:ph type="body" idx="1"/>
+          </p:nvPr>
+        </p:nvSpPr>
+        <p:spPr/>
+        <p:txBody>
+          <a:bodyPr/>
+          <a:lstStyle/>
+          <a:p>
+            <a:endParaRPr lang="en-US" dirty="0"/>
+          </a:p>
+        </p:txBody>
+      </p:sp>
+      <p:sp>
+        <p:nvSpPr>
+          <p:cNvPr id="4" name="Slide Number Placeholder 3"/>
+          <p:cNvSpPr>
+            <a:spLocks noGrp="1"/>
+          </p:cNvSpPr>
+          <p:nvPr>
+            <p:ph type="sldNum" sz="quarter" idx="10"/>
+          </p:nvPr>
+        </p:nvSpPr>
+        <p:spPr/>
+        <p:txBody>
+          <a:bodyPr/>
+          <a:lstStyle/>
+          <a:p>
+            <a:fld id="{C73E8855-0A1A-BA4E-96F2-2DF6658D5B24}" type="slidenum">
+              <a:rPr lang="en-US" smtClean="0"/>
+              <a:t>23</a:t>
+            </a:fld>
+            <a:endParaRPr lang="en-US"/>
+          </a:p>
+        </p:txBody>
+      </p:sp>
+    </p:spTree>
+    <p:extLst>
+      <p:ext uri="{BB962C8B-B14F-4D97-AF65-F5344CB8AC3E}">
+        <p14:creationId xmlns:p14="http://schemas.microsoft.com/office/powerpoint/2010/main" val="1958855017"/>
+      </p:ext>
+    </p:extLst>
+  </p:cSld>
+  <p:clrMapOvr>
+    <a:masterClrMapping/>
+  </p:clrMapOvr>
+</p:notes>
+</file>
+
+<file path=ppt/notesSlides/notesSlide3.xml><?xml version="1.0" encoding="utf-8"?>
+<p:notes xmlns:a="http://schemas.openxmlformats.org/drawingml/2006/main" xmlns:r="http://schemas.openxmlformats.org/officeDocument/2006/relationships" xmlns:p="http://schemas.openxmlformats.org/presentationml/2006/main">
+  <p:cSld>
+    <p:spTree>
+      <p:nvGrpSpPr>
+        <p:cNvPr id="1" name=""/>
+        <p:cNvGrpSpPr/>
+        <p:nvPr/>
+      </p:nvGrpSpPr>
+      <p:grpSpPr>
+        <a:xfrm>
+          <a:off x="0" y="0"/>
+          <a:ext cx="0" cy="0"/>
+          <a:chOff x="0" y="0"/>
+          <a:chExt cx="0" cy="0"/>
+        </a:xfrm>
+      </p:grpSpPr>
+      <p:sp>
+        <p:nvSpPr>
+          <p:cNvPr id="2" name="Slide Image Placeholder 1"/>
+          <p:cNvSpPr>
+            <a:spLocks noGrp="1" noRot="1" noChangeAspect="1"/>
+          </p:cNvSpPr>
+          <p:nvPr>
+            <p:ph type="sldImg"/>
+          </p:nvPr>
+        </p:nvSpPr>
+        <p:spPr/>
+      </p:sp>
+      <p:sp>
+        <p:nvSpPr>
+          <p:cNvPr id="3" name="Notes Placeholder 2"/>
+          <p:cNvSpPr>
+            <a:spLocks noGrp="1"/>
+          </p:cNvSpPr>
+          <p:nvPr>
+            <p:ph type="body" idx="1"/>
+          </p:nvPr>
+        </p:nvSpPr>
+        <p:spPr/>
+        <p:txBody>
+          <a:bodyPr/>
+          <a:lstStyle/>
+          <a:p>
+            <a:endParaRPr lang="en-US" dirty="0"/>
+          </a:p>
+        </p:txBody>
+      </p:sp>
+      <p:sp>
+        <p:nvSpPr>
+          <p:cNvPr id="4" name="Slide Number Placeholder 3"/>
+          <p:cNvSpPr>
+            <a:spLocks noGrp="1"/>
+          </p:cNvSpPr>
+          <p:nvPr>
+            <p:ph type="sldNum" sz="quarter" idx="10"/>
+          </p:nvPr>
+        </p:nvSpPr>
+        <p:spPr/>
+        <p:txBody>
+          <a:bodyPr/>
+          <a:lstStyle/>
+          <a:p>
+            <a:fld id="{C73E8855-0A1A-BA4E-96F2-2DF6658D5B24}" type="slidenum">
+              <a:rPr lang="en-US" smtClean="0"/>
+              <a:t>27</a:t>
+            </a:fld>
+            <a:endParaRPr lang="en-US"/>
+          </a:p>
+        </p:txBody>
+      </p:sp>
+    </p:spTree>
+    <p:extLst>
+      <p:ext uri="{BB962C8B-B14F-4D97-AF65-F5344CB8AC3E}">
+        <p14:creationId xmlns:p14="http://schemas.microsoft.com/office/powerpoint/2010/main" val="1612402691"/>
+      </p:ext>
+    </p:extLst>
+  </p:cSld>
+  <p:clrMapOvr>
+    <a:masterClrMapping/>
+  </p:clrMapOvr>
+</p:notes>
+</file>
+
 <file path=ppt/slideLayouts/slideLayout1.xml><?xml version="1.0" encoding="utf-8"?>
 <p:sldLayout xmlns:a="http://schemas.openxmlformats.org/drawingml/2006/main" xmlns:r="http://schemas.openxmlformats.org/officeDocument/2006/relationships" xmlns:p="http://schemas.openxmlformats.org/presentationml/2006/main" type="title" preserve="1">
   <p:cSld name="Title Slide">
@@ -6385,6 +6999,178 @@
           <a:p>
             <a:r>
               <a:rPr lang="en-US" dirty="0" smtClean="0"/>
+              <a:t>Web 2.0: HTTP</a:t>
+            </a:r>
+            <a:endParaRPr lang="en-US" dirty="0"/>
+          </a:p>
+        </p:txBody>
+      </p:sp>
+      <p:sp>
+        <p:nvSpPr>
+          <p:cNvPr id="3" name="Content Placeholder 2"/>
+          <p:cNvSpPr>
+            <a:spLocks noGrp="1"/>
+          </p:cNvSpPr>
+          <p:nvPr>
+            <p:ph idx="1"/>
+          </p:nvPr>
+        </p:nvSpPr>
+        <p:spPr/>
+        <p:txBody>
+          <a:bodyPr/>
+          <a:lstStyle/>
+          <a:p>
+            <a:r>
+              <a:rPr lang="en-US" dirty="0" smtClean="0"/>
+              <a:t>Hypertext Transfer Protocol (HTTP)</a:t>
+            </a:r>
+          </a:p>
+          <a:p>
+            <a:pPr lvl="1"/>
+            <a:r>
+              <a:rPr lang="en-US" dirty="0"/>
+              <a:t>Provides a simple dialect (verbs + structure) to ask for, give, and receive </a:t>
+            </a:r>
+            <a:r>
+              <a:rPr lang="en-US" dirty="0" smtClean="0"/>
+              <a:t>hypertext/hypermedia-based </a:t>
+            </a:r>
+            <a:r>
+              <a:rPr lang="en-US" dirty="0"/>
+              <a:t>information</a:t>
+            </a:r>
+            <a:r>
+              <a:rPr lang="en-US" dirty="0" smtClean="0"/>
+              <a:t>.</a:t>
+            </a:r>
+            <a:endParaRPr lang="en-US" dirty="0" smtClean="0"/>
+          </a:p>
+          <a:p>
+            <a:pPr lvl="1"/>
+            <a:r>
+              <a:rPr lang="en-US" dirty="0" smtClean="0"/>
+              <a:t>Usually transferred using Transmission </a:t>
+            </a:r>
+            <a:r>
+              <a:rPr lang="en-US" dirty="0" smtClean="0"/>
+              <a:t>Control Protocol (TCP) </a:t>
+            </a:r>
+            <a:r>
+              <a:rPr lang="en-US" dirty="0" smtClean="0"/>
+              <a:t>over Internet </a:t>
+            </a:r>
+            <a:r>
+              <a:rPr lang="en-US" dirty="0" smtClean="0"/>
+              <a:t>Protocol (IP) </a:t>
+            </a:r>
+            <a:r>
+              <a:rPr lang="en-US" dirty="0" smtClean="0"/>
+              <a:t>switched networks</a:t>
+            </a:r>
+            <a:r>
+              <a:rPr lang="en-US" dirty="0" smtClean="0"/>
+              <a:t>.</a:t>
+            </a:r>
+          </a:p>
+          <a:p>
+            <a:pPr lvl="1"/>
+            <a:r>
+              <a:rPr lang="en-US" dirty="0" smtClean="0"/>
+              <a:t>Allows creation of a graph containing ‘hypertext’ vertices</a:t>
+            </a:r>
+            <a:r>
+              <a:rPr lang="en-US" dirty="0" smtClean="0"/>
+              <a:t> (nodes)</a:t>
+            </a:r>
+            <a:r>
+              <a:rPr lang="en-US" dirty="0" smtClean="0"/>
+              <a:t> linked across </a:t>
+            </a:r>
+            <a:r>
+              <a:rPr lang="en-US" dirty="0" smtClean="0"/>
+              <a:t>‘</a:t>
+            </a:r>
+            <a:r>
+              <a:rPr lang="en-US" dirty="0" smtClean="0"/>
+              <a:t>hyperlink’ arcs.</a:t>
+            </a:r>
+            <a:endParaRPr lang="en-US" dirty="0" smtClean="0"/>
+          </a:p>
+          <a:p>
+            <a:pPr lvl="1"/>
+            <a:r>
+              <a:rPr lang="en-US" dirty="0" smtClean="0"/>
+              <a:t>The basis of </a:t>
+            </a:r>
+            <a:r>
+              <a:rPr lang="en-US" dirty="0" smtClean="0"/>
+              <a:t>the World </a:t>
+            </a:r>
+            <a:r>
+              <a:rPr lang="en-US" dirty="0" smtClean="0"/>
+              <a:t>Wide Web we know </a:t>
+            </a:r>
+            <a:r>
+              <a:rPr lang="en-US" dirty="0" smtClean="0"/>
+              <a:t>today.</a:t>
+            </a:r>
+          </a:p>
+        </p:txBody>
+      </p:sp>
+    </p:spTree>
+    <p:extLst>
+      <p:ext uri="{BB962C8B-B14F-4D97-AF65-F5344CB8AC3E}">
+        <p14:creationId xmlns:p14="http://schemas.microsoft.com/office/powerpoint/2010/main" val="1749294492"/>
+      </p:ext>
+    </p:extLst>
+  </p:cSld>
+  <p:clrMapOvr>
+    <a:masterClrMapping/>
+  </p:clrMapOvr>
+  <p:timing>
+    <p:tnLst>
+      <p:par>
+        <p:cTn id="1" dur="indefinite" restart="never" nodeType="tmRoot"/>
+      </p:par>
+    </p:tnLst>
+  </p:timing>
+</p:sld>
+</file>
+
+<file path=ppt/slides/slide11.xml><?xml version="1.0" encoding="utf-8"?>
+<p:sld xmlns:a="http://schemas.openxmlformats.org/drawingml/2006/main" xmlns:r="http://schemas.openxmlformats.org/officeDocument/2006/relationships" xmlns:p="http://schemas.openxmlformats.org/presentationml/2006/main">
+  <p:cSld>
+    <p:spTree>
+      <p:nvGrpSpPr>
+        <p:cNvPr id="1" name=""/>
+        <p:cNvGrpSpPr/>
+        <p:nvPr/>
+      </p:nvGrpSpPr>
+      <p:grpSpPr>
+        <a:xfrm>
+          <a:off x="0" y="0"/>
+          <a:ext cx="0" cy="0"/>
+          <a:chOff x="0" y="0"/>
+          <a:chExt cx="0" cy="0"/>
+        </a:xfrm>
+      </p:grpSpPr>
+      <p:sp>
+        <p:nvSpPr>
+          <p:cNvPr id="2" name="Title 1"/>
+          <p:cNvSpPr>
+            <a:spLocks noGrp="1"/>
+          </p:cNvSpPr>
+          <p:nvPr>
+            <p:ph type="title"/>
+          </p:nvPr>
+        </p:nvSpPr>
+        <p:spPr/>
+        <p:txBody>
+          <a:bodyPr/>
+          <a:lstStyle/>
+          <a:p>
+            <a:r>
+              <a:rPr lang="en-US" dirty="0" smtClean="0"/>
               <a:t>Web 2.0: </a:t>
             </a:r>
             <a:r>
@@ -6485,7 +7271,7 @@
 </p:sld>
 </file>
 
-<file path=ppt/slides/slide11.xml><?xml version="1.0" encoding="utf-8"?>
+<file path=ppt/slides/slide12.xml><?xml version="1.0" encoding="utf-8"?>
 <p:sld xmlns:a="http://schemas.openxmlformats.org/drawingml/2006/main" xmlns:r="http://schemas.openxmlformats.org/officeDocument/2006/relationships" xmlns:p="http://schemas.openxmlformats.org/presentationml/2006/main">
   <p:cSld>
     <p:spTree>
@@ -6619,290 +7405,6 @@
 </p:sld>
 </file>
 
-<file path=ppt/slides/slide12.xml><?xml version="1.0" encoding="utf-8"?>
-<p:sld xmlns:a="http://schemas.openxmlformats.org/drawingml/2006/main" xmlns:r="http://schemas.openxmlformats.org/officeDocument/2006/relationships" xmlns:p="http://schemas.openxmlformats.org/presentationml/2006/main">
-  <p:cSld>
-    <p:spTree>
-      <p:nvGrpSpPr>
-        <p:cNvPr id="1" name=""/>
-        <p:cNvGrpSpPr/>
-        <p:nvPr/>
-      </p:nvGrpSpPr>
-      <p:grpSpPr>
-        <a:xfrm>
-          <a:off x="0" y="0"/>
-          <a:ext cx="0" cy="0"/>
-          <a:chOff x="0" y="0"/>
-          <a:chExt cx="0" cy="0"/>
-        </a:xfrm>
-      </p:grpSpPr>
-      <p:sp>
-        <p:nvSpPr>
-          <p:cNvPr id="2" name="Title 1"/>
-          <p:cNvSpPr>
-            <a:spLocks noGrp="1"/>
-          </p:cNvSpPr>
-          <p:nvPr>
-            <p:ph type="title"/>
-          </p:nvPr>
-        </p:nvSpPr>
-        <p:spPr/>
-        <p:txBody>
-          <a:bodyPr/>
-          <a:lstStyle/>
-          <a:p>
-            <a:r>
-              <a:rPr lang="en-US" dirty="0" smtClean="0"/>
-              <a:t>Web 2.0: </a:t>
-            </a:r>
-            <a:r>
-              <a:rPr lang="en-US" dirty="0" smtClean="0"/>
-              <a:t>URLs / URIs</a:t>
-            </a:r>
-            <a:endParaRPr lang="en-US" dirty="0"/>
-          </a:p>
-        </p:txBody>
-      </p:sp>
-      <p:sp>
-        <p:nvSpPr>
-          <p:cNvPr id="3" name="Content Placeholder 2"/>
-          <p:cNvSpPr>
-            <a:spLocks noGrp="1"/>
-          </p:cNvSpPr>
-          <p:nvPr>
-            <p:ph idx="1"/>
-          </p:nvPr>
-        </p:nvSpPr>
-        <p:spPr/>
-        <p:txBody>
-          <a:bodyPr>
-            <a:normAutofit/>
-          </a:bodyPr>
-          <a:lstStyle/>
-          <a:p>
-            <a:r>
-              <a:rPr lang="en-US" dirty="0" smtClean="0"/>
-              <a:t>A Uniform Resource Locator (URL) </a:t>
-            </a:r>
-            <a:r>
-              <a:rPr lang="en-US" dirty="0" smtClean="0"/>
-              <a:t>is </a:t>
-            </a:r>
-            <a:r>
-              <a:rPr lang="en-US" dirty="0" smtClean="0"/>
-              <a:t>a specific class of Uniform Resource Identifier (URIs)</a:t>
-            </a:r>
-          </a:p>
-          <a:p>
-            <a:pPr lvl="1"/>
-            <a:r>
-              <a:rPr lang="en-US" smtClean="0"/>
-              <a:t>See: </a:t>
-            </a:r>
-            <a:r>
-              <a:rPr lang="en-US" smtClean="0">
-                <a:hlinkClick r:id="rId2"/>
-              </a:rPr>
-              <a:t>https</a:t>
-            </a:r>
-            <a:r>
-              <a:rPr lang="en-US" dirty="0">
-                <a:hlinkClick r:id="rId2"/>
-              </a:rPr>
-              <a:t>://</a:t>
-            </a:r>
-            <a:r>
-              <a:rPr lang="en-US" dirty="0" smtClean="0">
-                <a:hlinkClick r:id="rId2"/>
-              </a:rPr>
-              <a:t>www.ietf.org/rfc/rfc3986.txt</a:t>
-            </a:r>
-            <a:endParaRPr lang="en-US" dirty="0" smtClean="0"/>
-          </a:p>
-          <a:p>
-            <a:r>
-              <a:rPr lang="en-US" dirty="0" smtClean="0"/>
-              <a:t>The standardized structure of a string to allow items to be uniquely identified (URI).  Sometimes items are best identified by its location (URL).</a:t>
-            </a:r>
-            <a:endParaRPr lang="en-US" dirty="0"/>
-          </a:p>
-          <a:p>
-            <a:r>
-              <a:rPr lang="en-US" dirty="0" smtClean="0"/>
-              <a:t>Pattern:</a:t>
-            </a:r>
-          </a:p>
-          <a:p>
-            <a:pPr lvl="1"/>
-            <a:endParaRPr lang="en-US" dirty="0">
-              <a:latin typeface="Andale Mono" charset="0"/>
-              <a:ea typeface="Andale Mono" charset="0"/>
-              <a:cs typeface="Andale Mono" charset="0"/>
-            </a:endParaRPr>
-          </a:p>
-          <a:p>
-            <a:pPr lvl="1"/>
-            <a:endParaRPr lang="en-US" dirty="0" smtClean="0"/>
-          </a:p>
-        </p:txBody>
-      </p:sp>
-      <p:sp>
-        <p:nvSpPr>
-          <p:cNvPr id="4" name="TextBox 3"/>
-          <p:cNvSpPr txBox="1"/>
-          <p:nvPr/>
-        </p:nvSpPr>
-        <p:spPr>
-          <a:xfrm>
-            <a:off x="1039660" y="4872625"/>
-            <a:ext cx="7202466" cy="1200329"/>
-          </a:xfrm>
-          <a:prstGeom prst="rect">
-            <a:avLst/>
-          </a:prstGeom>
-          <a:noFill/>
-        </p:spPr>
-        <p:txBody>
-          <a:bodyPr wrap="square" rtlCol="0">
-            <a:spAutoFit/>
-          </a:bodyPr>
-          <a:lstStyle/>
-          <a:p>
-            <a:r>
-              <a:rPr lang="en-US" dirty="0">
-                <a:latin typeface="Courier" charset="0"/>
-                <a:ea typeface="Courier" charset="0"/>
-                <a:cs typeface="Courier" charset="0"/>
-              </a:rPr>
-              <a:t>foo://example.com:8042/over/</a:t>
-            </a:r>
-            <a:r>
-              <a:rPr lang="en-US" dirty="0" err="1">
-                <a:latin typeface="Courier" charset="0"/>
-                <a:ea typeface="Courier" charset="0"/>
-                <a:cs typeface="Courier" charset="0"/>
-              </a:rPr>
-              <a:t>there?name</a:t>
-            </a:r>
-            <a:r>
-              <a:rPr lang="en-US" dirty="0">
-                <a:latin typeface="Courier" charset="0"/>
-                <a:ea typeface="Courier" charset="0"/>
-                <a:cs typeface="Courier" charset="0"/>
-              </a:rPr>
-              <a:t>=</a:t>
-            </a:r>
-            <a:r>
-              <a:rPr lang="en-US" dirty="0" err="1">
-                <a:latin typeface="Courier" charset="0"/>
-                <a:ea typeface="Courier" charset="0"/>
-                <a:cs typeface="Courier" charset="0"/>
-              </a:rPr>
-              <a:t>ferret#nose</a:t>
-            </a:r>
-            <a:r>
-              <a:rPr lang="en-US" dirty="0">
-                <a:latin typeface="Courier" charset="0"/>
-                <a:ea typeface="Courier" charset="0"/>
-                <a:cs typeface="Courier" charset="0"/>
-              </a:rPr>
-              <a:t> \_/ </a:t>
-            </a:r>
-            <a:r>
-              <a:rPr lang="en-US" dirty="0" smtClean="0">
-                <a:latin typeface="Courier" charset="0"/>
-                <a:ea typeface="Courier" charset="0"/>
-                <a:cs typeface="Courier" charset="0"/>
-              </a:rPr>
-              <a:t>  \______________/\_________/ \_________/ \__/</a:t>
-            </a:r>
-          </a:p>
-          <a:p>
-            <a:r>
-              <a:rPr lang="en-US" dirty="0">
-                <a:latin typeface="Courier" charset="0"/>
-                <a:ea typeface="Courier" charset="0"/>
-                <a:cs typeface="Courier" charset="0"/>
-              </a:rPr>
-              <a:t> </a:t>
-            </a:r>
-            <a:r>
-              <a:rPr lang="en-US" dirty="0" smtClean="0">
-                <a:latin typeface="Courier" charset="0"/>
-                <a:ea typeface="Courier" charset="0"/>
-                <a:cs typeface="Courier" charset="0"/>
-              </a:rPr>
-              <a:t>|         |            |            |         |</a:t>
-            </a:r>
-          </a:p>
-          <a:p>
-            <a:r>
-              <a:rPr lang="en-US" dirty="0" smtClean="0">
-                <a:latin typeface="Courier" charset="0"/>
-                <a:ea typeface="Courier" charset="0"/>
-                <a:cs typeface="Courier" charset="0"/>
-              </a:rPr>
-              <a:t>scheme  authority      path        query   fragment</a:t>
-            </a:r>
-            <a:endParaRPr lang="en-US" dirty="0">
-              <a:latin typeface="Courier" charset="0"/>
-              <a:ea typeface="Courier" charset="0"/>
-              <a:cs typeface="Courier" charset="0"/>
-            </a:endParaRPr>
-          </a:p>
-        </p:txBody>
-      </p:sp>
-      <p:sp>
-        <p:nvSpPr>
-          <p:cNvPr id="6" name="TextBox 5"/>
-          <p:cNvSpPr txBox="1"/>
-          <p:nvPr/>
-        </p:nvSpPr>
-        <p:spPr>
-          <a:xfrm>
-            <a:off x="5298510" y="6301004"/>
-            <a:ext cx="2943616" cy="369332"/>
-          </a:xfrm>
-          <a:prstGeom prst="rect">
-            <a:avLst/>
-          </a:prstGeom>
-          <a:noFill/>
-        </p:spPr>
-        <p:txBody>
-          <a:bodyPr wrap="square" rtlCol="0">
-            <a:spAutoFit/>
-          </a:bodyPr>
-          <a:lstStyle/>
-          <a:p>
-            <a:pPr algn="r"/>
-            <a:r>
-              <a:rPr lang="en-US" dirty="0" smtClean="0"/>
-              <a:t>Example from IETF RFC3986</a:t>
-            </a:r>
-            <a:endParaRPr lang="en-US" dirty="0"/>
-          </a:p>
-        </p:txBody>
-      </p:sp>
-    </p:spTree>
-    <p:extLst>
-      <p:ext uri="{BB962C8B-B14F-4D97-AF65-F5344CB8AC3E}">
-        <p14:creationId xmlns:p14="http://schemas.microsoft.com/office/powerpoint/2010/main" val="389905828"/>
-      </p:ext>
-    </p:extLst>
-  </p:cSld>
-  <p:clrMapOvr>
-    <a:masterClrMapping/>
-  </p:clrMapOvr>
-  <p:timing>
-    <p:tnLst>
-      <p:par>
-        <p:cTn id="1" dur="indefinite" restart="never" nodeType="tmRoot"/>
-      </p:par>
-    </p:tnLst>
-  </p:timing>
-</p:sld>
-</file>
-
 <file path=ppt/slides/slide13.xml><?xml version="1.0" encoding="utf-8"?>
 <p:sld xmlns:a="http://schemas.openxmlformats.org/drawingml/2006/main" xmlns:r="http://schemas.openxmlformats.org/officeDocument/2006/relationships" xmlns:p="http://schemas.openxmlformats.org/presentationml/2006/main">
   <p:cSld>
@@ -6937,7 +7439,11 @@
           <a:p>
             <a:r>
               <a:rPr lang="en-US" dirty="0" smtClean="0"/>
-              <a:t>Web 2.0: HTML w/ (JS + CSS)</a:t>
+              <a:t>Web 2.0: </a:t>
+            </a:r>
+            <a:r>
+              <a:rPr lang="en-US" dirty="0" smtClean="0"/>
+              <a:t>URLs / URIs</a:t>
             </a:r>
             <a:endParaRPr lang="en-US" dirty="0"/>
           </a:p>
@@ -6955,12 +7461,22 @@
         </p:nvSpPr>
         <p:spPr/>
         <p:txBody>
-          <a:bodyPr/>
+          <a:bodyPr>
+            <a:normAutofit/>
+          </a:bodyPr>
           <a:lstStyle/>
           <a:p>
             <a:r>
               <a:rPr lang="en-US" dirty="0" smtClean="0"/>
-              <a:t>Hypertext Markup Language (HTML)</a:t>
+              <a:t>A Uniform Resource Locator (URL) </a:t>
+            </a:r>
+            <a:r>
+              <a:rPr lang="en-US" dirty="0" smtClean="0"/>
+              <a:t>is </a:t>
+            </a:r>
+            <a:r>
+              <a:rPr lang="en-US" dirty="0" smtClean="0"/>
+              <a:t>a specific class of Uniform Resource Identifier (URIs)</a:t>
             </a:r>
           </a:p>
           <a:p>
@@ -6985,78 +7501,178 @@
               <a:rPr lang="en-US" dirty="0" smtClean="0">
                 <a:hlinkClick r:id="rId2"/>
               </a:rPr>
-              <a:t>www.w3.org/TR/html5/</a:t>
+              <a:t>www.ietf.org/rfc/rfc3986.txt</a:t>
+            </a:r>
+            <a:endParaRPr lang="en-US" dirty="0" smtClean="0"/>
+          </a:p>
+          <a:p>
+            <a:r>
+              <a:rPr lang="en-US" dirty="0" smtClean="0"/>
+              <a:t>The standardized structure of a string to allow items to be uniquely identified (URI).  Sometimes items are best identified by its location (URL).</a:t>
             </a:r>
             <a:endParaRPr lang="en-US" dirty="0"/>
           </a:p>
           <a:p>
             <a:r>
               <a:rPr lang="en-US" dirty="0" smtClean="0"/>
-              <a:t>Most modern websites include JavaScript (JS) to allow for ‘dynamic’ interactions.</a:t>
+              <a:t>Pattern:</a:t>
             </a:r>
           </a:p>
           <a:p>
             <a:pPr lvl="1"/>
-            <a:r>
-              <a:rPr lang="en-US" dirty="0" smtClean="0"/>
-              <a:t>See: </a:t>
+            <a:endParaRPr lang="en-US" dirty="0">
+              <a:latin typeface="Andale Mono" charset="0"/>
+              <a:ea typeface="Andale Mono" charset="0"/>
+              <a:cs typeface="Andale Mono" charset="0"/>
+            </a:endParaRPr>
+          </a:p>
+          <a:p>
+            <a:pPr lvl="1"/>
+            <a:endParaRPr lang="en-US" dirty="0" smtClean="0"/>
+          </a:p>
+        </p:txBody>
+      </p:sp>
+      <p:sp>
+        <p:nvSpPr>
+          <p:cNvPr id="4" name="TextBox 3"/>
+          <p:cNvSpPr txBox="1"/>
+          <p:nvPr/>
+        </p:nvSpPr>
+        <p:spPr>
+          <a:xfrm>
+            <a:off x="1039660" y="4872625"/>
+            <a:ext cx="7202466" cy="1200329"/>
+          </a:xfrm>
+          <a:prstGeom prst="rect">
+            <a:avLst/>
+          </a:prstGeom>
+          <a:noFill/>
+        </p:spPr>
+        <p:txBody>
+          <a:bodyPr wrap="square" rtlCol="0">
+            <a:spAutoFit/>
+          </a:bodyPr>
+          <a:lstStyle/>
+          <a:p>
+            <a:r>
+              <a:rPr lang="en-US" dirty="0">
+                <a:latin typeface="Courier" charset="0"/>
+                <a:ea typeface="Courier" charset="0"/>
+                <a:cs typeface="Courier" charset="0"/>
+              </a:rPr>
+              <a:t>foo://example.com:8042/over/</a:t>
+            </a:r>
+            <a:r>
+              <a:rPr lang="en-US" dirty="0" err="1">
+                <a:latin typeface="Courier" charset="0"/>
+                <a:ea typeface="Courier" charset="0"/>
+                <a:cs typeface="Courier" charset="0"/>
+              </a:rPr>
+              <a:t>there?name</a:t>
+            </a:r>
+            <a:r>
+              <a:rPr lang="en-US" dirty="0">
+                <a:latin typeface="Courier" charset="0"/>
+                <a:ea typeface="Courier" charset="0"/>
+                <a:cs typeface="Courier" charset="0"/>
+              </a:rPr>
+              <a:t>=</a:t>
+            </a:r>
+            <a:r>
+              <a:rPr lang="en-US" dirty="0" err="1">
+                <a:latin typeface="Courier" charset="0"/>
+                <a:ea typeface="Courier" charset="0"/>
+                <a:cs typeface="Courier" charset="0"/>
+              </a:rPr>
+              <a:t>ferret#nose</a:t>
+            </a:r>
+            <a:r>
+              <a:rPr lang="en-US" dirty="0">
+                <a:latin typeface="Courier" charset="0"/>
+                <a:ea typeface="Courier" charset="0"/>
+                <a:cs typeface="Courier" charset="0"/>
+              </a:rPr>
+              <a:t> \_/ </a:t>
             </a:r>
             <a:r>
               <a:rPr lang="en-US" dirty="0" smtClean="0">
-                <a:hlinkClick r:id="rId3"/>
-              </a:rPr>
-              <a:t>http</a:t>
-            </a:r>
+                <a:latin typeface="Courier" charset="0"/>
+                <a:ea typeface="Courier" charset="0"/>
+                <a:cs typeface="Courier" charset="0"/>
+              </a:rPr>
+              <a:t>  \______________/\_________/ \_________/ \__/</a:t>
+            </a:r>
+          </a:p>
+          <a:p>
             <a:r>
               <a:rPr lang="en-US" dirty="0">
-                <a:hlinkClick r:id="rId3"/>
-              </a:rPr>
-              <a:t>://www.ecma-international.org/ecma-262/5.1</a:t>
+                <a:latin typeface="Courier" charset="0"/>
+                <a:ea typeface="Courier" charset="0"/>
+                <a:cs typeface="Courier" charset="0"/>
+              </a:rPr>
+              <a:t> </a:t>
             </a:r>
             <a:r>
               <a:rPr lang="en-US" dirty="0" smtClean="0">
-                <a:hlinkClick r:id="rId3"/>
-              </a:rPr>
-              <a:t>/</a:t>
-            </a:r>
-            <a:endParaRPr lang="en-US" dirty="0" smtClean="0"/>
-          </a:p>
-          <a:p>
-            <a:r>
-              <a:rPr lang="en-US" dirty="0" smtClean="0"/>
-              <a:t>Data (HTML) and dynamic logic (JavaScript) is separated from visual presentation using Cascading Style Sheets (CSS). </a:t>
-            </a:r>
-          </a:p>
-          <a:p>
-            <a:pPr lvl="1"/>
-            <a:r>
-              <a:rPr lang="en-US" dirty="0" smtClean="0"/>
-              <a:t>See</a:t>
-            </a:r>
-            <a:r>
-              <a:rPr lang="en-US" dirty="0"/>
-              <a:t>: </a:t>
-            </a:r>
-            <a:r>
-              <a:rPr lang="en-US" dirty="0">
-                <a:hlinkClick r:id="rId4"/>
-              </a:rPr>
-              <a:t>https://www.w3.org/TR/CSS</a:t>
-            </a:r>
+                <a:latin typeface="Courier" charset="0"/>
+                <a:ea typeface="Courier" charset="0"/>
+                <a:cs typeface="Courier" charset="0"/>
+              </a:rPr>
+              <a:t>|         |            |            |         |</a:t>
+            </a:r>
+          </a:p>
+          <a:p>
             <a:r>
               <a:rPr lang="en-US" dirty="0" smtClean="0">
-                <a:hlinkClick r:id="rId4"/>
-              </a:rPr>
-              <a:t>/</a:t>
-            </a:r>
-            <a:endParaRPr lang="en-US" dirty="0" smtClean="0"/>
+                <a:latin typeface="Courier" charset="0"/>
+                <a:ea typeface="Courier" charset="0"/>
+                <a:cs typeface="Courier" charset="0"/>
+              </a:rPr>
+              <a:t>scheme  authority      path        query   fragment</a:t>
+            </a:r>
+            <a:endParaRPr lang="en-US" dirty="0">
+              <a:latin typeface="Courier" charset="0"/>
+              <a:ea typeface="Courier" charset="0"/>
+              <a:cs typeface="Courier" charset="0"/>
+            </a:endParaRPr>
+          </a:p>
+        </p:txBody>
+      </p:sp>
+      <p:sp>
+        <p:nvSpPr>
+          <p:cNvPr id="6" name="TextBox 5"/>
+          <p:cNvSpPr txBox="1"/>
+          <p:nvPr/>
+        </p:nvSpPr>
+        <p:spPr>
+          <a:xfrm>
+            <a:off x="5298510" y="6301004"/>
+            <a:ext cx="2943616" cy="369332"/>
+          </a:xfrm>
+          <a:prstGeom prst="rect">
+            <a:avLst/>
+          </a:prstGeom>
+          <a:noFill/>
+        </p:spPr>
+        <p:txBody>
+          <a:bodyPr wrap="square" rtlCol="0">
+            <a:spAutoFit/>
+          </a:bodyPr>
+          <a:lstStyle/>
+          <a:p>
+            <a:pPr algn="r"/>
+            <a:r>
+              <a:rPr lang="en-US" dirty="0" smtClean="0"/>
+              <a:t>Example from IETF RFC3986</a:t>
+            </a:r>
+            <a:endParaRPr lang="en-US" dirty="0"/>
           </a:p>
         </p:txBody>
       </p:sp>
     </p:spTree>
     <p:extLst>
       <p:ext uri="{BB962C8B-B14F-4D97-AF65-F5344CB8AC3E}">
-        <p14:creationId xmlns:p14="http://schemas.microsoft.com/office/powerpoint/2010/main" val="400762058"/>
+        <p14:creationId xmlns:p14="http://schemas.microsoft.com/office/powerpoint/2010/main" val="389905828"/>
       </p:ext>
     </p:extLst>
   </p:cSld>
@@ -7107,7 +7723,7 @@
           <a:p>
             <a:r>
               <a:rPr lang="en-US" dirty="0" smtClean="0"/>
-              <a:t>Web 2.0: WWW</a:t>
+              <a:t>Web 2.0: HTML w/ (JS + CSS)</a:t>
             </a:r>
             <a:endParaRPr lang="en-US" dirty="0"/>
           </a:p>
@@ -7115,7 +7731,7 @@
       </p:sp>
       <p:sp>
         <p:nvSpPr>
-          <p:cNvPr id="9" name="Content Placeholder 8"/>
+          <p:cNvPr id="3" name="Content Placeholder 2"/>
           <p:cNvSpPr>
             <a:spLocks noGrp="1"/>
           </p:cNvSpPr>
@@ -7123,94 +7739,65 @@
             <p:ph idx="1"/>
           </p:nvPr>
         </p:nvSpPr>
-        <p:spPr>
-          <a:xfrm>
-            <a:off x="628650" y="1363851"/>
-            <a:ext cx="4076700" cy="4813112"/>
-          </a:xfrm>
-        </p:spPr>
+        <p:spPr/>
         <p:txBody>
           <a:bodyPr/>
           <a:lstStyle/>
           <a:p>
+            <a:r>
+              <a:rPr lang="en-US" dirty="0" smtClean="0"/>
+              <a:t>Hypertext Markup Language (HTML)</a:t>
+            </a:r>
+          </a:p>
+          <a:p>
+            <a:pPr lvl="1"/>
+            <a:r>
+              <a:rPr lang="en-US" dirty="0" smtClean="0"/>
+              <a:t>See: </a:t>
+            </a:r>
+            <a:r>
+              <a:rPr lang="en-US" dirty="0" smtClean="0">
+                <a:hlinkClick r:id="rId2"/>
+              </a:rPr>
+              <a:t>https</a:t>
+            </a:r>
+            <a:r>
+              <a:rPr lang="en-US" dirty="0">
+                <a:hlinkClick r:id="rId2"/>
+              </a:rPr>
+              <a:t>://</a:t>
+            </a:r>
+            <a:r>
+              <a:rPr lang="en-US" dirty="0" smtClean="0">
+                <a:hlinkClick r:id="rId2"/>
+              </a:rPr>
+              <a:t>www.w3.org/TR/html5/</a:t>
+            </a:r>
             <a:endParaRPr lang="en-US" dirty="0"/>
           </a:p>
-        </p:txBody>
-      </p:sp>
-      <p:pic>
-        <p:nvPicPr>
-          <p:cNvPr id="5" name="Picture 4"/>
-          <p:cNvPicPr>
-            <a:picLocks noChangeAspect="1"/>
-          </p:cNvPicPr>
-          <p:nvPr/>
-        </p:nvPicPr>
-        <p:blipFill>
-          <a:blip r:embed="rId2">
-            <a:extLst>
-              <a:ext uri="{28A0092B-C50C-407E-A947-70E740481C1C}">
-                <a14:useLocalDpi xmlns:a14="http://schemas.microsoft.com/office/drawing/2010/main" val="0"/>
-              </a:ext>
-            </a:extLst>
-          </a:blip>
-          <a:stretch>
-            <a:fillRect/>
-          </a:stretch>
-        </p:blipFill>
-        <p:spPr>
-          <a:xfrm>
-            <a:off x="4821265" y="365126"/>
-            <a:ext cx="3810000" cy="4629150"/>
-          </a:xfrm>
-          <a:prstGeom prst="rect">
-            <a:avLst/>
-          </a:prstGeom>
-        </p:spPr>
-      </p:pic>
-      <p:sp>
-        <p:nvSpPr>
-          <p:cNvPr id="6" name="TextBox 5"/>
-          <p:cNvSpPr txBox="1"/>
-          <p:nvPr/>
-        </p:nvSpPr>
-        <p:spPr>
-          <a:xfrm>
-            <a:off x="4705350" y="4671110"/>
-            <a:ext cx="3810000" cy="646331"/>
-          </a:xfrm>
-          <a:prstGeom prst="rect">
-            <a:avLst/>
-          </a:prstGeom>
-          <a:noFill/>
-        </p:spPr>
-        <p:txBody>
-          <a:bodyPr wrap="square" rtlCol="0">
-            <a:spAutoFit/>
-          </a:bodyPr>
-          <a:lstStyle/>
-          <a:p>
-            <a:pPr algn="r"/>
+          <a:p>
+            <a:r>
+              <a:rPr lang="en-US" dirty="0" smtClean="0"/>
+              <a:t>Most modern websites include JavaScript (JS) to allow for ‘dynamic’ interactions.</a:t>
+            </a:r>
+          </a:p>
+          <a:p>
+            <a:pPr lvl="1"/>
+            <a:r>
+              <a:rPr lang="en-US" dirty="0" smtClean="0"/>
+              <a:t>See: </a:t>
+            </a:r>
             <a:r>
               <a:rPr lang="en-US" dirty="0" smtClean="0">
-                <a:solidFill>
-                  <a:schemeClr val="bg1"/>
-                </a:solidFill>
-              </a:rPr>
-              <a:t>”Graph of World Wide Web” source</a:t>
-            </a:r>
-            <a:r>
-              <a:rPr lang="en-US" dirty="0">
-                <a:solidFill>
-                  <a:schemeClr val="bg1"/>
-                </a:solidFill>
-              </a:rPr>
-              <a:t>: </a:t>
+                <a:hlinkClick r:id="rId3"/>
+              </a:rPr>
+              <a:t>http</a:t>
             </a:r>
             <a:r>
               <a:rPr lang="en-US" dirty="0">
                 <a:hlinkClick r:id="rId3"/>
               </a:rPr>
-              <a:t>http://www.bordalierinstitute.com</a:t>
+              <a:t>://www.ecma-international.org/ecma-262/5.1</a:t>
             </a:r>
             <a:r>
               <a:rPr lang="en-US" dirty="0" smtClean="0">
@@ -7220,57 +7807,33 @@
             </a:r>
             <a:endParaRPr lang="en-US" dirty="0" smtClean="0"/>
           </a:p>
-        </p:txBody>
-      </p:sp>
-      <p:sp>
-        <p:nvSpPr>
-          <p:cNvPr id="10" name="TextBox 9"/>
-          <p:cNvSpPr txBox="1"/>
-          <p:nvPr/>
-        </p:nvSpPr>
-        <p:spPr>
-          <a:xfrm>
-            <a:off x="4821265" y="5501898"/>
-            <a:ext cx="3810000" cy="646331"/>
-          </a:xfrm>
-          <a:prstGeom prst="rect">
-            <a:avLst/>
-          </a:prstGeom>
-          <a:noFill/>
-        </p:spPr>
-        <p:txBody>
-          <a:bodyPr wrap="square" rtlCol="0">
-            <a:spAutoFit/>
-          </a:bodyPr>
-          <a:lstStyle/>
-          <a:p>
-            <a:r>
-              <a:rPr lang="en-US" dirty="0" smtClean="0"/>
-              <a:t>See more large network datasets at:</a:t>
-            </a:r>
-          </a:p>
-          <a:p>
+          <a:p>
+            <a:r>
+              <a:rPr lang="en-US" dirty="0" smtClean="0"/>
+              <a:t>Data (HTML) and dynamic logic (JavaScript) is separated from visual presentation using Cascading Style Sheets (CSS). </a:t>
+            </a:r>
+          </a:p>
+          <a:p>
+            <a:pPr lvl="1"/>
+            <a:r>
+              <a:rPr lang="en-US" dirty="0" smtClean="0"/>
+              <a:t>See</a:t>
+            </a:r>
             <a:r>
               <a:rPr lang="en-US" dirty="0"/>
-              <a:t>  </a:t>
+              <a:t>: </a:t>
+            </a:r>
+            <a:r>
+              <a:rPr lang="en-US" dirty="0">
+                <a:hlinkClick r:id="rId4"/>
+              </a:rPr>
+              <a:t>https://www.w3.org/TR/CSS</a:t>
             </a:r>
             <a:r>
               <a:rPr lang="en-US" dirty="0" smtClean="0">
                 <a:hlinkClick r:id="rId4"/>
               </a:rPr>
-              <a:t>https</a:t>
-            </a:r>
-            <a:r>
-              <a:rPr lang="en-US" dirty="0">
-                <a:hlinkClick r:id="rId4"/>
-              </a:rPr>
-              <a:t>://snap.stanford.edu/data/#</a:t>
-            </a:r>
-            <a:r>
-              <a:rPr lang="en-US" dirty="0" smtClean="0">
-                <a:hlinkClick r:id="rId4"/>
-              </a:rPr>
-              <a:t>web</a:t>
+              <a:t>/</a:t>
             </a:r>
             <a:endParaRPr lang="en-US" dirty="0" smtClean="0"/>
           </a:p>
@@ -7279,7 +7842,7 @@
     </p:spTree>
     <p:extLst>
       <p:ext uri="{BB962C8B-B14F-4D97-AF65-F5344CB8AC3E}">
-        <p14:creationId xmlns:p14="http://schemas.microsoft.com/office/powerpoint/2010/main" val="527425978"/>
+        <p14:creationId xmlns:p14="http://schemas.microsoft.com/office/powerpoint/2010/main" val="400762058"/>
       </p:ext>
     </p:extLst>
   </p:cSld>
@@ -7330,7 +7893,7 @@
           <a:p>
             <a:r>
               <a:rPr lang="en-US" dirty="0" smtClean="0"/>
-              <a:t>Web 2.0: XML</a:t>
+              <a:t>Web 2.0: Example HTML</a:t>
             </a:r>
             <a:endParaRPr lang="en-US" dirty="0"/>
           </a:p>
@@ -7348,17 +7911,874 @@
         </p:nvSpPr>
         <p:spPr/>
         <p:txBody>
-          <a:bodyPr/>
+          <a:bodyPr>
+            <a:normAutofit fontScale="92500" lnSpcReduction="10000"/>
+          </a:bodyPr>
           <a:lstStyle/>
           <a:p>
-            <a:endParaRPr lang="en-US"/>
+            <a:pPr marL="0" lvl="0" indent="0">
+              <a:lnSpc>
+                <a:spcPct val="100000"/>
+              </a:lnSpc>
+              <a:spcBef>
+                <a:spcPts val="0"/>
+              </a:spcBef>
+              <a:buNone/>
+            </a:pPr>
+            <a:r>
+              <a:rPr lang="en-US" sz="1800" dirty="0" smtClean="0">
+                <a:latin typeface="Courier New" charset="0"/>
+                <a:ea typeface="Courier New" charset="0"/>
+                <a:cs typeface="Courier New" charset="0"/>
+              </a:rPr>
+              <a:t>&lt;!DOCTYPE html&gt;</a:t>
+            </a:r>
+          </a:p>
+          <a:p>
+            <a:pPr marL="0" lvl="0" indent="0">
+              <a:lnSpc>
+                <a:spcPct val="100000"/>
+              </a:lnSpc>
+              <a:spcBef>
+                <a:spcPts val="0"/>
+              </a:spcBef>
+              <a:buNone/>
+            </a:pPr>
+            <a:r>
+              <a:rPr lang="en-US" sz="1800" dirty="0" smtClean="0">
+                <a:latin typeface="Courier New" charset="0"/>
+                <a:ea typeface="Courier New" charset="0"/>
+                <a:cs typeface="Courier New" charset="0"/>
+              </a:rPr>
+              <a:t>&lt;</a:t>
+            </a:r>
+            <a:r>
+              <a:rPr lang="en-US" sz="1800" dirty="0">
+                <a:latin typeface="Courier New" charset="0"/>
+                <a:ea typeface="Courier New" charset="0"/>
+                <a:cs typeface="Courier New" charset="0"/>
+              </a:rPr>
+              <a:t>html</a:t>
+            </a:r>
+            <a:r>
+              <a:rPr lang="en-US" sz="1800" dirty="0" smtClean="0">
+                <a:latin typeface="Courier New" charset="0"/>
+                <a:ea typeface="Courier New" charset="0"/>
+                <a:cs typeface="Courier New" charset="0"/>
+              </a:rPr>
+              <a:t>&gt;</a:t>
+            </a:r>
+          </a:p>
+          <a:p>
+            <a:pPr marL="0" lvl="0" indent="0">
+              <a:lnSpc>
+                <a:spcPct val="100000"/>
+              </a:lnSpc>
+              <a:spcBef>
+                <a:spcPts val="0"/>
+              </a:spcBef>
+              <a:buNone/>
+            </a:pPr>
+            <a:r>
+              <a:rPr lang="en-US" sz="1800" dirty="0">
+                <a:latin typeface="Courier New" charset="0"/>
+                <a:ea typeface="Courier New" charset="0"/>
+                <a:cs typeface="Courier New" charset="0"/>
+              </a:rPr>
+              <a:t> </a:t>
+            </a:r>
+            <a:r>
+              <a:rPr lang="en-US" sz="1800" dirty="0" smtClean="0">
+                <a:latin typeface="Courier New" charset="0"/>
+                <a:ea typeface="Courier New" charset="0"/>
+                <a:cs typeface="Courier New" charset="0"/>
+              </a:rPr>
+              <a:t>   &lt;</a:t>
+            </a:r>
+            <a:r>
+              <a:rPr lang="en-US" sz="1800" dirty="0">
+                <a:latin typeface="Courier New" charset="0"/>
+                <a:ea typeface="Courier New" charset="0"/>
+                <a:cs typeface="Courier New" charset="0"/>
+              </a:rPr>
+              <a:t>head</a:t>
+            </a:r>
+            <a:r>
+              <a:rPr lang="en-US" sz="1800" dirty="0" smtClean="0">
+                <a:latin typeface="Courier New" charset="0"/>
+                <a:ea typeface="Courier New" charset="0"/>
+                <a:cs typeface="Courier New" charset="0"/>
+              </a:rPr>
+              <a:t>&gt;</a:t>
+            </a:r>
+          </a:p>
+          <a:p>
+            <a:pPr marL="0" lvl="0" indent="0">
+              <a:lnSpc>
+                <a:spcPct val="100000"/>
+              </a:lnSpc>
+              <a:spcBef>
+                <a:spcPts val="0"/>
+              </a:spcBef>
+              <a:buNone/>
+            </a:pPr>
+            <a:r>
+              <a:rPr lang="en-US" sz="1800" dirty="0" smtClean="0">
+                <a:latin typeface="Courier New" charset="0"/>
+                <a:ea typeface="Courier New" charset="0"/>
+                <a:cs typeface="Courier New" charset="0"/>
+              </a:rPr>
+              <a:t>        &lt;</a:t>
+            </a:r>
+            <a:r>
+              <a:rPr lang="en-US" sz="1800" dirty="0">
+                <a:latin typeface="Courier New" charset="0"/>
+                <a:ea typeface="Courier New" charset="0"/>
+                <a:cs typeface="Courier New" charset="0"/>
+              </a:rPr>
+              <a:t>meta charset="utf-8" /&gt;</a:t>
+            </a:r>
+            <a:endParaRPr lang="en-US" sz="1800" dirty="0" smtClean="0">
+              <a:latin typeface="Courier New" charset="0"/>
+              <a:ea typeface="Courier New" charset="0"/>
+              <a:cs typeface="Courier New" charset="0"/>
+            </a:endParaRPr>
+          </a:p>
+          <a:p>
+            <a:pPr marL="0" lvl="0" indent="0">
+              <a:lnSpc>
+                <a:spcPct val="100000"/>
+              </a:lnSpc>
+              <a:spcBef>
+                <a:spcPts val="0"/>
+              </a:spcBef>
+              <a:buNone/>
+            </a:pPr>
+            <a:r>
+              <a:rPr lang="en-US" sz="1800" dirty="0">
+                <a:latin typeface="Courier New" charset="0"/>
+                <a:ea typeface="Courier New" charset="0"/>
+                <a:cs typeface="Courier New" charset="0"/>
+              </a:rPr>
+              <a:t> </a:t>
+            </a:r>
+            <a:r>
+              <a:rPr lang="en-US" sz="1800" dirty="0" smtClean="0">
+                <a:latin typeface="Courier New" charset="0"/>
+                <a:ea typeface="Courier New" charset="0"/>
+                <a:cs typeface="Courier New" charset="0"/>
+              </a:rPr>
+              <a:t>       &lt;</a:t>
+            </a:r>
+            <a:r>
+              <a:rPr lang="en-US" sz="1800" dirty="0">
+                <a:latin typeface="Courier New" charset="0"/>
+                <a:ea typeface="Courier New" charset="0"/>
+                <a:cs typeface="Courier New" charset="0"/>
+              </a:rPr>
+              <a:t>script type="</a:t>
+            </a:r>
+            <a:r>
+              <a:rPr lang="en-US" sz="1800" dirty="0" smtClean="0">
+                <a:latin typeface="Courier New" charset="0"/>
+                <a:ea typeface="Courier New" charset="0"/>
+                <a:cs typeface="Courier New" charset="0"/>
+              </a:rPr>
+              <a:t>text/</a:t>
+            </a:r>
+            <a:r>
+              <a:rPr lang="en-US" sz="1800" dirty="0" err="1" smtClean="0">
+                <a:latin typeface="Courier New" charset="0"/>
+                <a:ea typeface="Courier New" charset="0"/>
+                <a:cs typeface="Courier New" charset="0"/>
+              </a:rPr>
+              <a:t>javascript"src</a:t>
+            </a:r>
+            <a:r>
+              <a:rPr lang="en-US" sz="1800" dirty="0">
+                <a:latin typeface="Courier New" charset="0"/>
+                <a:ea typeface="Courier New" charset="0"/>
+                <a:cs typeface="Courier New" charset="0"/>
+              </a:rPr>
+              <a:t>="</a:t>
+            </a:r>
+            <a:r>
+              <a:rPr lang="en-US" sz="1800" dirty="0" err="1" smtClean="0">
+                <a:latin typeface="Courier New" charset="0"/>
+                <a:ea typeface="Courier New" charset="0"/>
+                <a:cs typeface="Courier New" charset="0"/>
+              </a:rPr>
+              <a:t>script.js</a:t>
+            </a:r>
+            <a:r>
+              <a:rPr lang="en-US" sz="1800" dirty="0" smtClean="0">
+                <a:latin typeface="Courier New" charset="0"/>
+                <a:ea typeface="Courier New" charset="0"/>
+                <a:cs typeface="Courier New" charset="0"/>
+              </a:rPr>
+              <a:t>”&gt;</a:t>
+            </a:r>
+          </a:p>
+          <a:p>
+            <a:pPr marL="0" lvl="0" indent="0">
+              <a:lnSpc>
+                <a:spcPct val="100000"/>
+              </a:lnSpc>
+              <a:spcBef>
+                <a:spcPts val="0"/>
+              </a:spcBef>
+              <a:buNone/>
+            </a:pPr>
+            <a:r>
+              <a:rPr lang="en-US" sz="1800" dirty="0">
+                <a:latin typeface="Courier New" charset="0"/>
+                <a:ea typeface="Courier New" charset="0"/>
+                <a:cs typeface="Courier New" charset="0"/>
+              </a:rPr>
+              <a:t> </a:t>
+            </a:r>
+            <a:r>
+              <a:rPr lang="en-US" sz="1800" dirty="0" smtClean="0">
+                <a:latin typeface="Courier New" charset="0"/>
+                <a:ea typeface="Courier New" charset="0"/>
+                <a:cs typeface="Courier New" charset="0"/>
+              </a:rPr>
+              <a:t>       &lt;/</a:t>
+            </a:r>
+            <a:r>
+              <a:rPr lang="en-US" sz="1800" dirty="0">
+                <a:latin typeface="Courier New" charset="0"/>
+                <a:ea typeface="Courier New" charset="0"/>
+                <a:cs typeface="Courier New" charset="0"/>
+              </a:rPr>
+              <a:t>script</a:t>
+            </a:r>
+            <a:r>
+              <a:rPr lang="en-US" sz="1800" dirty="0" smtClean="0">
+                <a:latin typeface="Courier New" charset="0"/>
+                <a:ea typeface="Courier New" charset="0"/>
+                <a:cs typeface="Courier New" charset="0"/>
+              </a:rPr>
+              <a:t>&gt;</a:t>
+            </a:r>
+          </a:p>
+          <a:p>
+            <a:pPr marL="0" lvl="0" indent="0">
+              <a:lnSpc>
+                <a:spcPct val="100000"/>
+              </a:lnSpc>
+              <a:spcBef>
+                <a:spcPts val="0"/>
+              </a:spcBef>
+              <a:buNone/>
+            </a:pPr>
+            <a:r>
+              <a:rPr lang="en-US" sz="1800" dirty="0">
+                <a:latin typeface="Courier New" charset="0"/>
+                <a:ea typeface="Courier New" charset="0"/>
+                <a:cs typeface="Courier New" charset="0"/>
+              </a:rPr>
+              <a:t> </a:t>
+            </a:r>
+            <a:r>
+              <a:rPr lang="en-US" sz="1800" dirty="0" smtClean="0">
+                <a:latin typeface="Courier New" charset="0"/>
+                <a:ea typeface="Courier New" charset="0"/>
+                <a:cs typeface="Courier New" charset="0"/>
+              </a:rPr>
+              <a:t>       &lt;</a:t>
+            </a:r>
+            <a:r>
+              <a:rPr lang="en-US" sz="1800" dirty="0">
+                <a:latin typeface="Courier New" charset="0"/>
+                <a:ea typeface="Courier New" charset="0"/>
+                <a:cs typeface="Courier New" charset="0"/>
+              </a:rPr>
+              <a:t>link </a:t>
+            </a:r>
+            <a:r>
+              <a:rPr lang="en-US" sz="1800" dirty="0" err="1">
+                <a:latin typeface="Courier New" charset="0"/>
+                <a:ea typeface="Courier New" charset="0"/>
+                <a:cs typeface="Courier New" charset="0"/>
+              </a:rPr>
+              <a:t>rel</a:t>
+            </a:r>
+            <a:r>
+              <a:rPr lang="en-US" sz="1800" dirty="0">
+                <a:latin typeface="Courier New" charset="0"/>
+                <a:ea typeface="Courier New" charset="0"/>
+                <a:cs typeface="Courier New" charset="0"/>
+              </a:rPr>
+              <a:t>="</a:t>
+            </a:r>
+            <a:r>
+              <a:rPr lang="en-US" sz="1800" dirty="0" err="1" smtClean="0">
+                <a:latin typeface="Courier New" charset="0"/>
+                <a:ea typeface="Courier New" charset="0"/>
+                <a:cs typeface="Courier New" charset="0"/>
+              </a:rPr>
+              <a:t>stylesheet</a:t>
+            </a:r>
+            <a:r>
+              <a:rPr lang="en-US" sz="1800" dirty="0" smtClean="0">
+                <a:latin typeface="Courier New" charset="0"/>
+                <a:ea typeface="Courier New" charset="0"/>
+                <a:cs typeface="Courier New" charset="0"/>
+              </a:rPr>
+              <a:t>”</a:t>
+            </a:r>
+          </a:p>
+          <a:p>
+            <a:pPr marL="0" lvl="0" indent="0">
+              <a:lnSpc>
+                <a:spcPct val="100000"/>
+              </a:lnSpc>
+              <a:spcBef>
+                <a:spcPts val="0"/>
+              </a:spcBef>
+              <a:buNone/>
+            </a:pPr>
+            <a:r>
+              <a:rPr lang="en-US" sz="1800" dirty="0">
+                <a:latin typeface="Courier New" charset="0"/>
+                <a:ea typeface="Courier New" charset="0"/>
+                <a:cs typeface="Courier New" charset="0"/>
+              </a:rPr>
+              <a:t> </a:t>
+            </a:r>
+            <a:r>
+              <a:rPr lang="en-US" sz="1800" dirty="0" smtClean="0">
+                <a:latin typeface="Courier New" charset="0"/>
+                <a:ea typeface="Courier New" charset="0"/>
+                <a:cs typeface="Courier New" charset="0"/>
+              </a:rPr>
+              <a:t>             type</a:t>
+            </a:r>
+            <a:r>
+              <a:rPr lang="en-US" sz="1800" dirty="0">
+                <a:latin typeface="Courier New" charset="0"/>
+                <a:ea typeface="Courier New" charset="0"/>
+                <a:cs typeface="Courier New" charset="0"/>
+              </a:rPr>
+              <a:t>="</a:t>
+            </a:r>
+            <a:r>
+              <a:rPr lang="en-US" sz="1800" dirty="0" smtClean="0">
+                <a:latin typeface="Courier New" charset="0"/>
+                <a:ea typeface="Courier New" charset="0"/>
+                <a:cs typeface="Courier New" charset="0"/>
+              </a:rPr>
+              <a:t>text/</a:t>
+            </a:r>
+            <a:r>
+              <a:rPr lang="en-US" sz="1800" dirty="0" err="1" smtClean="0">
+                <a:latin typeface="Courier New" charset="0"/>
+                <a:ea typeface="Courier New" charset="0"/>
+                <a:cs typeface="Courier New" charset="0"/>
+              </a:rPr>
+              <a:t>css</a:t>
+            </a:r>
+            <a:r>
+              <a:rPr lang="en-US" sz="1800" dirty="0" smtClean="0">
+                <a:latin typeface="Courier New" charset="0"/>
+                <a:ea typeface="Courier New" charset="0"/>
+                <a:cs typeface="Courier New" charset="0"/>
+              </a:rPr>
+              <a:t>”</a:t>
+            </a:r>
+          </a:p>
+          <a:p>
+            <a:pPr marL="0" lvl="0" indent="0">
+              <a:lnSpc>
+                <a:spcPct val="100000"/>
+              </a:lnSpc>
+              <a:spcBef>
+                <a:spcPts val="0"/>
+              </a:spcBef>
+              <a:buNone/>
+            </a:pPr>
+            <a:r>
+              <a:rPr lang="en-US" sz="1800" dirty="0">
+                <a:latin typeface="Courier New" charset="0"/>
+                <a:ea typeface="Courier New" charset="0"/>
+                <a:cs typeface="Courier New" charset="0"/>
+              </a:rPr>
+              <a:t> </a:t>
+            </a:r>
+            <a:r>
+              <a:rPr lang="en-US" sz="1800" dirty="0" smtClean="0">
+                <a:latin typeface="Courier New" charset="0"/>
+                <a:ea typeface="Courier New" charset="0"/>
+                <a:cs typeface="Courier New" charset="0"/>
+              </a:rPr>
+              <a:t>             </a:t>
+            </a:r>
+            <a:r>
+              <a:rPr lang="en-US" sz="1800" dirty="0" err="1" smtClean="0">
+                <a:latin typeface="Courier New" charset="0"/>
+                <a:ea typeface="Courier New" charset="0"/>
+                <a:cs typeface="Courier New" charset="0"/>
+              </a:rPr>
+              <a:t>href</a:t>
+            </a:r>
+            <a:r>
+              <a:rPr lang="en-US" sz="1800" dirty="0">
+                <a:latin typeface="Courier New" charset="0"/>
+                <a:ea typeface="Courier New" charset="0"/>
+                <a:cs typeface="Courier New" charset="0"/>
+              </a:rPr>
+              <a:t>="</a:t>
+            </a:r>
+            <a:r>
+              <a:rPr lang="en-US" sz="1800" dirty="0" err="1">
+                <a:latin typeface="Courier New" charset="0"/>
+                <a:ea typeface="Courier New" charset="0"/>
+                <a:cs typeface="Courier New" charset="0"/>
+              </a:rPr>
+              <a:t>style.css</a:t>
+            </a:r>
+            <a:r>
+              <a:rPr lang="en-US" sz="1800" dirty="0" smtClean="0">
+                <a:latin typeface="Courier New" charset="0"/>
+                <a:ea typeface="Courier New" charset="0"/>
+                <a:cs typeface="Courier New" charset="0"/>
+              </a:rPr>
+              <a:t>"&gt;</a:t>
+            </a:r>
+          </a:p>
+          <a:p>
+            <a:pPr marL="0" lvl="0" indent="0">
+              <a:lnSpc>
+                <a:spcPct val="100000"/>
+              </a:lnSpc>
+              <a:spcBef>
+                <a:spcPts val="0"/>
+              </a:spcBef>
+              <a:buNone/>
+            </a:pPr>
+            <a:r>
+              <a:rPr lang="en-US" sz="1800" dirty="0">
+                <a:latin typeface="Courier New" charset="0"/>
+                <a:ea typeface="Courier New" charset="0"/>
+                <a:cs typeface="Courier New" charset="0"/>
+              </a:rPr>
+              <a:t> </a:t>
+            </a:r>
+            <a:r>
+              <a:rPr lang="en-US" sz="1800" dirty="0" smtClean="0">
+                <a:latin typeface="Courier New" charset="0"/>
+                <a:ea typeface="Courier New" charset="0"/>
+                <a:cs typeface="Courier New" charset="0"/>
+              </a:rPr>
+              <a:t>       &lt;/</a:t>
+            </a:r>
+            <a:r>
+              <a:rPr lang="en-US" sz="1800" dirty="0">
+                <a:latin typeface="Courier New" charset="0"/>
+                <a:ea typeface="Courier New" charset="0"/>
+                <a:cs typeface="Courier New" charset="0"/>
+              </a:rPr>
+              <a:t>link</a:t>
+            </a:r>
+            <a:r>
+              <a:rPr lang="en-US" sz="1800" dirty="0" smtClean="0">
+                <a:latin typeface="Courier New" charset="0"/>
+                <a:ea typeface="Courier New" charset="0"/>
+                <a:cs typeface="Courier New" charset="0"/>
+              </a:rPr>
+              <a:t>&gt;</a:t>
+            </a:r>
+          </a:p>
+          <a:p>
+            <a:pPr marL="0" lvl="0" indent="0">
+              <a:lnSpc>
+                <a:spcPct val="100000"/>
+              </a:lnSpc>
+              <a:spcBef>
+                <a:spcPts val="0"/>
+              </a:spcBef>
+              <a:buNone/>
+            </a:pPr>
+            <a:r>
+              <a:rPr lang="en-US" sz="1800" dirty="0">
+                <a:latin typeface="Courier New" charset="0"/>
+                <a:ea typeface="Courier New" charset="0"/>
+                <a:cs typeface="Courier New" charset="0"/>
+              </a:rPr>
+              <a:t> </a:t>
+            </a:r>
+            <a:r>
+              <a:rPr lang="en-US" sz="1800" dirty="0" smtClean="0">
+                <a:latin typeface="Courier New" charset="0"/>
+                <a:ea typeface="Courier New" charset="0"/>
+                <a:cs typeface="Courier New" charset="0"/>
+              </a:rPr>
+              <a:t>    &lt;/</a:t>
+            </a:r>
+            <a:r>
+              <a:rPr lang="en-US" sz="1800" dirty="0">
+                <a:latin typeface="Courier New" charset="0"/>
+                <a:ea typeface="Courier New" charset="0"/>
+                <a:cs typeface="Courier New" charset="0"/>
+              </a:rPr>
+              <a:t>head</a:t>
+            </a:r>
+            <a:r>
+              <a:rPr lang="en-US" sz="1800" dirty="0" smtClean="0">
+                <a:latin typeface="Courier New" charset="0"/>
+                <a:ea typeface="Courier New" charset="0"/>
+                <a:cs typeface="Courier New" charset="0"/>
+              </a:rPr>
+              <a:t>&gt;</a:t>
+            </a:r>
+          </a:p>
+          <a:p>
+            <a:pPr marL="0" lvl="0" indent="0">
+              <a:lnSpc>
+                <a:spcPct val="100000"/>
+              </a:lnSpc>
+              <a:spcBef>
+                <a:spcPts val="0"/>
+              </a:spcBef>
+              <a:buNone/>
+            </a:pPr>
+            <a:r>
+              <a:rPr lang="en-US" sz="1800" dirty="0">
+                <a:latin typeface="Courier New" charset="0"/>
+                <a:ea typeface="Courier New" charset="0"/>
+                <a:cs typeface="Courier New" charset="0"/>
+              </a:rPr>
+              <a:t> </a:t>
+            </a:r>
+            <a:r>
+              <a:rPr lang="en-US" sz="1800" dirty="0" smtClean="0">
+                <a:latin typeface="Courier New" charset="0"/>
+                <a:ea typeface="Courier New" charset="0"/>
+                <a:cs typeface="Courier New" charset="0"/>
+              </a:rPr>
+              <a:t>    &lt;</a:t>
+            </a:r>
+            <a:r>
+              <a:rPr lang="en-US" sz="1800" dirty="0">
+                <a:latin typeface="Courier New" charset="0"/>
+                <a:ea typeface="Courier New" charset="0"/>
+                <a:cs typeface="Courier New" charset="0"/>
+              </a:rPr>
+              <a:t>body</a:t>
+            </a:r>
+            <a:r>
+              <a:rPr lang="en-US" sz="1800" dirty="0" smtClean="0">
+                <a:latin typeface="Courier New" charset="0"/>
+                <a:ea typeface="Courier New" charset="0"/>
+                <a:cs typeface="Courier New" charset="0"/>
+              </a:rPr>
+              <a:t>&gt;</a:t>
+            </a:r>
+          </a:p>
+          <a:p>
+            <a:pPr marL="0" lvl="0" indent="0">
+              <a:lnSpc>
+                <a:spcPct val="100000"/>
+              </a:lnSpc>
+              <a:spcBef>
+                <a:spcPts val="0"/>
+              </a:spcBef>
+              <a:buNone/>
+            </a:pPr>
+            <a:r>
+              <a:rPr lang="en-US" sz="1800" dirty="0">
+                <a:latin typeface="Courier New" charset="0"/>
+                <a:ea typeface="Courier New" charset="0"/>
+                <a:cs typeface="Courier New" charset="0"/>
+              </a:rPr>
+              <a:t> </a:t>
+            </a:r>
+            <a:r>
+              <a:rPr lang="en-US" sz="1800" dirty="0" smtClean="0">
+                <a:latin typeface="Courier New" charset="0"/>
+                <a:ea typeface="Courier New" charset="0"/>
+                <a:cs typeface="Courier New" charset="0"/>
+              </a:rPr>
+              <a:t>        &lt;</a:t>
+            </a:r>
+            <a:r>
+              <a:rPr lang="en-US" sz="1800" dirty="0">
+                <a:latin typeface="Courier New" charset="0"/>
+                <a:ea typeface="Courier New" charset="0"/>
+                <a:cs typeface="Courier New" charset="0"/>
+              </a:rPr>
+              <a:t>h1&gt;Example HTML&lt;/h1</a:t>
+            </a:r>
+            <a:r>
+              <a:rPr lang="en-US" sz="1800" dirty="0" smtClean="0">
+                <a:latin typeface="Courier New" charset="0"/>
+                <a:ea typeface="Courier New" charset="0"/>
+                <a:cs typeface="Courier New" charset="0"/>
+              </a:rPr>
+              <a:t>&gt;</a:t>
+            </a:r>
+          </a:p>
+          <a:p>
+            <a:pPr marL="0" lvl="0" indent="0">
+              <a:lnSpc>
+                <a:spcPct val="100000"/>
+              </a:lnSpc>
+              <a:spcBef>
+                <a:spcPts val="0"/>
+              </a:spcBef>
+              <a:buNone/>
+            </a:pPr>
+            <a:r>
+              <a:rPr lang="en-US" sz="1800" dirty="0">
+                <a:latin typeface="Courier New" charset="0"/>
+                <a:ea typeface="Courier New" charset="0"/>
+                <a:cs typeface="Courier New" charset="0"/>
+              </a:rPr>
+              <a:t> </a:t>
+            </a:r>
+            <a:r>
+              <a:rPr lang="en-US" sz="1800" dirty="0" smtClean="0">
+                <a:latin typeface="Courier New" charset="0"/>
+                <a:ea typeface="Courier New" charset="0"/>
+                <a:cs typeface="Courier New" charset="0"/>
+              </a:rPr>
+              <a:t>        &lt;</a:t>
+            </a:r>
+            <a:r>
+              <a:rPr lang="en-US" sz="1800" dirty="0">
+                <a:latin typeface="Courier New" charset="0"/>
+                <a:ea typeface="Courier New" charset="0"/>
+                <a:cs typeface="Courier New" charset="0"/>
+              </a:rPr>
+              <a:t>button </a:t>
+            </a:r>
+            <a:r>
+              <a:rPr lang="en-US" sz="1800" dirty="0" err="1">
+                <a:latin typeface="Courier New" charset="0"/>
+                <a:ea typeface="Courier New" charset="0"/>
+                <a:cs typeface="Courier New" charset="0"/>
+              </a:rPr>
+              <a:t>onclick</a:t>
+            </a:r>
+            <a:r>
+              <a:rPr lang="en-US" sz="1800" dirty="0">
+                <a:latin typeface="Courier New" charset="0"/>
+                <a:ea typeface="Courier New" charset="0"/>
+                <a:cs typeface="Courier New" charset="0"/>
+              </a:rPr>
+              <a:t>="</a:t>
+            </a:r>
+            <a:r>
+              <a:rPr lang="en-US" sz="1800" dirty="0" err="1">
+                <a:latin typeface="Courier New" charset="0"/>
+                <a:ea typeface="Courier New" charset="0"/>
+                <a:cs typeface="Courier New" charset="0"/>
+              </a:rPr>
+              <a:t>sayHello</a:t>
+            </a:r>
+            <a:r>
+              <a:rPr lang="en-US" sz="1800" dirty="0">
+                <a:latin typeface="Courier New" charset="0"/>
+                <a:ea typeface="Courier New" charset="0"/>
+                <a:cs typeface="Courier New" charset="0"/>
+              </a:rPr>
+              <a:t>('world</a:t>
+            </a:r>
+            <a:r>
+              <a:rPr lang="en-US" sz="1800" dirty="0" smtClean="0">
+                <a:latin typeface="Courier New" charset="0"/>
+                <a:ea typeface="Courier New" charset="0"/>
+                <a:cs typeface="Courier New" charset="0"/>
+              </a:rPr>
+              <a:t>')"&gt;</a:t>
+            </a:r>
+          </a:p>
+          <a:p>
+            <a:pPr marL="0" lvl="0" indent="0">
+              <a:lnSpc>
+                <a:spcPct val="100000"/>
+              </a:lnSpc>
+              <a:spcBef>
+                <a:spcPts val="0"/>
+              </a:spcBef>
+              <a:buNone/>
+            </a:pPr>
+            <a:r>
+              <a:rPr lang="en-US" sz="1800" dirty="0">
+                <a:latin typeface="Courier New" charset="0"/>
+                <a:ea typeface="Courier New" charset="0"/>
+                <a:cs typeface="Courier New" charset="0"/>
+              </a:rPr>
+              <a:t> </a:t>
+            </a:r>
+            <a:r>
+              <a:rPr lang="en-US" sz="1800" dirty="0" smtClean="0">
+                <a:latin typeface="Courier New" charset="0"/>
+                <a:ea typeface="Courier New" charset="0"/>
+                <a:cs typeface="Courier New" charset="0"/>
+              </a:rPr>
+              <a:t>          Click Me</a:t>
+            </a:r>
+          </a:p>
+          <a:p>
+            <a:pPr marL="0" lvl="0" indent="0">
+              <a:lnSpc>
+                <a:spcPct val="100000"/>
+              </a:lnSpc>
+              <a:spcBef>
+                <a:spcPts val="0"/>
+              </a:spcBef>
+              <a:buNone/>
+            </a:pPr>
+            <a:r>
+              <a:rPr lang="en-US" sz="1800" dirty="0">
+                <a:latin typeface="Courier New" charset="0"/>
+                <a:ea typeface="Courier New" charset="0"/>
+                <a:cs typeface="Courier New" charset="0"/>
+              </a:rPr>
+              <a:t> </a:t>
+            </a:r>
+            <a:r>
+              <a:rPr lang="en-US" sz="1800" dirty="0" smtClean="0">
+                <a:latin typeface="Courier New" charset="0"/>
+                <a:ea typeface="Courier New" charset="0"/>
+                <a:cs typeface="Courier New" charset="0"/>
+              </a:rPr>
+              <a:t>        &lt;/</a:t>
+            </a:r>
+            <a:r>
+              <a:rPr lang="en-US" sz="1800" dirty="0">
+                <a:latin typeface="Courier New" charset="0"/>
+                <a:ea typeface="Courier New" charset="0"/>
+                <a:cs typeface="Courier New" charset="0"/>
+              </a:rPr>
+              <a:t>button</a:t>
+            </a:r>
+            <a:r>
+              <a:rPr lang="en-US" sz="1800" dirty="0" smtClean="0">
+                <a:latin typeface="Courier New" charset="0"/>
+                <a:ea typeface="Courier New" charset="0"/>
+                <a:cs typeface="Courier New" charset="0"/>
+              </a:rPr>
+              <a:t>&gt;</a:t>
+            </a:r>
+          </a:p>
+          <a:p>
+            <a:pPr marL="0" lvl="0" indent="0">
+              <a:lnSpc>
+                <a:spcPct val="100000"/>
+              </a:lnSpc>
+              <a:spcBef>
+                <a:spcPts val="0"/>
+              </a:spcBef>
+              <a:buNone/>
+            </a:pPr>
+            <a:r>
+              <a:rPr lang="en-US" sz="1800" dirty="0">
+                <a:latin typeface="Courier New" charset="0"/>
+                <a:ea typeface="Courier New" charset="0"/>
+                <a:cs typeface="Courier New" charset="0"/>
+              </a:rPr>
+              <a:t> </a:t>
+            </a:r>
+            <a:r>
+              <a:rPr lang="en-US" sz="1800" dirty="0" smtClean="0">
+                <a:latin typeface="Courier New" charset="0"/>
+                <a:ea typeface="Courier New" charset="0"/>
+                <a:cs typeface="Courier New" charset="0"/>
+              </a:rPr>
+              <a:t>    &lt;/</a:t>
+            </a:r>
+            <a:r>
+              <a:rPr lang="en-US" sz="1800" dirty="0">
+                <a:latin typeface="Courier New" charset="0"/>
+                <a:ea typeface="Courier New" charset="0"/>
+                <a:cs typeface="Courier New" charset="0"/>
+              </a:rPr>
+              <a:t>body</a:t>
+            </a:r>
+            <a:r>
+              <a:rPr lang="en-US" sz="1800" dirty="0" smtClean="0">
+                <a:latin typeface="Courier New" charset="0"/>
+                <a:ea typeface="Courier New" charset="0"/>
+                <a:cs typeface="Courier New" charset="0"/>
+              </a:rPr>
+              <a:t>&gt;</a:t>
+            </a:r>
+          </a:p>
+          <a:p>
+            <a:pPr marL="0" lvl="0" indent="0">
+              <a:lnSpc>
+                <a:spcPct val="100000"/>
+              </a:lnSpc>
+              <a:spcBef>
+                <a:spcPts val="0"/>
+              </a:spcBef>
+              <a:buNone/>
+            </a:pPr>
+            <a:r>
+              <a:rPr lang="en-US" sz="1800" dirty="0" smtClean="0">
+                <a:latin typeface="Courier New" charset="0"/>
+                <a:ea typeface="Courier New" charset="0"/>
+                <a:cs typeface="Courier New" charset="0"/>
+              </a:rPr>
+              <a:t>&lt;/</a:t>
+            </a:r>
+            <a:r>
+              <a:rPr lang="en-US" sz="1800" dirty="0">
+                <a:latin typeface="Courier New" charset="0"/>
+                <a:ea typeface="Courier New" charset="0"/>
+                <a:cs typeface="Courier New" charset="0"/>
+              </a:rPr>
+              <a:t>html&gt;</a:t>
+            </a:r>
+          </a:p>
+        </p:txBody>
+      </p:sp>
+      <p:sp>
+        <p:nvSpPr>
+          <p:cNvPr id="4" name="TextBox 3"/>
+          <p:cNvSpPr txBox="1"/>
+          <p:nvPr/>
+        </p:nvSpPr>
+        <p:spPr>
+          <a:xfrm>
+            <a:off x="898902" y="1255363"/>
+            <a:ext cx="7268705" cy="338554"/>
+          </a:xfrm>
+          <a:prstGeom prst="rect">
+            <a:avLst/>
+          </a:prstGeom>
+          <a:noFill/>
+        </p:spPr>
+        <p:txBody>
+          <a:bodyPr wrap="square" rtlCol="0">
+            <a:spAutoFit/>
+          </a:bodyPr>
+          <a:lstStyle/>
+          <a:p>
+            <a:pPr algn="r"/>
+            <a:r>
+              <a:rPr lang="en-US" sz="1600" dirty="0">
+                <a:hlinkClick r:id="rId2"/>
+              </a:rPr>
+              <a:t>http://ist.uwaterloo.ca/~</a:t>
+            </a:r>
+            <a:r>
+              <a:rPr lang="en-US" sz="1600" dirty="0" smtClean="0">
+                <a:hlinkClick r:id="rId2"/>
+              </a:rPr>
+              <a:t>cpbell/1161.cs330/SOURCES/HTML-example/</a:t>
+            </a:r>
+            <a:endParaRPr lang="en-US" sz="1600" dirty="0" smtClean="0"/>
           </a:p>
         </p:txBody>
       </p:sp>
     </p:spTree>
     <p:extLst>
       <p:ext uri="{BB962C8B-B14F-4D97-AF65-F5344CB8AC3E}">
-        <p14:creationId xmlns:p14="http://schemas.microsoft.com/office/powerpoint/2010/main" val="1461253917"/>
+        <p14:creationId xmlns:p14="http://schemas.microsoft.com/office/powerpoint/2010/main" val="634766803"/>
       </p:ext>
     </p:extLst>
   </p:cSld>
@@ -7409,7 +8829,7 @@
           <a:p>
             <a:r>
               <a:rPr lang="en-US" dirty="0" smtClean="0"/>
-              <a:t>Web 2.0: Web Services</a:t>
+              <a:t>Web 2.0: Example JavaScript</a:t>
             </a:r>
             <a:endParaRPr lang="en-US" dirty="0"/>
           </a:p>
@@ -7427,17 +8847,165 @@
         </p:nvSpPr>
         <p:spPr/>
         <p:txBody>
-          <a:bodyPr/>
+          <a:bodyPr anchor="ctr">
+            <a:normAutofit/>
+          </a:bodyPr>
           <a:lstStyle/>
           <a:p>
-            <a:endParaRPr lang="en-US" dirty="0"/>
+            <a:pPr marL="0" lvl="0" indent="0">
+              <a:lnSpc>
+                <a:spcPct val="100000"/>
+              </a:lnSpc>
+              <a:spcBef>
+                <a:spcPts val="0"/>
+              </a:spcBef>
+              <a:buNone/>
+            </a:pPr>
+            <a:r>
+              <a:rPr lang="en-US" sz="1800" dirty="0">
+                <a:latin typeface="Courier New" charset="0"/>
+                <a:ea typeface="Courier New" charset="0"/>
+                <a:cs typeface="Courier New" charset="0"/>
+              </a:rPr>
+              <a:t>function </a:t>
+            </a:r>
+            <a:r>
+              <a:rPr lang="en-US" sz="1800" dirty="0" err="1">
+                <a:latin typeface="Courier New" charset="0"/>
+                <a:ea typeface="Courier New" charset="0"/>
+                <a:cs typeface="Courier New" charset="0"/>
+              </a:rPr>
+              <a:t>sayMessage</a:t>
+            </a:r>
+            <a:r>
+              <a:rPr lang="en-US" sz="1800" dirty="0">
+                <a:latin typeface="Courier New" charset="0"/>
+                <a:ea typeface="Courier New" charset="0"/>
+                <a:cs typeface="Courier New" charset="0"/>
+              </a:rPr>
+              <a:t>(parameter) </a:t>
+            </a:r>
+            <a:r>
+              <a:rPr lang="en-US" sz="1800" dirty="0" smtClean="0">
+                <a:latin typeface="Courier New" charset="0"/>
+                <a:ea typeface="Courier New" charset="0"/>
+                <a:cs typeface="Courier New" charset="0"/>
+              </a:rPr>
+              <a:t>{</a:t>
+            </a:r>
+          </a:p>
+          <a:p>
+            <a:pPr marL="0" lvl="0" indent="0">
+              <a:lnSpc>
+                <a:spcPct val="100000"/>
+              </a:lnSpc>
+              <a:spcBef>
+                <a:spcPts val="0"/>
+              </a:spcBef>
+              <a:buNone/>
+            </a:pPr>
+            <a:r>
+              <a:rPr lang="en-US" sz="1800" dirty="0">
+                <a:latin typeface="Courier New" charset="0"/>
+                <a:ea typeface="Courier New" charset="0"/>
+                <a:cs typeface="Courier New" charset="0"/>
+              </a:rPr>
+              <a:t> </a:t>
+            </a:r>
+            <a:r>
+              <a:rPr lang="en-US" sz="1800" dirty="0" smtClean="0">
+                <a:latin typeface="Courier New" charset="0"/>
+                <a:ea typeface="Courier New" charset="0"/>
+                <a:cs typeface="Courier New" charset="0"/>
+              </a:rPr>
+              <a:t>       </a:t>
+            </a:r>
+            <a:r>
+              <a:rPr lang="en-US" sz="1800" dirty="0" err="1" smtClean="0">
+                <a:latin typeface="Courier New" charset="0"/>
+                <a:ea typeface="Courier New" charset="0"/>
+                <a:cs typeface="Courier New" charset="0"/>
+              </a:rPr>
+              <a:t>window.alert</a:t>
+            </a:r>
+            <a:r>
+              <a:rPr lang="en-US" sz="1800" dirty="0" smtClean="0">
+                <a:latin typeface="Courier New" charset="0"/>
+                <a:ea typeface="Courier New" charset="0"/>
+                <a:cs typeface="Courier New" charset="0"/>
+              </a:rPr>
+              <a:t>(parameter)</a:t>
+            </a:r>
+          </a:p>
+          <a:p>
+            <a:pPr marL="0" lvl="0" indent="0">
+              <a:lnSpc>
+                <a:spcPct val="100000"/>
+              </a:lnSpc>
+              <a:spcBef>
+                <a:spcPts val="0"/>
+              </a:spcBef>
+              <a:buNone/>
+            </a:pPr>
+            <a:r>
+              <a:rPr lang="en-US" sz="1800" dirty="0" smtClean="0">
+                <a:latin typeface="Courier New" charset="0"/>
+                <a:ea typeface="Courier New" charset="0"/>
+                <a:cs typeface="Courier New" charset="0"/>
+              </a:rPr>
+              <a:t>}</a:t>
+            </a:r>
+            <a:endParaRPr lang="en-US" sz="1800" dirty="0">
+              <a:latin typeface="Courier New" charset="0"/>
+              <a:ea typeface="Courier New" charset="0"/>
+              <a:cs typeface="Courier New" charset="0"/>
+            </a:endParaRPr>
+          </a:p>
+        </p:txBody>
+      </p:sp>
+      <p:sp>
+        <p:nvSpPr>
+          <p:cNvPr id="4" name="TextBox 3"/>
+          <p:cNvSpPr txBox="1"/>
+          <p:nvPr/>
+        </p:nvSpPr>
+        <p:spPr>
+          <a:xfrm>
+            <a:off x="898902" y="1255363"/>
+            <a:ext cx="7268705" cy="338554"/>
+          </a:xfrm>
+          <a:prstGeom prst="rect">
+            <a:avLst/>
+          </a:prstGeom>
+          <a:noFill/>
+        </p:spPr>
+        <p:txBody>
+          <a:bodyPr wrap="square" rtlCol="0">
+            <a:spAutoFit/>
+          </a:bodyPr>
+          <a:lstStyle/>
+          <a:p>
+            <a:pPr algn="r"/>
+            <a:r>
+              <a:rPr lang="en-US" sz="1600" dirty="0">
+                <a:hlinkClick r:id="rId2"/>
+              </a:rPr>
+              <a:t>http://ist.uwaterloo.ca/~</a:t>
+            </a:r>
+            <a:r>
+              <a:rPr lang="en-US" sz="1600" dirty="0" smtClean="0">
+                <a:hlinkClick r:id="rId2"/>
+              </a:rPr>
+              <a:t>cpbell/1161.cs330/SOURCES/HTML-example/</a:t>
+            </a:r>
+            <a:endParaRPr lang="en-US" sz="1600" dirty="0" smtClean="0"/>
           </a:p>
         </p:txBody>
       </p:sp>
     </p:spTree>
     <p:extLst>
       <p:ext uri="{BB962C8B-B14F-4D97-AF65-F5344CB8AC3E}">
-        <p14:creationId xmlns:p14="http://schemas.microsoft.com/office/powerpoint/2010/main" val="1620994905"/>
+        <p14:creationId xmlns:p14="http://schemas.microsoft.com/office/powerpoint/2010/main" val="1720593947"/>
       </p:ext>
     </p:extLst>
   </p:cSld>
@@ -7488,7 +9056,7 @@
           <a:p>
             <a:r>
               <a:rPr lang="en-US" dirty="0" smtClean="0"/>
-              <a:t>Web 2.0: SOAP</a:t>
+              <a:t>Web 2.0: Example CSS</a:t>
             </a:r>
             <a:endParaRPr lang="en-US" dirty="0"/>
           </a:p>
@@ -7506,17 +9074,638 @@
         </p:nvSpPr>
         <p:spPr/>
         <p:txBody>
-          <a:bodyPr/>
+          <a:bodyPr anchor="ctr">
+            <a:normAutofit lnSpcReduction="10000"/>
+          </a:bodyPr>
           <a:lstStyle/>
           <a:p>
-            <a:endParaRPr lang="en-US"/>
+            <a:pPr marL="0" lvl="0" indent="0">
+              <a:lnSpc>
+                <a:spcPct val="100000"/>
+              </a:lnSpc>
+              <a:spcBef>
+                <a:spcPts val="0"/>
+              </a:spcBef>
+              <a:buNone/>
+            </a:pPr>
+            <a:r>
+              <a:rPr lang="en-US" sz="1800" dirty="0">
+                <a:latin typeface="Courier New" charset="0"/>
+                <a:ea typeface="Courier New" charset="0"/>
+                <a:cs typeface="Courier New" charset="0"/>
+              </a:rPr>
+              <a:t>button </a:t>
+            </a:r>
+            <a:r>
+              <a:rPr lang="en-US" sz="1800" dirty="0" smtClean="0">
+                <a:latin typeface="Courier New" charset="0"/>
+                <a:ea typeface="Courier New" charset="0"/>
+                <a:cs typeface="Courier New" charset="0"/>
+              </a:rPr>
+              <a:t>{</a:t>
+            </a:r>
+          </a:p>
+          <a:p>
+            <a:pPr marL="0" lvl="0" indent="0">
+              <a:lnSpc>
+                <a:spcPct val="100000"/>
+              </a:lnSpc>
+              <a:spcBef>
+                <a:spcPts val="0"/>
+              </a:spcBef>
+              <a:buNone/>
+            </a:pPr>
+            <a:r>
+              <a:rPr lang="en-US" sz="1800" dirty="0">
+                <a:latin typeface="Courier New" charset="0"/>
+                <a:ea typeface="Courier New" charset="0"/>
+                <a:cs typeface="Courier New" charset="0"/>
+              </a:rPr>
+              <a:t> </a:t>
+            </a:r>
+            <a:r>
+              <a:rPr lang="en-US" sz="1800" dirty="0" smtClean="0">
+                <a:latin typeface="Courier New" charset="0"/>
+                <a:ea typeface="Courier New" charset="0"/>
+                <a:cs typeface="Courier New" charset="0"/>
+              </a:rPr>
+              <a:t>  background-color</a:t>
+            </a:r>
+            <a:r>
+              <a:rPr lang="en-US" sz="1800" dirty="0">
+                <a:latin typeface="Courier New" charset="0"/>
+                <a:ea typeface="Courier New" charset="0"/>
+                <a:cs typeface="Courier New" charset="0"/>
+              </a:rPr>
+              <a:t>: #4CAF50; /* Green </a:t>
+            </a:r>
+            <a:r>
+              <a:rPr lang="en-US" sz="1800" dirty="0" smtClean="0">
+                <a:latin typeface="Courier New" charset="0"/>
+                <a:ea typeface="Courier New" charset="0"/>
+                <a:cs typeface="Courier New" charset="0"/>
+              </a:rPr>
+              <a:t>*/</a:t>
+            </a:r>
+          </a:p>
+          <a:p>
+            <a:pPr marL="0" lvl="0" indent="0">
+              <a:lnSpc>
+                <a:spcPct val="100000"/>
+              </a:lnSpc>
+              <a:spcBef>
+                <a:spcPts val="0"/>
+              </a:spcBef>
+              <a:buNone/>
+            </a:pPr>
+            <a:r>
+              <a:rPr lang="en-US" sz="1800" dirty="0">
+                <a:latin typeface="Courier New" charset="0"/>
+                <a:ea typeface="Courier New" charset="0"/>
+                <a:cs typeface="Courier New" charset="0"/>
+              </a:rPr>
+              <a:t> </a:t>
+            </a:r>
+            <a:r>
+              <a:rPr lang="en-US" sz="1800" dirty="0" smtClean="0">
+                <a:latin typeface="Courier New" charset="0"/>
+                <a:ea typeface="Courier New" charset="0"/>
+                <a:cs typeface="Courier New" charset="0"/>
+              </a:rPr>
+              <a:t>  border</a:t>
+            </a:r>
+            <a:r>
+              <a:rPr lang="en-US" sz="1800" dirty="0">
+                <a:latin typeface="Courier New" charset="0"/>
+                <a:ea typeface="Courier New" charset="0"/>
+                <a:cs typeface="Courier New" charset="0"/>
+              </a:rPr>
+              <a:t>: </a:t>
+            </a:r>
+            <a:r>
+              <a:rPr lang="en-US" sz="1800" dirty="0" smtClean="0">
+                <a:latin typeface="Courier New" charset="0"/>
+                <a:ea typeface="Courier New" charset="0"/>
+                <a:cs typeface="Courier New" charset="0"/>
+              </a:rPr>
+              <a:t>none;</a:t>
+            </a:r>
+          </a:p>
+          <a:p>
+            <a:pPr marL="0" lvl="0" indent="0">
+              <a:lnSpc>
+                <a:spcPct val="100000"/>
+              </a:lnSpc>
+              <a:spcBef>
+                <a:spcPts val="0"/>
+              </a:spcBef>
+              <a:buNone/>
+            </a:pPr>
+            <a:r>
+              <a:rPr lang="en-US" sz="1800" dirty="0">
+                <a:latin typeface="Courier New" charset="0"/>
+                <a:ea typeface="Courier New" charset="0"/>
+                <a:cs typeface="Courier New" charset="0"/>
+              </a:rPr>
+              <a:t> </a:t>
+            </a:r>
+            <a:r>
+              <a:rPr lang="en-US" sz="1800" dirty="0" smtClean="0">
+                <a:latin typeface="Courier New" charset="0"/>
+                <a:ea typeface="Courier New" charset="0"/>
+                <a:cs typeface="Courier New" charset="0"/>
+              </a:rPr>
+              <a:t>  color</a:t>
+            </a:r>
+            <a:r>
+              <a:rPr lang="en-US" sz="1800" dirty="0">
+                <a:latin typeface="Courier New" charset="0"/>
+                <a:ea typeface="Courier New" charset="0"/>
+                <a:cs typeface="Courier New" charset="0"/>
+              </a:rPr>
+              <a:t>: </a:t>
+            </a:r>
+            <a:r>
+              <a:rPr lang="en-US" sz="1800" dirty="0" smtClean="0">
+                <a:latin typeface="Courier New" charset="0"/>
+                <a:ea typeface="Courier New" charset="0"/>
+                <a:cs typeface="Courier New" charset="0"/>
+              </a:rPr>
+              <a:t>white;</a:t>
+            </a:r>
+          </a:p>
+          <a:p>
+            <a:pPr marL="0" lvl="0" indent="0">
+              <a:lnSpc>
+                <a:spcPct val="100000"/>
+              </a:lnSpc>
+              <a:spcBef>
+                <a:spcPts val="0"/>
+              </a:spcBef>
+              <a:buNone/>
+            </a:pPr>
+            <a:r>
+              <a:rPr lang="en-US" sz="1800" dirty="0">
+                <a:latin typeface="Courier New" charset="0"/>
+                <a:ea typeface="Courier New" charset="0"/>
+                <a:cs typeface="Courier New" charset="0"/>
+              </a:rPr>
+              <a:t> </a:t>
+            </a:r>
+            <a:r>
+              <a:rPr lang="en-US" sz="1800" dirty="0" smtClean="0">
+                <a:latin typeface="Courier New" charset="0"/>
+                <a:ea typeface="Courier New" charset="0"/>
+                <a:cs typeface="Courier New" charset="0"/>
+              </a:rPr>
+              <a:t>  padding</a:t>
+            </a:r>
+            <a:r>
+              <a:rPr lang="en-US" sz="1800" dirty="0">
+                <a:latin typeface="Courier New" charset="0"/>
+                <a:ea typeface="Courier New" charset="0"/>
+                <a:cs typeface="Courier New" charset="0"/>
+              </a:rPr>
+              <a:t>: 15px </a:t>
+            </a:r>
+            <a:r>
+              <a:rPr lang="en-US" sz="1800" dirty="0" smtClean="0">
+                <a:latin typeface="Courier New" charset="0"/>
+                <a:ea typeface="Courier New" charset="0"/>
+                <a:cs typeface="Courier New" charset="0"/>
+              </a:rPr>
+              <a:t>32px;</a:t>
+            </a:r>
+          </a:p>
+          <a:p>
+            <a:pPr marL="0" lvl="0" indent="0">
+              <a:lnSpc>
+                <a:spcPct val="100000"/>
+              </a:lnSpc>
+              <a:spcBef>
+                <a:spcPts val="0"/>
+              </a:spcBef>
+              <a:buNone/>
+            </a:pPr>
+            <a:r>
+              <a:rPr lang="en-US" sz="1800" dirty="0">
+                <a:latin typeface="Courier New" charset="0"/>
+                <a:ea typeface="Courier New" charset="0"/>
+                <a:cs typeface="Courier New" charset="0"/>
+              </a:rPr>
+              <a:t> </a:t>
+            </a:r>
+            <a:r>
+              <a:rPr lang="en-US" sz="1800" dirty="0" smtClean="0">
+                <a:latin typeface="Courier New" charset="0"/>
+                <a:ea typeface="Courier New" charset="0"/>
+                <a:cs typeface="Courier New" charset="0"/>
+              </a:rPr>
+              <a:t>  text-align</a:t>
+            </a:r>
+            <a:r>
+              <a:rPr lang="en-US" sz="1800" dirty="0">
+                <a:latin typeface="Courier New" charset="0"/>
+                <a:ea typeface="Courier New" charset="0"/>
+                <a:cs typeface="Courier New" charset="0"/>
+              </a:rPr>
+              <a:t>: </a:t>
+            </a:r>
+            <a:r>
+              <a:rPr lang="en-US" sz="1800" dirty="0" smtClean="0">
+                <a:latin typeface="Courier New" charset="0"/>
+                <a:ea typeface="Courier New" charset="0"/>
+                <a:cs typeface="Courier New" charset="0"/>
+              </a:rPr>
+              <a:t>center;</a:t>
+            </a:r>
+          </a:p>
+          <a:p>
+            <a:pPr marL="0" lvl="0" indent="0">
+              <a:lnSpc>
+                <a:spcPct val="100000"/>
+              </a:lnSpc>
+              <a:spcBef>
+                <a:spcPts val="0"/>
+              </a:spcBef>
+              <a:buNone/>
+            </a:pPr>
+            <a:r>
+              <a:rPr lang="en-US" sz="1800" dirty="0">
+                <a:latin typeface="Courier New" charset="0"/>
+                <a:ea typeface="Courier New" charset="0"/>
+                <a:cs typeface="Courier New" charset="0"/>
+              </a:rPr>
+              <a:t> </a:t>
+            </a:r>
+            <a:r>
+              <a:rPr lang="en-US" sz="1800" dirty="0" smtClean="0">
+                <a:latin typeface="Courier New" charset="0"/>
+                <a:ea typeface="Courier New" charset="0"/>
+                <a:cs typeface="Courier New" charset="0"/>
+              </a:rPr>
+              <a:t>  text-decoration</a:t>
+            </a:r>
+            <a:r>
+              <a:rPr lang="en-US" sz="1800" dirty="0">
+                <a:latin typeface="Courier New" charset="0"/>
+                <a:ea typeface="Courier New" charset="0"/>
+                <a:cs typeface="Courier New" charset="0"/>
+              </a:rPr>
+              <a:t>: </a:t>
+            </a:r>
+            <a:r>
+              <a:rPr lang="en-US" sz="1800" dirty="0" smtClean="0">
+                <a:latin typeface="Courier New" charset="0"/>
+                <a:ea typeface="Courier New" charset="0"/>
+                <a:cs typeface="Courier New" charset="0"/>
+              </a:rPr>
+              <a:t>none;</a:t>
+            </a:r>
+          </a:p>
+          <a:p>
+            <a:pPr marL="0" lvl="0" indent="0">
+              <a:lnSpc>
+                <a:spcPct val="100000"/>
+              </a:lnSpc>
+              <a:spcBef>
+                <a:spcPts val="0"/>
+              </a:spcBef>
+              <a:buNone/>
+            </a:pPr>
+            <a:r>
+              <a:rPr lang="en-US" sz="1800" dirty="0">
+                <a:latin typeface="Courier New" charset="0"/>
+                <a:ea typeface="Courier New" charset="0"/>
+                <a:cs typeface="Courier New" charset="0"/>
+              </a:rPr>
+              <a:t> </a:t>
+            </a:r>
+            <a:r>
+              <a:rPr lang="en-US" sz="1800" dirty="0" smtClean="0">
+                <a:latin typeface="Courier New" charset="0"/>
+                <a:ea typeface="Courier New" charset="0"/>
+                <a:cs typeface="Courier New" charset="0"/>
+              </a:rPr>
+              <a:t>  display</a:t>
+            </a:r>
+            <a:r>
+              <a:rPr lang="en-US" sz="1800" dirty="0">
+                <a:latin typeface="Courier New" charset="0"/>
+                <a:ea typeface="Courier New" charset="0"/>
+                <a:cs typeface="Courier New" charset="0"/>
+              </a:rPr>
+              <a:t>: </a:t>
+            </a:r>
+            <a:r>
+              <a:rPr lang="en-US" sz="1800" dirty="0" smtClean="0">
+                <a:latin typeface="Courier New" charset="0"/>
+                <a:ea typeface="Courier New" charset="0"/>
+                <a:cs typeface="Courier New" charset="0"/>
+              </a:rPr>
+              <a:t>inline-block;</a:t>
+            </a:r>
+          </a:p>
+          <a:p>
+            <a:pPr marL="0" lvl="0" indent="0">
+              <a:lnSpc>
+                <a:spcPct val="100000"/>
+              </a:lnSpc>
+              <a:spcBef>
+                <a:spcPts val="0"/>
+              </a:spcBef>
+              <a:buNone/>
+            </a:pPr>
+            <a:r>
+              <a:rPr lang="en-US" sz="1800" dirty="0">
+                <a:latin typeface="Courier New" charset="0"/>
+                <a:ea typeface="Courier New" charset="0"/>
+                <a:cs typeface="Courier New" charset="0"/>
+              </a:rPr>
+              <a:t> </a:t>
+            </a:r>
+            <a:r>
+              <a:rPr lang="en-US" sz="1800" dirty="0" smtClean="0">
+                <a:latin typeface="Courier New" charset="0"/>
+                <a:ea typeface="Courier New" charset="0"/>
+                <a:cs typeface="Courier New" charset="0"/>
+              </a:rPr>
+              <a:t>  font-size</a:t>
+            </a:r>
+            <a:r>
+              <a:rPr lang="en-US" sz="1800" dirty="0">
+                <a:latin typeface="Courier New" charset="0"/>
+                <a:ea typeface="Courier New" charset="0"/>
+                <a:cs typeface="Courier New" charset="0"/>
+              </a:rPr>
+              <a:t>: 16px</a:t>
+            </a:r>
+            <a:r>
+              <a:rPr lang="en-US" sz="1800" dirty="0" smtClean="0">
+                <a:latin typeface="Courier New" charset="0"/>
+                <a:ea typeface="Courier New" charset="0"/>
+                <a:cs typeface="Courier New" charset="0"/>
+              </a:rPr>
+              <a:t>;</a:t>
+            </a:r>
+          </a:p>
+          <a:p>
+            <a:pPr marL="0" lvl="0" indent="0">
+              <a:lnSpc>
+                <a:spcPct val="100000"/>
+              </a:lnSpc>
+              <a:spcBef>
+                <a:spcPts val="0"/>
+              </a:spcBef>
+              <a:buNone/>
+            </a:pPr>
+            <a:r>
+              <a:rPr lang="en-US" sz="1800" dirty="0" smtClean="0">
+                <a:latin typeface="Courier New" charset="0"/>
+                <a:ea typeface="Courier New" charset="0"/>
+                <a:cs typeface="Courier New" charset="0"/>
+              </a:rPr>
+              <a:t>}</a:t>
+            </a:r>
+          </a:p>
+          <a:p>
+            <a:pPr marL="0" lvl="0" indent="0">
+              <a:lnSpc>
+                <a:spcPct val="100000"/>
+              </a:lnSpc>
+              <a:spcBef>
+                <a:spcPts val="0"/>
+              </a:spcBef>
+              <a:buNone/>
+            </a:pPr>
+            <a:endParaRPr lang="en-US" sz="1800" dirty="0" smtClean="0">
+              <a:latin typeface="Courier New" charset="0"/>
+              <a:ea typeface="Courier New" charset="0"/>
+              <a:cs typeface="Courier New" charset="0"/>
+            </a:endParaRPr>
+          </a:p>
+          <a:p>
+            <a:pPr marL="0" lvl="0" indent="0">
+              <a:lnSpc>
+                <a:spcPct val="100000"/>
+              </a:lnSpc>
+              <a:spcBef>
+                <a:spcPts val="0"/>
+              </a:spcBef>
+              <a:buNone/>
+            </a:pPr>
+            <a:r>
+              <a:rPr lang="en-US" sz="1800" dirty="0" smtClean="0">
+                <a:latin typeface="Courier New" charset="0"/>
+                <a:ea typeface="Courier New" charset="0"/>
+                <a:cs typeface="Courier New" charset="0"/>
+              </a:rPr>
+              <a:t>body </a:t>
+            </a:r>
+            <a:r>
+              <a:rPr lang="en-US" sz="1800" dirty="0">
+                <a:latin typeface="Courier New" charset="0"/>
+                <a:ea typeface="Courier New" charset="0"/>
+                <a:cs typeface="Courier New" charset="0"/>
+              </a:rPr>
+              <a:t>{ background-color: </a:t>
+            </a:r>
+            <a:r>
+              <a:rPr lang="en-US" sz="1800" dirty="0" err="1">
+                <a:latin typeface="Courier New" charset="0"/>
+                <a:ea typeface="Courier New" charset="0"/>
+                <a:cs typeface="Courier New" charset="0"/>
+              </a:rPr>
+              <a:t>lightgreen</a:t>
+            </a:r>
+            <a:r>
+              <a:rPr lang="en-US" sz="1800" dirty="0">
+                <a:latin typeface="Courier New" charset="0"/>
+                <a:ea typeface="Courier New" charset="0"/>
+                <a:cs typeface="Courier New" charset="0"/>
+              </a:rPr>
+              <a:t>; </a:t>
+            </a:r>
+            <a:r>
+              <a:rPr lang="en-US" sz="1800" dirty="0" smtClean="0">
+                <a:latin typeface="Courier New" charset="0"/>
+                <a:ea typeface="Courier New" charset="0"/>
+                <a:cs typeface="Courier New" charset="0"/>
+              </a:rPr>
+              <a:t>}</a:t>
+            </a:r>
+          </a:p>
+          <a:p>
+            <a:pPr marL="0" lvl="0" indent="0">
+              <a:lnSpc>
+                <a:spcPct val="100000"/>
+              </a:lnSpc>
+              <a:spcBef>
+                <a:spcPts val="0"/>
+              </a:spcBef>
+              <a:buNone/>
+            </a:pPr>
+            <a:endParaRPr lang="en-US" sz="1800" dirty="0">
+              <a:latin typeface="Courier New" charset="0"/>
+              <a:ea typeface="Courier New" charset="0"/>
+              <a:cs typeface="Courier New" charset="0"/>
+            </a:endParaRPr>
+          </a:p>
+          <a:p>
+            <a:pPr marL="0" lvl="0" indent="0">
+              <a:lnSpc>
+                <a:spcPct val="100000"/>
+              </a:lnSpc>
+              <a:spcBef>
+                <a:spcPts val="0"/>
+              </a:spcBef>
+              <a:buNone/>
+            </a:pPr>
+            <a:r>
+              <a:rPr lang="en-US" sz="1800" dirty="0" smtClean="0">
+                <a:latin typeface="Courier New" charset="0"/>
+                <a:ea typeface="Courier New" charset="0"/>
+                <a:cs typeface="Courier New" charset="0"/>
+              </a:rPr>
+              <a:t>h1 </a:t>
+            </a:r>
+            <a:r>
+              <a:rPr lang="en-US" sz="1800" dirty="0">
+                <a:latin typeface="Courier New" charset="0"/>
+                <a:ea typeface="Courier New" charset="0"/>
+                <a:cs typeface="Courier New" charset="0"/>
+              </a:rPr>
+              <a:t>{ color: </a:t>
+            </a:r>
+            <a:r>
+              <a:rPr lang="en-US" sz="1800" dirty="0" err="1" smtClean="0">
+                <a:latin typeface="Courier New" charset="0"/>
+                <a:ea typeface="Courier New" charset="0"/>
+                <a:cs typeface="Courier New" charset="0"/>
+              </a:rPr>
+              <a:t>darkgreen</a:t>
+            </a:r>
+            <a:r>
+              <a:rPr lang="en-US" sz="1800" dirty="0" smtClean="0">
+                <a:latin typeface="Courier New" charset="0"/>
+                <a:ea typeface="Courier New" charset="0"/>
+                <a:cs typeface="Courier New" charset="0"/>
+              </a:rPr>
+              <a:t>;</a:t>
+            </a:r>
+          </a:p>
+          <a:p>
+            <a:pPr marL="0" lvl="0" indent="0">
+              <a:lnSpc>
+                <a:spcPct val="100000"/>
+              </a:lnSpc>
+              <a:spcBef>
+                <a:spcPts val="0"/>
+              </a:spcBef>
+              <a:buNone/>
+            </a:pPr>
+            <a:r>
+              <a:rPr lang="en-US" sz="1800" dirty="0">
+                <a:latin typeface="Courier New" charset="0"/>
+                <a:ea typeface="Courier New" charset="0"/>
+                <a:cs typeface="Courier New" charset="0"/>
+              </a:rPr>
+              <a:t> </a:t>
+            </a:r>
+            <a:r>
+              <a:rPr lang="en-US" sz="1800" dirty="0" smtClean="0">
+                <a:latin typeface="Courier New" charset="0"/>
+                <a:ea typeface="Courier New" charset="0"/>
+                <a:cs typeface="Courier New" charset="0"/>
+              </a:rPr>
+              <a:t>    margin-left</a:t>
+            </a:r>
+            <a:r>
+              <a:rPr lang="en-US" sz="1800" dirty="0">
+                <a:latin typeface="Courier New" charset="0"/>
+                <a:ea typeface="Courier New" charset="0"/>
+                <a:cs typeface="Courier New" charset="0"/>
+              </a:rPr>
+              <a:t>: 20px</a:t>
+            </a:r>
+            <a:r>
+              <a:rPr lang="en-US" sz="1800" dirty="0" smtClean="0">
+                <a:latin typeface="Courier New" charset="0"/>
+                <a:ea typeface="Courier New" charset="0"/>
+                <a:cs typeface="Courier New" charset="0"/>
+              </a:rPr>
+              <a:t>;</a:t>
+            </a:r>
+          </a:p>
+          <a:p>
+            <a:pPr marL="0" lvl="0" indent="0">
+              <a:lnSpc>
+                <a:spcPct val="100000"/>
+              </a:lnSpc>
+              <a:spcBef>
+                <a:spcPts val="0"/>
+              </a:spcBef>
+              <a:buNone/>
+            </a:pPr>
+            <a:r>
+              <a:rPr lang="en-US" sz="1800" dirty="0" smtClean="0">
+                <a:latin typeface="Courier New" charset="0"/>
+                <a:ea typeface="Courier New" charset="0"/>
+                <a:cs typeface="Courier New" charset="0"/>
+              </a:rPr>
+              <a:t>}</a:t>
+            </a:r>
+            <a:endParaRPr lang="en-US" sz="1800" dirty="0">
+              <a:latin typeface="Courier New" charset="0"/>
+              <a:ea typeface="Courier New" charset="0"/>
+              <a:cs typeface="Courier New" charset="0"/>
+            </a:endParaRPr>
+          </a:p>
+        </p:txBody>
+      </p:sp>
+      <p:sp>
+        <p:nvSpPr>
+          <p:cNvPr id="4" name="TextBox 3"/>
+          <p:cNvSpPr txBox="1"/>
+          <p:nvPr/>
+        </p:nvSpPr>
+        <p:spPr>
+          <a:xfrm>
+            <a:off x="898902" y="1255363"/>
+            <a:ext cx="7268705" cy="338554"/>
+          </a:xfrm>
+          <a:prstGeom prst="rect">
+            <a:avLst/>
+          </a:prstGeom>
+          <a:noFill/>
+        </p:spPr>
+        <p:txBody>
+          <a:bodyPr wrap="square" rtlCol="0">
+            <a:spAutoFit/>
+          </a:bodyPr>
+          <a:lstStyle/>
+          <a:p>
+            <a:pPr algn="r"/>
+            <a:r>
+              <a:rPr lang="en-US" sz="1600" dirty="0">
+                <a:hlinkClick r:id="rId2"/>
+              </a:rPr>
+              <a:t>http://ist.uwaterloo.ca/~</a:t>
+            </a:r>
+            <a:r>
+              <a:rPr lang="en-US" sz="1600" dirty="0" smtClean="0">
+                <a:hlinkClick r:id="rId2"/>
+              </a:rPr>
+              <a:t>cpbell/1161.cs330/SOURCES/HTML-example/</a:t>
+            </a:r>
+            <a:endParaRPr lang="en-US" sz="1600" dirty="0" smtClean="0"/>
           </a:p>
         </p:txBody>
       </p:sp>
     </p:spTree>
     <p:extLst>
       <p:ext uri="{BB962C8B-B14F-4D97-AF65-F5344CB8AC3E}">
-        <p14:creationId xmlns:p14="http://schemas.microsoft.com/office/powerpoint/2010/main" val="815741486"/>
+        <p14:creationId xmlns:p14="http://schemas.microsoft.com/office/powerpoint/2010/main" val="328576891"/>
       </p:ext>
     </p:extLst>
   </p:cSld>
@@ -7567,15 +9756,109 @@
           <a:p>
             <a:r>
               <a:rPr lang="en-US" dirty="0" smtClean="0"/>
-              <a:t>Web 2.0: </a:t>
-            </a:r>
-            <a:r>
-              <a:rPr lang="en-US" dirty="0" err="1" smtClean="0"/>
-              <a:t>RESTful</a:t>
-            </a:r>
-            <a:r>
-              <a:rPr lang="en-US" dirty="0" smtClean="0"/>
-              <a:t> JSON</a:t>
+              <a:t>Web 2.0: HTML Example</a:t>
+            </a:r>
+            <a:endParaRPr lang="en-US" dirty="0"/>
+          </a:p>
+        </p:txBody>
+      </p:sp>
+      <p:pic>
+        <p:nvPicPr>
+          <p:cNvPr id="5" name="Content Placeholder 4"/>
+          <p:cNvPicPr>
+            <a:picLocks noGrp="1" noChangeAspect="1"/>
+          </p:cNvPicPr>
+          <p:nvPr>
+            <p:ph sz="half" idx="1"/>
+          </p:nvPr>
+        </p:nvPicPr>
+        <p:blipFill>
+          <a:blip r:embed="rId2">
+            <a:extLst>
+              <a:ext uri="{28A0092B-C50C-407E-A947-70E740481C1C}">
+                <a14:useLocalDpi xmlns:a14="http://schemas.microsoft.com/office/drawing/2010/main" val="0"/>
+              </a:ext>
+            </a:extLst>
+          </a:blip>
+          <a:stretch>
+            <a:fillRect/>
+          </a:stretch>
+        </p:blipFill>
+        <p:spPr>
+          <a:xfrm>
+            <a:off x="628650" y="2230804"/>
+            <a:ext cx="3886200" cy="3540979"/>
+          </a:xfrm>
+          <a:effectLst>
+            <a:outerShdw blurRad="50800" dist="38100" dir="2700000" algn="tl" rotWithShape="0">
+              <a:prstClr val="black">
+                <a:alpha val="40000"/>
+              </a:prstClr>
+            </a:outerShdw>
+          </a:effectLst>
+        </p:spPr>
+      </p:pic>
+      <p:pic>
+        <p:nvPicPr>
+          <p:cNvPr id="6" name="Content Placeholder 5"/>
+          <p:cNvPicPr>
+            <a:picLocks noGrp="1" noChangeAspect="1"/>
+          </p:cNvPicPr>
+          <p:nvPr>
+            <p:ph sz="half" idx="2"/>
+          </p:nvPr>
+        </p:nvPicPr>
+        <p:blipFill>
+          <a:blip r:embed="rId3">
+            <a:extLst>
+              <a:ext uri="{28A0092B-C50C-407E-A947-70E740481C1C}">
+                <a14:useLocalDpi xmlns:a14="http://schemas.microsoft.com/office/drawing/2010/main" val="0"/>
+              </a:ext>
+            </a:extLst>
+          </a:blip>
+          <a:stretch>
+            <a:fillRect/>
+          </a:stretch>
+        </p:blipFill>
+        <p:spPr>
+          <a:xfrm>
+            <a:off x="4629150" y="2245600"/>
+            <a:ext cx="3886200" cy="3511388"/>
+          </a:xfrm>
+          <a:effectLst>
+            <a:outerShdw blurRad="50800" dist="38100" dir="2700000" algn="tl" rotWithShape="0">
+              <a:prstClr val="black">
+                <a:alpha val="40000"/>
+              </a:prstClr>
+            </a:outerShdw>
+          </a:effectLst>
+        </p:spPr>
+      </p:pic>
+      <p:sp>
+        <p:nvSpPr>
+          <p:cNvPr id="7" name="TextBox 6"/>
+          <p:cNvSpPr txBox="1"/>
+          <p:nvPr/>
+        </p:nvSpPr>
+        <p:spPr>
+          <a:xfrm>
+            <a:off x="774915" y="1690689"/>
+            <a:ext cx="3564610" cy="369332"/>
+          </a:xfrm>
+          <a:prstGeom prst="rect">
+            <a:avLst/>
+          </a:prstGeom>
+          <a:noFill/>
+        </p:spPr>
+        <p:txBody>
+          <a:bodyPr wrap="square" rtlCol="0">
+            <a:spAutoFit/>
+          </a:bodyPr>
+          <a:lstStyle/>
+          <a:p>
+            <a:r>
+              <a:rPr lang="en-US" dirty="0" smtClean="0"/>
+              <a:t>With CSS + JavaScript</a:t>
             </a:r>
             <a:endParaRPr lang="en-US" dirty="0"/>
           </a:p>
@@ -7583,27 +9866,77 @@
       </p:sp>
       <p:sp>
         <p:nvSpPr>
-          <p:cNvPr id="3" name="Content Placeholder 2"/>
-          <p:cNvSpPr>
-            <a:spLocks noGrp="1"/>
-          </p:cNvSpPr>
-          <p:nvPr>
-            <p:ph idx="1"/>
-          </p:nvPr>
+          <p:cNvPr id="8" name="TextBox 7"/>
+          <p:cNvSpPr txBox="1"/>
+          <p:nvPr/>
         </p:nvSpPr>
-        <p:spPr/>
+        <p:spPr>
+          <a:xfrm>
+            <a:off x="4572000" y="1720432"/>
+            <a:ext cx="3564610" cy="369332"/>
+          </a:xfrm>
+          <a:prstGeom prst="rect">
+            <a:avLst/>
+          </a:prstGeom>
+          <a:noFill/>
+        </p:spPr>
         <p:txBody>
-          <a:bodyPr/>
+          <a:bodyPr wrap="square" rtlCol="0">
+            <a:spAutoFit/>
+          </a:bodyPr>
           <a:lstStyle/>
           <a:p>
-            <a:endParaRPr lang="en-US"/>
+            <a:r>
+              <a:rPr lang="en-US" dirty="0" smtClean="0"/>
+              <a:t>Without CSS + JavaScript</a:t>
+            </a:r>
+            <a:endParaRPr lang="en-US" dirty="0"/>
+          </a:p>
+        </p:txBody>
+      </p:sp>
+      <p:sp>
+        <p:nvSpPr>
+          <p:cNvPr id="9" name="TextBox 8"/>
+          <p:cNvSpPr txBox="1"/>
+          <p:nvPr/>
+        </p:nvSpPr>
+        <p:spPr>
+          <a:xfrm>
+            <a:off x="898902" y="1255363"/>
+            <a:ext cx="7268705" cy="338554"/>
+          </a:xfrm>
+          <a:prstGeom prst="rect">
+            <a:avLst/>
+          </a:prstGeom>
+          <a:noFill/>
+        </p:spPr>
+        <p:txBody>
+          <a:bodyPr wrap="square" rtlCol="0">
+            <a:spAutoFit/>
+          </a:bodyPr>
+          <a:lstStyle/>
+          <a:p>
+            <a:pPr algn="r"/>
+            <a:r>
+              <a:rPr lang="en-US" sz="1600" dirty="0">
+                <a:hlinkClick r:id="rId4"/>
+              </a:rPr>
+              <a:t>http://ist.uwaterloo.ca/~</a:t>
+            </a:r>
+            <a:r>
+              <a:rPr lang="en-US" sz="1600" dirty="0" smtClean="0">
+                <a:hlinkClick r:id="rId4"/>
+              </a:rPr>
+              <a:t>cpbell/1161.cs330/SOURCES/HTML-example/</a:t>
+            </a:r>
+            <a:endParaRPr lang="en-US" sz="1600" dirty="0" smtClean="0"/>
           </a:p>
         </p:txBody>
       </p:sp>
     </p:spTree>
     <p:extLst>
       <p:ext uri="{BB962C8B-B14F-4D97-AF65-F5344CB8AC3E}">
-        <p14:creationId xmlns:p14="http://schemas.microsoft.com/office/powerpoint/2010/main" val="1586755597"/>
+        <p14:creationId xmlns:p14="http://schemas.microsoft.com/office/powerpoint/2010/main" val="2146142171"/>
       </p:ext>
     </p:extLst>
   </p:cSld>
@@ -7654,7 +9987,7 @@
           <a:p>
             <a:r>
               <a:rPr lang="en-US" dirty="0" smtClean="0"/>
-              <a:t>Infrastructure: Web 3.0- Semantic</a:t>
+              <a:t>Web 2.0: XML</a:t>
             </a:r>
             <a:endParaRPr lang="en-US" dirty="0"/>
           </a:p>
@@ -7672,17 +10005,138 @@
         </p:nvSpPr>
         <p:spPr/>
         <p:txBody>
-          <a:bodyPr/>
+          <a:bodyPr>
+            <a:normAutofit lnSpcReduction="10000"/>
+          </a:bodyPr>
           <a:lstStyle/>
           <a:p>
-            <a:endParaRPr lang="en-US"/>
+            <a:r>
+              <a:rPr lang="en-US" dirty="0" smtClean="0"/>
+              <a:t>Extensible Markup Language (XML)</a:t>
+            </a:r>
+          </a:p>
+          <a:p>
+            <a:pPr lvl="1"/>
+            <a:r>
+              <a:rPr lang="en-US" dirty="0"/>
+              <a:t>See: </a:t>
+            </a:r>
+            <a:r>
+              <a:rPr lang="en-US" dirty="0">
+                <a:hlinkClick r:id="rId2"/>
+              </a:rPr>
+              <a:t>https://www.w3.org/TR/xml</a:t>
+            </a:r>
+            <a:r>
+              <a:rPr lang="en-US" dirty="0" smtClean="0">
+                <a:hlinkClick r:id="rId2"/>
+              </a:rPr>
+              <a:t>/</a:t>
+            </a:r>
+            <a:endParaRPr lang="en-US" dirty="0" smtClean="0"/>
+          </a:p>
+          <a:p>
+            <a:pPr lvl="1"/>
+            <a:r>
+              <a:rPr lang="en-US" dirty="0"/>
+              <a:t>Provides a way to structure (aka ‘markup’) arbitrary text content with tags so a computers and humans can read it</a:t>
+            </a:r>
+            <a:r>
+              <a:rPr lang="en-US" dirty="0" smtClean="0"/>
+              <a:t>.</a:t>
+            </a:r>
+          </a:p>
+          <a:p>
+            <a:pPr lvl="1"/>
+            <a:r>
+              <a:rPr lang="en-US" dirty="0"/>
+              <a:t>O</a:t>
+            </a:r>
+            <a:r>
+              <a:rPr lang="en-US" dirty="0" smtClean="0"/>
+              <a:t>stensibly the parent of HTML.</a:t>
+            </a:r>
+          </a:p>
+          <a:p>
+            <a:pPr lvl="1"/>
+            <a:r>
+              <a:rPr lang="en-US" dirty="0" smtClean="0"/>
+              <a:t>Expands on an older format called the Standard Generalized Markup Language (SGML).</a:t>
+            </a:r>
+          </a:p>
+          <a:p>
+            <a:pPr lvl="1"/>
+            <a:r>
+              <a:rPr lang="en-US" dirty="0" smtClean="0"/>
+              <a:t>Example uses:</a:t>
+            </a:r>
+          </a:p>
+          <a:p>
+            <a:pPr lvl="2"/>
+            <a:r>
+              <a:rPr lang="en-US" dirty="0" smtClean="0"/>
+              <a:t>Microsoft Office Files (</a:t>
+            </a:r>
+            <a:r>
+              <a:rPr lang="en-US" dirty="0" err="1" smtClean="0"/>
+              <a:t>docx</a:t>
+            </a:r>
+            <a:r>
+              <a:rPr lang="en-US" dirty="0" smtClean="0"/>
+              <a:t>, </a:t>
+            </a:r>
+            <a:r>
+              <a:rPr lang="en-US" dirty="0" err="1" smtClean="0"/>
+              <a:t>xlsx</a:t>
+            </a:r>
+            <a:r>
+              <a:rPr lang="en-US" dirty="0" smtClean="0"/>
+              <a:t>, </a:t>
+            </a:r>
+            <a:r>
+              <a:rPr lang="en-US" dirty="0" err="1" smtClean="0"/>
+              <a:t>pptx</a:t>
+            </a:r>
+            <a:r>
+              <a:rPr lang="en-US" dirty="0" smtClean="0"/>
+              <a:t>)</a:t>
+            </a:r>
+          </a:p>
+          <a:p>
+            <a:pPr lvl="2"/>
+            <a:r>
+              <a:rPr lang="en-US" dirty="0" smtClean="0"/>
+              <a:t>Really Simple Syndication (RSS) feeds</a:t>
+            </a:r>
+          </a:p>
+          <a:p>
+            <a:pPr lvl="2"/>
+            <a:r>
+              <a:rPr lang="en-US" dirty="0" smtClean="0">
+                <a:hlinkClick r:id="rId3"/>
+              </a:rPr>
+              <a:t>https</a:t>
+            </a:r>
+            <a:r>
+              <a:rPr lang="en-US" dirty="0">
+                <a:hlinkClick r:id="rId3"/>
+              </a:rPr>
+              <a:t>://</a:t>
+            </a:r>
+            <a:r>
+              <a:rPr lang="en-US" dirty="0" smtClean="0">
+                <a:hlinkClick r:id="rId3"/>
+              </a:rPr>
+              <a:t>en.wikipedia.org/wiki/List_of_XML_markup_languages</a:t>
+            </a:r>
+            <a:endParaRPr lang="en-US" dirty="0" smtClean="0"/>
           </a:p>
         </p:txBody>
       </p:sp>
     </p:spTree>
     <p:extLst>
       <p:ext uri="{BB962C8B-B14F-4D97-AF65-F5344CB8AC3E}">
-        <p14:creationId xmlns:p14="http://schemas.microsoft.com/office/powerpoint/2010/main" val="558990600"/>
+        <p14:creationId xmlns:p14="http://schemas.microsoft.com/office/powerpoint/2010/main" val="1461253917"/>
       </p:ext>
     </p:extLst>
   </p:cSld>
@@ -7758,6 +10212,1449 @@
 </p:sld>
 </file>
 
+<file path=ppt/slides/slide20.xml><?xml version="1.0" encoding="utf-8"?>
+<p:sld xmlns:a="http://schemas.openxmlformats.org/drawingml/2006/main" xmlns:r="http://schemas.openxmlformats.org/officeDocument/2006/relationships" xmlns:p="http://schemas.openxmlformats.org/presentationml/2006/main">
+  <p:cSld>
+    <p:spTree>
+      <p:nvGrpSpPr>
+        <p:cNvPr id="1" name=""/>
+        <p:cNvGrpSpPr/>
+        <p:nvPr/>
+      </p:nvGrpSpPr>
+      <p:grpSpPr>
+        <a:xfrm>
+          <a:off x="0" y="0"/>
+          <a:ext cx="0" cy="0"/>
+          <a:chOff x="0" y="0"/>
+          <a:chExt cx="0" cy="0"/>
+        </a:xfrm>
+      </p:grpSpPr>
+      <p:sp>
+        <p:nvSpPr>
+          <p:cNvPr id="2" name="Title 1"/>
+          <p:cNvSpPr>
+            <a:spLocks noGrp="1"/>
+          </p:cNvSpPr>
+          <p:nvPr>
+            <p:ph type="title"/>
+          </p:nvPr>
+        </p:nvSpPr>
+        <p:spPr/>
+        <p:txBody>
+          <a:bodyPr/>
+          <a:lstStyle/>
+          <a:p>
+            <a:r>
+              <a:rPr lang="en-US" dirty="0" smtClean="0"/>
+              <a:t>Web 2.0: XML Example</a:t>
+            </a:r>
+            <a:endParaRPr lang="en-US" dirty="0"/>
+          </a:p>
+        </p:txBody>
+      </p:sp>
+      <p:pic>
+        <p:nvPicPr>
+          <p:cNvPr id="4" name="Content Placeholder 3"/>
+          <p:cNvPicPr>
+            <a:picLocks noGrp="1" noChangeAspect="1"/>
+          </p:cNvPicPr>
+          <p:nvPr>
+            <p:ph idx="1"/>
+          </p:nvPr>
+        </p:nvPicPr>
+        <p:blipFill>
+          <a:blip r:embed="rId3">
+            <a:extLst>
+              <a:ext uri="{28A0092B-C50C-407E-A947-70E740481C1C}">
+                <a14:useLocalDpi xmlns:a14="http://schemas.microsoft.com/office/drawing/2010/main" val="0"/>
+              </a:ext>
+            </a:extLst>
+          </a:blip>
+          <a:stretch>
+            <a:fillRect/>
+          </a:stretch>
+        </p:blipFill>
+        <p:spPr>
+          <a:xfrm>
+            <a:off x="1400104" y="1376173"/>
+            <a:ext cx="6343792" cy="4351338"/>
+          </a:xfrm>
+        </p:spPr>
+      </p:pic>
+      <p:sp>
+        <p:nvSpPr>
+          <p:cNvPr id="5" name="TextBox 4"/>
+          <p:cNvSpPr txBox="1"/>
+          <p:nvPr/>
+        </p:nvSpPr>
+        <p:spPr>
+          <a:xfrm>
+            <a:off x="1400104" y="5966847"/>
+            <a:ext cx="6343792" cy="523220"/>
+          </a:xfrm>
+          <a:prstGeom prst="rect">
+            <a:avLst/>
+          </a:prstGeom>
+          <a:noFill/>
+        </p:spPr>
+        <p:txBody>
+          <a:bodyPr wrap="square" rtlCol="0">
+            <a:spAutoFit/>
+          </a:bodyPr>
+          <a:lstStyle/>
+          <a:p>
+            <a:r>
+              <a:rPr lang="en-US" sz="1400" dirty="0" smtClean="0"/>
+              <a:t>Public Domain from: </a:t>
+            </a:r>
+            <a:r>
+              <a:rPr lang="en-US" sz="1400" dirty="0">
+                <a:hlinkClick r:id="rId4"/>
+              </a:rPr>
+              <a:t>https://</a:t>
+            </a:r>
+            <a:r>
+              <a:rPr lang="en-US" sz="1400" dirty="0" smtClean="0">
+                <a:hlinkClick r:id="rId4"/>
+              </a:rPr>
+              <a:t>en.wikipedia.org/wiki/File:RecipeBook_XML_Example.png</a:t>
+            </a:r>
+            <a:r>
+              <a:rPr lang="en-US" sz="1400" dirty="0" smtClean="0"/>
+              <a:t> </a:t>
+            </a:r>
+            <a:endParaRPr lang="en-US" sz="1400" dirty="0"/>
+          </a:p>
+        </p:txBody>
+      </p:sp>
+    </p:spTree>
+    <p:extLst>
+      <p:ext uri="{BB962C8B-B14F-4D97-AF65-F5344CB8AC3E}">
+        <p14:creationId xmlns:p14="http://schemas.microsoft.com/office/powerpoint/2010/main" val="955883783"/>
+      </p:ext>
+    </p:extLst>
+  </p:cSld>
+  <p:clrMapOvr>
+    <a:masterClrMapping/>
+  </p:clrMapOvr>
+  <p:timing>
+    <p:tnLst>
+      <p:par>
+        <p:cTn id="1" dur="indefinite" restart="never" nodeType="tmRoot"/>
+      </p:par>
+    </p:tnLst>
+  </p:timing>
+</p:sld>
+</file>
+
+<file path=ppt/slides/slide21.xml><?xml version="1.0" encoding="utf-8"?>
+<p:sld xmlns:a="http://schemas.openxmlformats.org/drawingml/2006/main" xmlns:r="http://schemas.openxmlformats.org/officeDocument/2006/relationships" xmlns:p="http://schemas.openxmlformats.org/presentationml/2006/main">
+  <p:cSld>
+    <p:spTree>
+      <p:nvGrpSpPr>
+        <p:cNvPr id="1" name=""/>
+        <p:cNvGrpSpPr/>
+        <p:nvPr/>
+      </p:nvGrpSpPr>
+      <p:grpSpPr>
+        <a:xfrm>
+          <a:off x="0" y="0"/>
+          <a:ext cx="0" cy="0"/>
+          <a:chOff x="0" y="0"/>
+          <a:chExt cx="0" cy="0"/>
+        </a:xfrm>
+      </p:grpSpPr>
+      <p:sp>
+        <p:nvSpPr>
+          <p:cNvPr id="2" name="Title 1"/>
+          <p:cNvSpPr>
+            <a:spLocks noGrp="1"/>
+          </p:cNvSpPr>
+          <p:nvPr>
+            <p:ph type="title"/>
+          </p:nvPr>
+        </p:nvSpPr>
+        <p:spPr/>
+        <p:txBody>
+          <a:bodyPr/>
+          <a:lstStyle/>
+          <a:p>
+            <a:r>
+              <a:rPr lang="en-US" dirty="0" smtClean="0"/>
+              <a:t>Web 2.0: Web Services</a:t>
+            </a:r>
+            <a:endParaRPr lang="en-US" dirty="0"/>
+          </a:p>
+        </p:txBody>
+      </p:sp>
+      <p:sp>
+        <p:nvSpPr>
+          <p:cNvPr id="3" name="Content Placeholder 2"/>
+          <p:cNvSpPr>
+            <a:spLocks noGrp="1"/>
+          </p:cNvSpPr>
+          <p:nvPr>
+            <p:ph idx="1"/>
+          </p:nvPr>
+        </p:nvSpPr>
+        <p:spPr/>
+        <p:txBody>
+          <a:bodyPr>
+            <a:normAutofit fontScale="92500" lnSpcReduction="20000"/>
+          </a:bodyPr>
+          <a:lstStyle/>
+          <a:p>
+            <a:r>
+              <a:rPr lang="en-US" dirty="0" smtClean="0"/>
+              <a:t>Today you learned about a number of ‘Social IT’ innovations– the innovations that moved the WWW from its Web 1.0 early past to its Web 2.0 social present.</a:t>
+            </a:r>
+          </a:p>
+          <a:p>
+            <a:r>
+              <a:rPr lang="en-US" dirty="0" smtClean="0"/>
+              <a:t>One of the key elements of the </a:t>
+            </a:r>
+            <a:r>
+              <a:rPr lang="en-US" b="1" dirty="0" smtClean="0"/>
+              <a:t>Web 2.0- Social Web</a:t>
+            </a:r>
+            <a:r>
+              <a:rPr lang="en-US" dirty="0" smtClean="0"/>
+              <a:t> revolution was the ability to access data from different services (Wikis, Blogs, Microblogs, etc.)</a:t>
+            </a:r>
+          </a:p>
+          <a:p>
+            <a:r>
+              <a:rPr lang="en-US" dirty="0" smtClean="0"/>
+              <a:t>Application Programming Interfaces (APIs) were key to this. When APIs work over HTTP, they are called ‘Web Services.’</a:t>
+            </a:r>
+          </a:p>
+          <a:p>
+            <a:pPr lvl="1"/>
+            <a:r>
+              <a:rPr lang="en-US" dirty="0" smtClean="0"/>
+              <a:t>“</a:t>
+            </a:r>
+            <a:r>
+              <a:rPr lang="en-US" dirty="0"/>
+              <a:t>A </a:t>
+            </a:r>
+            <a:r>
+              <a:rPr lang="en-US" b="1" dirty="0"/>
+              <a:t>Web </a:t>
+            </a:r>
+            <a:r>
+              <a:rPr lang="en-US" b="1" dirty="0" smtClean="0"/>
+              <a:t>Service</a:t>
+            </a:r>
+            <a:r>
+              <a:rPr lang="en-US" dirty="0" smtClean="0"/>
+              <a:t> </a:t>
+            </a:r>
+            <a:r>
+              <a:rPr lang="en-US" dirty="0"/>
+              <a:t>is a software system designed to support interoperable machine-to-machine interaction over a network</a:t>
+            </a:r>
+            <a:r>
+              <a:rPr lang="en-US" dirty="0" smtClean="0"/>
+              <a:t>.”</a:t>
+            </a:r>
+            <a:r>
+              <a:rPr lang="en-US" dirty="0"/>
+              <a:t>  </a:t>
+            </a:r>
+            <a:r>
+              <a:rPr lang="en-US" sz="1500" dirty="0"/>
+              <a:t>source: </a:t>
+            </a:r>
+            <a:r>
+              <a:rPr lang="en-US" sz="1500" dirty="0">
+                <a:hlinkClick r:id="rId2"/>
+              </a:rPr>
+              <a:t>https://www.w3.org/TR/2004/NOTE-ws-gloss-20040211/#</a:t>
+            </a:r>
+            <a:r>
+              <a:rPr lang="en-US" sz="1500" dirty="0" smtClean="0">
+                <a:hlinkClick r:id="rId2"/>
+              </a:rPr>
+              <a:t>webservice</a:t>
+            </a:r>
+            <a:endParaRPr lang="en-US" sz="1500" dirty="0" smtClean="0"/>
+          </a:p>
+          <a:p>
+            <a:pPr lvl="1"/>
+            <a:endParaRPr lang="en-US" dirty="0" smtClean="0"/>
+          </a:p>
+          <a:p>
+            <a:endParaRPr lang="en-US" dirty="0"/>
+          </a:p>
+        </p:txBody>
+      </p:sp>
+    </p:spTree>
+    <p:extLst>
+      <p:ext uri="{BB962C8B-B14F-4D97-AF65-F5344CB8AC3E}">
+        <p14:creationId xmlns:p14="http://schemas.microsoft.com/office/powerpoint/2010/main" val="1620994905"/>
+      </p:ext>
+    </p:extLst>
+  </p:cSld>
+  <p:clrMapOvr>
+    <a:masterClrMapping/>
+  </p:clrMapOvr>
+  <p:timing>
+    <p:tnLst>
+      <p:par>
+        <p:cTn id="1" dur="indefinite" restart="never" nodeType="tmRoot"/>
+      </p:par>
+    </p:tnLst>
+  </p:timing>
+</p:sld>
+</file>
+
+<file path=ppt/slides/slide22.xml><?xml version="1.0" encoding="utf-8"?>
+<p:sld xmlns:a="http://schemas.openxmlformats.org/drawingml/2006/main" xmlns:r="http://schemas.openxmlformats.org/officeDocument/2006/relationships" xmlns:p="http://schemas.openxmlformats.org/presentationml/2006/main">
+  <p:cSld>
+    <p:spTree>
+      <p:nvGrpSpPr>
+        <p:cNvPr id="1" name=""/>
+        <p:cNvGrpSpPr/>
+        <p:nvPr/>
+      </p:nvGrpSpPr>
+      <p:grpSpPr>
+        <a:xfrm>
+          <a:off x="0" y="0"/>
+          <a:ext cx="0" cy="0"/>
+          <a:chOff x="0" y="0"/>
+          <a:chExt cx="0" cy="0"/>
+        </a:xfrm>
+      </p:grpSpPr>
+      <p:sp>
+        <p:nvSpPr>
+          <p:cNvPr id="2" name="Title 1"/>
+          <p:cNvSpPr>
+            <a:spLocks noGrp="1"/>
+          </p:cNvSpPr>
+          <p:nvPr>
+            <p:ph type="title"/>
+          </p:nvPr>
+        </p:nvSpPr>
+        <p:spPr/>
+        <p:txBody>
+          <a:bodyPr/>
+          <a:lstStyle/>
+          <a:p>
+            <a:r>
+              <a:rPr lang="en-US" dirty="0" smtClean="0"/>
+              <a:t>Web 2.0: SOAP</a:t>
+            </a:r>
+            <a:endParaRPr lang="en-US" dirty="0"/>
+          </a:p>
+        </p:txBody>
+      </p:sp>
+      <p:sp>
+        <p:nvSpPr>
+          <p:cNvPr id="3" name="Content Placeholder 2"/>
+          <p:cNvSpPr>
+            <a:spLocks noGrp="1"/>
+          </p:cNvSpPr>
+          <p:nvPr>
+            <p:ph idx="1"/>
+          </p:nvPr>
+        </p:nvSpPr>
+        <p:spPr/>
+        <p:txBody>
+          <a:bodyPr>
+            <a:normAutofit lnSpcReduction="10000"/>
+          </a:bodyPr>
+          <a:lstStyle/>
+          <a:p>
+            <a:r>
+              <a:rPr lang="en-US" dirty="0" smtClean="0"/>
+              <a:t>Simple Object Access Protocol (SOAP)</a:t>
+            </a:r>
+          </a:p>
+          <a:p>
+            <a:pPr lvl="1"/>
+            <a:r>
+              <a:rPr lang="en-US" dirty="0"/>
+              <a:t>See: </a:t>
+            </a:r>
+            <a:r>
+              <a:rPr lang="en-US" dirty="0">
+                <a:hlinkClick r:id="rId2"/>
+              </a:rPr>
+              <a:t>https://www.w3.org/TR/soap12</a:t>
+            </a:r>
+            <a:r>
+              <a:rPr lang="en-US" dirty="0" smtClean="0">
+                <a:hlinkClick r:id="rId2"/>
+              </a:rPr>
+              <a:t>/</a:t>
+            </a:r>
+            <a:endParaRPr lang="en-US" dirty="0" smtClean="0"/>
+          </a:p>
+          <a:p>
+            <a:r>
+              <a:rPr lang="en-US" dirty="0" smtClean="0"/>
+              <a:t>``A </a:t>
+            </a:r>
+            <a:r>
+              <a:rPr lang="en-US" dirty="0"/>
+              <a:t>SOAP message is an ordinary XML document containing the following elements:</a:t>
+            </a:r>
+          </a:p>
+          <a:p>
+            <a:pPr lvl="1"/>
+            <a:r>
+              <a:rPr lang="en-US" dirty="0"/>
+              <a:t>An Envelope element that identifies the XML document as a SOAP message</a:t>
+            </a:r>
+          </a:p>
+          <a:p>
+            <a:pPr lvl="1"/>
+            <a:r>
+              <a:rPr lang="en-US" dirty="0"/>
+              <a:t>A Header element that contains header information</a:t>
+            </a:r>
+          </a:p>
+          <a:p>
+            <a:pPr lvl="1"/>
+            <a:r>
+              <a:rPr lang="en-US" dirty="0"/>
+              <a:t>A Body element that contains call and response information</a:t>
+            </a:r>
+          </a:p>
+          <a:p>
+            <a:pPr lvl="1"/>
+            <a:r>
+              <a:rPr lang="en-US" dirty="0"/>
+              <a:t>A Fault element containing errors and status </a:t>
+            </a:r>
+            <a:r>
+              <a:rPr lang="en-US" dirty="0" smtClean="0"/>
+              <a:t>information’’</a:t>
+            </a:r>
+          </a:p>
+          <a:p>
+            <a:pPr marL="457200" lvl="1" indent="0" algn="r">
+              <a:buNone/>
+            </a:pPr>
+            <a:r>
+              <a:rPr lang="en-US" sz="1600" dirty="0"/>
+              <a:t>From </a:t>
+            </a:r>
+            <a:r>
+              <a:rPr lang="en-US" sz="1600" dirty="0">
+                <a:hlinkClick r:id="rId3"/>
+              </a:rPr>
+              <a:t>http://www.w3schools.com/xml/xml_soap.asp</a:t>
+            </a:r>
+            <a:endParaRPr lang="en-US" sz="1600" dirty="0"/>
+          </a:p>
+          <a:p>
+            <a:pPr marL="457200" lvl="1" indent="0" algn="r">
+              <a:buNone/>
+            </a:pPr>
+            <a:endParaRPr lang="en-US" dirty="0"/>
+          </a:p>
+          <a:p>
+            <a:pPr lvl="1"/>
+            <a:endParaRPr lang="en-US" dirty="0" smtClean="0"/>
+          </a:p>
+        </p:txBody>
+      </p:sp>
+    </p:spTree>
+    <p:extLst>
+      <p:ext uri="{BB962C8B-B14F-4D97-AF65-F5344CB8AC3E}">
+        <p14:creationId xmlns:p14="http://schemas.microsoft.com/office/powerpoint/2010/main" val="815741486"/>
+      </p:ext>
+    </p:extLst>
+  </p:cSld>
+  <p:clrMapOvr>
+    <a:masterClrMapping/>
+  </p:clrMapOvr>
+  <p:timing>
+    <p:tnLst>
+      <p:par>
+        <p:cTn id="1" dur="indefinite" restart="never" nodeType="tmRoot"/>
+      </p:par>
+    </p:tnLst>
+  </p:timing>
+</p:sld>
+</file>
+
+<file path=ppt/slides/slide23.xml><?xml version="1.0" encoding="utf-8"?>
+<p:sld xmlns:a="http://schemas.openxmlformats.org/drawingml/2006/main" xmlns:r="http://schemas.openxmlformats.org/officeDocument/2006/relationships" xmlns:p="http://schemas.openxmlformats.org/presentationml/2006/main">
+  <p:cSld>
+    <p:spTree>
+      <p:nvGrpSpPr>
+        <p:cNvPr id="1" name=""/>
+        <p:cNvGrpSpPr/>
+        <p:nvPr/>
+      </p:nvGrpSpPr>
+      <p:grpSpPr>
+        <a:xfrm>
+          <a:off x="0" y="0"/>
+          <a:ext cx="0" cy="0"/>
+          <a:chOff x="0" y="0"/>
+          <a:chExt cx="0" cy="0"/>
+        </a:xfrm>
+      </p:grpSpPr>
+      <p:sp>
+        <p:nvSpPr>
+          <p:cNvPr id="2" name="Title 1"/>
+          <p:cNvSpPr>
+            <a:spLocks noGrp="1"/>
+          </p:cNvSpPr>
+          <p:nvPr>
+            <p:ph type="title"/>
+          </p:nvPr>
+        </p:nvSpPr>
+        <p:spPr/>
+        <p:txBody>
+          <a:bodyPr/>
+          <a:lstStyle/>
+          <a:p>
+            <a:r>
+              <a:rPr lang="en-US" dirty="0" smtClean="0"/>
+              <a:t>Web 2.0: </a:t>
+            </a:r>
+            <a:r>
+              <a:rPr lang="en-US" dirty="0" err="1" smtClean="0"/>
+              <a:t>RESTful</a:t>
+            </a:r>
+            <a:r>
+              <a:rPr lang="en-US" dirty="0" smtClean="0"/>
+              <a:t> JSON</a:t>
+            </a:r>
+            <a:endParaRPr lang="en-US" dirty="0"/>
+          </a:p>
+        </p:txBody>
+      </p:sp>
+      <p:sp>
+        <p:nvSpPr>
+          <p:cNvPr id="3" name="Content Placeholder 2"/>
+          <p:cNvSpPr>
+            <a:spLocks noGrp="1"/>
+          </p:cNvSpPr>
+          <p:nvPr>
+            <p:ph idx="1"/>
+          </p:nvPr>
+        </p:nvSpPr>
+        <p:spPr/>
+        <p:txBody>
+          <a:bodyPr>
+            <a:normAutofit lnSpcReduction="10000"/>
+          </a:bodyPr>
+          <a:lstStyle/>
+          <a:p>
+            <a:r>
+              <a:rPr lang="en-US" dirty="0" smtClean="0"/>
+              <a:t>Representational State Transfer (REST)</a:t>
+            </a:r>
+          </a:p>
+          <a:p>
+            <a:pPr lvl="1"/>
+            <a:r>
+              <a:rPr lang="en-US" dirty="0" smtClean="0"/>
+              <a:t>See Fielding</a:t>
+            </a:r>
+            <a:r>
+              <a:rPr lang="en-US" dirty="0"/>
+              <a:t>, Roy Thomas. </a:t>
+            </a:r>
+            <a:r>
+              <a:rPr lang="en-US" i="1" dirty="0"/>
+              <a:t>Architectural Styles and the Design of Network-based Software Architectures</a:t>
+            </a:r>
+            <a:r>
+              <a:rPr lang="en-US" dirty="0"/>
+              <a:t>. Doctoral dissertation, University of California, Irvine, 2000. @ </a:t>
+            </a:r>
+            <a:r>
+              <a:rPr lang="en-US" dirty="0">
+                <a:hlinkClick r:id="rId3"/>
+              </a:rPr>
+              <a:t>http://</a:t>
+            </a:r>
+            <a:r>
+              <a:rPr lang="en-US" dirty="0" smtClean="0">
+                <a:hlinkClick r:id="rId3"/>
+              </a:rPr>
+              <a:t>bit.ly/1eTY8AI</a:t>
+            </a:r>
+            <a:endParaRPr lang="en-US" dirty="0" smtClean="0"/>
+          </a:p>
+          <a:p>
+            <a:pPr lvl="1"/>
+            <a:r>
+              <a:rPr lang="en-US" dirty="0"/>
+              <a:t>Architecture that uses HTTP and </a:t>
+            </a:r>
+            <a:r>
+              <a:rPr lang="en-US" dirty="0" smtClean="0"/>
+              <a:t>URIs/URLs </a:t>
+            </a:r>
+            <a:r>
+              <a:rPr lang="en-US" dirty="0"/>
+              <a:t>to convey information constrained in specific ways</a:t>
+            </a:r>
+            <a:r>
+              <a:rPr lang="en-US" dirty="0" smtClean="0"/>
+              <a:t>.</a:t>
+            </a:r>
+            <a:endParaRPr lang="en-US" dirty="0" smtClean="0"/>
+          </a:p>
+          <a:p>
+            <a:r>
+              <a:rPr lang="en-US" dirty="0" smtClean="0"/>
+              <a:t>JavaScript Object Notation (JSON)</a:t>
+            </a:r>
+          </a:p>
+          <a:p>
+            <a:pPr lvl="1"/>
+            <a:r>
+              <a:rPr lang="en-US" b="1" dirty="0" smtClean="0"/>
+              <a:t>JSON</a:t>
+            </a:r>
+            <a:r>
+              <a:rPr lang="en-US" b="1" dirty="0"/>
+              <a:t>: </a:t>
+            </a:r>
+            <a:r>
+              <a:rPr lang="en-US" dirty="0">
+                <a:hlinkClick r:id="rId4"/>
+              </a:rPr>
+              <a:t>http://www.json.org</a:t>
+            </a:r>
+            <a:r>
+              <a:rPr lang="en-US" dirty="0" smtClean="0">
+                <a:hlinkClick r:id="rId4"/>
+              </a:rPr>
+              <a:t>/</a:t>
+            </a:r>
+            <a:endParaRPr lang="en-US" dirty="0" smtClean="0"/>
+          </a:p>
+          <a:p>
+            <a:pPr lvl="1"/>
+            <a:r>
+              <a:rPr lang="en-US" dirty="0"/>
+              <a:t>A</a:t>
+            </a:r>
+            <a:r>
+              <a:rPr lang="en-US" dirty="0" smtClean="0"/>
+              <a:t> </a:t>
+            </a:r>
+            <a:r>
+              <a:rPr lang="en-US" dirty="0"/>
+              <a:t>lightweight data-interchange </a:t>
+            </a:r>
+            <a:r>
+              <a:rPr lang="en-US" dirty="0" smtClean="0"/>
+              <a:t>format built on a (1) collection of name/value pairs and (2) an ordered list of values.</a:t>
+            </a:r>
+            <a:endParaRPr lang="en-US" dirty="0"/>
+          </a:p>
+        </p:txBody>
+      </p:sp>
+    </p:spTree>
+    <p:extLst>
+      <p:ext uri="{BB962C8B-B14F-4D97-AF65-F5344CB8AC3E}">
+        <p14:creationId xmlns:p14="http://schemas.microsoft.com/office/powerpoint/2010/main" val="1586755597"/>
+      </p:ext>
+    </p:extLst>
+  </p:cSld>
+  <p:clrMapOvr>
+    <a:masterClrMapping/>
+  </p:clrMapOvr>
+  <p:timing>
+    <p:tnLst>
+      <p:par>
+        <p:cTn id="1" dur="indefinite" restart="never" nodeType="tmRoot"/>
+      </p:par>
+    </p:tnLst>
+  </p:timing>
+</p:sld>
+</file>
+
+<file path=ppt/slides/slide24.xml><?xml version="1.0" encoding="utf-8"?>
+<p:sld xmlns:a="http://schemas.openxmlformats.org/drawingml/2006/main" xmlns:r="http://schemas.openxmlformats.org/officeDocument/2006/relationships" xmlns:p="http://schemas.openxmlformats.org/presentationml/2006/main">
+  <p:cSld>
+    <p:spTree>
+      <p:nvGrpSpPr>
+        <p:cNvPr id="1" name=""/>
+        <p:cNvGrpSpPr/>
+        <p:nvPr/>
+      </p:nvGrpSpPr>
+      <p:grpSpPr>
+        <a:xfrm>
+          <a:off x="0" y="0"/>
+          <a:ext cx="0" cy="0"/>
+          <a:chOff x="0" y="0"/>
+          <a:chExt cx="0" cy="0"/>
+        </a:xfrm>
+      </p:grpSpPr>
+      <p:sp>
+        <p:nvSpPr>
+          <p:cNvPr id="2" name="Title 1"/>
+          <p:cNvSpPr>
+            <a:spLocks noGrp="1"/>
+          </p:cNvSpPr>
+          <p:nvPr>
+            <p:ph type="title"/>
+          </p:nvPr>
+        </p:nvSpPr>
+        <p:spPr/>
+        <p:txBody>
+          <a:bodyPr/>
+          <a:lstStyle/>
+          <a:p>
+            <a:r>
+              <a:rPr lang="en-US" dirty="0" smtClean="0"/>
+              <a:t>Web 2.0: WWW</a:t>
+            </a:r>
+            <a:endParaRPr lang="en-US" dirty="0"/>
+          </a:p>
+        </p:txBody>
+      </p:sp>
+      <p:sp>
+        <p:nvSpPr>
+          <p:cNvPr id="9" name="Content Placeholder 8"/>
+          <p:cNvSpPr>
+            <a:spLocks noGrp="1"/>
+          </p:cNvSpPr>
+          <p:nvPr>
+            <p:ph idx="1"/>
+          </p:nvPr>
+        </p:nvSpPr>
+        <p:spPr>
+          <a:xfrm>
+            <a:off x="628650" y="1363851"/>
+            <a:ext cx="4076700" cy="4813112"/>
+          </a:xfrm>
+        </p:spPr>
+        <p:txBody>
+          <a:bodyPr>
+            <a:normAutofit fontScale="92500"/>
+          </a:bodyPr>
+          <a:lstStyle/>
+          <a:p>
+            <a:r>
+              <a:rPr lang="en-US" dirty="0" smtClean="0"/>
+              <a:t>What is the World Wide Web (WWW):</a:t>
+            </a:r>
+          </a:p>
+          <a:p>
+            <a:pPr lvl="1"/>
+            <a:r>
+              <a:rPr lang="en-US" dirty="0" smtClean="0"/>
+              <a:t>A huge directed graph of connected text and multimedia (nodes aka. vertices) across links (arcs).</a:t>
+            </a:r>
+          </a:p>
+          <a:p>
+            <a:pPr lvl="1"/>
+            <a:r>
+              <a:rPr lang="en-US" dirty="0" smtClean="0"/>
+              <a:t>The links are not very informative.</a:t>
+            </a:r>
+          </a:p>
+          <a:p>
+            <a:pPr lvl="1"/>
+            <a:r>
+              <a:rPr lang="en-US" dirty="0" smtClean="0"/>
+              <a:t>Knowing that one node links to another does not provide useful ‘rich’ context.</a:t>
+            </a:r>
+          </a:p>
+          <a:p>
+            <a:pPr lvl="1"/>
+            <a:r>
+              <a:rPr lang="en-US" b="1" dirty="0" smtClean="0"/>
+              <a:t>Connections do not have meaning outside of ‘link’.</a:t>
+            </a:r>
+            <a:endParaRPr lang="en-US" b="1" dirty="0"/>
+          </a:p>
+        </p:txBody>
+      </p:sp>
+      <p:pic>
+        <p:nvPicPr>
+          <p:cNvPr id="5" name="Picture 4"/>
+          <p:cNvPicPr>
+            <a:picLocks noChangeAspect="1"/>
+          </p:cNvPicPr>
+          <p:nvPr/>
+        </p:nvPicPr>
+        <p:blipFill>
+          <a:blip r:embed="rId2">
+            <a:extLst>
+              <a:ext uri="{28A0092B-C50C-407E-A947-70E740481C1C}">
+                <a14:useLocalDpi xmlns:a14="http://schemas.microsoft.com/office/drawing/2010/main" val="0"/>
+              </a:ext>
+            </a:extLst>
+          </a:blip>
+          <a:stretch>
+            <a:fillRect/>
+          </a:stretch>
+        </p:blipFill>
+        <p:spPr>
+          <a:xfrm>
+            <a:off x="4821265" y="365126"/>
+            <a:ext cx="3810000" cy="4629150"/>
+          </a:xfrm>
+          <a:prstGeom prst="rect">
+            <a:avLst/>
+          </a:prstGeom>
+        </p:spPr>
+      </p:pic>
+      <p:sp>
+        <p:nvSpPr>
+          <p:cNvPr id="6" name="TextBox 5"/>
+          <p:cNvSpPr txBox="1"/>
+          <p:nvPr/>
+        </p:nvSpPr>
+        <p:spPr>
+          <a:xfrm>
+            <a:off x="4705350" y="4671110"/>
+            <a:ext cx="3810000" cy="646331"/>
+          </a:xfrm>
+          <a:prstGeom prst="rect">
+            <a:avLst/>
+          </a:prstGeom>
+          <a:noFill/>
+        </p:spPr>
+        <p:txBody>
+          <a:bodyPr wrap="square" rtlCol="0">
+            <a:spAutoFit/>
+          </a:bodyPr>
+          <a:lstStyle/>
+          <a:p>
+            <a:pPr algn="r"/>
+            <a:r>
+              <a:rPr lang="en-US" dirty="0" smtClean="0">
+                <a:solidFill>
+                  <a:schemeClr val="bg1"/>
+                </a:solidFill>
+              </a:rPr>
+              <a:t>”Graph of World Wide Web” source</a:t>
+            </a:r>
+            <a:r>
+              <a:rPr lang="en-US" dirty="0">
+                <a:solidFill>
+                  <a:schemeClr val="bg1"/>
+                </a:solidFill>
+              </a:rPr>
+              <a:t>: </a:t>
+            </a:r>
+            <a:r>
+              <a:rPr lang="en-US" dirty="0">
+                <a:hlinkClick r:id="rId3"/>
+              </a:rPr>
+              <a:t>http://www.bordalierinstitute.com</a:t>
+            </a:r>
+            <a:r>
+              <a:rPr lang="en-US" dirty="0" smtClean="0">
+                <a:hlinkClick r:id="rId3"/>
+              </a:rPr>
+              <a:t>/</a:t>
+            </a:r>
+            <a:endParaRPr lang="en-US" dirty="0" smtClean="0"/>
+          </a:p>
+        </p:txBody>
+      </p:sp>
+      <p:sp>
+        <p:nvSpPr>
+          <p:cNvPr id="10" name="TextBox 9"/>
+          <p:cNvSpPr txBox="1"/>
+          <p:nvPr/>
+        </p:nvSpPr>
+        <p:spPr>
+          <a:xfrm>
+            <a:off x="4821265" y="5501898"/>
+            <a:ext cx="3810000" cy="646331"/>
+          </a:xfrm>
+          <a:prstGeom prst="rect">
+            <a:avLst/>
+          </a:prstGeom>
+          <a:noFill/>
+        </p:spPr>
+        <p:txBody>
+          <a:bodyPr wrap="square" rtlCol="0">
+            <a:spAutoFit/>
+          </a:bodyPr>
+          <a:lstStyle/>
+          <a:p>
+            <a:r>
+              <a:rPr lang="en-US" dirty="0" smtClean="0"/>
+              <a:t>See more large network datasets at:</a:t>
+            </a:r>
+          </a:p>
+          <a:p>
+            <a:r>
+              <a:rPr lang="en-US" dirty="0"/>
+              <a:t>  </a:t>
+            </a:r>
+            <a:r>
+              <a:rPr lang="en-US" dirty="0" smtClean="0">
+                <a:hlinkClick r:id="rId4"/>
+              </a:rPr>
+              <a:t>https</a:t>
+            </a:r>
+            <a:r>
+              <a:rPr lang="en-US" dirty="0">
+                <a:hlinkClick r:id="rId4"/>
+              </a:rPr>
+              <a:t>://snap.stanford.edu/data/#</a:t>
+            </a:r>
+            <a:r>
+              <a:rPr lang="en-US" dirty="0" smtClean="0">
+                <a:hlinkClick r:id="rId4"/>
+              </a:rPr>
+              <a:t>web</a:t>
+            </a:r>
+            <a:endParaRPr lang="en-US" dirty="0" smtClean="0"/>
+          </a:p>
+        </p:txBody>
+      </p:sp>
+    </p:spTree>
+    <p:extLst>
+      <p:ext uri="{BB962C8B-B14F-4D97-AF65-F5344CB8AC3E}">
+        <p14:creationId xmlns:p14="http://schemas.microsoft.com/office/powerpoint/2010/main" val="527425978"/>
+      </p:ext>
+    </p:extLst>
+  </p:cSld>
+  <p:clrMapOvr>
+    <a:masterClrMapping/>
+  </p:clrMapOvr>
+  <p:timing>
+    <p:tnLst>
+      <p:par>
+        <p:cTn id="1" dur="indefinite" restart="never" nodeType="tmRoot"/>
+      </p:par>
+    </p:tnLst>
+  </p:timing>
+</p:sld>
+</file>
+
+<file path=ppt/slides/slide25.xml><?xml version="1.0" encoding="utf-8"?>
+<p:sld xmlns:a="http://schemas.openxmlformats.org/drawingml/2006/main" xmlns:r="http://schemas.openxmlformats.org/officeDocument/2006/relationships" xmlns:p="http://schemas.openxmlformats.org/presentationml/2006/main">
+  <p:cSld>
+    <p:spTree>
+      <p:nvGrpSpPr>
+        <p:cNvPr id="1" name=""/>
+        <p:cNvGrpSpPr/>
+        <p:nvPr/>
+      </p:nvGrpSpPr>
+      <p:grpSpPr>
+        <a:xfrm>
+          <a:off x="0" y="0"/>
+          <a:ext cx="0" cy="0"/>
+          <a:chOff x="0" y="0"/>
+          <a:chExt cx="0" cy="0"/>
+        </a:xfrm>
+      </p:grpSpPr>
+      <p:sp>
+        <p:nvSpPr>
+          <p:cNvPr id="2" name="Title 1"/>
+          <p:cNvSpPr>
+            <a:spLocks noGrp="1"/>
+          </p:cNvSpPr>
+          <p:nvPr>
+            <p:ph type="title"/>
+          </p:nvPr>
+        </p:nvSpPr>
+        <p:spPr/>
+        <p:txBody>
+          <a:bodyPr/>
+          <a:lstStyle/>
+          <a:p>
+            <a:r>
+              <a:rPr lang="en-US" dirty="0" smtClean="0"/>
+              <a:t>Motivation: Web 3.0</a:t>
+            </a:r>
+            <a:endParaRPr lang="en-US" dirty="0"/>
+          </a:p>
+        </p:txBody>
+      </p:sp>
+      <p:pic>
+        <p:nvPicPr>
+          <p:cNvPr id="4" name="Picture 3"/>
+          <p:cNvPicPr>
+            <a:picLocks noChangeAspect="1"/>
+          </p:cNvPicPr>
+          <p:nvPr/>
+        </p:nvPicPr>
+        <p:blipFill>
+          <a:blip r:embed="rId2"/>
+          <a:stretch>
+            <a:fillRect/>
+          </a:stretch>
+        </p:blipFill>
+        <p:spPr>
+          <a:xfrm>
+            <a:off x="2374900" y="1690689"/>
+            <a:ext cx="4394200" cy="2565400"/>
+          </a:xfrm>
+          <a:prstGeom prst="rect">
+            <a:avLst/>
+          </a:prstGeom>
+        </p:spPr>
+      </p:pic>
+      <p:sp>
+        <p:nvSpPr>
+          <p:cNvPr id="5" name="TextBox 4"/>
+          <p:cNvSpPr txBox="1"/>
+          <p:nvPr/>
+        </p:nvSpPr>
+        <p:spPr>
+          <a:xfrm>
+            <a:off x="628650" y="4608576"/>
+            <a:ext cx="7886700" cy="1477328"/>
+          </a:xfrm>
+          <a:prstGeom prst="rect">
+            <a:avLst/>
+          </a:prstGeom>
+          <a:noFill/>
+        </p:spPr>
+        <p:txBody>
+          <a:bodyPr wrap="square" rtlCol="0">
+            <a:spAutoFit/>
+          </a:bodyPr>
+          <a:lstStyle/>
+          <a:p>
+            <a:pPr marL="342900" indent="-342900">
+              <a:buFont typeface="Arial" charset="0"/>
+              <a:buChar char="•"/>
+            </a:pPr>
+            <a:r>
+              <a:rPr lang="en-US" dirty="0" smtClean="0"/>
+              <a:t>Simple links do not say much.</a:t>
+            </a:r>
+          </a:p>
+          <a:p>
+            <a:pPr marL="342900" indent="-342900">
+              <a:buFont typeface="Arial" charset="0"/>
+              <a:buChar char="•"/>
+            </a:pPr>
+            <a:r>
+              <a:rPr lang="en-US" dirty="0" smtClean="0"/>
+              <a:t>Human inference can (sort of) fill in the blanks.</a:t>
+            </a:r>
+          </a:p>
+          <a:p>
+            <a:pPr marL="342900" indent="-342900">
+              <a:buFont typeface="Arial" charset="0"/>
+              <a:buChar char="•"/>
+            </a:pPr>
+            <a:r>
+              <a:rPr lang="en-US" dirty="0"/>
+              <a:t>W</a:t>
+            </a:r>
+            <a:r>
+              <a:rPr lang="en-US" dirty="0" smtClean="0"/>
+              <a:t>e want computers to do the hard work.</a:t>
+            </a:r>
+          </a:p>
+          <a:p>
+            <a:pPr marL="800100" lvl="1" indent="-342900">
+              <a:buFont typeface="Arial" charset="0"/>
+              <a:buChar char="•"/>
+            </a:pPr>
+            <a:r>
+              <a:rPr lang="en-US" dirty="0" smtClean="0"/>
+              <a:t>A human can look at 4 articles / social media profiles.</a:t>
+            </a:r>
+          </a:p>
+          <a:p>
+            <a:pPr marL="800100" lvl="1" indent="-342900">
+              <a:buFont typeface="Arial" charset="0"/>
+              <a:buChar char="•"/>
+            </a:pPr>
+            <a:r>
+              <a:rPr lang="en-US" dirty="0" smtClean="0"/>
+              <a:t>A human cannot look at billions of articles / social media profiles.</a:t>
+            </a:r>
+            <a:endParaRPr lang="en-US" dirty="0"/>
+          </a:p>
+        </p:txBody>
+      </p:sp>
+    </p:spTree>
+    <p:extLst>
+      <p:ext uri="{BB962C8B-B14F-4D97-AF65-F5344CB8AC3E}">
+        <p14:creationId xmlns:p14="http://schemas.microsoft.com/office/powerpoint/2010/main" val="1238299138"/>
+      </p:ext>
+    </p:extLst>
+  </p:cSld>
+  <p:clrMapOvr>
+    <a:masterClrMapping/>
+  </p:clrMapOvr>
+  <p:timing>
+    <p:tnLst>
+      <p:par>
+        <p:cTn id="1" dur="indefinite" restart="never" nodeType="tmRoot"/>
+      </p:par>
+    </p:tnLst>
+  </p:timing>
+</p:sld>
+</file>
+
+<file path=ppt/slides/slide26.xml><?xml version="1.0" encoding="utf-8"?>
+<p:sld xmlns:a="http://schemas.openxmlformats.org/drawingml/2006/main" xmlns:r="http://schemas.openxmlformats.org/officeDocument/2006/relationships" xmlns:p="http://schemas.openxmlformats.org/presentationml/2006/main">
+  <p:cSld>
+    <p:spTree>
+      <p:nvGrpSpPr>
+        <p:cNvPr id="1" name=""/>
+        <p:cNvGrpSpPr/>
+        <p:nvPr/>
+      </p:nvGrpSpPr>
+      <p:grpSpPr>
+        <a:xfrm>
+          <a:off x="0" y="0"/>
+          <a:ext cx="0" cy="0"/>
+          <a:chOff x="0" y="0"/>
+          <a:chExt cx="0" cy="0"/>
+        </a:xfrm>
+      </p:grpSpPr>
+      <p:sp>
+        <p:nvSpPr>
+          <p:cNvPr id="2" name="Title 1"/>
+          <p:cNvSpPr>
+            <a:spLocks noGrp="1"/>
+          </p:cNvSpPr>
+          <p:nvPr>
+            <p:ph type="title"/>
+          </p:nvPr>
+        </p:nvSpPr>
+        <p:spPr/>
+        <p:txBody>
+          <a:bodyPr/>
+          <a:lstStyle/>
+          <a:p>
+            <a:r>
+              <a:rPr lang="en-US" dirty="0" smtClean="0"/>
+              <a:t>Motivation: Web 3.0</a:t>
+            </a:r>
+            <a:endParaRPr lang="en-US" dirty="0"/>
+          </a:p>
+        </p:txBody>
+      </p:sp>
+      <p:pic>
+        <p:nvPicPr>
+          <p:cNvPr id="6" name="Picture 5"/>
+          <p:cNvPicPr>
+            <a:picLocks noChangeAspect="1"/>
+          </p:cNvPicPr>
+          <p:nvPr/>
+        </p:nvPicPr>
+        <p:blipFill>
+          <a:blip r:embed="rId2"/>
+          <a:stretch>
+            <a:fillRect/>
+          </a:stretch>
+        </p:blipFill>
+        <p:spPr>
+          <a:xfrm>
+            <a:off x="302323" y="2486813"/>
+            <a:ext cx="4269677" cy="3665777"/>
+          </a:xfrm>
+          <a:prstGeom prst="rect">
+            <a:avLst/>
+          </a:prstGeom>
+        </p:spPr>
+      </p:pic>
+      <p:pic>
+        <p:nvPicPr>
+          <p:cNvPr id="7" name="Picture 6"/>
+          <p:cNvPicPr>
+            <a:picLocks noChangeAspect="1"/>
+          </p:cNvPicPr>
+          <p:nvPr/>
+        </p:nvPicPr>
+        <p:blipFill>
+          <a:blip r:embed="rId3"/>
+          <a:stretch>
+            <a:fillRect/>
+          </a:stretch>
+        </p:blipFill>
+        <p:spPr>
+          <a:xfrm>
+            <a:off x="4572000" y="2908986"/>
+            <a:ext cx="4394200" cy="2565400"/>
+          </a:xfrm>
+          <a:prstGeom prst="rect">
+            <a:avLst/>
+          </a:prstGeom>
+        </p:spPr>
+      </p:pic>
+      <p:sp>
+        <p:nvSpPr>
+          <p:cNvPr id="8" name="TextBox 7"/>
+          <p:cNvSpPr txBox="1"/>
+          <p:nvPr/>
+        </p:nvSpPr>
+        <p:spPr>
+          <a:xfrm>
+            <a:off x="1225296" y="1444752"/>
+            <a:ext cx="6766560" cy="646331"/>
+          </a:xfrm>
+          <a:prstGeom prst="rect">
+            <a:avLst/>
+          </a:prstGeom>
+          <a:noFill/>
+        </p:spPr>
+        <p:txBody>
+          <a:bodyPr wrap="square" rtlCol="0">
+            <a:spAutoFit/>
+          </a:bodyPr>
+          <a:lstStyle/>
+          <a:p>
+            <a:r>
+              <a:rPr lang="en-US" dirty="0" smtClean="0"/>
+              <a:t>Can we combine these two graphs into something a computer can understand and use to infer meaning / relationships?</a:t>
+            </a:r>
+            <a:endParaRPr lang="en-US" dirty="0"/>
+          </a:p>
+        </p:txBody>
+      </p:sp>
+    </p:spTree>
+    <p:extLst>
+      <p:ext uri="{BB962C8B-B14F-4D97-AF65-F5344CB8AC3E}">
+        <p14:creationId xmlns:p14="http://schemas.microsoft.com/office/powerpoint/2010/main" val="943159290"/>
+      </p:ext>
+    </p:extLst>
+  </p:cSld>
+  <p:clrMapOvr>
+    <a:masterClrMapping/>
+  </p:clrMapOvr>
+  <p:timing>
+    <p:tnLst>
+      <p:par>
+        <p:cTn id="1" dur="indefinite" restart="never" nodeType="tmRoot"/>
+      </p:par>
+    </p:tnLst>
+  </p:timing>
+</p:sld>
+</file>
+
+<file path=ppt/slides/slide27.xml><?xml version="1.0" encoding="utf-8"?>
+<p:sld xmlns:a="http://schemas.openxmlformats.org/drawingml/2006/main" xmlns:r="http://schemas.openxmlformats.org/officeDocument/2006/relationships" xmlns:p="http://schemas.openxmlformats.org/presentationml/2006/main">
+  <p:cSld>
+    <p:spTree>
+      <p:nvGrpSpPr>
+        <p:cNvPr id="1" name=""/>
+        <p:cNvGrpSpPr/>
+        <p:nvPr/>
+      </p:nvGrpSpPr>
+      <p:grpSpPr>
+        <a:xfrm>
+          <a:off x="0" y="0"/>
+          <a:ext cx="0" cy="0"/>
+          <a:chOff x="0" y="0"/>
+          <a:chExt cx="0" cy="0"/>
+        </a:xfrm>
+      </p:grpSpPr>
+      <p:sp>
+        <p:nvSpPr>
+          <p:cNvPr id="2" name="Title 1"/>
+          <p:cNvSpPr>
+            <a:spLocks noGrp="1"/>
+          </p:cNvSpPr>
+          <p:nvPr>
+            <p:ph type="title"/>
+          </p:nvPr>
+        </p:nvSpPr>
+        <p:spPr/>
+        <p:txBody>
+          <a:bodyPr/>
+          <a:lstStyle/>
+          <a:p>
+            <a:r>
+              <a:rPr lang="en-US" dirty="0" smtClean="0"/>
+              <a:t>Motivation: Web 3.0</a:t>
+            </a:r>
+            <a:endParaRPr lang="en-US" dirty="0"/>
+          </a:p>
+        </p:txBody>
+      </p:sp>
+      <p:pic>
+        <p:nvPicPr>
+          <p:cNvPr id="3" name="Picture 2"/>
+          <p:cNvPicPr>
+            <a:picLocks noChangeAspect="1"/>
+          </p:cNvPicPr>
+          <p:nvPr/>
+        </p:nvPicPr>
+        <p:blipFill>
+          <a:blip r:embed="rId3"/>
+          <a:stretch>
+            <a:fillRect/>
+          </a:stretch>
+        </p:blipFill>
+        <p:spPr>
+          <a:xfrm>
+            <a:off x="1973842" y="1298448"/>
+            <a:ext cx="5196315" cy="4892634"/>
+          </a:xfrm>
+          <a:prstGeom prst="rect">
+            <a:avLst/>
+          </a:prstGeom>
+        </p:spPr>
+      </p:pic>
+    </p:spTree>
+    <p:extLst>
+      <p:ext uri="{BB962C8B-B14F-4D97-AF65-F5344CB8AC3E}">
+        <p14:creationId xmlns:p14="http://schemas.microsoft.com/office/powerpoint/2010/main" val="1833828485"/>
+      </p:ext>
+    </p:extLst>
+  </p:cSld>
+  <p:clrMapOvr>
+    <a:masterClrMapping/>
+  </p:clrMapOvr>
+  <p:timing>
+    <p:tnLst>
+      <p:par>
+        <p:cTn id="1" dur="indefinite" restart="never" nodeType="tmRoot"/>
+      </p:par>
+    </p:tnLst>
+  </p:timing>
+</p:sld>
+</file>
+
+<file path=ppt/slides/slide28.xml><?xml version="1.0" encoding="utf-8"?>
+<p:sld xmlns:a="http://schemas.openxmlformats.org/drawingml/2006/main" xmlns:r="http://schemas.openxmlformats.org/officeDocument/2006/relationships" xmlns:p="http://schemas.openxmlformats.org/presentationml/2006/main">
+  <p:cSld>
+    <p:spTree>
+      <p:nvGrpSpPr>
+        <p:cNvPr id="1" name=""/>
+        <p:cNvGrpSpPr/>
+        <p:nvPr/>
+      </p:nvGrpSpPr>
+      <p:grpSpPr>
+        <a:xfrm>
+          <a:off x="0" y="0"/>
+          <a:ext cx="0" cy="0"/>
+          <a:chOff x="0" y="0"/>
+          <a:chExt cx="0" cy="0"/>
+        </a:xfrm>
+      </p:grpSpPr>
+      <p:sp>
+        <p:nvSpPr>
+          <p:cNvPr id="2" name="Title 1"/>
+          <p:cNvSpPr>
+            <a:spLocks noGrp="1"/>
+          </p:cNvSpPr>
+          <p:nvPr>
+            <p:ph type="title"/>
+          </p:nvPr>
+        </p:nvSpPr>
+        <p:spPr/>
+        <p:txBody>
+          <a:bodyPr/>
+          <a:lstStyle/>
+          <a:p>
+            <a:r>
+              <a:rPr lang="en-US" dirty="0" smtClean="0"/>
+              <a:t>Infrastructure: Web 3.0- Semantic</a:t>
+            </a:r>
+            <a:endParaRPr lang="en-US" dirty="0"/>
+          </a:p>
+        </p:txBody>
+      </p:sp>
+      <p:sp>
+        <p:nvSpPr>
+          <p:cNvPr id="3" name="Content Placeholder 2"/>
+          <p:cNvSpPr>
+            <a:spLocks noGrp="1"/>
+          </p:cNvSpPr>
+          <p:nvPr>
+            <p:ph idx="1"/>
+          </p:nvPr>
+        </p:nvSpPr>
+        <p:spPr/>
+        <p:txBody>
+          <a:bodyPr>
+            <a:normAutofit lnSpcReduction="10000"/>
+          </a:bodyPr>
+          <a:lstStyle/>
+          <a:p>
+            <a:r>
+              <a:rPr lang="en-US" dirty="0" smtClean="0"/>
+              <a:t>To help deal with this lack of meaning on links, the World Wide Web Consortium (W3C) has been working to develop a suite technologies to encode semantics.</a:t>
+            </a:r>
+          </a:p>
+          <a:p>
+            <a:r>
+              <a:rPr lang="en-US" dirty="0" smtClean="0"/>
+              <a:t>They are referred to as Web 3.0- “Semantic Web.”</a:t>
+            </a:r>
+          </a:p>
+          <a:p>
+            <a:r>
+              <a:rPr lang="en-US" dirty="0" smtClean="0"/>
+              <a:t>These technologies are built on the W3C’s previous standards– the Web 1.0 and Web 2.0 standards.</a:t>
+            </a:r>
+          </a:p>
+          <a:p>
+            <a:r>
+              <a:rPr lang="en-US" dirty="0" smtClean="0"/>
+              <a:t>They are:</a:t>
+            </a:r>
+          </a:p>
+          <a:p>
+            <a:pPr lvl="1"/>
+            <a:r>
+              <a:rPr lang="en-US" b="1" dirty="0" smtClean="0"/>
+              <a:t>RDF:</a:t>
+            </a:r>
+            <a:r>
+              <a:rPr lang="en-US" dirty="0" smtClean="0"/>
+              <a:t> Resource Description Framework</a:t>
+            </a:r>
+            <a:endParaRPr lang="en-US" b="1" dirty="0" smtClean="0"/>
+          </a:p>
+          <a:p>
+            <a:pPr lvl="1"/>
+            <a:r>
+              <a:rPr lang="en-US" b="1" dirty="0" smtClean="0"/>
+              <a:t>OWL:</a:t>
+            </a:r>
+            <a:r>
+              <a:rPr lang="en-US" dirty="0" smtClean="0"/>
+              <a:t> Web Ontology Language</a:t>
+            </a:r>
+            <a:endParaRPr lang="en-US" b="1" dirty="0" smtClean="0"/>
+          </a:p>
+          <a:p>
+            <a:pPr lvl="1"/>
+            <a:r>
+              <a:rPr lang="en-US" b="1" dirty="0" smtClean="0"/>
+              <a:t>SPARQL:</a:t>
+            </a:r>
+            <a:r>
+              <a:rPr lang="en-US" dirty="0" smtClean="0"/>
+              <a:t> RDF Query Language</a:t>
+            </a:r>
+            <a:endParaRPr lang="en-US" b="1" dirty="0"/>
+          </a:p>
+        </p:txBody>
+      </p:sp>
+    </p:spTree>
+    <p:extLst>
+      <p:ext uri="{BB962C8B-B14F-4D97-AF65-F5344CB8AC3E}">
+        <p14:creationId xmlns:p14="http://schemas.microsoft.com/office/powerpoint/2010/main" val="558990600"/>
+      </p:ext>
+    </p:extLst>
+  </p:cSld>
+  <p:clrMapOvr>
+    <a:masterClrMapping/>
+  </p:clrMapOvr>
+  <p:timing>
+    <p:tnLst>
+      <p:par>
+        <p:cTn id="1" dur="indefinite" restart="never" nodeType="tmRoot"/>
+      </p:par>
+    </p:tnLst>
+  </p:timing>
+</p:sld>
+</file>
+
 <file path=ppt/slides/slide3.xml><?xml version="1.0" encoding="utf-8"?>
 <p:sld xmlns:a="http://schemas.openxmlformats.org/drawingml/2006/main" xmlns:r="http://schemas.openxmlformats.org/officeDocument/2006/relationships" xmlns:p="http://schemas.openxmlformats.org/presentationml/2006/main">
   <p:cSld>
@@ -7837,6 +11734,13 @@
               <a:rPr lang="en-US" dirty="0" smtClean="0"/>
               <a:t>Big Data</a:t>
             </a:r>
+          </a:p>
+          <a:p>
+            <a:r>
+              <a:rPr lang="en-US" dirty="0" smtClean="0"/>
+              <a:t>Social IT</a:t>
+            </a:r>
+            <a:endParaRPr lang="en-US" dirty="0" smtClean="0"/>
           </a:p>
           <a:p>
             <a:endParaRPr lang="en-US" dirty="0"/>
@@ -9799,7 +13703,7 @@
       </p:grpSpPr>
       <p:sp>
         <p:nvSpPr>
-          <p:cNvPr id="2" name="Title 1"/>
+          <p:cNvPr id="4" name="Title 3"/>
           <p:cNvSpPr>
             <a:spLocks noGrp="1"/>
           </p:cNvSpPr>
@@ -9814,7 +13718,14 @@
           <a:p>
             <a:r>
               <a:rPr lang="en-US" dirty="0" smtClean="0"/>
-              <a:t>Infrastructure: Web 2.0- Social</a:t>
+              <a:t>NOTE</a:t>
+            </a:r>
+            <a:br>
+              <a:rPr lang="en-US" dirty="0" smtClean="0"/>
+            </a:br>
+            <a:r>
+              <a:rPr lang="en-US" dirty="0" smtClean="0"/>
+              <a:t>Infrastructure: Web 2.0</a:t>
             </a:r>
             <a:endParaRPr lang="en-US" dirty="0"/>
           </a:p>
@@ -9822,12 +13733,12 @@
       </p:sp>
       <p:sp>
         <p:nvSpPr>
-          <p:cNvPr id="3" name="Content Placeholder 2"/>
+          <p:cNvPr id="5" name="Text Placeholder 4"/>
           <p:cNvSpPr>
             <a:spLocks noGrp="1"/>
           </p:cNvSpPr>
           <p:nvPr>
-            <p:ph idx="1"/>
+            <p:ph type="body" idx="1"/>
           </p:nvPr>
         </p:nvSpPr>
         <p:spPr/>
@@ -9839,123 +13750,14 @@
           <a:p>
             <a:r>
               <a:rPr lang="en-US" dirty="0" smtClean="0"/>
-              <a:t>A number of concepts and technologies make up what we think of as Web 2.0:</a:t>
-            </a:r>
-          </a:p>
-          <a:p>
-            <a:pPr lvl="1"/>
-            <a:r>
-              <a:rPr lang="en-US" b="1" dirty="0" smtClean="0"/>
-              <a:t>HTTP: </a:t>
-            </a:r>
-            <a:r>
-              <a:rPr lang="en-US" dirty="0" smtClean="0"/>
-              <a:t>Hypertext Transfer Protocol</a:t>
-            </a:r>
-          </a:p>
-          <a:p>
-            <a:pPr lvl="1"/>
-            <a:r>
-              <a:rPr lang="en-US" b="1" dirty="0"/>
-              <a:t>URLs: </a:t>
-            </a:r>
-            <a:r>
-              <a:rPr lang="en-US" dirty="0"/>
-              <a:t>Uniform Resource Locators</a:t>
-            </a:r>
-          </a:p>
-          <a:p>
-            <a:pPr lvl="2"/>
-            <a:r>
-              <a:rPr lang="en-US" dirty="0"/>
-              <a:t>A specific type of Uniform Resource Identifier (URI</a:t>
-            </a:r>
-            <a:r>
-              <a:rPr lang="en-US" dirty="0" smtClean="0"/>
-              <a:t>)</a:t>
-            </a:r>
-          </a:p>
-          <a:p>
-            <a:pPr lvl="1"/>
-            <a:r>
-              <a:rPr lang="en-US" b="1" dirty="0" smtClean="0"/>
-              <a:t>HTML: </a:t>
-            </a:r>
-            <a:r>
-              <a:rPr lang="en-US" dirty="0" smtClean="0"/>
-              <a:t>Hypertext Markup Language</a:t>
-            </a:r>
-          </a:p>
-          <a:p>
-            <a:pPr lvl="2"/>
-            <a:r>
-              <a:rPr lang="en-US" dirty="0" smtClean="0"/>
-              <a:t>With JavaScript and Cascading Style Sheets (CSS)</a:t>
-            </a:r>
-          </a:p>
-          <a:p>
-            <a:pPr lvl="1"/>
-            <a:r>
-              <a:rPr lang="en-US" b="1" dirty="0" smtClean="0"/>
-              <a:t>XML:</a:t>
-            </a:r>
-            <a:r>
-              <a:rPr lang="en-US" dirty="0" smtClean="0"/>
-              <a:t> E</a:t>
-            </a:r>
-            <a:r>
-              <a:rPr lang="en-US" dirty="0"/>
-              <a:t>x</a:t>
-            </a:r>
-            <a:r>
-              <a:rPr lang="en-US" dirty="0" smtClean="0"/>
-              <a:t>tensible Markup Language</a:t>
-            </a:r>
-          </a:p>
-          <a:p>
-            <a:pPr lvl="1"/>
-            <a:r>
-              <a:rPr lang="en-US" b="1" dirty="0" smtClean="0"/>
-              <a:t>Web Services:</a:t>
-            </a:r>
-          </a:p>
-          <a:p>
-            <a:pPr lvl="2"/>
-            <a:r>
-              <a:rPr lang="en-US" b="1" dirty="0" smtClean="0"/>
-              <a:t>SOAP: </a:t>
-            </a:r>
-            <a:r>
-              <a:rPr lang="en-US" dirty="0"/>
-              <a:t>Simple Object Access Protocol</a:t>
-            </a:r>
-            <a:endParaRPr lang="en-US" dirty="0" smtClean="0"/>
-          </a:p>
-          <a:p>
-            <a:pPr lvl="2"/>
-            <a:r>
-              <a:rPr lang="en-US" b="1" dirty="0" err="1" smtClean="0"/>
-              <a:t>RESTful</a:t>
-            </a:r>
-            <a:r>
-              <a:rPr lang="en-US" b="1" dirty="0" smtClean="0"/>
-              <a:t> JSON: </a:t>
-            </a:r>
-            <a:r>
-              <a:rPr lang="en-US" dirty="0" smtClean="0"/>
-              <a:t>Representational State Transfer JavaScript Object Notation</a:t>
-            </a:r>
-          </a:p>
-          <a:p>
-            <a:pPr lvl="1"/>
-            <a:endParaRPr lang="en-US" dirty="0" smtClean="0"/>
-          </a:p>
-          <a:p>
-            <a:pPr lvl="1"/>
-            <a:endParaRPr lang="en-US" dirty="0" smtClean="0"/>
-          </a:p>
-          <a:p>
-            <a:pPr lvl="1"/>
+              <a:t>This is a whirlwind tour of Web 2.0 technologies. This is to give you a frame of reference not an exhaustive understanding.</a:t>
+            </a:r>
+          </a:p>
+          <a:p>
+            <a:r>
+              <a:rPr lang="en-US" dirty="0" smtClean="0"/>
+              <a:t>If you miss the details, do not fret.</a:t>
+            </a:r>
             <a:endParaRPr lang="en-US" dirty="0"/>
           </a:p>
         </p:txBody>
@@ -9963,7 +13765,7 @@
     </p:spTree>
     <p:extLst>
       <p:ext uri="{BB962C8B-B14F-4D97-AF65-F5344CB8AC3E}">
-        <p14:creationId xmlns:p14="http://schemas.microsoft.com/office/powerpoint/2010/main" val="1033790560"/>
+        <p14:creationId xmlns:p14="http://schemas.microsoft.com/office/powerpoint/2010/main" val="1350103953"/>
       </p:ext>
     </p:extLst>
   </p:cSld>
@@ -10014,7 +13816,7 @@
           <a:p>
             <a:r>
               <a:rPr lang="en-US" dirty="0" smtClean="0"/>
-              <a:t>Web 2.0: HTTP</a:t>
+              <a:t>Infrastructure: Web 2.0- Social</a:t>
             </a:r>
             <a:endParaRPr lang="en-US" dirty="0"/>
           </a:p>
@@ -10032,102 +13834,143 @@
         </p:nvSpPr>
         <p:spPr/>
         <p:txBody>
-          <a:bodyPr/>
+          <a:bodyPr>
+            <a:normAutofit lnSpcReduction="10000"/>
+          </a:bodyPr>
           <a:lstStyle/>
           <a:p>
             <a:r>
               <a:rPr lang="en-US" dirty="0" smtClean="0"/>
-              <a:t>Hypertext Transfer Protocol (HTTP)</a:t>
-            </a:r>
+              <a:t>A number of concepts and technologies make up what we think of as Web </a:t>
+            </a:r>
+            <a:r>
+              <a:rPr lang="en-US" dirty="0" smtClean="0"/>
+              <a:t>2.0.  We’ll look at a few:</a:t>
+            </a:r>
+            <a:endParaRPr lang="en-US" dirty="0" smtClean="0"/>
           </a:p>
           <a:p>
             <a:pPr lvl="1"/>
             <a:r>
+              <a:rPr lang="en-US" b="1" dirty="0" smtClean="0"/>
+              <a:t>HTTP: </a:t>
+            </a:r>
+            <a:r>
+              <a:rPr lang="en-US" dirty="0" smtClean="0"/>
+              <a:t>Hypertext Transfer Protocol</a:t>
+            </a:r>
+          </a:p>
+          <a:p>
+            <a:pPr lvl="1"/>
+            <a:r>
+              <a:rPr lang="en-US" b="1" dirty="0"/>
+              <a:t>URLs: </a:t>
+            </a:r>
+            <a:r>
               <a:rPr lang="en-US" dirty="0"/>
-              <a:t>Provides a simple dialect (verbs + structure) to ask for, give, and receive hypertext-based information</a:t>
-            </a:r>
-            <a:r>
-              <a:rPr lang="en-US" dirty="0" smtClean="0"/>
-              <a:t>.</a:t>
+              <a:t>Uniform Resource Locators</a:t>
+            </a:r>
+          </a:p>
+          <a:p>
+            <a:pPr lvl="2"/>
+            <a:r>
+              <a:rPr lang="en-US" dirty="0"/>
+              <a:t>A specific type of Uniform Resource Identifier (URI</a:t>
+            </a:r>
+            <a:r>
+              <a:rPr lang="en-US" dirty="0" smtClean="0"/>
+              <a:t>)</a:t>
+            </a:r>
+          </a:p>
+          <a:p>
+            <a:pPr lvl="1"/>
+            <a:r>
+              <a:rPr lang="en-US" b="1" dirty="0" smtClean="0"/>
+              <a:t>HTML: </a:t>
+            </a:r>
+            <a:r>
+              <a:rPr lang="en-US" dirty="0" smtClean="0"/>
+              <a:t>Hypertext Markup Language</a:t>
+            </a:r>
+          </a:p>
+          <a:p>
+            <a:pPr lvl="2"/>
+            <a:r>
+              <a:rPr lang="en-US" dirty="0" smtClean="0"/>
+              <a:t>With JavaScript and Cascading Style Sheets (CSS)</a:t>
+            </a:r>
+          </a:p>
+          <a:p>
+            <a:pPr lvl="1"/>
+            <a:r>
+              <a:rPr lang="en-US" b="1" dirty="0" smtClean="0"/>
+              <a:t>XML:</a:t>
+            </a:r>
+            <a:r>
+              <a:rPr lang="en-US" dirty="0" smtClean="0"/>
+              <a:t> E</a:t>
+            </a:r>
+            <a:r>
+              <a:rPr lang="en-US" dirty="0"/>
+              <a:t>x</a:t>
+            </a:r>
+            <a:r>
+              <a:rPr lang="en-US" dirty="0" smtClean="0"/>
+              <a:t>tensible Markup Language</a:t>
+            </a:r>
+          </a:p>
+          <a:p>
+            <a:pPr lvl="1"/>
+            <a:r>
+              <a:rPr lang="en-US" b="1" dirty="0" smtClean="0"/>
+              <a:t>Web Services:</a:t>
+            </a:r>
+          </a:p>
+          <a:p>
+            <a:pPr lvl="2"/>
+            <a:r>
+              <a:rPr lang="en-US" b="1" dirty="0" smtClean="0"/>
+              <a:t>SOAP: </a:t>
+            </a:r>
+            <a:r>
+              <a:rPr lang="en-US" dirty="0"/>
+              <a:t>Simple Object Access Protocol</a:t>
             </a:r>
             <a:endParaRPr lang="en-US" dirty="0" smtClean="0"/>
           </a:p>
           <a:p>
+            <a:pPr lvl="2"/>
+            <a:r>
+              <a:rPr lang="en-US" b="1" dirty="0" err="1" smtClean="0"/>
+              <a:t>RESTful</a:t>
+            </a:r>
+            <a:r>
+              <a:rPr lang="en-US" b="1" dirty="0" smtClean="0"/>
+              <a:t> JSON: </a:t>
+            </a:r>
+            <a:r>
+              <a:rPr lang="en-US" dirty="0" smtClean="0"/>
+              <a:t>Representational State Transfer JavaScript Object Notation</a:t>
+            </a:r>
+          </a:p>
+          <a:p>
             <a:pPr lvl="1"/>
-            <a:r>
-              <a:rPr lang="en-US" dirty="0" smtClean="0"/>
-              <a:t>Usually transferred using Transmission </a:t>
-            </a:r>
-            <a:r>
-              <a:rPr lang="en-US" dirty="0" smtClean="0"/>
-              <a:t>Control Protocol (TCP) </a:t>
-            </a:r>
-            <a:r>
-              <a:rPr lang="en-US" dirty="0" smtClean="0"/>
-              <a:t>over Internet </a:t>
-            </a:r>
-            <a:r>
-              <a:rPr lang="en-US" dirty="0" smtClean="0"/>
-              <a:t>Protocol (IP) </a:t>
-            </a:r>
-            <a:r>
-              <a:rPr lang="en-US" dirty="0" smtClean="0"/>
-              <a:t>switched networks</a:t>
-            </a:r>
-            <a:r>
-              <a:rPr lang="en-US" dirty="0" smtClean="0"/>
-              <a:t>.</a:t>
-            </a:r>
+            <a:endParaRPr lang="en-US" dirty="0" smtClean="0"/>
           </a:p>
           <a:p>
             <a:pPr lvl="1"/>
-            <a:r>
-              <a:rPr lang="en-US" dirty="0" smtClean="0"/>
-              <a:t>Allows creation of a graph containing ‘hypertext’ vertices</a:t>
-            </a:r>
-            <a:r>
-              <a:rPr lang="en-US" dirty="0" smtClean="0"/>
-              <a:t> (nodes)</a:t>
-            </a:r>
-            <a:r>
-              <a:rPr lang="en-US" dirty="0" smtClean="0"/>
-              <a:t> linked across </a:t>
-            </a:r>
-            <a:r>
-              <a:rPr lang="en-US" dirty="0" smtClean="0"/>
-              <a:t>‘</a:t>
-            </a:r>
-            <a:r>
-              <a:rPr lang="en-US" dirty="0" smtClean="0"/>
-              <a:t>hyperlink’ arcs.</a:t>
-            </a:r>
             <a:endParaRPr lang="en-US" dirty="0" smtClean="0"/>
           </a:p>
           <a:p>
             <a:pPr lvl="1"/>
-            <a:r>
-              <a:rPr lang="en-US" dirty="0" smtClean="0"/>
-              <a:t>The basis of </a:t>
-            </a:r>
-            <a:r>
-              <a:rPr lang="en-US" dirty="0" smtClean="0"/>
-              <a:t>the World </a:t>
-            </a:r>
-            <a:r>
-              <a:rPr lang="en-US" dirty="0" smtClean="0"/>
-              <a:t>Wide Web we know </a:t>
-            </a:r>
-            <a:r>
-              <a:rPr lang="en-US" dirty="0" smtClean="0"/>
-              <a:t>today.</a:t>
-            </a:r>
+            <a:endParaRPr lang="en-US" dirty="0"/>
           </a:p>
         </p:txBody>
       </p:sp>
     </p:spTree>
     <p:extLst>
       <p:ext uri="{BB962C8B-B14F-4D97-AF65-F5344CB8AC3E}">
-        <p14:creationId xmlns:p14="http://schemas.microsoft.com/office/powerpoint/2010/main" val="1749294492"/>
+        <p14:creationId xmlns:p14="http://schemas.microsoft.com/office/powerpoint/2010/main" val="1033790560"/>
       </p:ext>
     </p:extLst>
   </p:cSld>
@@ -10403,4 +14246,265 @@
     </a:ext>
   </a:extLst>
 </a:theme>
+</file>
+
+<file path=ppt/theme/theme2.xml><?xml version="1.0" encoding="utf-8"?>
+<a:theme xmlns:a="http://schemas.openxmlformats.org/drawingml/2006/main" name="Office Theme">
+  <a:themeElements>
+    <a:clrScheme name="Office">
+      <a:dk1>
+        <a:sysClr val="windowText" lastClr="000000"/>
+      </a:dk1>
+      <a:lt1>
+        <a:sysClr val="window" lastClr="FFFFFF"/>
+      </a:lt1>
+      <a:dk2>
+        <a:srgbClr val="44546A"/>
+      </a:dk2>
+      <a:lt2>
+        <a:srgbClr val="E7E6E6"/>
+      </a:lt2>
+      <a:accent1>
+        <a:srgbClr val="5B9BD5"/>
+      </a:accent1>
+      <a:accent2>
+        <a:srgbClr val="ED7D31"/>
+      </a:accent2>
+      <a:accent3>
+        <a:srgbClr val="A5A5A5"/>
+      </a:accent3>
+      <a:accent4>
+        <a:srgbClr val="FFC000"/>
+      </a:accent4>
+      <a:accent5>
+        <a:srgbClr val="4472C4"/>
+      </a:accent5>
+      <a:accent6>
+        <a:srgbClr val="70AD47"/>
+      </a:accent6>
+      <a:hlink>
+        <a:srgbClr val="0563C1"/>
+      </a:hlink>
+      <a:folHlink>
+        <a:srgbClr val="954F72"/>
+      </a:folHlink>
+    </a:clrScheme>
+    <a:fontScheme name="Office">
+      <a:majorFont>
+        <a:latin typeface="Calibri Light" panose="020F0302020204030204"/>
+        <a:ea typeface=""/>
+        <a:cs typeface=""/>
+        <a:font script="Jpan" typeface="Yu Gothic Light"/>
+        <a:font script="Hang" typeface="맑은 고딕"/>
+        <a:font script="Hans" typeface="DengXian Light"/>
+        <a:font script="Hant" typeface="新細明體"/>
+        <a:font script="Arab" typeface="Times New Roman"/>
+        <a:font script="Hebr" typeface="Times New Roman"/>
+        <a:font script="Thai" typeface="Angsana New"/>
+        <a:font script="Ethi" typeface="Nyala"/>
+        <a:font script="Beng" typeface="Vrinda"/>
+        <a:font script="Gujr" typeface="Shruti"/>
+        <a:font script="Khmr" typeface="MoolBoran"/>
+        <a:font script="Knda" typeface="Tunga"/>
+        <a:font script="Guru" typeface="Raavi"/>
+        <a:font script="Cans" typeface="Euphemia"/>
+        <a:font script="Cher" typeface="Plantagenet Cherokee"/>
+        <a:font script="Yiii" typeface="Microsoft Yi Baiti"/>
+        <a:font script="Tibt" typeface="Microsoft Himalaya"/>
+        <a:font script="Thaa" typeface="MV Boli"/>
+        <a:font script="Deva" typeface="Mangal"/>
+        <a:font script="Telu" typeface="Gautami"/>
+        <a:font script="Taml" typeface="Latha"/>
+        <a:font script="Syrc" typeface="Estrangelo Edessa"/>
+        <a:font script="Orya" typeface="Kalinga"/>
+        <a:font script="Mlym" typeface="Kartika"/>
+        <a:font script="Laoo" typeface="DokChampa"/>
+        <a:font script="Sinh" typeface="Iskoola Pota"/>
+        <a:font script="Mong" typeface="Mongolian Baiti"/>
+        <a:font script="Viet" typeface="Times New Roman"/>
+        <a:font script="Uigh" typeface="Microsoft Uighur"/>
+        <a:font script="Geor" typeface="Sylfaen"/>
+      </a:majorFont>
+      <a:minorFont>
+        <a:latin typeface="Calibri" panose="020F0502020204030204"/>
+        <a:ea typeface=""/>
+        <a:cs typeface=""/>
+        <a:font script="Jpan" typeface="Yu Gothic"/>
+        <a:font script="Hang" typeface="맑은 고딕"/>
+        <a:font script="Hans" typeface="DengXian"/>
+        <a:font script="Hant" typeface="新細明體"/>
+        <a:font script="Arab" typeface="Arial"/>
+        <a:font script="Hebr" typeface="Arial"/>
+        <a:font script="Thai" typeface="Cordia New"/>
+        <a:font script="Ethi" typeface="Nyala"/>
+        <a:font script="Beng" typeface="Vrinda"/>
+        <a:font script="Gujr" typeface="Shruti"/>
+        <a:font script="Khmr" typeface="DaunPenh"/>
+        <a:font script="Knda" typeface="Tunga"/>
+        <a:font script="Guru" typeface="Raavi"/>
+        <a:font script="Cans" typeface="Euphemia"/>
+        <a:font script="Cher" typeface="Plantagenet Cherokee"/>
+        <a:font script="Yiii" typeface="Microsoft Yi Baiti"/>
+        <a:font script="Tibt" typeface="Microsoft Himalaya"/>
+        <a:font script="Thaa" typeface="MV Boli"/>
+        <a:font script="Deva" typeface="Mangal"/>
+        <a:font script="Telu" typeface="Gautami"/>
+        <a:font script="Taml" typeface="Latha"/>
+        <a:font script="Syrc" typeface="Estrangelo Edessa"/>
+        <a:font script="Orya" typeface="Kalinga"/>
+        <a:font script="Mlym" typeface="Kartika"/>
+        <a:font script="Laoo" typeface="DokChampa"/>
+        <a:font script="Sinh" typeface="Iskoola Pota"/>
+        <a:font script="Mong" typeface="Mongolian Baiti"/>
+        <a:font script="Viet" typeface="Arial"/>
+        <a:font script="Uigh" typeface="Microsoft Uighur"/>
+        <a:font script="Geor" typeface="Sylfaen"/>
+      </a:minorFont>
+    </a:fontScheme>
+    <a:fmtScheme name="Office">
+      <a:fillStyleLst>
+        <a:solidFill>
+          <a:schemeClr val="phClr"/>
+        </a:solidFill>
+        <a:gradFill rotWithShape="1">
+          <a:gsLst>
+            <a:gs pos="0">
+              <a:schemeClr val="phClr">
+                <a:lumMod val="110000"/>
+                <a:satMod val="105000"/>
+                <a:tint val="67000"/>
+              </a:schemeClr>
+            </a:gs>
+            <a:gs pos="50000">
+              <a:schemeClr val="phClr">
+                <a:lumMod val="105000"/>
+                <a:satMod val="103000"/>
+                <a:tint val="73000"/>
+              </a:schemeClr>
+            </a:gs>
+            <a:gs pos="100000">
+              <a:schemeClr val="phClr">
+                <a:lumMod val="105000"/>
+                <a:satMod val="109000"/>
+                <a:tint val="81000"/>
+              </a:schemeClr>
+            </a:gs>
+          </a:gsLst>
+          <a:lin ang="5400000" scaled="0"/>
+        </a:gradFill>
+        <a:gradFill rotWithShape="1">
+          <a:gsLst>
+            <a:gs pos="0">
+              <a:schemeClr val="phClr">
+                <a:satMod val="103000"/>
+                <a:lumMod val="102000"/>
+                <a:tint val="94000"/>
+              </a:schemeClr>
+            </a:gs>
+            <a:gs pos="50000">
+              <a:schemeClr val="phClr">
+                <a:satMod val="110000"/>
+                <a:lumMod val="100000"/>
+                <a:shade val="100000"/>
+              </a:schemeClr>
+            </a:gs>
+            <a:gs pos="100000">
+              <a:schemeClr val="phClr">
+                <a:lumMod val="99000"/>
+                <a:satMod val="120000"/>
+                <a:shade val="78000"/>
+              </a:schemeClr>
+            </a:gs>
+          </a:gsLst>
+          <a:lin ang="5400000" scaled="0"/>
+        </a:gradFill>
+      </a:fillStyleLst>
+      <a:lnStyleLst>
+        <a:ln w="6350" cap="flat" cmpd="sng" algn="ctr">
+          <a:solidFill>
+            <a:schemeClr val="phClr"/>
+          </a:solidFill>
+          <a:prstDash val="solid"/>
+          <a:miter lim="800000"/>
+        </a:ln>
+        <a:ln w="12700" cap="flat" cmpd="sng" algn="ctr">
+          <a:solidFill>
+            <a:schemeClr val="phClr"/>
+          </a:solidFill>
+          <a:prstDash val="solid"/>
+          <a:miter lim="800000"/>
+        </a:ln>
+        <a:ln w="19050" cap="flat" cmpd="sng" algn="ctr">
+          <a:solidFill>
+            <a:schemeClr val="phClr"/>
+          </a:solidFill>
+          <a:prstDash val="solid"/>
+          <a:miter lim="800000"/>
+        </a:ln>
+      </a:lnStyleLst>
+      <a:effectStyleLst>
+        <a:effectStyle>
+          <a:effectLst/>
+        </a:effectStyle>
+        <a:effectStyle>
+          <a:effectLst/>
+        </a:effectStyle>
+        <a:effectStyle>
+          <a:effectLst>
+            <a:outerShdw blurRad="57150" dist="19050" dir="5400000" algn="ctr" rotWithShape="0">
+              <a:srgbClr val="000000">
+                <a:alpha val="63000"/>
+              </a:srgbClr>
+            </a:outerShdw>
+          </a:effectLst>
+        </a:effectStyle>
+      </a:effectStyleLst>
+      <a:bgFillStyleLst>
+        <a:solidFill>
+          <a:schemeClr val="phClr"/>
+        </a:solidFill>
+        <a:solidFill>
+          <a:schemeClr val="phClr">
+            <a:tint val="95000"/>
+            <a:satMod val="170000"/>
+          </a:schemeClr>
+        </a:solidFill>
+        <a:gradFill rotWithShape="1">
+          <a:gsLst>
+            <a:gs pos="0">
+              <a:schemeClr val="phClr">
+                <a:tint val="93000"/>
+                <a:satMod val="150000"/>
+                <a:shade val="98000"/>
+                <a:lumMod val="102000"/>
+              </a:schemeClr>
+            </a:gs>
+            <a:gs pos="50000">
+              <a:schemeClr val="phClr">
+                <a:tint val="98000"/>
+                <a:satMod val="130000"/>
+                <a:shade val="90000"/>
+                <a:lumMod val="103000"/>
+              </a:schemeClr>
+            </a:gs>
+            <a:gs pos="100000">
+              <a:schemeClr val="phClr">
+                <a:shade val="63000"/>
+                <a:satMod val="120000"/>
+              </a:schemeClr>
+            </a:gs>
+          </a:gsLst>
+          <a:lin ang="5400000" scaled="0"/>
+        </a:gradFill>
+      </a:bgFillStyleLst>
+    </a:fmtScheme>
+  </a:themeElements>
+  <a:objectDefaults/>
+  <a:extraClrSchemeLst/>
+  <a:extLst>
+    <a:ext uri="{05A4C25C-085E-4340-85A3-A5531E510DB2}">
+      <thm15:themeFamily xmlns:thm15="http://schemas.microsoft.com/office/thememl/2012/main" name="Office Theme" id="{62F939B6-93AF-4DB8-9C6B-D6C7DFDC589F}" vid="{4A3C46E8-61CC-4603-A589-7422A47A8E4A}"/>
+    </a:ext>
+  </a:extLst>
+</a:theme>
 </file>